--- a/documentation/Quick-Start-Guide-M3.pptx
+++ b/documentation/Quick-Start-Guide-M3.pptx
@@ -28,8 +28,8 @@
     <p:sldId id="275" r:id="rId19"/>
     <p:sldId id="280" r:id="rId20"/>
     <p:sldId id="273" r:id="rId21"/>
-    <p:sldId id="274" r:id="rId22"/>
-    <p:sldId id="276" r:id="rId23"/>
+    <p:sldId id="276" r:id="rId22"/>
+    <p:sldId id="274" r:id="rId23"/>
     <p:sldId id="277" r:id="rId24"/>
     <p:sldId id="283" r:id="rId25"/>
     <p:sldId id="281" r:id="rId26"/>
@@ -10249,8 +10249,8 @@
         </p:nvSpPr>
         <p:spPr>
           <a:xfrm>
-            <a:off x="0" y="1"/>
-            <a:ext cx="10515600" cy="603682"/>
+            <a:off x="-1" y="1"/>
+            <a:ext cx="12064753" cy="603682"/>
           </a:xfrm>
         </p:spPr>
         <p:txBody>
@@ -10261,7 +10261,7 @@
           <a:p>
             <a:r>
               <a:rPr lang="hu-HU" sz="2400" b="1" err="1"/>
-              <a:t>Inter-Cloud</a:t>
+              <a:t>Dynamical</a:t>
             </a:r>
             <a:r>
               <a:rPr lang="hu-HU" sz="2400" b="1"/>
@@ -10269,19 +10269,11 @@
             </a:r>
             <a:r>
               <a:rPr lang="hu-HU" sz="2400" b="1" err="1"/>
-              <a:t>dynamical</a:t>
+              <a:t>o</a:t>
             </a:r>
             <a:r>
               <a:rPr lang="hu-HU" sz="2400" b="1"/>
-              <a:t> </a:t>
-            </a:r>
-            <a:r>
-              <a:rPr lang="hu-HU" sz="2400" b="1" err="1"/>
-              <a:t>orchestration</a:t>
-            </a:r>
-            <a:r>
-              <a:rPr lang="hu-HU" sz="2400" b="1"/>
-              <a:t> (</a:t>
+              <a:t>rchestration </a:t>
             </a:r>
             <a:r>
               <a:rPr lang="hu-HU" sz="2400" b="1" err="1"/>
@@ -10293,19 +10285,11 @@
             </a:r>
             <a:r>
               <a:rPr lang="hu-HU" sz="2400" b="1" err="1"/>
-              <a:t>triggerInterCloud</a:t>
+              <a:t>I</a:t>
             </a:r>
             <a:r>
               <a:rPr lang="hu-HU" sz="2400" b="1"/>
-              <a:t> </a:t>
-            </a:r>
-            <a:r>
-              <a:rPr lang="hu-HU" sz="2400" b="1" err="1"/>
-              <a:t>flag</a:t>
-            </a:r>
-            <a:r>
-              <a:rPr lang="hu-HU" sz="2400" b="1"/>
-              <a:t>)</a:t>
+              <a:t>nter-Cloud enabled</a:t>
             </a:r>
             <a:endParaRPr lang="en-US" sz="2400" b="1"/>
           </a:p>
@@ -10324,7 +10308,7 @@
         <p:spPr>
           <a:xfrm>
             <a:off x="0" y="603684"/>
-            <a:ext cx="4692589" cy="4930341"/>
+            <a:ext cx="4692589" cy="4964778"/>
           </a:xfrm>
           <a:ln>
             <a:solidFill>
@@ -10436,7 +10420,7 @@
             </a:r>
             <a:r>
               <a:rPr lang="hu-HU" sz="7200" dirty="0" err="1"/>
-              <a:t>ElectricVehicle</a:t>
+              <a:t>ChargePointSystem</a:t>
             </a:r>
             <a:r>
               <a:rPr lang="hu-HU" sz="7200" dirty="0"/>
@@ -10463,7 +10447,7 @@
             </a:r>
             <a:r>
               <a:rPr lang="hu-HU" sz="7200" dirty="0"/>
-              <a:t>": "dummy_address_2"</a:t>
+              <a:t>": "dummy_address_4"</a:t>
             </a:r>
           </a:p>
           <a:p>
@@ -10543,7 +10527,7 @@
             </a:r>
             <a:r>
               <a:rPr lang="hu-HU" sz="7200" dirty="0" err="1"/>
-              <a:t>DCCharging</a:t>
+              <a:t>ChargingProfile</a:t>
             </a:r>
             <a:r>
               <a:rPr lang="hu-HU" sz="7200" dirty="0"/>
@@ -10627,7 +10611,38 @@
             </a:r>
             <a:r>
               <a:rPr lang="hu-HU" sz="7200" dirty="0" err="1"/>
-              <a:t>triggerInterCloud</a:t>
+              <a:t>overrideStore</a:t>
+            </a:r>
+            <a:r>
+              <a:rPr lang="hu-HU" sz="7200" dirty="0"/>
+              <a:t>": </a:t>
+            </a:r>
+            <a:r>
+              <a:rPr lang="hu-HU" sz="7200" dirty="0" err="1"/>
+              <a:t>true</a:t>
+            </a:r>
+            <a:r>
+              <a:rPr lang="hu-HU" sz="7200" dirty="0"/>
+              <a:t>,</a:t>
+            </a:r>
+          </a:p>
+          <a:p>
+            <a:pPr marL="0" indent="0">
+              <a:lnSpc>
+                <a:spcPct val="120000"/>
+              </a:lnSpc>
+              <a:spcBef>
+                <a:spcPts val="0"/>
+              </a:spcBef>
+              <a:buNone/>
+            </a:pPr>
+            <a:r>
+              <a:rPr lang="hu-HU" sz="7200" dirty="0"/>
+              <a:t>    "</a:t>
+            </a:r>
+            <a:r>
+              <a:rPr lang="hu-HU" sz="7200" dirty="0" err="1"/>
+              <a:t>enableInterCloud</a:t>
             </a:r>
             <a:r>
               <a:rPr lang="hu-HU" sz="7200" dirty="0"/>
@@ -10684,8 +10699,8 @@
         </p:nvSpPr>
         <p:spPr>
           <a:xfrm>
-            <a:off x="6565221" y="565581"/>
-            <a:ext cx="4178979" cy="4968444"/>
+            <a:off x="5787870" y="541537"/>
+            <a:ext cx="5181600" cy="5026925"/>
           </a:xfrm>
           <a:ln>
             <a:solidFill>
@@ -10726,7 +10741,6 @@
               <a:rPr lang="hu-HU" sz="7200" dirty="0"/>
               <a:t>)</a:t>
             </a:r>
-            <a:endParaRPr lang="hu-HU" sz="3600" dirty="0"/>
           </a:p>
           <a:p>
             <a:pPr marL="0" indent="0">
@@ -10820,7 +10834,7 @@
             </a:r>
             <a:r>
               <a:rPr lang="hu-HU" sz="5600" dirty="0" err="1"/>
-              <a:t>DCCharging</a:t>
+              <a:t>ChargingProfile</a:t>
             </a:r>
             <a:r>
               <a:rPr lang="hu-HU" sz="5600" dirty="0"/>
@@ -10915,7 +10929,15 @@
             </a:pPr>
             <a:r>
               <a:rPr lang="hu-HU" sz="5600" dirty="0"/>
-              <a:t>          "amper": "15"</a:t>
+              <a:t>          "</a:t>
+            </a:r>
+            <a:r>
+              <a:rPr lang="hu-HU" sz="5600" dirty="0" err="1"/>
+              <a:t>maxDuration</a:t>
+            </a:r>
+            <a:r>
+              <a:rPr lang="hu-HU" sz="5600" dirty="0"/>
+              <a:t>": "3600"</a:t>
             </a:r>
           </a:p>
           <a:p>
@@ -11022,7 +11044,7 @@
             </a:r>
             <a:r>
               <a:rPr lang="hu-HU" sz="5600" dirty="0"/>
-              <a:t>": "10.0.0.80",</a:t>
+              <a:t>": "10.0.0.82",</a:t>
             </a:r>
           </a:p>
           <a:p>
@@ -11037,7 +11059,7 @@
             </a:pPr>
             <a:r>
               <a:rPr lang="hu-HU" sz="5600" dirty="0"/>
-              <a:t>        "port": 8000</a:t>
+              <a:t>        "port": 8001</a:t>
             </a:r>
           </a:p>
           <a:p>
@@ -11079,11 +11101,11 @@
             </a:r>
             <a:r>
               <a:rPr lang="hu-HU" sz="5600" dirty="0" err="1"/>
-              <a:t>charging</a:t>
+              <a:t>charging_profile</a:t>
             </a:r>
             <a:r>
               <a:rPr lang="hu-HU" sz="5600" dirty="0"/>
-              <a:t>/dc",</a:t>
+              <a:t>",</a:t>
             </a:r>
           </a:p>
           <a:p>
@@ -11205,8 +11227,8 @@
         </p:nvSpPr>
         <p:spPr>
           <a:xfrm>
-            <a:off x="4923693" y="2592211"/>
-            <a:ext cx="1383322" cy="603682"/>
+            <a:off x="4809662" y="3029806"/>
+            <a:ext cx="861134" cy="603682"/>
           </a:xfrm>
           <a:prstGeom prst="rightArrow">
             <a:avLst/>
@@ -11245,8 +11267,8 @@
         </p:nvSpPr>
         <p:spPr>
           <a:xfrm>
-            <a:off x="0" y="5623354"/>
-            <a:ext cx="10866614" cy="1200329"/>
+            <a:off x="-1" y="5568462"/>
+            <a:ext cx="11547232" cy="1200329"/>
           </a:xfrm>
           <a:prstGeom prst="rect">
             <a:avLst/>
@@ -11266,12 +11288,8 @@
           <a:p>
             <a:pPr algn="just"/>
             <a:r>
-              <a:rPr lang="hu-HU" err="1"/>
-              <a:t>This</a:t>
-            </a:r>
-            <a:r>
-              <a:rPr lang="hu-HU"/>
-              <a:t> is </a:t>
+              <a:rPr lang="hu-HU" dirty="0"/>
+              <a:t>In </a:t>
             </a:r>
             <a:r>
               <a:rPr lang="hu-HU" err="1"/>
@@ -11279,376 +11297,490 @@
             </a:r>
             <a:r>
               <a:rPr lang="hu-HU"/>
-              <a:t> </a:t>
-            </a:r>
-            <a:r>
-              <a:rPr lang="hu-HU" err="1"/>
-              <a:t>only</a:t>
-            </a:r>
-            <a:r>
-              <a:rPr lang="hu-HU"/>
-              <a:t> </a:t>
-            </a:r>
-            <a:r>
-              <a:rPr lang="hu-HU" err="1"/>
+              <a:t> 3rd example, </a:t>
+            </a:r>
+            <a:r>
+              <a:rPr lang="hu-HU" dirty="0"/>
+              <a:t>a </a:t>
+            </a:r>
+            <a:r>
+              <a:rPr lang="hu-HU" dirty="0" err="1"/>
+              <a:t>charging</a:t>
+            </a:r>
+            <a:r>
+              <a:rPr lang="hu-HU" dirty="0"/>
+              <a:t> </a:t>
+            </a:r>
+            <a:r>
+              <a:rPr lang="hu-HU" dirty="0" err="1"/>
+              <a:t>station</a:t>
+            </a:r>
+            <a:r>
+              <a:rPr lang="hu-HU" dirty="0"/>
+              <a:t> is </a:t>
+            </a:r>
+            <a:r>
+              <a:rPr lang="hu-HU" dirty="0" err="1"/>
+              <a:t>looking</a:t>
+            </a:r>
+            <a:r>
+              <a:rPr lang="hu-HU" dirty="0"/>
+              <a:t> </a:t>
+            </a:r>
+            <a:r>
+              <a:rPr lang="hu-HU" dirty="0" err="1"/>
+              <a:t>for</a:t>
+            </a:r>
+            <a:r>
+              <a:rPr lang="hu-HU" dirty="0"/>
+              <a:t> </a:t>
+            </a:r>
+            <a:r>
+              <a:rPr lang="hu-HU" dirty="0" err="1"/>
+              <a:t>the</a:t>
+            </a:r>
+            <a:r>
+              <a:rPr lang="hu-HU" dirty="0"/>
+              <a:t> </a:t>
+            </a:r>
+            <a:r>
+              <a:rPr lang="hu-HU" dirty="0" err="1"/>
+              <a:t>optimal</a:t>
+            </a:r>
+            <a:r>
+              <a:rPr lang="hu-HU" dirty="0"/>
+              <a:t> </a:t>
+            </a:r>
+            <a:r>
+              <a:rPr lang="hu-HU" dirty="0" err="1"/>
+              <a:t>charging</a:t>
+            </a:r>
+            <a:r>
+              <a:rPr lang="hu-HU" dirty="0"/>
+              <a:t> </a:t>
+            </a:r>
+            <a:r>
+              <a:rPr lang="hu-HU" dirty="0" err="1"/>
+              <a:t>profile</a:t>
+            </a:r>
+            <a:r>
+              <a:rPr lang="hu-HU" dirty="0"/>
+              <a:t> </a:t>
+            </a:r>
+            <a:r>
+              <a:rPr lang="hu-HU" dirty="0" err="1"/>
+              <a:t>for</a:t>
+            </a:r>
+            <a:r>
+              <a:rPr lang="hu-HU" dirty="0"/>
+              <a:t> a </a:t>
+            </a:r>
+            <a:r>
+              <a:rPr lang="hu-HU" dirty="0" err="1"/>
+              <a:t>car</a:t>
+            </a:r>
+            <a:r>
+              <a:rPr lang="hu-HU" dirty="0"/>
+              <a:t>, </a:t>
+            </a:r>
+            <a:r>
+              <a:rPr lang="hu-HU" dirty="0" err="1"/>
+              <a:t>before</a:t>
+            </a:r>
+            <a:r>
+              <a:rPr lang="hu-HU" dirty="0"/>
+              <a:t> starting </a:t>
+            </a:r>
+            <a:r>
+              <a:rPr lang="hu-HU" dirty="0" err="1"/>
+              <a:t>the</a:t>
+            </a:r>
+            <a:r>
+              <a:rPr lang="hu-HU" dirty="0"/>
+              <a:t> </a:t>
+            </a:r>
+            <a:r>
+              <a:rPr lang="hu-HU" dirty="0" err="1"/>
+              <a:t>charging</a:t>
+            </a:r>
+            <a:r>
+              <a:rPr lang="hu-HU" dirty="0"/>
+              <a:t>. </a:t>
+            </a:r>
+            <a:r>
+              <a:rPr lang="hu-HU" dirty="0" err="1"/>
+              <a:t>It</a:t>
+            </a:r>
+            <a:r>
+              <a:rPr lang="hu-HU" dirty="0"/>
+              <a:t> </a:t>
+            </a:r>
+            <a:r>
+              <a:rPr lang="hu-HU" dirty="0" err="1"/>
+              <a:t>initiates</a:t>
+            </a:r>
+            <a:r>
+              <a:rPr lang="hu-HU" dirty="0"/>
+              <a:t> </a:t>
+            </a:r>
+            <a:r>
+              <a:rPr lang="hu-HU" dirty="0" err="1"/>
+              <a:t>the</a:t>
+            </a:r>
+            <a:r>
+              <a:rPr lang="hu-HU" dirty="0"/>
+              <a:t> </a:t>
+            </a:r>
+            <a:r>
+              <a:rPr lang="hu-HU" dirty="0" err="1"/>
+              <a:t>dynamical</a:t>
+            </a:r>
+            <a:r>
+              <a:rPr lang="hu-HU" dirty="0"/>
+              <a:t> </a:t>
+            </a:r>
+            <a:r>
+              <a:rPr lang="hu-HU" dirty="0" err="1"/>
+              <a:t>orchestraion</a:t>
+            </a:r>
+            <a:r>
+              <a:rPr lang="hu-HU" dirty="0"/>
+              <a:t> </a:t>
+            </a:r>
+            <a:r>
+              <a:rPr lang="hu-HU" dirty="0" err="1"/>
+              <a:t>process</a:t>
+            </a:r>
+            <a:r>
+              <a:rPr lang="hu-HU" dirty="0"/>
+              <a:t>, and </a:t>
+            </a:r>
+            <a:r>
+              <a:rPr lang="hu-HU" dirty="0" err="1"/>
+              <a:t>accepts</a:t>
+            </a:r>
+            <a:r>
+              <a:rPr lang="hu-HU" dirty="0"/>
+              <a:t> </a:t>
+            </a:r>
+            <a:r>
+              <a:rPr lang="hu-HU" dirty="0" err="1"/>
+              <a:t>providers</a:t>
+            </a:r>
+            <a:r>
+              <a:rPr lang="hu-HU" dirty="0"/>
+              <a:t> </a:t>
+            </a:r>
+            <a:r>
+              <a:rPr lang="hu-HU" dirty="0" err="1"/>
+              <a:t>from</a:t>
+            </a:r>
+            <a:r>
+              <a:rPr lang="hu-HU" dirty="0"/>
+              <a:t> </a:t>
+            </a:r>
+            <a:r>
+              <a:rPr lang="hu-HU" dirty="0" err="1"/>
+              <a:t>other</a:t>
+            </a:r>
+            <a:r>
+              <a:rPr lang="hu-HU" dirty="0"/>
+              <a:t> </a:t>
+            </a:r>
+            <a:r>
+              <a:rPr lang="hu-HU" dirty="0" err="1"/>
+              <a:t>clouds</a:t>
+            </a:r>
+            <a:r>
+              <a:rPr lang="hu-HU" dirty="0"/>
+              <a:t> </a:t>
+            </a:r>
+            <a:r>
+              <a:rPr lang="hu-HU" dirty="0" err="1"/>
+              <a:t>too</a:t>
+            </a:r>
+            <a:r>
+              <a:rPr lang="hu-HU" dirty="0"/>
+              <a:t> </a:t>
+            </a:r>
+            <a:r>
+              <a:rPr lang="hu-HU" dirty="0" err="1"/>
+              <a:t>with</a:t>
+            </a:r>
+            <a:r>
+              <a:rPr lang="hu-HU" dirty="0"/>
+              <a:t> </a:t>
+            </a:r>
+            <a:r>
+              <a:rPr lang="hu-HU" dirty="0" err="1"/>
+              <a:t>the</a:t>
+            </a:r>
+            <a:r>
+              <a:rPr lang="hu-HU" dirty="0"/>
+              <a:t> „</a:t>
+            </a:r>
+            <a:r>
+              <a:rPr lang="hu-HU" dirty="0" err="1"/>
+              <a:t>enableInterCloud</a:t>
+            </a:r>
+            <a:r>
+              <a:rPr lang="hu-HU" dirty="0"/>
+              <a:t>” </a:t>
+            </a:r>
+            <a:r>
+              <a:rPr lang="hu-HU" dirty="0" err="1"/>
+              <a:t>flag</a:t>
+            </a:r>
+            <a:r>
+              <a:rPr lang="hu-HU" dirty="0"/>
+              <a:t> </a:t>
+            </a:r>
+            <a:r>
+              <a:rPr lang="hu-HU" dirty="0" err="1"/>
+              <a:t>set</a:t>
+            </a:r>
+            <a:r>
+              <a:rPr lang="hu-HU" dirty="0"/>
+              <a:t>. The local </a:t>
+            </a:r>
+            <a:r>
+              <a:rPr lang="hu-HU" dirty="0" err="1"/>
+              <a:t>search</a:t>
+            </a:r>
+            <a:r>
+              <a:rPr lang="hu-HU" dirty="0"/>
+              <a:t> </a:t>
+            </a:r>
+            <a:r>
+              <a:rPr lang="hu-HU" dirty="0" err="1"/>
+              <a:t>for</a:t>
+            </a:r>
+            <a:r>
+              <a:rPr lang="hu-HU" dirty="0"/>
+              <a:t> a </a:t>
+            </a:r>
+            <a:r>
+              <a:rPr lang="hu-HU" dirty="0" err="1"/>
+              <a:t>provider</a:t>
+            </a:r>
+            <a:r>
+              <a:rPr lang="hu-HU" dirty="0"/>
+              <a:t> </a:t>
+            </a:r>
+            <a:r>
+              <a:rPr lang="hu-HU" dirty="0" err="1"/>
+              <a:t>will</a:t>
+            </a:r>
+            <a:r>
+              <a:rPr lang="hu-HU" dirty="0"/>
+              <a:t> </a:t>
+            </a:r>
+            <a:r>
+              <a:rPr lang="hu-HU" dirty="0" err="1"/>
+              <a:t>yield</a:t>
+            </a:r>
+            <a:r>
+              <a:rPr lang="hu-HU" dirty="0"/>
+              <a:t> no </a:t>
+            </a:r>
+            <a:r>
+              <a:rPr lang="hu-HU" dirty="0" err="1"/>
+              <a:t>result</a:t>
+            </a:r>
+            <a:r>
+              <a:rPr lang="hu-HU" dirty="0"/>
+              <a:t>, </a:t>
+            </a:r>
+            <a:r>
+              <a:rPr lang="hu-HU" dirty="0" err="1"/>
+              <a:t>but</a:t>
+            </a:r>
+            <a:r>
+              <a:rPr lang="hu-HU" dirty="0"/>
+              <a:t> </a:t>
+            </a:r>
+            <a:r>
+              <a:rPr lang="hu-HU" dirty="0" err="1"/>
+              <a:t>the</a:t>
+            </a:r>
+            <a:r>
+              <a:rPr lang="hu-HU" dirty="0"/>
+              <a:t> 2nd </a:t>
+            </a:r>
+            <a:r>
+              <a:rPr lang="hu-HU" dirty="0" err="1"/>
+              <a:t>cloud</a:t>
+            </a:r>
+            <a:r>
+              <a:rPr lang="hu-HU" dirty="0"/>
+              <a:t> has a </a:t>
+            </a:r>
+            <a:r>
+              <a:rPr lang="hu-HU" dirty="0" err="1"/>
+              <a:t>provider</a:t>
+            </a:r>
+            <a:r>
+              <a:rPr lang="hu-HU" dirty="0"/>
+              <a:t>. </a:t>
+            </a:r>
+            <a:r>
+              <a:rPr lang="hu-HU" dirty="0" err="1"/>
+              <a:t>Gateway</a:t>
+            </a:r>
+            <a:r>
+              <a:rPr lang="hu-HU" dirty="0"/>
+              <a:t> </a:t>
+            </a:r>
+            <a:r>
+              <a:rPr lang="hu-HU" dirty="0" err="1"/>
+              <a:t>module</a:t>
+            </a:r>
+            <a:r>
+              <a:rPr lang="hu-HU" dirty="0"/>
+              <a:t> </a:t>
+            </a:r>
+            <a:r>
+              <a:rPr lang="hu-HU" dirty="0" err="1"/>
+              <a:t>was</a:t>
+            </a:r>
+            <a:r>
+              <a:rPr lang="hu-HU" dirty="0"/>
+              <a:t> </a:t>
+            </a:r>
+            <a:r>
+              <a:rPr lang="hu-HU" dirty="0" err="1"/>
+              <a:t>used</a:t>
+            </a:r>
+            <a:r>
+              <a:rPr lang="hu-HU" dirty="0"/>
+              <a:t> in </a:t>
+            </a:r>
+            <a:r>
+              <a:rPr lang="hu-HU" dirty="0" err="1"/>
+              <a:t>this</a:t>
+            </a:r>
+            <a:r>
+              <a:rPr lang="hu-HU" dirty="0"/>
+              <a:t> </a:t>
+            </a:r>
+            <a:r>
+              <a:rPr lang="hu-HU" dirty="0" err="1"/>
               <a:t>example</a:t>
             </a:r>
             <a:r>
-              <a:rPr lang="hu-HU"/>
-              <a:t> out of </a:t>
-            </a:r>
-            <a:r>
-              <a:rPr lang="hu-HU" err="1"/>
+              <a:rPr lang="hu-HU" dirty="0"/>
+              <a:t>, </a:t>
+            </a:r>
+            <a:r>
+              <a:rPr lang="hu-HU" dirty="0" err="1"/>
+              <a:t>which</a:t>
+            </a:r>
+            <a:r>
+              <a:rPr lang="hu-HU" dirty="0"/>
+              <a:t> is </a:t>
+            </a:r>
+            <a:r>
+              <a:rPr lang="hu-HU" dirty="0" err="1"/>
+              <a:t>responsible</a:t>
+            </a:r>
+            <a:r>
+              <a:rPr lang="hu-HU" dirty="0"/>
+              <a:t> </a:t>
+            </a:r>
+            <a:r>
+              <a:rPr lang="hu-HU" dirty="0" err="1"/>
+              <a:t>for</a:t>
+            </a:r>
+            <a:r>
+              <a:rPr lang="hu-HU" dirty="0"/>
+              <a:t> </a:t>
+            </a:r>
+            <a:r>
+              <a:rPr lang="hu-HU" dirty="0" err="1"/>
+              <a:t>modifying</a:t>
+            </a:r>
+            <a:r>
+              <a:rPr lang="hu-HU" dirty="0"/>
+              <a:t> </a:t>
+            </a:r>
+            <a:r>
+              <a:rPr lang="hu-HU" dirty="0" err="1"/>
               <a:t>the</a:t>
             </a:r>
             <a:r>
-              <a:rPr lang="hu-HU"/>
-              <a:t> 4 </a:t>
-            </a:r>
-            <a:r>
-              <a:rPr lang="hu-HU" err="1"/>
-              <a:t>which</a:t>
-            </a:r>
-            <a:r>
-              <a:rPr lang="hu-HU"/>
-              <a:t> </a:t>
-            </a:r>
-            <a:r>
-              <a:rPr lang="hu-HU" b="1"/>
-              <a:t>has </a:t>
-            </a:r>
-            <a:r>
-              <a:rPr lang="hu-HU" b="1" err="1"/>
-              <a:t>to</a:t>
-            </a:r>
-            <a:r>
-              <a:rPr lang="hu-HU" b="1"/>
-              <a:t> be </a:t>
-            </a:r>
-            <a:r>
-              <a:rPr lang="hu-HU" b="1" err="1"/>
-              <a:t>sent</a:t>
-            </a:r>
-            <a:r>
-              <a:rPr lang="hu-HU" b="1"/>
-              <a:t> </a:t>
-            </a:r>
-            <a:r>
-              <a:rPr lang="hu-HU" b="1" err="1"/>
-              <a:t>to</a:t>
-            </a:r>
-            <a:r>
-              <a:rPr lang="hu-HU" b="1"/>
-              <a:t> </a:t>
-            </a:r>
-            <a:r>
-              <a:rPr lang="hu-HU" b="1" err="1"/>
+              <a:rPr lang="hu-HU" dirty="0"/>
+              <a:t> </a:t>
+            </a:r>
+            <a:r>
+              <a:rPr lang="hu-HU" dirty="0" err="1"/>
+              <a:t>orchestration</a:t>
+            </a:r>
+            <a:r>
+              <a:rPr lang="hu-HU" dirty="0"/>
+              <a:t> </a:t>
+            </a:r>
+            <a:r>
+              <a:rPr lang="hu-HU" dirty="0" err="1"/>
+              <a:t>response</a:t>
+            </a:r>
+            <a:r>
+              <a:rPr lang="hu-HU" dirty="0"/>
+              <a:t> (</a:t>
+            </a:r>
+            <a:r>
+              <a:rPr lang="hu-HU" dirty="0" err="1"/>
               <a:t>the</a:t>
             </a:r>
             <a:r>
-              <a:rPr lang="hu-HU" b="1"/>
-              <a:t> </a:t>
-            </a:r>
-            <a:r>
-              <a:rPr lang="hu-HU" b="1" err="1"/>
-              <a:t>Orchestrator</a:t>
-            </a:r>
-            <a:r>
-              <a:rPr lang="hu-HU" b="1"/>
-              <a:t> in </a:t>
-            </a:r>
-            <a:r>
-              <a:rPr lang="hu-HU" b="1" err="1"/>
+              <a:rPr lang="hu-HU" dirty="0"/>
+              <a:t> </a:t>
+            </a:r>
+            <a:r>
+              <a:rPr lang="hu-HU" dirty="0" err="1"/>
+              <a:t>provider</a:t>
+            </a:r>
+            <a:r>
+              <a:rPr lang="hu-HU" dirty="0"/>
+              <a:t> </a:t>
+            </a:r>
+            <a:r>
+              <a:rPr lang="hu-HU" dirty="0" err="1"/>
+              <a:t>field</a:t>
+            </a:r>
+            <a:r>
+              <a:rPr lang="hu-HU" dirty="0"/>
+              <a:t>) </a:t>
+            </a:r>
+            <a:r>
+              <a:rPr lang="hu-HU" dirty="0" err="1"/>
+              <a:t>from</a:t>
+            </a:r>
+            <a:r>
+              <a:rPr lang="hu-HU" dirty="0"/>
+              <a:t> </a:t>
+            </a:r>
+            <a:r>
+              <a:rPr lang="hu-HU" dirty="0" err="1"/>
               <a:t>the</a:t>
             </a:r>
             <a:r>
-              <a:rPr lang="hu-HU" b="1"/>
-              <a:t> 2nd </a:t>
-            </a:r>
-            <a:r>
-              <a:rPr lang="hu-HU" b="1" err="1"/>
+              <a:rPr lang="hu-HU" dirty="0"/>
+              <a:t> </a:t>
+            </a:r>
+            <a:r>
+              <a:rPr lang="hu-HU" dirty="0" err="1"/>
+              <a:t>other</a:t>
+            </a:r>
+            <a:r>
+              <a:rPr lang="hu-HU" dirty="0"/>
+              <a:t> </a:t>
+            </a:r>
+            <a:r>
+              <a:rPr lang="hu-HU" dirty="0" err="1"/>
               <a:t>cloud</a:t>
             </a:r>
             <a:r>
-              <a:rPr lang="hu-HU" b="1"/>
-              <a:t> </a:t>
-            </a:r>
-            <a:r>
-              <a:rPr lang="hu-HU"/>
-              <a:t>(test server URL is </a:t>
-            </a:r>
-            <a:r>
-              <a:rPr lang="en-US">
-                <a:hlinkClick r:id="rId2"/>
-              </a:rPr>
-              <a:t>http://arrowhead2.tmit.bme.hu:8440/orchestrator/orchestration</a:t>
-            </a:r>
-            <a:r>
-              <a:rPr lang="hu-HU"/>
-              <a:t>) </a:t>
-            </a:r>
-            <a:r>
-              <a:rPr lang="hu-HU" err="1"/>
-              <a:t>since</a:t>
-            </a:r>
-            <a:r>
-              <a:rPr lang="hu-HU"/>
-              <a:t> </a:t>
-            </a:r>
-            <a:r>
-              <a:rPr lang="hu-HU" err="1"/>
-              <a:t>the</a:t>
-            </a:r>
-            <a:r>
-              <a:rPr lang="hu-HU"/>
-              <a:t> </a:t>
-            </a:r>
-            <a:r>
-              <a:rPr lang="hu-HU" err="1"/>
-              <a:t>requester</a:t>
-            </a:r>
-            <a:r>
-              <a:rPr lang="hu-HU"/>
-              <a:t> </a:t>
-            </a:r>
-            <a:r>
-              <a:rPr lang="hu-HU" err="1"/>
-              <a:t>system</a:t>
-            </a:r>
-            <a:r>
-              <a:rPr lang="hu-HU"/>
-              <a:t> is in </a:t>
-            </a:r>
-            <a:r>
-              <a:rPr lang="hu-HU" err="1"/>
-              <a:t>this</a:t>
-            </a:r>
-            <a:r>
-              <a:rPr lang="hu-HU"/>
-              <a:t> </a:t>
-            </a:r>
-            <a:r>
-              <a:rPr lang="hu-HU" err="1"/>
-              <a:t>cloud</a:t>
-            </a:r>
-            <a:r>
-              <a:rPr lang="hu-HU"/>
-              <a:t> </a:t>
-            </a:r>
-            <a:r>
-              <a:rPr lang="hu-HU" err="1"/>
-              <a:t>this</a:t>
-            </a:r>
-            <a:r>
-              <a:rPr lang="hu-HU"/>
-              <a:t> </a:t>
-            </a:r>
-            <a:r>
-              <a:rPr lang="hu-HU" err="1"/>
-              <a:t>time</a:t>
-            </a:r>
-            <a:r>
-              <a:rPr lang="hu-HU"/>
-              <a:t>. The </a:t>
-            </a:r>
-            <a:r>
-              <a:rPr lang="hu-HU" err="1"/>
-              <a:t>requester</a:t>
-            </a:r>
-            <a:r>
-              <a:rPr lang="hu-HU"/>
-              <a:t> </a:t>
-            </a:r>
-            <a:r>
-              <a:rPr lang="hu-HU" err="1"/>
-              <a:t>system</a:t>
-            </a:r>
-            <a:r>
-              <a:rPr lang="hu-HU"/>
-              <a:t> </a:t>
-            </a:r>
-            <a:r>
-              <a:rPr lang="hu-HU" err="1"/>
-              <a:t>knows</a:t>
-            </a:r>
-            <a:r>
-              <a:rPr lang="hu-HU"/>
-              <a:t> a </a:t>
-            </a:r>
-            <a:r>
-              <a:rPr lang="hu-HU" err="1"/>
-              <a:t>suitable</a:t>
-            </a:r>
-            <a:r>
-              <a:rPr lang="hu-HU"/>
-              <a:t> </a:t>
-            </a:r>
-            <a:r>
-              <a:rPr lang="hu-HU" err="1"/>
-              <a:t>provider</a:t>
-            </a:r>
-            <a:r>
-              <a:rPr lang="hu-HU"/>
-              <a:t> (a </a:t>
-            </a:r>
-            <a:r>
-              <a:rPr lang="hu-HU" err="1"/>
-              <a:t>charging</a:t>
-            </a:r>
-            <a:r>
-              <a:rPr lang="hu-HU"/>
-              <a:t> </a:t>
-            </a:r>
-            <a:r>
-              <a:rPr lang="hu-HU" err="1"/>
-              <a:t>station</a:t>
-            </a:r>
-            <a:r>
-              <a:rPr lang="hu-HU"/>
-              <a:t>) </a:t>
-            </a:r>
-            <a:r>
-              <a:rPr lang="hu-HU" err="1"/>
-              <a:t>can</a:t>
-            </a:r>
-            <a:r>
-              <a:rPr lang="hu-HU"/>
-              <a:t> </a:t>
-            </a:r>
-            <a:r>
-              <a:rPr lang="hu-HU" err="1"/>
-              <a:t>only</a:t>
-            </a:r>
-            <a:r>
-              <a:rPr lang="hu-HU"/>
-              <a:t> be </a:t>
-            </a:r>
-            <a:r>
-              <a:rPr lang="hu-HU" err="1"/>
-              <a:t>found</a:t>
-            </a:r>
-            <a:r>
-              <a:rPr lang="hu-HU"/>
-              <a:t> in </a:t>
-            </a:r>
-            <a:r>
-              <a:rPr lang="hu-HU" err="1"/>
-              <a:t>the</a:t>
-            </a:r>
-            <a:r>
-              <a:rPr lang="hu-HU"/>
-              <a:t> </a:t>
-            </a:r>
-            <a:r>
-              <a:rPr lang="hu-HU" err="1"/>
-              <a:t>other</a:t>
-            </a:r>
-            <a:r>
-              <a:rPr lang="hu-HU"/>
-              <a:t> </a:t>
-            </a:r>
-            <a:r>
-              <a:rPr lang="hu-HU" err="1"/>
-              <a:t>cloud</a:t>
-            </a:r>
-            <a:r>
-              <a:rPr lang="hu-HU"/>
-              <a:t>, </a:t>
-            </a:r>
-            <a:r>
-              <a:rPr lang="hu-HU" err="1"/>
-              <a:t>so</a:t>
-            </a:r>
-            <a:r>
-              <a:rPr lang="hu-HU"/>
-              <a:t> it </a:t>
-            </a:r>
-            <a:r>
-              <a:rPr lang="hu-HU" err="1"/>
-              <a:t>triggers</a:t>
-            </a:r>
-            <a:r>
-              <a:rPr lang="hu-HU"/>
-              <a:t> </a:t>
-            </a:r>
-            <a:r>
-              <a:rPr lang="hu-HU" err="1"/>
-              <a:t>Inter-Cloud</a:t>
-            </a:r>
-            <a:r>
-              <a:rPr lang="hu-HU"/>
-              <a:t> </a:t>
-            </a:r>
-            <a:r>
-              <a:rPr lang="hu-HU" err="1"/>
-              <a:t>orchestration</a:t>
-            </a:r>
-            <a:r>
-              <a:rPr lang="hu-HU"/>
-              <a:t> </a:t>
-            </a:r>
-            <a:r>
-              <a:rPr lang="hu-HU" err="1"/>
-              <a:t>right</a:t>
-            </a:r>
-            <a:r>
-              <a:rPr lang="hu-HU"/>
-              <a:t> </a:t>
-            </a:r>
-            <a:r>
-              <a:rPr lang="hu-HU" err="1"/>
-              <a:t>away</a:t>
-            </a:r>
-            <a:r>
-              <a:rPr lang="hu-HU"/>
-              <a:t> </a:t>
-            </a:r>
-            <a:r>
-              <a:rPr lang="hu-HU" err="1"/>
-              <a:t>with</a:t>
-            </a:r>
-            <a:r>
-              <a:rPr lang="hu-HU"/>
-              <a:t> a </a:t>
-            </a:r>
-            <a:r>
-              <a:rPr lang="hu-HU" err="1"/>
-              <a:t>flag</a:t>
-            </a:r>
-            <a:r>
-              <a:rPr lang="hu-HU"/>
-              <a:t>, </a:t>
-            </a:r>
-            <a:r>
-              <a:rPr lang="hu-HU" err="1"/>
-              <a:t>skipping</a:t>
-            </a:r>
-            <a:r>
-              <a:rPr lang="hu-HU"/>
-              <a:t> </a:t>
-            </a:r>
-            <a:r>
-              <a:rPr lang="hu-HU" err="1"/>
-              <a:t>the</a:t>
-            </a:r>
-            <a:r>
-              <a:rPr lang="hu-HU"/>
-              <a:t> local </a:t>
-            </a:r>
-            <a:r>
-              <a:rPr lang="hu-HU" err="1"/>
-              <a:t>cloud</a:t>
-            </a:r>
-            <a:r>
-              <a:rPr lang="hu-HU"/>
-              <a:t> </a:t>
-            </a:r>
-            <a:r>
-              <a:rPr lang="hu-HU" err="1"/>
-              <a:t>checks</a:t>
-            </a:r>
-            <a:r>
-              <a:rPr lang="hu-HU"/>
+              <a:rPr lang="hu-HU" dirty="0"/>
               <a:t>.</a:t>
             </a:r>
           </a:p>
@@ -11657,7 +11789,7 @@
     </p:spTree>
     <p:extLst>
       <p:ext uri="{BB962C8B-B14F-4D97-AF65-F5344CB8AC3E}">
-        <p14:creationId xmlns:p14="http://schemas.microsoft.com/office/powerpoint/2010/main" val="2556525131"/>
+        <p14:creationId xmlns:p14="http://schemas.microsoft.com/office/powerpoint/2010/main" val="3571237081"/>
       </p:ext>
     </p:extLst>
   </p:cSld>
@@ -11696,8 +11828,8 @@
         </p:nvSpPr>
         <p:spPr>
           <a:xfrm>
-            <a:off x="-1" y="1"/>
-            <a:ext cx="12064753" cy="603682"/>
+            <a:off x="0" y="1"/>
+            <a:ext cx="10515600" cy="603682"/>
           </a:xfrm>
         </p:spPr>
         <p:txBody>
@@ -11708,7 +11840,7 @@
           <a:p>
             <a:r>
               <a:rPr lang="hu-HU" sz="2400" b="1" err="1"/>
-              <a:t>Dynamical</a:t>
+              <a:t>Inter-Cloud</a:t>
             </a:r>
             <a:r>
               <a:rPr lang="hu-HU" sz="2400" b="1"/>
@@ -11716,11 +11848,19 @@
             </a:r>
             <a:r>
               <a:rPr lang="hu-HU" sz="2400" b="1" err="1"/>
-              <a:t>o</a:t>
+              <a:t>dynamical</a:t>
             </a:r>
             <a:r>
               <a:rPr lang="hu-HU" sz="2400" b="1"/>
-              <a:t>rchestration </a:t>
+              <a:t> </a:t>
+            </a:r>
+            <a:r>
+              <a:rPr lang="hu-HU" sz="2400" b="1" err="1"/>
+              <a:t>orchestration</a:t>
+            </a:r>
+            <a:r>
+              <a:rPr lang="hu-HU" sz="2400" b="1"/>
+              <a:t> (</a:t>
             </a:r>
             <a:r>
               <a:rPr lang="hu-HU" sz="2400" b="1" err="1"/>
@@ -11732,11 +11872,19 @@
             </a:r>
             <a:r>
               <a:rPr lang="hu-HU" sz="2400" b="1" err="1"/>
-              <a:t>I</a:t>
+              <a:t>triggerInterCloud</a:t>
             </a:r>
             <a:r>
               <a:rPr lang="hu-HU" sz="2400" b="1"/>
-              <a:t>nter-Cloud enabled</a:t>
+              <a:t> </a:t>
+            </a:r>
+            <a:r>
+              <a:rPr lang="hu-HU" sz="2400" b="1" err="1"/>
+              <a:t>flag</a:t>
+            </a:r>
+            <a:r>
+              <a:rPr lang="hu-HU" sz="2400" b="1"/>
+              <a:t>)</a:t>
             </a:r>
             <a:endParaRPr lang="en-US" sz="2400" b="1"/>
           </a:p>
@@ -11755,7 +11903,7 @@
         <p:spPr>
           <a:xfrm>
             <a:off x="0" y="603684"/>
-            <a:ext cx="4692589" cy="4964778"/>
+            <a:ext cx="4692589" cy="4930341"/>
           </a:xfrm>
           <a:ln>
             <a:solidFill>
@@ -11867,7 +12015,7 @@
             </a:r>
             <a:r>
               <a:rPr lang="hu-HU" sz="7200" dirty="0" err="1"/>
-              <a:t>ChargePointSystem</a:t>
+              <a:t>ElectricVehicle</a:t>
             </a:r>
             <a:r>
               <a:rPr lang="hu-HU" sz="7200" dirty="0"/>
@@ -11894,7 +12042,7 @@
             </a:r>
             <a:r>
               <a:rPr lang="hu-HU" sz="7200" dirty="0"/>
-              <a:t>": "dummy_address_4"</a:t>
+              <a:t>": "dummy_address_2"</a:t>
             </a:r>
           </a:p>
           <a:p>
@@ -11974,7 +12122,7 @@
             </a:r>
             <a:r>
               <a:rPr lang="hu-HU" sz="7200" dirty="0" err="1"/>
-              <a:t>ChargingProfile</a:t>
+              <a:t>DCCharging</a:t>
             </a:r>
             <a:r>
               <a:rPr lang="hu-HU" sz="7200" dirty="0"/>
@@ -12058,38 +12206,7 @@
             </a:r>
             <a:r>
               <a:rPr lang="hu-HU" sz="7200" dirty="0" err="1"/>
-              <a:t>overrideStore</a:t>
-            </a:r>
-            <a:r>
-              <a:rPr lang="hu-HU" sz="7200" dirty="0"/>
-              <a:t>": </a:t>
-            </a:r>
-            <a:r>
-              <a:rPr lang="hu-HU" sz="7200" dirty="0" err="1"/>
-              <a:t>true</a:t>
-            </a:r>
-            <a:r>
-              <a:rPr lang="hu-HU" sz="7200" dirty="0"/>
-              <a:t>,</a:t>
-            </a:r>
-          </a:p>
-          <a:p>
-            <a:pPr marL="0" indent="0">
-              <a:lnSpc>
-                <a:spcPct val="120000"/>
-              </a:lnSpc>
-              <a:spcBef>
-                <a:spcPts val="0"/>
-              </a:spcBef>
-              <a:buNone/>
-            </a:pPr>
-            <a:r>
-              <a:rPr lang="hu-HU" sz="7200" dirty="0"/>
-              <a:t>    "</a:t>
-            </a:r>
-            <a:r>
-              <a:rPr lang="hu-HU" sz="7200" dirty="0" err="1"/>
-              <a:t>enableInterCloud</a:t>
+              <a:t>triggerInterCloud</a:t>
             </a:r>
             <a:r>
               <a:rPr lang="hu-HU" sz="7200" dirty="0"/>
@@ -12146,8 +12263,8 @@
         </p:nvSpPr>
         <p:spPr>
           <a:xfrm>
-            <a:off x="5787870" y="541537"/>
-            <a:ext cx="5181600" cy="5026925"/>
+            <a:off x="6565221" y="565581"/>
+            <a:ext cx="4178979" cy="4968444"/>
           </a:xfrm>
           <a:ln>
             <a:solidFill>
@@ -12188,6 +12305,7 @@
               <a:rPr lang="hu-HU" sz="7200" dirty="0"/>
               <a:t>)</a:t>
             </a:r>
+            <a:endParaRPr lang="hu-HU" sz="3600" dirty="0"/>
           </a:p>
           <a:p>
             <a:pPr marL="0" indent="0">
@@ -12281,7 +12399,7 @@
             </a:r>
             <a:r>
               <a:rPr lang="hu-HU" sz="5600" dirty="0" err="1"/>
-              <a:t>ChargingProfile</a:t>
+              <a:t>DCCharging</a:t>
             </a:r>
             <a:r>
               <a:rPr lang="hu-HU" sz="5600" dirty="0"/>
@@ -12376,15 +12494,7 @@
             </a:pPr>
             <a:r>
               <a:rPr lang="hu-HU" sz="5600" dirty="0"/>
-              <a:t>          "</a:t>
-            </a:r>
-            <a:r>
-              <a:rPr lang="hu-HU" sz="5600" dirty="0" err="1"/>
-              <a:t>maxDuration</a:t>
-            </a:r>
-            <a:r>
-              <a:rPr lang="hu-HU" sz="5600" dirty="0"/>
-              <a:t>": "3600"</a:t>
+              <a:t>          "amper": "15"</a:t>
             </a:r>
           </a:p>
           <a:p>
@@ -12491,7 +12601,7 @@
             </a:r>
             <a:r>
               <a:rPr lang="hu-HU" sz="5600" dirty="0"/>
-              <a:t>": "10.0.0.82",</a:t>
+              <a:t>": "10.0.0.80",</a:t>
             </a:r>
           </a:p>
           <a:p>
@@ -12506,7 +12616,7 @@
             </a:pPr>
             <a:r>
               <a:rPr lang="hu-HU" sz="5600" dirty="0"/>
-              <a:t>        "port": 8001</a:t>
+              <a:t>        "port": 8000</a:t>
             </a:r>
           </a:p>
           <a:p>
@@ -12548,11 +12658,11 @@
             </a:r>
             <a:r>
               <a:rPr lang="hu-HU" sz="5600" dirty="0" err="1"/>
-              <a:t>charging_profile</a:t>
+              <a:t>charging</a:t>
             </a:r>
             <a:r>
               <a:rPr lang="hu-HU" sz="5600" dirty="0"/>
-              <a:t>",</a:t>
+              <a:t>/dc",</a:t>
             </a:r>
           </a:p>
           <a:p>
@@ -12674,8 +12784,8 @@
         </p:nvSpPr>
         <p:spPr>
           <a:xfrm>
-            <a:off x="4809662" y="3029806"/>
-            <a:ext cx="861134" cy="603682"/>
+            <a:off x="4923693" y="2592211"/>
+            <a:ext cx="1383322" cy="603682"/>
           </a:xfrm>
           <a:prstGeom prst="rightArrow">
             <a:avLst/>
@@ -12714,8 +12824,8 @@
         </p:nvSpPr>
         <p:spPr>
           <a:xfrm>
-            <a:off x="-1" y="5568462"/>
-            <a:ext cx="11547232" cy="1200329"/>
+            <a:off x="-1" y="5623354"/>
+            <a:ext cx="11314545" cy="1200329"/>
           </a:xfrm>
           <a:prstGeom prst="rect">
             <a:avLst/>
@@ -12735,512 +12845,390 @@
           <a:p>
             <a:pPr algn="just"/>
             <a:r>
-              <a:rPr lang="hu-HU" dirty="0"/>
-              <a:t>In </a:t>
-            </a:r>
-            <a:r>
-              <a:rPr lang="hu-HU" dirty="0" err="1"/>
+              <a:rPr lang="hu-HU" err="1"/>
+              <a:t>This</a:t>
+            </a:r>
+            <a:r>
+              <a:rPr lang="hu-HU"/>
+              <a:t> is </a:t>
+            </a:r>
+            <a:r>
+              <a:rPr lang="hu-HU" err="1"/>
               <a:t>the</a:t>
             </a:r>
             <a:r>
-              <a:rPr lang="hu-HU" dirty="0"/>
-              <a:t> </a:t>
-            </a:r>
-            <a:r>
-              <a:rPr lang="hu-HU" dirty="0" err="1"/>
-              <a:t>final</a:t>
-            </a:r>
-            <a:r>
-              <a:rPr lang="hu-HU" dirty="0"/>
-              <a:t> </a:t>
-            </a:r>
-            <a:r>
-              <a:rPr lang="hu-HU" dirty="0" err="1"/>
+              <a:rPr lang="hu-HU"/>
+              <a:t> </a:t>
+            </a:r>
+            <a:r>
+              <a:rPr lang="hu-HU" err="1"/>
+              <a:t>only</a:t>
+            </a:r>
+            <a:r>
+              <a:rPr lang="hu-HU"/>
+              <a:t> </a:t>
+            </a:r>
+            <a:r>
+              <a:rPr lang="hu-HU" err="1"/>
               <a:t>example</a:t>
             </a:r>
             <a:r>
-              <a:rPr lang="hu-HU" dirty="0"/>
-              <a:t>, a </a:t>
-            </a:r>
-            <a:r>
-              <a:rPr lang="hu-HU" dirty="0" err="1"/>
+              <a:rPr lang="hu-HU"/>
+              <a:t> out of </a:t>
+            </a:r>
+            <a:r>
+              <a:rPr lang="hu-HU" err="1"/>
+              <a:t>the</a:t>
+            </a:r>
+            <a:r>
+              <a:rPr lang="hu-HU"/>
+              <a:t> 4 </a:t>
+            </a:r>
+            <a:r>
+              <a:rPr lang="hu-HU" err="1"/>
+              <a:t>which</a:t>
+            </a:r>
+            <a:r>
+              <a:rPr lang="hu-HU"/>
+              <a:t> </a:t>
+            </a:r>
+            <a:r>
+              <a:rPr lang="hu-HU" b="1"/>
+              <a:t>has </a:t>
+            </a:r>
+            <a:r>
+              <a:rPr lang="hu-HU" b="1" err="1"/>
+              <a:t>to</a:t>
+            </a:r>
+            <a:r>
+              <a:rPr lang="hu-HU" b="1"/>
+              <a:t> be </a:t>
+            </a:r>
+            <a:r>
+              <a:rPr lang="hu-HU" b="1" err="1"/>
+              <a:t>sent</a:t>
+            </a:r>
+            <a:r>
+              <a:rPr lang="hu-HU" b="1"/>
+              <a:t> </a:t>
+            </a:r>
+            <a:r>
+              <a:rPr lang="hu-HU" b="1" err="1"/>
+              <a:t>to</a:t>
+            </a:r>
+            <a:r>
+              <a:rPr lang="hu-HU" b="1"/>
+              <a:t> </a:t>
+            </a:r>
+            <a:r>
+              <a:rPr lang="hu-HU" b="1" err="1"/>
+              <a:t>the</a:t>
+            </a:r>
+            <a:r>
+              <a:rPr lang="hu-HU" b="1"/>
+              <a:t> </a:t>
+            </a:r>
+            <a:r>
+              <a:rPr lang="hu-HU" b="1" err="1"/>
+              <a:t>Orchestrator</a:t>
+            </a:r>
+            <a:r>
+              <a:rPr lang="hu-HU" b="1"/>
+              <a:t> in </a:t>
+            </a:r>
+            <a:r>
+              <a:rPr lang="hu-HU" b="1" err="1"/>
+              <a:t>the</a:t>
+            </a:r>
+            <a:r>
+              <a:rPr lang="hu-HU" b="1"/>
+              <a:t> 2nd </a:t>
+            </a:r>
+            <a:r>
+              <a:rPr lang="hu-HU" b="1" err="1"/>
+              <a:t>cloud</a:t>
+            </a:r>
+            <a:r>
+              <a:rPr lang="hu-HU" b="1"/>
+              <a:t> </a:t>
+            </a:r>
+            <a:r>
+              <a:rPr lang="hu-HU"/>
+              <a:t>(test server URL is </a:t>
+            </a:r>
+            <a:r>
+              <a:rPr lang="en-US">
+                <a:hlinkClick r:id="rId2"/>
+              </a:rPr>
+              <a:t>http://arrowhead2.tmit.bme.hu:8440/orchestrator/orchestration</a:t>
+            </a:r>
+            <a:r>
+              <a:rPr lang="hu-HU"/>
+              <a:t>) </a:t>
+            </a:r>
+            <a:r>
+              <a:rPr lang="hu-HU" err="1"/>
+              <a:t>since</a:t>
+            </a:r>
+            <a:r>
+              <a:rPr lang="hu-HU"/>
+              <a:t> </a:t>
+            </a:r>
+            <a:r>
+              <a:rPr lang="hu-HU" err="1"/>
+              <a:t>the</a:t>
+            </a:r>
+            <a:r>
+              <a:rPr lang="hu-HU"/>
+              <a:t> </a:t>
+            </a:r>
+            <a:r>
+              <a:rPr lang="hu-HU" err="1"/>
+              <a:t>requester</a:t>
+            </a:r>
+            <a:r>
+              <a:rPr lang="hu-HU"/>
+              <a:t> </a:t>
+            </a:r>
+            <a:r>
+              <a:rPr lang="hu-HU" err="1"/>
+              <a:t>system</a:t>
+            </a:r>
+            <a:r>
+              <a:rPr lang="hu-HU"/>
+              <a:t> is in </a:t>
+            </a:r>
+            <a:r>
+              <a:rPr lang="hu-HU" err="1"/>
+              <a:t>this</a:t>
+            </a:r>
+            <a:r>
+              <a:rPr lang="hu-HU"/>
+              <a:t> </a:t>
+            </a:r>
+            <a:r>
+              <a:rPr lang="hu-HU" err="1"/>
+              <a:t>cloud</a:t>
+            </a:r>
+            <a:r>
+              <a:rPr lang="hu-HU"/>
+              <a:t> </a:t>
+            </a:r>
+            <a:r>
+              <a:rPr lang="hu-HU" err="1"/>
+              <a:t>this</a:t>
+            </a:r>
+            <a:r>
+              <a:rPr lang="hu-HU"/>
+              <a:t> </a:t>
+            </a:r>
+            <a:r>
+              <a:rPr lang="hu-HU" err="1"/>
+              <a:t>time</a:t>
+            </a:r>
+            <a:r>
+              <a:rPr lang="hu-HU"/>
+              <a:t>. The </a:t>
+            </a:r>
+            <a:r>
+              <a:rPr lang="hu-HU" err="1"/>
+              <a:t>requester</a:t>
+            </a:r>
+            <a:r>
+              <a:rPr lang="hu-HU"/>
+              <a:t> </a:t>
+            </a:r>
+            <a:r>
+              <a:rPr lang="hu-HU" err="1"/>
+              <a:t>system</a:t>
+            </a:r>
+            <a:r>
+              <a:rPr lang="hu-HU"/>
+              <a:t> </a:t>
+            </a:r>
+            <a:r>
+              <a:rPr lang="hu-HU" err="1"/>
+              <a:t>knows</a:t>
+            </a:r>
+            <a:r>
+              <a:rPr lang="hu-HU"/>
+              <a:t> a </a:t>
+            </a:r>
+            <a:r>
+              <a:rPr lang="hu-HU" err="1"/>
+              <a:t>suitable</a:t>
+            </a:r>
+            <a:r>
+              <a:rPr lang="hu-HU"/>
+              <a:t> </a:t>
+            </a:r>
+            <a:r>
+              <a:rPr lang="hu-HU" err="1"/>
+              <a:t>provider</a:t>
+            </a:r>
+            <a:r>
+              <a:rPr lang="hu-HU"/>
+              <a:t> (a </a:t>
+            </a:r>
+            <a:r>
+              <a:rPr lang="hu-HU" err="1"/>
               <a:t>charging</a:t>
             </a:r>
             <a:r>
-              <a:rPr lang="hu-HU" dirty="0"/>
-              <a:t> </a:t>
-            </a:r>
-            <a:r>
-              <a:rPr lang="hu-HU" dirty="0" err="1"/>
+              <a:rPr lang="hu-HU"/>
+              <a:t> </a:t>
+            </a:r>
+            <a:r>
+              <a:rPr lang="hu-HU" err="1"/>
               <a:t>station</a:t>
             </a:r>
             <a:r>
-              <a:rPr lang="hu-HU" dirty="0"/>
-              <a:t> is </a:t>
-            </a:r>
-            <a:r>
-              <a:rPr lang="hu-HU" dirty="0" err="1"/>
-              <a:t>looking</a:t>
-            </a:r>
-            <a:r>
-              <a:rPr lang="hu-HU" dirty="0"/>
-              <a:t> </a:t>
-            </a:r>
-            <a:r>
-              <a:rPr lang="hu-HU" dirty="0" err="1"/>
-              <a:t>for</a:t>
-            </a:r>
-            <a:r>
-              <a:rPr lang="hu-HU" dirty="0"/>
-              <a:t> </a:t>
-            </a:r>
-            <a:r>
-              <a:rPr lang="hu-HU" dirty="0" err="1"/>
+              <a:rPr lang="hu-HU"/>
+              <a:t>) </a:t>
+            </a:r>
+            <a:r>
+              <a:rPr lang="hu-HU" err="1"/>
+              <a:t>can</a:t>
+            </a:r>
+            <a:r>
+              <a:rPr lang="hu-HU"/>
+              <a:t> </a:t>
+            </a:r>
+            <a:r>
+              <a:rPr lang="hu-HU" err="1"/>
+              <a:t>only</a:t>
+            </a:r>
+            <a:r>
+              <a:rPr lang="hu-HU"/>
+              <a:t> be </a:t>
+            </a:r>
+            <a:r>
+              <a:rPr lang="hu-HU" err="1"/>
+              <a:t>found</a:t>
+            </a:r>
+            <a:r>
+              <a:rPr lang="hu-HU"/>
+              <a:t> in </a:t>
+            </a:r>
+            <a:r>
+              <a:rPr lang="hu-HU" err="1"/>
               <a:t>the</a:t>
             </a:r>
             <a:r>
-              <a:rPr lang="hu-HU" dirty="0"/>
-              <a:t> </a:t>
-            </a:r>
-            <a:r>
-              <a:rPr lang="hu-HU" dirty="0" err="1"/>
-              <a:t>optimal</a:t>
-            </a:r>
-            <a:r>
-              <a:rPr lang="hu-HU" dirty="0"/>
-              <a:t> </a:t>
-            </a:r>
-            <a:r>
-              <a:rPr lang="hu-HU" dirty="0" err="1"/>
-              <a:t>charging</a:t>
-            </a:r>
-            <a:r>
-              <a:rPr lang="hu-HU" dirty="0"/>
-              <a:t> </a:t>
-            </a:r>
-            <a:r>
-              <a:rPr lang="hu-HU" dirty="0" err="1"/>
-              <a:t>profile</a:t>
-            </a:r>
-            <a:r>
-              <a:rPr lang="hu-HU" dirty="0"/>
-              <a:t> </a:t>
-            </a:r>
-            <a:r>
-              <a:rPr lang="hu-HU" dirty="0" err="1"/>
-              <a:t>for</a:t>
-            </a:r>
-            <a:r>
-              <a:rPr lang="hu-HU" dirty="0"/>
+              <a:rPr lang="hu-HU"/>
+              <a:t> </a:t>
+            </a:r>
+            <a:r>
+              <a:rPr lang="hu-HU" err="1"/>
+              <a:t>other</a:t>
+            </a:r>
+            <a:r>
+              <a:rPr lang="hu-HU"/>
+              <a:t> </a:t>
+            </a:r>
+            <a:r>
+              <a:rPr lang="hu-HU" err="1"/>
+              <a:t>cloud</a:t>
+            </a:r>
+            <a:r>
+              <a:rPr lang="hu-HU"/>
+              <a:t>, </a:t>
+            </a:r>
+            <a:r>
+              <a:rPr lang="hu-HU" err="1"/>
+              <a:t>so</a:t>
+            </a:r>
+            <a:r>
+              <a:rPr lang="hu-HU"/>
+              <a:t> it </a:t>
+            </a:r>
+            <a:r>
+              <a:rPr lang="hu-HU" err="1"/>
+              <a:t>triggers</a:t>
+            </a:r>
+            <a:r>
+              <a:rPr lang="hu-HU"/>
+              <a:t> </a:t>
+            </a:r>
+            <a:r>
+              <a:rPr lang="hu-HU" err="1"/>
+              <a:t>Inter-Cloud</a:t>
+            </a:r>
+            <a:r>
+              <a:rPr lang="hu-HU"/>
+              <a:t> </a:t>
+            </a:r>
+            <a:r>
+              <a:rPr lang="hu-HU" err="1"/>
+              <a:t>orchestration</a:t>
+            </a:r>
+            <a:r>
+              <a:rPr lang="hu-HU"/>
+              <a:t> </a:t>
+            </a:r>
+            <a:r>
+              <a:rPr lang="hu-HU" err="1"/>
+              <a:t>right</a:t>
+            </a:r>
+            <a:r>
+              <a:rPr lang="hu-HU"/>
+              <a:t> </a:t>
+            </a:r>
+            <a:r>
+              <a:rPr lang="hu-HU" err="1"/>
+              <a:t>away</a:t>
+            </a:r>
+            <a:r>
+              <a:rPr lang="hu-HU"/>
+              <a:t> </a:t>
+            </a:r>
+            <a:r>
+              <a:rPr lang="hu-HU" err="1"/>
+              <a:t>with</a:t>
+            </a:r>
+            <a:r>
+              <a:rPr lang="hu-HU"/>
               <a:t> a </a:t>
             </a:r>
             <a:r>
-              <a:rPr lang="hu-HU" dirty="0" err="1"/>
-              <a:t>car</a:t>
-            </a:r>
-            <a:r>
-              <a:rPr lang="hu-HU" dirty="0"/>
+              <a:rPr lang="hu-HU" err="1"/>
+              <a:t>flag</a:t>
+            </a:r>
+            <a:r>
+              <a:rPr lang="hu-HU"/>
               <a:t>, </a:t>
             </a:r>
             <a:r>
-              <a:rPr lang="hu-HU" dirty="0" err="1"/>
-              <a:t>before</a:t>
-            </a:r>
-            <a:r>
-              <a:rPr lang="hu-HU" dirty="0"/>
-              <a:t> starting </a:t>
-            </a:r>
-            <a:r>
-              <a:rPr lang="hu-HU" dirty="0" err="1"/>
+              <a:rPr lang="hu-HU" err="1"/>
+              <a:t>skipping</a:t>
+            </a:r>
+            <a:r>
+              <a:rPr lang="hu-HU"/>
+              <a:t> </a:t>
+            </a:r>
+            <a:r>
+              <a:rPr lang="hu-HU" err="1"/>
               <a:t>the</a:t>
             </a:r>
             <a:r>
-              <a:rPr lang="hu-HU" dirty="0"/>
-              <a:t> </a:t>
-            </a:r>
-            <a:r>
-              <a:rPr lang="hu-HU" dirty="0" err="1"/>
-              <a:t>charging</a:t>
-            </a:r>
-            <a:r>
-              <a:rPr lang="hu-HU" dirty="0"/>
-              <a:t>. </a:t>
-            </a:r>
-            <a:r>
-              <a:rPr lang="hu-HU" dirty="0" err="1"/>
-              <a:t>It</a:t>
-            </a:r>
-            <a:r>
-              <a:rPr lang="hu-HU" dirty="0"/>
-              <a:t> </a:t>
-            </a:r>
-            <a:r>
-              <a:rPr lang="hu-HU" dirty="0" err="1"/>
-              <a:t>initiates</a:t>
-            </a:r>
-            <a:r>
-              <a:rPr lang="hu-HU" dirty="0"/>
-              <a:t> </a:t>
-            </a:r>
-            <a:r>
-              <a:rPr lang="hu-HU" dirty="0" err="1"/>
-              <a:t>the</a:t>
-            </a:r>
-            <a:r>
-              <a:rPr lang="hu-HU" dirty="0"/>
-              <a:t> </a:t>
-            </a:r>
-            <a:r>
-              <a:rPr lang="hu-HU" dirty="0" err="1"/>
-              <a:t>dynamical</a:t>
-            </a:r>
-            <a:r>
-              <a:rPr lang="hu-HU" dirty="0"/>
-              <a:t> </a:t>
-            </a:r>
-            <a:r>
-              <a:rPr lang="hu-HU" dirty="0" err="1"/>
-              <a:t>orchestraion</a:t>
-            </a:r>
-            <a:r>
-              <a:rPr lang="hu-HU" dirty="0"/>
-              <a:t> </a:t>
-            </a:r>
-            <a:r>
-              <a:rPr lang="hu-HU" dirty="0" err="1"/>
-              <a:t>process</a:t>
-            </a:r>
-            <a:r>
-              <a:rPr lang="hu-HU" dirty="0"/>
-              <a:t>, and </a:t>
-            </a:r>
-            <a:r>
-              <a:rPr lang="hu-HU" dirty="0" err="1"/>
-              <a:t>accepts</a:t>
-            </a:r>
-            <a:r>
-              <a:rPr lang="hu-HU" dirty="0"/>
-              <a:t> </a:t>
-            </a:r>
-            <a:r>
-              <a:rPr lang="hu-HU" dirty="0" err="1"/>
-              <a:t>providers</a:t>
-            </a:r>
-            <a:r>
-              <a:rPr lang="hu-HU" dirty="0"/>
-              <a:t> </a:t>
-            </a:r>
-            <a:r>
-              <a:rPr lang="hu-HU" dirty="0" err="1"/>
-              <a:t>from</a:t>
-            </a:r>
-            <a:r>
-              <a:rPr lang="hu-HU" dirty="0"/>
-              <a:t> </a:t>
-            </a:r>
-            <a:r>
-              <a:rPr lang="hu-HU" dirty="0" err="1"/>
-              <a:t>other</a:t>
-            </a:r>
-            <a:r>
-              <a:rPr lang="hu-HU" dirty="0"/>
-              <a:t> </a:t>
-            </a:r>
-            <a:r>
-              <a:rPr lang="hu-HU" dirty="0" err="1"/>
-              <a:t>clouds</a:t>
-            </a:r>
-            <a:r>
-              <a:rPr lang="hu-HU" dirty="0"/>
-              <a:t> </a:t>
-            </a:r>
-            <a:r>
-              <a:rPr lang="hu-HU" dirty="0" err="1"/>
-              <a:t>too</a:t>
-            </a:r>
-            <a:r>
-              <a:rPr lang="hu-HU" dirty="0"/>
-              <a:t> </a:t>
-            </a:r>
-            <a:r>
-              <a:rPr lang="hu-HU" dirty="0" err="1"/>
-              <a:t>with</a:t>
-            </a:r>
-            <a:r>
-              <a:rPr lang="hu-HU" dirty="0"/>
-              <a:t> </a:t>
-            </a:r>
-            <a:r>
-              <a:rPr lang="hu-HU" dirty="0" err="1"/>
-              <a:t>the</a:t>
-            </a:r>
-            <a:r>
-              <a:rPr lang="hu-HU" dirty="0"/>
-              <a:t> „</a:t>
-            </a:r>
-            <a:r>
-              <a:rPr lang="hu-HU" dirty="0" err="1"/>
-              <a:t>enableInterCloud</a:t>
-            </a:r>
-            <a:r>
-              <a:rPr lang="hu-HU" dirty="0"/>
-              <a:t>” </a:t>
-            </a:r>
-            <a:r>
-              <a:rPr lang="hu-HU" dirty="0" err="1"/>
-              <a:t>flag</a:t>
-            </a:r>
-            <a:r>
-              <a:rPr lang="hu-HU" dirty="0"/>
-              <a:t> </a:t>
-            </a:r>
-            <a:r>
-              <a:rPr lang="hu-HU" dirty="0" err="1"/>
-              <a:t>set</a:t>
-            </a:r>
-            <a:r>
-              <a:rPr lang="hu-HU" dirty="0"/>
-              <a:t>. The local </a:t>
-            </a:r>
-            <a:r>
-              <a:rPr lang="hu-HU" dirty="0" err="1"/>
-              <a:t>search</a:t>
-            </a:r>
-            <a:r>
-              <a:rPr lang="hu-HU" dirty="0"/>
-              <a:t> </a:t>
-            </a:r>
-            <a:r>
-              <a:rPr lang="hu-HU" dirty="0" err="1"/>
-              <a:t>for</a:t>
-            </a:r>
-            <a:r>
-              <a:rPr lang="hu-HU" dirty="0"/>
-              <a:t> a </a:t>
-            </a:r>
-            <a:r>
-              <a:rPr lang="hu-HU" dirty="0" err="1"/>
-              <a:t>provider</a:t>
-            </a:r>
-            <a:r>
-              <a:rPr lang="hu-HU" dirty="0"/>
-              <a:t> </a:t>
-            </a:r>
-            <a:r>
-              <a:rPr lang="hu-HU" dirty="0" err="1"/>
-              <a:t>will</a:t>
-            </a:r>
-            <a:r>
-              <a:rPr lang="hu-HU" dirty="0"/>
-              <a:t> </a:t>
-            </a:r>
-            <a:r>
-              <a:rPr lang="hu-HU" dirty="0" err="1"/>
-              <a:t>yield</a:t>
-            </a:r>
-            <a:r>
-              <a:rPr lang="hu-HU" dirty="0"/>
-              <a:t> no </a:t>
-            </a:r>
-            <a:r>
-              <a:rPr lang="hu-HU" dirty="0" err="1"/>
-              <a:t>result</a:t>
-            </a:r>
-            <a:r>
-              <a:rPr lang="hu-HU" dirty="0"/>
-              <a:t>, </a:t>
-            </a:r>
-            <a:r>
-              <a:rPr lang="hu-HU" dirty="0" err="1"/>
-              <a:t>but</a:t>
-            </a:r>
-            <a:r>
-              <a:rPr lang="hu-HU" dirty="0"/>
-              <a:t> </a:t>
-            </a:r>
-            <a:r>
-              <a:rPr lang="hu-HU" dirty="0" err="1"/>
-              <a:t>the</a:t>
-            </a:r>
-            <a:r>
-              <a:rPr lang="hu-HU" dirty="0"/>
-              <a:t> 2nd </a:t>
-            </a:r>
-            <a:r>
-              <a:rPr lang="hu-HU" dirty="0" err="1"/>
+              <a:rPr lang="hu-HU"/>
+              <a:t> local </a:t>
+            </a:r>
+            <a:r>
+              <a:rPr lang="hu-HU" err="1"/>
               <a:t>cloud</a:t>
             </a:r>
             <a:r>
-              <a:rPr lang="hu-HU" dirty="0"/>
-              <a:t> has a </a:t>
-            </a:r>
-            <a:r>
-              <a:rPr lang="hu-HU" dirty="0" err="1"/>
-              <a:t>provider</a:t>
-            </a:r>
-            <a:r>
-              <a:rPr lang="hu-HU" dirty="0"/>
-              <a:t>. </a:t>
-            </a:r>
-            <a:r>
-              <a:rPr lang="hu-HU" dirty="0" err="1"/>
-              <a:t>Gateway</a:t>
-            </a:r>
-            <a:r>
-              <a:rPr lang="hu-HU" dirty="0"/>
-              <a:t> </a:t>
-            </a:r>
-            <a:r>
-              <a:rPr lang="hu-HU" dirty="0" err="1"/>
-              <a:t>module</a:t>
-            </a:r>
-            <a:r>
-              <a:rPr lang="hu-HU" dirty="0"/>
-              <a:t> </a:t>
-            </a:r>
-            <a:r>
-              <a:rPr lang="hu-HU" dirty="0" err="1"/>
-              <a:t>was</a:t>
-            </a:r>
-            <a:r>
-              <a:rPr lang="hu-HU" dirty="0"/>
-              <a:t> </a:t>
-            </a:r>
-            <a:r>
-              <a:rPr lang="hu-HU" dirty="0" err="1"/>
-              <a:t>used</a:t>
-            </a:r>
-            <a:r>
-              <a:rPr lang="hu-HU" dirty="0"/>
-              <a:t> in </a:t>
-            </a:r>
-            <a:r>
-              <a:rPr lang="hu-HU" dirty="0" err="1"/>
-              <a:t>this</a:t>
-            </a:r>
-            <a:r>
-              <a:rPr lang="hu-HU" dirty="0"/>
-              <a:t> </a:t>
-            </a:r>
-            <a:r>
-              <a:rPr lang="hu-HU" dirty="0" err="1"/>
-              <a:t>example</a:t>
-            </a:r>
-            <a:r>
-              <a:rPr lang="hu-HU" dirty="0"/>
-              <a:t>, </a:t>
-            </a:r>
-            <a:r>
-              <a:rPr lang="hu-HU" dirty="0" err="1"/>
-              <a:t>which</a:t>
-            </a:r>
-            <a:r>
-              <a:rPr lang="hu-HU" dirty="0"/>
-              <a:t> is </a:t>
-            </a:r>
-            <a:r>
-              <a:rPr lang="hu-HU" dirty="0" err="1"/>
-              <a:t>responsible</a:t>
-            </a:r>
-            <a:r>
-              <a:rPr lang="hu-HU" dirty="0"/>
-              <a:t> </a:t>
-            </a:r>
-            <a:r>
-              <a:rPr lang="hu-HU" dirty="0" err="1"/>
-              <a:t>for</a:t>
-            </a:r>
-            <a:r>
-              <a:rPr lang="hu-HU" dirty="0"/>
-              <a:t> </a:t>
-            </a:r>
-            <a:r>
-              <a:rPr lang="hu-HU" dirty="0" err="1"/>
-              <a:t>modifying</a:t>
-            </a:r>
-            <a:r>
-              <a:rPr lang="hu-HU" dirty="0"/>
-              <a:t> </a:t>
-            </a:r>
-            <a:r>
-              <a:rPr lang="hu-HU" dirty="0" err="1"/>
-              <a:t>the</a:t>
-            </a:r>
-            <a:r>
-              <a:rPr lang="hu-HU" dirty="0"/>
-              <a:t> </a:t>
-            </a:r>
-            <a:r>
-              <a:rPr lang="hu-HU" dirty="0" err="1"/>
-              <a:t>orchestration</a:t>
-            </a:r>
-            <a:r>
-              <a:rPr lang="hu-HU" dirty="0"/>
-              <a:t> </a:t>
-            </a:r>
-            <a:r>
-              <a:rPr lang="hu-HU" dirty="0" err="1"/>
-              <a:t>response</a:t>
-            </a:r>
-            <a:r>
-              <a:rPr lang="hu-HU" dirty="0"/>
-              <a:t> (</a:t>
-            </a:r>
-            <a:r>
-              <a:rPr lang="hu-HU" dirty="0" err="1"/>
-              <a:t>the</a:t>
-            </a:r>
-            <a:r>
-              <a:rPr lang="hu-HU" dirty="0"/>
-              <a:t> </a:t>
-            </a:r>
-            <a:r>
-              <a:rPr lang="hu-HU" dirty="0" err="1"/>
-              <a:t>provider</a:t>
-            </a:r>
-            <a:r>
-              <a:rPr lang="hu-HU" dirty="0"/>
-              <a:t> </a:t>
-            </a:r>
-            <a:r>
-              <a:rPr lang="hu-HU" dirty="0" err="1"/>
-              <a:t>field</a:t>
-            </a:r>
-            <a:r>
-              <a:rPr lang="hu-HU" dirty="0"/>
-              <a:t>) </a:t>
-            </a:r>
-            <a:r>
-              <a:rPr lang="hu-HU" dirty="0" err="1"/>
-              <a:t>from</a:t>
-            </a:r>
-            <a:r>
-              <a:rPr lang="hu-HU" dirty="0"/>
-              <a:t> </a:t>
-            </a:r>
-            <a:r>
-              <a:rPr lang="hu-HU" dirty="0" err="1"/>
-              <a:t>the</a:t>
-            </a:r>
-            <a:r>
-              <a:rPr lang="hu-HU" dirty="0"/>
-              <a:t> </a:t>
-            </a:r>
-            <a:r>
-              <a:rPr lang="hu-HU" dirty="0" err="1"/>
-              <a:t>other</a:t>
-            </a:r>
-            <a:r>
-              <a:rPr lang="hu-HU" dirty="0"/>
-              <a:t> </a:t>
-            </a:r>
-            <a:r>
-              <a:rPr lang="hu-HU" dirty="0" err="1"/>
-              <a:t>cloud</a:t>
-            </a:r>
-            <a:r>
-              <a:rPr lang="hu-HU" dirty="0"/>
-              <a:t>.</a:t>
+              <a:rPr lang="hu-HU"/>
+              <a:t> </a:t>
+            </a:r>
+            <a:r>
+              <a:rPr lang="hu-HU" err="1"/>
+              <a:t>checks</a:t>
+            </a:r>
+            <a:r>
+              <a:rPr lang="hu-HU"/>
+              <a:t>. Gateway was used here too.</a:t>
             </a:r>
           </a:p>
         </p:txBody>
@@ -13248,7 +13236,7 @@
     </p:spTree>
     <p:extLst>
       <p:ext uri="{BB962C8B-B14F-4D97-AF65-F5344CB8AC3E}">
-        <p14:creationId xmlns:p14="http://schemas.microsoft.com/office/powerpoint/2010/main" val="3571237081"/>
+        <p14:creationId xmlns:p14="http://schemas.microsoft.com/office/powerpoint/2010/main" val="2556525131"/>
       </p:ext>
     </p:extLst>
   </p:cSld>

--- a/documentation/Quick-Start-Guide-M3.pptx
+++ b/documentation/Quick-Start-Guide-M3.pptx
@@ -14,10 +14,10 @@
     <p:sldId id="258" r:id="rId5"/>
     <p:sldId id="286" r:id="rId6"/>
     <p:sldId id="257" r:id="rId7"/>
-    <p:sldId id="260" r:id="rId8"/>
-    <p:sldId id="259" r:id="rId9"/>
-    <p:sldId id="262" r:id="rId10"/>
-    <p:sldId id="265" r:id="rId11"/>
+    <p:sldId id="259" r:id="rId8"/>
+    <p:sldId id="262" r:id="rId9"/>
+    <p:sldId id="265" r:id="rId10"/>
+    <p:sldId id="260" r:id="rId11"/>
     <p:sldId id="261" r:id="rId12"/>
     <p:sldId id="271" r:id="rId13"/>
     <p:sldId id="288" r:id="rId14"/>
@@ -225,7 +225,7 @@
           <a:p>
             <a:fld id="{9D20F72D-BB7C-4009-B276-48F62311FC1F}" type="datetimeFigureOut">
               <a:rPr lang="hu-HU" smtClean="0"/>
-              <a:t>2018. 02. 19.</a:t>
+              <a:t>2018. 02. 20.</a:t>
             </a:fld>
             <a:endParaRPr lang="hu-HU"/>
           </a:p>
@@ -641,7 +641,7 @@
           <a:p>
             <a:fld id="{74D025E6-15D4-4677-B88E-023F7882E09D}" type="slidenum">
               <a:rPr lang="hu-HU" smtClean="0"/>
-              <a:t>10</a:t>
+              <a:t>9</a:t>
             </a:fld>
             <a:endParaRPr lang="hu-HU"/>
           </a:p>
@@ -873,7 +873,7 @@
           <a:p>
             <a:fld id="{DEECA975-3F48-4619-902D-F31B60ACCAA8}" type="datetimeFigureOut">
               <a:rPr lang="hu-HU" smtClean="0"/>
-              <a:t>2018. 02. 19.</a:t>
+              <a:t>2018. 02. 20.</a:t>
             </a:fld>
             <a:endParaRPr lang="hu-HU"/>
           </a:p>
@@ -1041,7 +1041,7 @@
           <a:p>
             <a:fld id="{DEECA975-3F48-4619-902D-F31B60ACCAA8}" type="datetimeFigureOut">
               <a:rPr lang="hu-HU" smtClean="0"/>
-              <a:t>2018. 02. 19.</a:t>
+              <a:t>2018. 02. 20.</a:t>
             </a:fld>
             <a:endParaRPr lang="hu-HU"/>
           </a:p>
@@ -1219,7 +1219,7 @@
           <a:p>
             <a:fld id="{DEECA975-3F48-4619-902D-F31B60ACCAA8}" type="datetimeFigureOut">
               <a:rPr lang="hu-HU" smtClean="0"/>
-              <a:t>2018. 02. 19.</a:t>
+              <a:t>2018. 02. 20.</a:t>
             </a:fld>
             <a:endParaRPr lang="hu-HU"/>
           </a:p>
@@ -1387,7 +1387,7 @@
           <a:p>
             <a:fld id="{DEECA975-3F48-4619-902D-F31B60ACCAA8}" type="datetimeFigureOut">
               <a:rPr lang="hu-HU" smtClean="0"/>
-              <a:t>2018. 02. 19.</a:t>
+              <a:t>2018. 02. 20.</a:t>
             </a:fld>
             <a:endParaRPr lang="hu-HU"/>
           </a:p>
@@ -1632,7 +1632,7 @@
           <a:p>
             <a:fld id="{DEECA975-3F48-4619-902D-F31B60ACCAA8}" type="datetimeFigureOut">
               <a:rPr lang="hu-HU" smtClean="0"/>
-              <a:t>2018. 02. 19.</a:t>
+              <a:t>2018. 02. 20.</a:t>
             </a:fld>
             <a:endParaRPr lang="hu-HU"/>
           </a:p>
@@ -1861,7 +1861,7 @@
           <a:p>
             <a:fld id="{DEECA975-3F48-4619-902D-F31B60ACCAA8}" type="datetimeFigureOut">
               <a:rPr lang="hu-HU" smtClean="0"/>
-              <a:t>2018. 02. 19.</a:t>
+              <a:t>2018. 02. 20.</a:t>
             </a:fld>
             <a:endParaRPr lang="hu-HU"/>
           </a:p>
@@ -2225,7 +2225,7 @@
           <a:p>
             <a:fld id="{DEECA975-3F48-4619-902D-F31B60ACCAA8}" type="datetimeFigureOut">
               <a:rPr lang="hu-HU" smtClean="0"/>
-              <a:t>2018. 02. 19.</a:t>
+              <a:t>2018. 02. 20.</a:t>
             </a:fld>
             <a:endParaRPr lang="hu-HU"/>
           </a:p>
@@ -2342,7 +2342,7 @@
           <a:p>
             <a:fld id="{DEECA975-3F48-4619-902D-F31B60ACCAA8}" type="datetimeFigureOut">
               <a:rPr lang="hu-HU" smtClean="0"/>
-              <a:t>2018. 02. 19.</a:t>
+              <a:t>2018. 02. 20.</a:t>
             </a:fld>
             <a:endParaRPr lang="hu-HU"/>
           </a:p>
@@ -2437,7 +2437,7 @@
           <a:p>
             <a:fld id="{DEECA975-3F48-4619-902D-F31B60ACCAA8}" type="datetimeFigureOut">
               <a:rPr lang="hu-HU" smtClean="0"/>
-              <a:t>2018. 02. 19.</a:t>
+              <a:t>2018. 02. 20.</a:t>
             </a:fld>
             <a:endParaRPr lang="hu-HU"/>
           </a:p>
@@ -2712,7 +2712,7 @@
           <a:p>
             <a:fld id="{DEECA975-3F48-4619-902D-F31B60ACCAA8}" type="datetimeFigureOut">
               <a:rPr lang="hu-HU" smtClean="0"/>
-              <a:t>2018. 02. 19.</a:t>
+              <a:t>2018. 02. 20.</a:t>
             </a:fld>
             <a:endParaRPr lang="hu-HU"/>
           </a:p>
@@ -2964,7 +2964,7 @@
           <a:p>
             <a:fld id="{DEECA975-3F48-4619-902D-F31B60ACCAA8}" type="datetimeFigureOut">
               <a:rPr lang="hu-HU" smtClean="0"/>
-              <a:t>2018. 02. 19.</a:t>
+              <a:t>2018. 02. 20.</a:t>
             </a:fld>
             <a:endParaRPr lang="hu-HU"/>
           </a:p>
@@ -3175,7 +3175,7 @@
           <a:p>
             <a:fld id="{DEECA975-3F48-4619-902D-F31B60ACCAA8}" type="datetimeFigureOut">
               <a:rPr lang="hu-HU" smtClean="0"/>
-              <a:t>2018. 02. 19.</a:t>
+              <a:t>2018. 02. 20.</a:t>
             </a:fld>
             <a:endParaRPr lang="hu-HU"/>
           </a:p>
@@ -3777,8 +3777,8 @@
         </p:nvSpPr>
         <p:spPr>
           <a:xfrm>
-            <a:off x="363984" y="0"/>
-            <a:ext cx="10151616" cy="1035511"/>
+            <a:off x="397276" y="0"/>
+            <a:ext cx="10515600" cy="1325563"/>
           </a:xfrm>
         </p:spPr>
         <p:txBody>
@@ -3786,12 +3786,8 @@
           <a:lstStyle/>
           <a:p>
             <a:r>
-              <a:rPr lang="hu-HU" err="1"/>
-              <a:t>Configuration</a:t>
-            </a:r>
-            <a:r>
-              <a:rPr lang="hu-HU"/>
-              <a:t> of the ArrowheadCloud table</a:t>
+              <a:rPr lang="en-US"/>
+              <a:t>Generating Certificates (optional)</a:t>
             </a:r>
           </a:p>
         </p:txBody>
@@ -3808,89 +3804,502 @@
         </p:nvSpPr>
         <p:spPr>
           <a:xfrm>
-            <a:off x="363984" y="1036549"/>
-            <a:ext cx="10515600" cy="3873840"/>
+            <a:off x="397276" y="1230820"/>
+            <a:ext cx="11794724" cy="5351971"/>
           </a:xfrm>
         </p:spPr>
         <p:txBody>
           <a:bodyPr>
-            <a:normAutofit/>
+            <a:normAutofit fontScale="92500"/>
           </a:bodyPr>
           <a:lstStyle/>
           <a:p>
-            <a:pPr algn="just"/>
-            <a:r>
-              <a:rPr lang="hu-HU"/>
-              <a:t>Contains all the ArrowheadCloud (gatekeeper) information available to the Core Systems, including:</a:t>
+            <a:pPr marL="0" indent="0" algn="just">
+              <a:buNone/>
+            </a:pPr>
+            <a:r>
+              <a:rPr lang="en-US" dirty="0"/>
+              <a:t>If secure connections are required (</a:t>
+            </a:r>
+            <a:r>
+              <a:rPr lang="en-US"/>
+              <a:t>using </a:t>
+            </a:r>
+            <a:r>
+              <a:rPr lang="hu-HU"/>
+              <a:t>SSL</a:t>
+            </a:r>
+            <a:r>
+              <a:rPr lang="en-US"/>
+              <a:t>), </a:t>
+            </a:r>
+            <a:r>
+              <a:rPr lang="en-US" dirty="0"/>
+              <a:t>the Core Systems have to be installed with the appropriately created X.509 certificates stemming from the master Arrowhead CA. There are two options:</a:t>
             </a:r>
           </a:p>
           <a:p>
             <a:pPr lvl="1" algn="just"/>
             <a:r>
-              <a:rPr lang="hu-HU"/>
-              <a:t>Own Cloud: information about the local Cloud</a:t>
+              <a:rPr lang="en-US" dirty="0"/>
+              <a:t>Using the </a:t>
+            </a:r>
+            <a:r>
+              <a:rPr lang="hu-HU" dirty="0" err="1"/>
+              <a:t>provided</a:t>
+            </a:r>
+            <a:r>
+              <a:rPr lang="hu-HU" dirty="0"/>
+              <a:t> </a:t>
+            </a:r>
+            <a:r>
+              <a:rPr lang="en-US" dirty="0" err="1"/>
+              <a:t>testcloud</a:t>
+            </a:r>
+            <a:r>
+              <a:rPr lang="en-US" dirty="0"/>
+              <a:t> certificate sets (testcloud1 and testcloud2) </a:t>
             </a:r>
           </a:p>
           <a:p>
             <a:pPr lvl="1" algn="just"/>
             <a:r>
-              <a:rPr lang="hu-HU"/>
-              <a:t>Neighborhood: list of trusted Clouds to do GlobalServiceDiscovery with</a:t>
-            </a:r>
-          </a:p>
-          <a:p>
-            <a:pPr algn="just"/>
-            <a:r>
-              <a:rPr lang="hu-HU"/>
-              <a:t>For inter-Cloud orchestration, the Gatekeeper addresses in this table has to be updated to available addresses in the setup environment. This can be done through the MySQL workbench directly, or through REST resource of the framework.</a:t>
+              <a:rPr lang="en-US" dirty="0"/>
+              <a:t>Creating an own set of certificates </a:t>
+            </a:r>
+          </a:p>
+          <a:p>
+            <a:pPr marL="0" indent="0">
+              <a:buNone/>
+            </a:pPr>
+            <a:r>
+              <a:rPr lang="en-US" dirty="0"/>
+              <a:t>For the latter scenario, </a:t>
+            </a:r>
+            <a:r>
+              <a:rPr lang="hu-HU" dirty="0"/>
+              <a:t>a </a:t>
+            </a:r>
+            <a:r>
+              <a:rPr lang="hu-HU" dirty="0" err="1"/>
+              <a:t>detailed</a:t>
+            </a:r>
+            <a:r>
+              <a:rPr lang="hu-HU" dirty="0"/>
+              <a:t> 10 </a:t>
+            </a:r>
+            <a:r>
+              <a:rPr lang="hu-HU" dirty="0" err="1"/>
+              <a:t>step</a:t>
+            </a:r>
+            <a:r>
+              <a:rPr lang="hu-HU" dirty="0"/>
+              <a:t> </a:t>
+            </a:r>
+            <a:r>
+              <a:rPr lang="hu-HU" dirty="0" err="1"/>
+              <a:t>guide</a:t>
+            </a:r>
+            <a:r>
+              <a:rPr lang="hu-HU" dirty="0"/>
+              <a:t> is </a:t>
+            </a:r>
+            <a:r>
+              <a:rPr lang="hu-HU" dirty="0" err="1"/>
+              <a:t>provided</a:t>
+            </a:r>
+            <a:r>
+              <a:rPr lang="hu-HU" dirty="0"/>
+              <a:t> </a:t>
+            </a:r>
+            <a:r>
+              <a:rPr lang="hu-HU" dirty="0" err="1"/>
+              <a:t>inside</a:t>
+            </a:r>
+            <a:r>
+              <a:rPr lang="hu-HU" dirty="0"/>
+              <a:t> </a:t>
+            </a:r>
+            <a:r>
+              <a:rPr lang="hu-HU" dirty="0" err="1"/>
+              <a:t>certificates</a:t>
+            </a:r>
+            <a:r>
+              <a:rPr lang="hu-HU" dirty="0"/>
+              <a:t>/dev_notes.txt </a:t>
+            </a:r>
+            <a:r>
+              <a:rPr lang="hu-HU" dirty="0" err="1"/>
+              <a:t>on</a:t>
+            </a:r>
+            <a:r>
+              <a:rPr lang="hu-HU" dirty="0"/>
+              <a:t> </a:t>
+            </a:r>
+            <a:r>
+              <a:rPr lang="hu-HU" dirty="0" err="1"/>
+              <a:t>how</a:t>
+            </a:r>
+            <a:r>
+              <a:rPr lang="hu-HU" dirty="0"/>
+              <a:t> </a:t>
+            </a:r>
+            <a:r>
+              <a:rPr lang="hu-HU" dirty="0" err="1"/>
+              <a:t>to</a:t>
+            </a:r>
+            <a:r>
+              <a:rPr lang="hu-HU" dirty="0"/>
+              <a:t> </a:t>
+            </a:r>
+            <a:r>
+              <a:rPr lang="hu-HU" dirty="0" err="1"/>
+              <a:t>create</a:t>
+            </a:r>
+            <a:r>
+              <a:rPr lang="hu-HU" dirty="0"/>
+              <a:t> </a:t>
+            </a:r>
+            <a:r>
+              <a:rPr lang="hu-HU" dirty="0" err="1"/>
+              <a:t>new</a:t>
+            </a:r>
+            <a:r>
+              <a:rPr lang="hu-HU" dirty="0"/>
+              <a:t>, </a:t>
+            </a:r>
+            <a:r>
+              <a:rPr lang="hu-HU" dirty="0" err="1"/>
+              <a:t>Arrowhead</a:t>
+            </a:r>
+            <a:r>
+              <a:rPr lang="hu-HU" dirty="0"/>
+              <a:t> </a:t>
+            </a:r>
+            <a:r>
+              <a:rPr lang="hu-HU" dirty="0" err="1"/>
+              <a:t>complient</a:t>
+            </a:r>
+            <a:r>
+              <a:rPr lang="hu-HU" dirty="0"/>
+              <a:t> </a:t>
+            </a:r>
+            <a:r>
+              <a:rPr lang="hu-HU" dirty="0" err="1"/>
+              <a:t>certificates</a:t>
+            </a:r>
+            <a:r>
+              <a:rPr lang="en-US" dirty="0"/>
+              <a:t>. </a:t>
+            </a:r>
+          </a:p>
+          <a:p>
+            <a:pPr lvl="1"/>
+            <a:r>
+              <a:rPr lang="en-US" dirty="0"/>
+              <a:t>A freeware certificate manager tool is recommended here: </a:t>
+            </a:r>
+            <a:r>
+              <a:rPr lang="en-US" dirty="0" err="1"/>
+              <a:t>KeyTool</a:t>
+            </a:r>
+            <a:r>
+              <a:rPr lang="en-US" dirty="0"/>
+              <a:t> Explorer</a:t>
+            </a:r>
+          </a:p>
+          <a:p>
+            <a:pPr lvl="1"/>
+            <a:r>
+              <a:rPr lang="en-US" dirty="0">
+                <a:hlinkClick r:id="rId2"/>
+              </a:rPr>
+              <a:t>http://keystore-explorer.org/downloads.html</a:t>
+            </a:r>
+            <a:r>
+              <a:rPr lang="hu-HU" dirty="0"/>
+              <a:t> </a:t>
+            </a:r>
+            <a:r>
+              <a:rPr lang="en-US" dirty="0"/>
+              <a:t>available for all platforms	</a:t>
             </a:r>
             <a:endParaRPr lang="hu-HU" dirty="0"/>
           </a:p>
           <a:p>
-            <a:pPr marL="0" indent="0">
-              <a:buNone/>
-            </a:pPr>
-            <a:endParaRPr lang="hu-HU" dirty="0"/>
-          </a:p>
-          <a:p>
-            <a:endParaRPr lang="hu-HU" dirty="0"/>
+            <a:r>
+              <a:rPr lang="hu-HU" dirty="0" err="1"/>
+              <a:t>However</a:t>
+            </a:r>
+            <a:r>
+              <a:rPr lang="hu-HU" dirty="0"/>
+              <a:t>, </a:t>
+            </a:r>
+            <a:r>
+              <a:rPr lang="hu-HU" dirty="0" err="1"/>
+              <a:t>all</a:t>
+            </a:r>
+            <a:r>
+              <a:rPr lang="hu-HU" dirty="0"/>
+              <a:t> </a:t>
+            </a:r>
+            <a:r>
+              <a:rPr lang="hu-HU" dirty="0" err="1"/>
+              <a:t>Core</a:t>
+            </a:r>
+            <a:r>
+              <a:rPr lang="hu-HU" dirty="0"/>
+              <a:t> Systems </a:t>
+            </a:r>
+            <a:r>
+              <a:rPr lang="hu-HU" dirty="0" err="1"/>
+              <a:t>can</a:t>
+            </a:r>
+            <a:r>
+              <a:rPr lang="hu-HU" dirty="0"/>
+              <a:t> be </a:t>
+            </a:r>
+            <a:r>
+              <a:rPr lang="hu-HU" dirty="0" err="1"/>
+              <a:t>started</a:t>
+            </a:r>
+            <a:r>
+              <a:rPr lang="hu-HU" dirty="0"/>
+              <a:t> in an </a:t>
+            </a:r>
+            <a:r>
+              <a:rPr lang="hu-HU" dirty="0" err="1"/>
+              <a:t>insecure</a:t>
+            </a:r>
+            <a:r>
+              <a:rPr lang="hu-HU" dirty="0"/>
+              <a:t> </a:t>
+            </a:r>
+            <a:r>
+              <a:rPr lang="hu-HU" dirty="0" err="1"/>
+              <a:t>manner</a:t>
+            </a:r>
+            <a:r>
+              <a:rPr lang="hu-HU" dirty="0"/>
+              <a:t>, </a:t>
+            </a:r>
+            <a:r>
+              <a:rPr lang="hu-HU" dirty="0" err="1"/>
+              <a:t>using</a:t>
+            </a:r>
+            <a:r>
+              <a:rPr lang="hu-HU" dirty="0"/>
+              <a:t> </a:t>
+            </a:r>
+            <a:r>
+              <a:rPr lang="hu-HU" dirty="0" err="1"/>
+              <a:t>simple</a:t>
+            </a:r>
+            <a:r>
+              <a:rPr lang="hu-HU" dirty="0"/>
+              <a:t> HTTP. </a:t>
+            </a:r>
+          </a:p>
+          <a:p>
+            <a:r>
+              <a:rPr lang="hu-HU" dirty="0" err="1"/>
+              <a:t>For</a:t>
+            </a:r>
+            <a:r>
+              <a:rPr lang="hu-HU" dirty="0"/>
+              <a:t> </a:t>
+            </a:r>
+            <a:r>
+              <a:rPr lang="hu-HU" dirty="0" err="1"/>
+              <a:t>this</a:t>
+            </a:r>
+            <a:r>
+              <a:rPr lang="hu-HU" dirty="0"/>
+              <a:t> </a:t>
+            </a:r>
+            <a:r>
+              <a:rPr lang="hu-HU" dirty="0" err="1"/>
+              <a:t>quick</a:t>
+            </a:r>
+            <a:r>
+              <a:rPr lang="hu-HU" dirty="0"/>
+              <a:t> start </a:t>
+            </a:r>
+            <a:r>
+              <a:rPr lang="hu-HU" dirty="0" err="1"/>
+              <a:t>guide</a:t>
+            </a:r>
+            <a:r>
+              <a:rPr lang="hu-HU" dirty="0"/>
+              <a:t>, </a:t>
+            </a:r>
+            <a:r>
+              <a:rPr lang="hu-HU" dirty="0" err="1"/>
+              <a:t>it</a:t>
+            </a:r>
+            <a:r>
+              <a:rPr lang="hu-HU" dirty="0"/>
+              <a:t> is </a:t>
+            </a:r>
+            <a:r>
+              <a:rPr lang="hu-HU" dirty="0" err="1"/>
+              <a:t>recommended</a:t>
+            </a:r>
+            <a:r>
+              <a:rPr lang="hu-HU" dirty="0"/>
+              <a:t> </a:t>
+            </a:r>
+            <a:r>
+              <a:rPr lang="hu-HU" dirty="0" err="1"/>
+              <a:t>to</a:t>
+            </a:r>
+            <a:r>
+              <a:rPr lang="hu-HU" dirty="0"/>
+              <a:t> start </a:t>
+            </a:r>
+            <a:r>
+              <a:rPr lang="hu-HU" dirty="0" err="1"/>
+              <a:t>with</a:t>
+            </a:r>
+            <a:r>
+              <a:rPr lang="hu-HU" dirty="0"/>
+              <a:t> </a:t>
+            </a:r>
+            <a:r>
+              <a:rPr lang="hu-HU" dirty="0" err="1"/>
+              <a:t>the</a:t>
+            </a:r>
+            <a:r>
+              <a:rPr lang="hu-HU" dirty="0"/>
+              <a:t> </a:t>
+            </a:r>
+            <a:r>
+              <a:rPr lang="hu-HU" dirty="0" err="1"/>
+              <a:t>insecure</a:t>
+            </a:r>
+            <a:r>
+              <a:rPr lang="hu-HU" dirty="0"/>
+              <a:t> </a:t>
+            </a:r>
+            <a:r>
+              <a:rPr lang="hu-HU" dirty="0" err="1"/>
+              <a:t>mode</a:t>
+            </a:r>
+            <a:r>
+              <a:rPr lang="hu-HU" dirty="0"/>
+              <a:t> </a:t>
+            </a:r>
+            <a:r>
+              <a:rPr lang="hu-HU" dirty="0" err="1"/>
+              <a:t>first</a:t>
+            </a:r>
+            <a:r>
+              <a:rPr lang="hu-HU" dirty="0"/>
+              <a:t>. </a:t>
+            </a:r>
+            <a:r>
+              <a:rPr lang="hu-HU" dirty="0" err="1"/>
+              <a:t>Using</a:t>
+            </a:r>
+            <a:r>
+              <a:rPr lang="hu-HU" dirty="0"/>
+              <a:t> </a:t>
+            </a:r>
+            <a:r>
+              <a:rPr lang="hu-HU" dirty="0" err="1"/>
+              <a:t>certificates</a:t>
+            </a:r>
+            <a:r>
+              <a:rPr lang="hu-HU" dirty="0"/>
+              <a:t> and </a:t>
+            </a:r>
+            <a:r>
+              <a:rPr lang="hu-HU" dirty="0" err="1"/>
+              <a:t>the</a:t>
+            </a:r>
+            <a:r>
+              <a:rPr lang="hu-HU" dirty="0"/>
+              <a:t> </a:t>
+            </a:r>
+            <a:r>
+              <a:rPr lang="hu-HU" dirty="0" err="1"/>
+              <a:t>secured</a:t>
+            </a:r>
+            <a:r>
+              <a:rPr lang="hu-HU" dirty="0"/>
+              <a:t> </a:t>
+            </a:r>
+            <a:r>
+              <a:rPr lang="hu-HU" dirty="0" err="1"/>
+              <a:t>versions</a:t>
+            </a:r>
+            <a:r>
+              <a:rPr lang="hu-HU" dirty="0"/>
+              <a:t> </a:t>
+            </a:r>
+            <a:r>
+              <a:rPr lang="hu-HU" dirty="0" err="1"/>
+              <a:t>are</a:t>
+            </a:r>
+            <a:r>
+              <a:rPr lang="hu-HU" dirty="0"/>
+              <a:t> </a:t>
+            </a:r>
+            <a:r>
+              <a:rPr lang="hu-HU" dirty="0" err="1"/>
+              <a:t>advised</a:t>
+            </a:r>
+            <a:r>
+              <a:rPr lang="hu-HU" dirty="0"/>
+              <a:t>, </a:t>
+            </a:r>
+            <a:r>
+              <a:rPr lang="hu-HU" dirty="0" err="1"/>
+              <a:t>but</a:t>
+            </a:r>
+            <a:r>
+              <a:rPr lang="hu-HU" dirty="0"/>
+              <a:t> </a:t>
+            </a:r>
+            <a:r>
+              <a:rPr lang="hu-HU" dirty="0" err="1"/>
+              <a:t>later</a:t>
+            </a:r>
+            <a:r>
+              <a:rPr lang="hu-HU" dirty="0"/>
+              <a:t> </a:t>
+            </a:r>
+            <a:r>
+              <a:rPr lang="hu-HU" dirty="0" err="1"/>
+              <a:t>on</a:t>
+            </a:r>
+            <a:r>
+              <a:rPr lang="hu-HU" dirty="0"/>
+              <a:t> – </a:t>
+            </a:r>
+            <a:r>
+              <a:rPr lang="hu-HU" dirty="0" err="1"/>
+              <a:t>for</a:t>
+            </a:r>
+            <a:r>
+              <a:rPr lang="hu-HU" dirty="0"/>
+              <a:t> </a:t>
+            </a:r>
+            <a:r>
+              <a:rPr lang="hu-HU" dirty="0" err="1"/>
+              <a:t>development</a:t>
+            </a:r>
+            <a:r>
+              <a:rPr lang="hu-HU" dirty="0"/>
+              <a:t>. </a:t>
+            </a:r>
           </a:p>
         </p:txBody>
       </p:sp>
-      <p:pic>
-        <p:nvPicPr>
-          <p:cNvPr id="8" name="Kép 7">
-            <a:extLst>
-              <a:ext uri="{FF2B5EF4-FFF2-40B4-BE49-F238E27FC236}">
-                <a16:creationId xmlns:a16="http://schemas.microsoft.com/office/drawing/2014/main" id="{72B562E9-0DB2-4BA9-BDE4-812222AAEDE9}"/>
-              </a:ext>
-            </a:extLst>
-          </p:cNvPr>
-          <p:cNvPicPr>
-            <a:picLocks noChangeAspect="1"/>
-          </p:cNvPicPr>
-          <p:nvPr/>
-        </p:nvPicPr>
-        <p:blipFill>
-          <a:blip r:embed="rId3"/>
-          <a:stretch>
-            <a:fillRect/>
-          </a:stretch>
-        </p:blipFill>
-        <p:spPr>
-          <a:xfrm>
-            <a:off x="1305131" y="4910389"/>
-            <a:ext cx="9027590" cy="894626"/>
-          </a:xfrm>
-          <a:prstGeom prst="rect">
-            <a:avLst/>
-          </a:prstGeom>
-        </p:spPr>
-      </p:pic>
     </p:spTree>
     <p:extLst>
       <p:ext uri="{BB962C8B-B14F-4D97-AF65-F5344CB8AC3E}">
-        <p14:creationId xmlns:p14="http://schemas.microsoft.com/office/powerpoint/2010/main" val="2996726085"/>
+        <p14:creationId xmlns:p14="http://schemas.microsoft.com/office/powerpoint/2010/main" val="3591792026"/>
       </p:ext>
     </p:extLst>
   </p:cSld>
@@ -16248,567 +16657,6 @@
         </p:nvSpPr>
         <p:spPr>
           <a:xfrm>
-            <a:off x="397276" y="0"/>
-            <a:ext cx="10515600" cy="1325563"/>
-          </a:xfrm>
-        </p:spPr>
-        <p:txBody>
-          <a:bodyPr/>
-          <a:lstStyle/>
-          <a:p>
-            <a:r>
-              <a:rPr lang="en-US"/>
-              <a:t>Generating Certificates (optional)</a:t>
-            </a:r>
-          </a:p>
-        </p:txBody>
-      </p:sp>
-      <p:sp>
-        <p:nvSpPr>
-          <p:cNvPr id="3" name="Tartalom helye 2"/>
-          <p:cNvSpPr>
-            <a:spLocks noGrp="1"/>
-          </p:cNvSpPr>
-          <p:nvPr>
-            <p:ph idx="1"/>
-          </p:nvPr>
-        </p:nvSpPr>
-        <p:spPr>
-          <a:xfrm>
-            <a:off x="397276" y="1230820"/>
-            <a:ext cx="11794724" cy="5351971"/>
-          </a:xfrm>
-        </p:spPr>
-        <p:txBody>
-          <a:bodyPr>
-            <a:normAutofit fontScale="92500"/>
-          </a:bodyPr>
-          <a:lstStyle/>
-          <a:p>
-            <a:pPr marL="0" indent="0" algn="just">
-              <a:buNone/>
-            </a:pPr>
-            <a:r>
-              <a:rPr lang="en-US" dirty="0"/>
-              <a:t>If secure connections are required (</a:t>
-            </a:r>
-            <a:r>
-              <a:rPr lang="en-US"/>
-              <a:t>using </a:t>
-            </a:r>
-            <a:r>
-              <a:rPr lang="hu-HU"/>
-              <a:t>SSL</a:t>
-            </a:r>
-            <a:r>
-              <a:rPr lang="en-US"/>
-              <a:t>), </a:t>
-            </a:r>
-            <a:r>
-              <a:rPr lang="en-US" dirty="0"/>
-              <a:t>the Core Systems have to be installed with the appropriately created X.509 certificates stemming from the master Arrowhead CA. There are two options:</a:t>
-            </a:r>
-          </a:p>
-          <a:p>
-            <a:pPr lvl="1" algn="just"/>
-            <a:r>
-              <a:rPr lang="en-US" dirty="0"/>
-              <a:t>Using the </a:t>
-            </a:r>
-            <a:r>
-              <a:rPr lang="hu-HU" dirty="0" err="1"/>
-              <a:t>provided</a:t>
-            </a:r>
-            <a:r>
-              <a:rPr lang="hu-HU" dirty="0"/>
-              <a:t> </a:t>
-            </a:r>
-            <a:r>
-              <a:rPr lang="en-US" dirty="0" err="1"/>
-              <a:t>testcloud</a:t>
-            </a:r>
-            <a:r>
-              <a:rPr lang="en-US" dirty="0"/>
-              <a:t> certificate sets (testcloud1 and testcloud2) </a:t>
-            </a:r>
-          </a:p>
-          <a:p>
-            <a:pPr lvl="1" algn="just"/>
-            <a:r>
-              <a:rPr lang="en-US" dirty="0"/>
-              <a:t>Creating an own set of certificates </a:t>
-            </a:r>
-          </a:p>
-          <a:p>
-            <a:pPr marL="0" indent="0">
-              <a:buNone/>
-            </a:pPr>
-            <a:r>
-              <a:rPr lang="en-US" dirty="0"/>
-              <a:t>For the latter scenario, </a:t>
-            </a:r>
-            <a:r>
-              <a:rPr lang="hu-HU" dirty="0"/>
-              <a:t>a </a:t>
-            </a:r>
-            <a:r>
-              <a:rPr lang="hu-HU" dirty="0" err="1"/>
-              <a:t>detailed</a:t>
-            </a:r>
-            <a:r>
-              <a:rPr lang="hu-HU" dirty="0"/>
-              <a:t> 10 </a:t>
-            </a:r>
-            <a:r>
-              <a:rPr lang="hu-HU" dirty="0" err="1"/>
-              <a:t>step</a:t>
-            </a:r>
-            <a:r>
-              <a:rPr lang="hu-HU" dirty="0"/>
-              <a:t> </a:t>
-            </a:r>
-            <a:r>
-              <a:rPr lang="hu-HU" dirty="0" err="1"/>
-              <a:t>guide</a:t>
-            </a:r>
-            <a:r>
-              <a:rPr lang="hu-HU" dirty="0"/>
-              <a:t> is </a:t>
-            </a:r>
-            <a:r>
-              <a:rPr lang="hu-HU" dirty="0" err="1"/>
-              <a:t>provided</a:t>
-            </a:r>
-            <a:r>
-              <a:rPr lang="hu-HU" dirty="0"/>
-              <a:t> </a:t>
-            </a:r>
-            <a:r>
-              <a:rPr lang="hu-HU" dirty="0" err="1"/>
-              <a:t>inside</a:t>
-            </a:r>
-            <a:r>
-              <a:rPr lang="hu-HU" dirty="0"/>
-              <a:t> </a:t>
-            </a:r>
-            <a:r>
-              <a:rPr lang="hu-HU" dirty="0" err="1"/>
-              <a:t>certificates</a:t>
-            </a:r>
-            <a:r>
-              <a:rPr lang="hu-HU" dirty="0"/>
-              <a:t>/dev_notes.txt </a:t>
-            </a:r>
-            <a:r>
-              <a:rPr lang="hu-HU" dirty="0" err="1"/>
-              <a:t>on</a:t>
-            </a:r>
-            <a:r>
-              <a:rPr lang="hu-HU" dirty="0"/>
-              <a:t> </a:t>
-            </a:r>
-            <a:r>
-              <a:rPr lang="hu-HU" dirty="0" err="1"/>
-              <a:t>how</a:t>
-            </a:r>
-            <a:r>
-              <a:rPr lang="hu-HU" dirty="0"/>
-              <a:t> </a:t>
-            </a:r>
-            <a:r>
-              <a:rPr lang="hu-HU" dirty="0" err="1"/>
-              <a:t>to</a:t>
-            </a:r>
-            <a:r>
-              <a:rPr lang="hu-HU" dirty="0"/>
-              <a:t> </a:t>
-            </a:r>
-            <a:r>
-              <a:rPr lang="hu-HU" dirty="0" err="1"/>
-              <a:t>create</a:t>
-            </a:r>
-            <a:r>
-              <a:rPr lang="hu-HU" dirty="0"/>
-              <a:t> </a:t>
-            </a:r>
-            <a:r>
-              <a:rPr lang="hu-HU" dirty="0" err="1"/>
-              <a:t>new</a:t>
-            </a:r>
-            <a:r>
-              <a:rPr lang="hu-HU" dirty="0"/>
-              <a:t>, </a:t>
-            </a:r>
-            <a:r>
-              <a:rPr lang="hu-HU" dirty="0" err="1"/>
-              <a:t>Arrowhead</a:t>
-            </a:r>
-            <a:r>
-              <a:rPr lang="hu-HU" dirty="0"/>
-              <a:t> </a:t>
-            </a:r>
-            <a:r>
-              <a:rPr lang="hu-HU" dirty="0" err="1"/>
-              <a:t>complient</a:t>
-            </a:r>
-            <a:r>
-              <a:rPr lang="hu-HU" dirty="0"/>
-              <a:t> </a:t>
-            </a:r>
-            <a:r>
-              <a:rPr lang="hu-HU" dirty="0" err="1"/>
-              <a:t>certificates</a:t>
-            </a:r>
-            <a:r>
-              <a:rPr lang="en-US" dirty="0"/>
-              <a:t>. </a:t>
-            </a:r>
-          </a:p>
-          <a:p>
-            <a:pPr lvl="1"/>
-            <a:r>
-              <a:rPr lang="en-US" dirty="0"/>
-              <a:t>A freeware certificate manager tool is recommended here: </a:t>
-            </a:r>
-            <a:r>
-              <a:rPr lang="en-US" dirty="0" err="1"/>
-              <a:t>KeyTool</a:t>
-            </a:r>
-            <a:r>
-              <a:rPr lang="en-US" dirty="0"/>
-              <a:t> Explorer</a:t>
-            </a:r>
-          </a:p>
-          <a:p>
-            <a:pPr lvl="1"/>
-            <a:r>
-              <a:rPr lang="en-US" dirty="0">
-                <a:hlinkClick r:id="rId2"/>
-              </a:rPr>
-              <a:t>http://keystore-explorer.org/downloads.html</a:t>
-            </a:r>
-            <a:r>
-              <a:rPr lang="hu-HU" dirty="0"/>
-              <a:t> </a:t>
-            </a:r>
-            <a:r>
-              <a:rPr lang="en-US" dirty="0"/>
-              <a:t>available for all platforms	</a:t>
-            </a:r>
-            <a:endParaRPr lang="hu-HU" dirty="0"/>
-          </a:p>
-          <a:p>
-            <a:r>
-              <a:rPr lang="hu-HU" dirty="0" err="1"/>
-              <a:t>However</a:t>
-            </a:r>
-            <a:r>
-              <a:rPr lang="hu-HU" dirty="0"/>
-              <a:t>, </a:t>
-            </a:r>
-            <a:r>
-              <a:rPr lang="hu-HU" dirty="0" err="1"/>
-              <a:t>all</a:t>
-            </a:r>
-            <a:r>
-              <a:rPr lang="hu-HU" dirty="0"/>
-              <a:t> </a:t>
-            </a:r>
-            <a:r>
-              <a:rPr lang="hu-HU" dirty="0" err="1"/>
-              <a:t>Core</a:t>
-            </a:r>
-            <a:r>
-              <a:rPr lang="hu-HU" dirty="0"/>
-              <a:t> Systems </a:t>
-            </a:r>
-            <a:r>
-              <a:rPr lang="hu-HU" dirty="0" err="1"/>
-              <a:t>can</a:t>
-            </a:r>
-            <a:r>
-              <a:rPr lang="hu-HU" dirty="0"/>
-              <a:t> be </a:t>
-            </a:r>
-            <a:r>
-              <a:rPr lang="hu-HU" dirty="0" err="1"/>
-              <a:t>started</a:t>
-            </a:r>
-            <a:r>
-              <a:rPr lang="hu-HU" dirty="0"/>
-              <a:t> in an </a:t>
-            </a:r>
-            <a:r>
-              <a:rPr lang="hu-HU" dirty="0" err="1"/>
-              <a:t>insecure</a:t>
-            </a:r>
-            <a:r>
-              <a:rPr lang="hu-HU" dirty="0"/>
-              <a:t> </a:t>
-            </a:r>
-            <a:r>
-              <a:rPr lang="hu-HU" dirty="0" err="1"/>
-              <a:t>manner</a:t>
-            </a:r>
-            <a:r>
-              <a:rPr lang="hu-HU" dirty="0"/>
-              <a:t>, </a:t>
-            </a:r>
-            <a:r>
-              <a:rPr lang="hu-HU" dirty="0" err="1"/>
-              <a:t>using</a:t>
-            </a:r>
-            <a:r>
-              <a:rPr lang="hu-HU" dirty="0"/>
-              <a:t> </a:t>
-            </a:r>
-            <a:r>
-              <a:rPr lang="hu-HU" dirty="0" err="1"/>
-              <a:t>simple</a:t>
-            </a:r>
-            <a:r>
-              <a:rPr lang="hu-HU" dirty="0"/>
-              <a:t> HTTP. </a:t>
-            </a:r>
-          </a:p>
-          <a:p>
-            <a:r>
-              <a:rPr lang="hu-HU" dirty="0" err="1"/>
-              <a:t>For</a:t>
-            </a:r>
-            <a:r>
-              <a:rPr lang="hu-HU" dirty="0"/>
-              <a:t> </a:t>
-            </a:r>
-            <a:r>
-              <a:rPr lang="hu-HU" dirty="0" err="1"/>
-              <a:t>this</a:t>
-            </a:r>
-            <a:r>
-              <a:rPr lang="hu-HU" dirty="0"/>
-              <a:t> </a:t>
-            </a:r>
-            <a:r>
-              <a:rPr lang="hu-HU" dirty="0" err="1"/>
-              <a:t>quick</a:t>
-            </a:r>
-            <a:r>
-              <a:rPr lang="hu-HU" dirty="0"/>
-              <a:t> start </a:t>
-            </a:r>
-            <a:r>
-              <a:rPr lang="hu-HU" dirty="0" err="1"/>
-              <a:t>guide</a:t>
-            </a:r>
-            <a:r>
-              <a:rPr lang="hu-HU" dirty="0"/>
-              <a:t>, </a:t>
-            </a:r>
-            <a:r>
-              <a:rPr lang="hu-HU" dirty="0" err="1"/>
-              <a:t>it</a:t>
-            </a:r>
-            <a:r>
-              <a:rPr lang="hu-HU" dirty="0"/>
-              <a:t> is </a:t>
-            </a:r>
-            <a:r>
-              <a:rPr lang="hu-HU" dirty="0" err="1"/>
-              <a:t>recommended</a:t>
-            </a:r>
-            <a:r>
-              <a:rPr lang="hu-HU" dirty="0"/>
-              <a:t> </a:t>
-            </a:r>
-            <a:r>
-              <a:rPr lang="hu-HU" dirty="0" err="1"/>
-              <a:t>to</a:t>
-            </a:r>
-            <a:r>
-              <a:rPr lang="hu-HU" dirty="0"/>
-              <a:t> start </a:t>
-            </a:r>
-            <a:r>
-              <a:rPr lang="hu-HU" dirty="0" err="1"/>
-              <a:t>with</a:t>
-            </a:r>
-            <a:r>
-              <a:rPr lang="hu-HU" dirty="0"/>
-              <a:t> </a:t>
-            </a:r>
-            <a:r>
-              <a:rPr lang="hu-HU" dirty="0" err="1"/>
-              <a:t>the</a:t>
-            </a:r>
-            <a:r>
-              <a:rPr lang="hu-HU" dirty="0"/>
-              <a:t> </a:t>
-            </a:r>
-            <a:r>
-              <a:rPr lang="hu-HU" dirty="0" err="1"/>
-              <a:t>insecure</a:t>
-            </a:r>
-            <a:r>
-              <a:rPr lang="hu-HU" dirty="0"/>
-              <a:t> </a:t>
-            </a:r>
-            <a:r>
-              <a:rPr lang="hu-HU" dirty="0" err="1"/>
-              <a:t>mode</a:t>
-            </a:r>
-            <a:r>
-              <a:rPr lang="hu-HU" dirty="0"/>
-              <a:t> </a:t>
-            </a:r>
-            <a:r>
-              <a:rPr lang="hu-HU" dirty="0" err="1"/>
-              <a:t>first</a:t>
-            </a:r>
-            <a:r>
-              <a:rPr lang="hu-HU" dirty="0"/>
-              <a:t>. </a:t>
-            </a:r>
-            <a:r>
-              <a:rPr lang="hu-HU" dirty="0" err="1"/>
-              <a:t>Using</a:t>
-            </a:r>
-            <a:r>
-              <a:rPr lang="hu-HU" dirty="0"/>
-              <a:t> </a:t>
-            </a:r>
-            <a:r>
-              <a:rPr lang="hu-HU" dirty="0" err="1"/>
-              <a:t>certificates</a:t>
-            </a:r>
-            <a:r>
-              <a:rPr lang="hu-HU" dirty="0"/>
-              <a:t> and </a:t>
-            </a:r>
-            <a:r>
-              <a:rPr lang="hu-HU" dirty="0" err="1"/>
-              <a:t>the</a:t>
-            </a:r>
-            <a:r>
-              <a:rPr lang="hu-HU" dirty="0"/>
-              <a:t> </a:t>
-            </a:r>
-            <a:r>
-              <a:rPr lang="hu-HU" dirty="0" err="1"/>
-              <a:t>secured</a:t>
-            </a:r>
-            <a:r>
-              <a:rPr lang="hu-HU" dirty="0"/>
-              <a:t> </a:t>
-            </a:r>
-            <a:r>
-              <a:rPr lang="hu-HU" dirty="0" err="1"/>
-              <a:t>versions</a:t>
-            </a:r>
-            <a:r>
-              <a:rPr lang="hu-HU" dirty="0"/>
-              <a:t> </a:t>
-            </a:r>
-            <a:r>
-              <a:rPr lang="hu-HU" dirty="0" err="1"/>
-              <a:t>are</a:t>
-            </a:r>
-            <a:r>
-              <a:rPr lang="hu-HU" dirty="0"/>
-              <a:t> </a:t>
-            </a:r>
-            <a:r>
-              <a:rPr lang="hu-HU" dirty="0" err="1"/>
-              <a:t>advised</a:t>
-            </a:r>
-            <a:r>
-              <a:rPr lang="hu-HU" dirty="0"/>
-              <a:t>, </a:t>
-            </a:r>
-            <a:r>
-              <a:rPr lang="hu-HU" dirty="0" err="1"/>
-              <a:t>but</a:t>
-            </a:r>
-            <a:r>
-              <a:rPr lang="hu-HU" dirty="0"/>
-              <a:t> </a:t>
-            </a:r>
-            <a:r>
-              <a:rPr lang="hu-HU" dirty="0" err="1"/>
-              <a:t>later</a:t>
-            </a:r>
-            <a:r>
-              <a:rPr lang="hu-HU" dirty="0"/>
-              <a:t> </a:t>
-            </a:r>
-            <a:r>
-              <a:rPr lang="hu-HU" dirty="0" err="1"/>
-              <a:t>on</a:t>
-            </a:r>
-            <a:r>
-              <a:rPr lang="hu-HU" dirty="0"/>
-              <a:t> – </a:t>
-            </a:r>
-            <a:r>
-              <a:rPr lang="hu-HU" dirty="0" err="1"/>
-              <a:t>for</a:t>
-            </a:r>
-            <a:r>
-              <a:rPr lang="hu-HU" dirty="0"/>
-              <a:t> </a:t>
-            </a:r>
-            <a:r>
-              <a:rPr lang="hu-HU" dirty="0" err="1"/>
-              <a:t>development</a:t>
-            </a:r>
-            <a:r>
-              <a:rPr lang="hu-HU" dirty="0"/>
-              <a:t>. </a:t>
-            </a:r>
-          </a:p>
-        </p:txBody>
-      </p:sp>
-    </p:spTree>
-    <p:extLst>
-      <p:ext uri="{BB962C8B-B14F-4D97-AF65-F5344CB8AC3E}">
-        <p14:creationId xmlns:p14="http://schemas.microsoft.com/office/powerpoint/2010/main" val="3591792026"/>
-      </p:ext>
-    </p:extLst>
-  </p:cSld>
-  <p:clrMapOvr>
-    <a:masterClrMapping/>
-  </p:clrMapOvr>
-</p:sld>
-</file>
-
-<file path=ppt/slides/slide8.xml><?xml version="1.0" encoding="utf-8"?>
-<p:sld xmlns:a="http://schemas.openxmlformats.org/drawingml/2006/main" xmlns:r="http://schemas.openxmlformats.org/officeDocument/2006/relationships" xmlns:p="http://schemas.openxmlformats.org/presentationml/2006/main">
-  <p:cSld>
-    <p:spTree>
-      <p:nvGrpSpPr>
-        <p:cNvPr id="1" name=""/>
-        <p:cNvGrpSpPr/>
-        <p:nvPr/>
-      </p:nvGrpSpPr>
-      <p:grpSpPr>
-        <a:xfrm>
-          <a:off x="0" y="0"/>
-          <a:ext cx="0" cy="0"/>
-          <a:chOff x="0" y="0"/>
-          <a:chExt cx="0" cy="0"/>
-        </a:xfrm>
-      </p:grpSpPr>
-      <p:sp>
-        <p:nvSpPr>
-          <p:cNvPr id="2" name="Cím 1"/>
-          <p:cNvSpPr>
-            <a:spLocks noGrp="1"/>
-          </p:cNvSpPr>
-          <p:nvPr>
-            <p:ph type="title"/>
-          </p:nvPr>
-        </p:nvSpPr>
-        <p:spPr>
-          <a:xfrm>
             <a:off x="687280" y="1"/>
             <a:ext cx="10515600" cy="1118586"/>
           </a:xfrm>
@@ -17262,7 +17110,7 @@
 </p:sld>
 </file>
 
-<file path=ppt/slides/slide9.xml><?xml version="1.0" encoding="utf-8"?>
+<file path=ppt/slides/slide8.xml><?xml version="1.0" encoding="utf-8"?>
 <p:sld xmlns:a="http://schemas.openxmlformats.org/drawingml/2006/main" xmlns:r="http://schemas.openxmlformats.org/officeDocument/2006/relationships" xmlns:p="http://schemas.openxmlformats.org/presentationml/2006/main">
   <p:cSld>
     <p:spTree>
@@ -18631,6 +18479,158 @@
 </p:sld>
 </file>
 
+<file path=ppt/slides/slide9.xml><?xml version="1.0" encoding="utf-8"?>
+<p:sld xmlns:a="http://schemas.openxmlformats.org/drawingml/2006/main" xmlns:r="http://schemas.openxmlformats.org/officeDocument/2006/relationships" xmlns:p="http://schemas.openxmlformats.org/presentationml/2006/main">
+  <p:cSld>
+    <p:spTree>
+      <p:nvGrpSpPr>
+        <p:cNvPr id="1" name=""/>
+        <p:cNvGrpSpPr/>
+        <p:nvPr/>
+      </p:nvGrpSpPr>
+      <p:grpSpPr>
+        <a:xfrm>
+          <a:off x="0" y="0"/>
+          <a:ext cx="0" cy="0"/>
+          <a:chOff x="0" y="0"/>
+          <a:chExt cx="0" cy="0"/>
+        </a:xfrm>
+      </p:grpSpPr>
+      <p:sp>
+        <p:nvSpPr>
+          <p:cNvPr id="2" name="Cím 1"/>
+          <p:cNvSpPr>
+            <a:spLocks noGrp="1"/>
+          </p:cNvSpPr>
+          <p:nvPr>
+            <p:ph type="title"/>
+          </p:nvPr>
+        </p:nvSpPr>
+        <p:spPr>
+          <a:xfrm>
+            <a:off x="363984" y="0"/>
+            <a:ext cx="10151616" cy="1035511"/>
+          </a:xfrm>
+        </p:spPr>
+        <p:txBody>
+          <a:bodyPr/>
+          <a:lstStyle/>
+          <a:p>
+            <a:r>
+              <a:rPr lang="hu-HU" err="1"/>
+              <a:t>Configuration</a:t>
+            </a:r>
+            <a:r>
+              <a:rPr lang="hu-HU"/>
+              <a:t> of the ArrowheadCloud table</a:t>
+            </a:r>
+          </a:p>
+        </p:txBody>
+      </p:sp>
+      <p:sp>
+        <p:nvSpPr>
+          <p:cNvPr id="3" name="Tartalom helye 2"/>
+          <p:cNvSpPr>
+            <a:spLocks noGrp="1"/>
+          </p:cNvSpPr>
+          <p:nvPr>
+            <p:ph idx="1"/>
+          </p:nvPr>
+        </p:nvSpPr>
+        <p:spPr>
+          <a:xfrm>
+            <a:off x="363984" y="1036549"/>
+            <a:ext cx="10515600" cy="3873840"/>
+          </a:xfrm>
+        </p:spPr>
+        <p:txBody>
+          <a:bodyPr>
+            <a:normAutofit/>
+          </a:bodyPr>
+          <a:lstStyle/>
+          <a:p>
+            <a:pPr algn="just"/>
+            <a:r>
+              <a:rPr lang="hu-HU"/>
+              <a:t>Contains all the ArrowheadCloud (gatekeeper) information available to the Core Systems, including:</a:t>
+            </a:r>
+          </a:p>
+          <a:p>
+            <a:pPr lvl="1" algn="just"/>
+            <a:r>
+              <a:rPr lang="hu-HU"/>
+              <a:t>Own Cloud: information about the local Cloud</a:t>
+            </a:r>
+          </a:p>
+          <a:p>
+            <a:pPr lvl="1" algn="just"/>
+            <a:r>
+              <a:rPr lang="hu-HU"/>
+              <a:t>Neighborhood: list of trusted Clouds to do GlobalServiceDiscovery with</a:t>
+            </a:r>
+          </a:p>
+          <a:p>
+            <a:pPr algn="just"/>
+            <a:r>
+              <a:rPr lang="hu-HU"/>
+              <a:t>For inter-Cloud orchestration, the Gatekeeper addresses in this table has to be updated to available addresses in the setup environment. This can be done through the MySQL workbench directly, or through REST resource of the framework.</a:t>
+            </a:r>
+            <a:endParaRPr lang="hu-HU" dirty="0"/>
+          </a:p>
+          <a:p>
+            <a:pPr marL="0" indent="0">
+              <a:buNone/>
+            </a:pPr>
+            <a:endParaRPr lang="hu-HU" dirty="0"/>
+          </a:p>
+          <a:p>
+            <a:endParaRPr lang="hu-HU" dirty="0"/>
+          </a:p>
+        </p:txBody>
+      </p:sp>
+      <p:pic>
+        <p:nvPicPr>
+          <p:cNvPr id="8" name="Kép 7">
+            <a:extLst>
+              <a:ext uri="{FF2B5EF4-FFF2-40B4-BE49-F238E27FC236}">
+                <a16:creationId xmlns:a16="http://schemas.microsoft.com/office/drawing/2014/main" id="{72B562E9-0DB2-4BA9-BDE4-812222AAEDE9}"/>
+              </a:ext>
+            </a:extLst>
+          </p:cNvPr>
+          <p:cNvPicPr>
+            <a:picLocks noChangeAspect="1"/>
+          </p:cNvPicPr>
+          <p:nvPr/>
+        </p:nvPicPr>
+        <p:blipFill>
+          <a:blip r:embed="rId3"/>
+          <a:stretch>
+            <a:fillRect/>
+          </a:stretch>
+        </p:blipFill>
+        <p:spPr>
+          <a:xfrm>
+            <a:off x="1305131" y="4910389"/>
+            <a:ext cx="9027590" cy="894626"/>
+          </a:xfrm>
+          <a:prstGeom prst="rect">
+            <a:avLst/>
+          </a:prstGeom>
+        </p:spPr>
+      </p:pic>
+    </p:spTree>
+    <p:extLst>
+      <p:ext uri="{BB962C8B-B14F-4D97-AF65-F5344CB8AC3E}">
+        <p14:creationId xmlns:p14="http://schemas.microsoft.com/office/powerpoint/2010/main" val="2996726085"/>
+      </p:ext>
+    </p:extLst>
+  </p:cSld>
+  <p:clrMapOvr>
+    <a:masterClrMapping/>
+  </p:clrMapOvr>
+</p:sld>
+</file>
+
 <file path=ppt/theme/theme1.xml><?xml version="1.0" encoding="utf-8"?>
 <a:theme xmlns:a="http://schemas.openxmlformats.org/drawingml/2006/main" name="Office-téma">
   <a:themeElements>

--- a/documentation/Quick-Start-Guide-M3.pptx
+++ b/documentation/Quick-Start-Guide-M3.pptx
@@ -5,7 +5,7 @@
     <p:sldMasterId id="2147483648" r:id="rId1"/>
   </p:sldMasterIdLst>
   <p:notesMasterIdLst>
-    <p:notesMasterId r:id="rId27"/>
+    <p:notesMasterId r:id="rId28"/>
   </p:notesMasterIdLst>
   <p:sldIdLst>
     <p:sldId id="256" r:id="rId2"/>
@@ -19,20 +19,21 @@
     <p:sldId id="265" r:id="rId10"/>
     <p:sldId id="260" r:id="rId11"/>
     <p:sldId id="261" r:id="rId12"/>
-    <p:sldId id="271" r:id="rId13"/>
-    <p:sldId id="288" r:id="rId14"/>
-    <p:sldId id="263" r:id="rId15"/>
-    <p:sldId id="272" r:id="rId16"/>
-    <p:sldId id="285" r:id="rId17"/>
-    <p:sldId id="279" r:id="rId18"/>
-    <p:sldId id="275" r:id="rId19"/>
-    <p:sldId id="280" r:id="rId20"/>
-    <p:sldId id="273" r:id="rId21"/>
-    <p:sldId id="276" r:id="rId22"/>
-    <p:sldId id="274" r:id="rId23"/>
-    <p:sldId id="277" r:id="rId24"/>
-    <p:sldId id="283" r:id="rId25"/>
-    <p:sldId id="281" r:id="rId26"/>
+    <p:sldId id="289" r:id="rId13"/>
+    <p:sldId id="271" r:id="rId14"/>
+    <p:sldId id="288" r:id="rId15"/>
+    <p:sldId id="263" r:id="rId16"/>
+    <p:sldId id="272" r:id="rId17"/>
+    <p:sldId id="285" r:id="rId18"/>
+    <p:sldId id="279" r:id="rId19"/>
+    <p:sldId id="275" r:id="rId20"/>
+    <p:sldId id="280" r:id="rId21"/>
+    <p:sldId id="273" r:id="rId22"/>
+    <p:sldId id="276" r:id="rId23"/>
+    <p:sldId id="274" r:id="rId24"/>
+    <p:sldId id="277" r:id="rId25"/>
+    <p:sldId id="283" r:id="rId26"/>
+    <p:sldId id="281" r:id="rId27"/>
   </p:sldIdLst>
   <p:sldSz cx="12192000" cy="6858000"/>
   <p:notesSz cx="6858000" cy="9144000"/>
@@ -4336,7 +4337,12 @@
             <p:ph type="title"/>
           </p:nvPr>
         </p:nvSpPr>
-        <p:spPr/>
+        <p:spPr>
+          <a:xfrm>
+            <a:off x="838200" y="365125"/>
+            <a:ext cx="10515600" cy="1325563"/>
+          </a:xfrm>
+        </p:spPr>
         <p:txBody>
           <a:bodyPr/>
           <a:lstStyle/>
@@ -4604,91 +4610,15 @@
           </a:p>
           <a:p>
             <a:r>
-              <a:rPr lang="hu-HU" err="1"/>
-              <a:t>Running</a:t>
-            </a:r>
-            <a:r>
-              <a:rPr lang="hu-HU"/>
-              <a:t> </a:t>
-            </a:r>
-            <a:r>
-              <a:rPr lang="hu-HU" err="1"/>
-              <a:t>both</a:t>
-            </a:r>
-            <a:r>
-              <a:rPr lang="hu-HU"/>
-              <a:t> (</a:t>
-            </a:r>
-            <a:r>
-              <a:rPr lang="hu-HU" err="1"/>
-              <a:t>insec</a:t>
-            </a:r>
-            <a:r>
-              <a:rPr lang="hu-HU"/>
-              <a:t> and sec) version of </a:t>
-            </a:r>
-            <a:r>
-              <a:rPr lang="hu-HU" err="1"/>
-              <a:t>the</a:t>
-            </a:r>
-            <a:r>
-              <a:rPr lang="hu-HU"/>
-              <a:t> </a:t>
-            </a:r>
-            <a:r>
-              <a:rPr lang="hu-HU" err="1"/>
-              <a:t>module</a:t>
-            </a:r>
-            <a:r>
-              <a:rPr lang="hu-HU"/>
-              <a:t> </a:t>
-            </a:r>
-            <a:r>
-              <a:rPr lang="hu-HU" err="1"/>
-              <a:t>at</a:t>
-            </a:r>
-            <a:r>
-              <a:rPr lang="hu-HU"/>
-              <a:t> </a:t>
-            </a:r>
-            <a:r>
-              <a:rPr lang="hu-HU" err="1"/>
-              <a:t>the</a:t>
-            </a:r>
-            <a:r>
-              <a:rPr lang="hu-HU"/>
-              <a:t> </a:t>
-            </a:r>
-            <a:r>
-              <a:rPr lang="hu-HU" err="1"/>
-              <a:t>same</a:t>
-            </a:r>
-            <a:r>
-              <a:rPr lang="hu-HU"/>
-              <a:t> </a:t>
-            </a:r>
-            <a:r>
-              <a:rPr lang="hu-HU" err="1"/>
-              <a:t>time</a:t>
-            </a:r>
-            <a:r>
-              <a:rPr lang="hu-HU"/>
-              <a:t>:</a:t>
+              <a:rPr lang="hu-HU"/>
+              <a:t>Running both (insec and sec) version of the module at the same time:</a:t>
             </a:r>
           </a:p>
           <a:p>
             <a:pPr lvl="1"/>
             <a:r>
               <a:rPr lang="hu-HU" b="1" i="1"/>
-              <a:t>java –</a:t>
-            </a:r>
-            <a:r>
-              <a:rPr lang="hu-HU" b="1" i="1" err="1"/>
-              <a:t>jar</a:t>
-            </a:r>
-            <a:r>
-              <a:rPr lang="hu-HU" b="1" i="1"/>
-              <a:t> modulename.jar –m both</a:t>
+              <a:t>java –jar modulename.jar –m both</a:t>
             </a:r>
           </a:p>
           <a:p>
@@ -4712,6 +4642,9 @@
               <a:rPr lang="hu-HU"/>
               <a:t>, printing every request and response payload to the console.</a:t>
             </a:r>
+          </a:p>
+          <a:p>
+            <a:endParaRPr lang="hu-HU"/>
           </a:p>
         </p:txBody>
       </p:sp>
@@ -4729,6 +4662,160 @@
 </file>
 
 <file path=ppt/slides/slide12.xml><?xml version="1.0" encoding="utf-8"?>
+<p:sld xmlns:a="http://schemas.openxmlformats.org/drawingml/2006/main" xmlns:r="http://schemas.openxmlformats.org/officeDocument/2006/relationships" xmlns:p="http://schemas.openxmlformats.org/presentationml/2006/main">
+  <p:cSld>
+    <p:spTree>
+      <p:nvGrpSpPr>
+        <p:cNvPr id="1" name=""/>
+        <p:cNvGrpSpPr/>
+        <p:nvPr/>
+      </p:nvGrpSpPr>
+      <p:grpSpPr>
+        <a:xfrm>
+          <a:off x="0" y="0"/>
+          <a:ext cx="0" cy="0"/>
+          <a:chOff x="0" y="0"/>
+          <a:chExt cx="0" cy="0"/>
+        </a:xfrm>
+      </p:grpSpPr>
+      <p:sp>
+        <p:nvSpPr>
+          <p:cNvPr id="2" name="Cím 1">
+            <a:extLst>
+              <a:ext uri="{FF2B5EF4-FFF2-40B4-BE49-F238E27FC236}">
+                <a16:creationId xmlns:a16="http://schemas.microsoft.com/office/drawing/2014/main" id="{4F240CBD-89A7-48D4-A6B2-2BC80510A117}"/>
+              </a:ext>
+            </a:extLst>
+          </p:cNvPr>
+          <p:cNvSpPr>
+            <a:spLocks noGrp="1"/>
+          </p:cNvSpPr>
+          <p:nvPr>
+            <p:ph type="title"/>
+          </p:nvPr>
+        </p:nvSpPr>
+        <p:spPr>
+          <a:xfrm>
+            <a:off x="838200" y="365126"/>
+            <a:ext cx="10515600" cy="983384"/>
+          </a:xfrm>
+        </p:spPr>
+        <p:txBody>
+          <a:bodyPr/>
+          <a:lstStyle/>
+          <a:p>
+            <a:r>
+              <a:rPr lang="hu-HU"/>
+              <a:t>Deploying modules II.</a:t>
+            </a:r>
+            <a:endParaRPr lang="en-US"/>
+          </a:p>
+        </p:txBody>
+      </p:sp>
+      <p:sp>
+        <p:nvSpPr>
+          <p:cNvPr id="3" name="Tartalom helye 2">
+            <a:extLst>
+              <a:ext uri="{FF2B5EF4-FFF2-40B4-BE49-F238E27FC236}">
+                <a16:creationId xmlns:a16="http://schemas.microsoft.com/office/drawing/2014/main" id="{5A4DE9E8-DCE5-4FDE-9B03-FD526C81617D}"/>
+              </a:ext>
+            </a:extLst>
+          </p:cNvPr>
+          <p:cNvSpPr>
+            <a:spLocks noGrp="1"/>
+          </p:cNvSpPr>
+          <p:nvPr>
+            <p:ph idx="1"/>
+          </p:nvPr>
+        </p:nvSpPr>
+        <p:spPr>
+          <a:xfrm>
+            <a:off x="838200" y="1597892"/>
+            <a:ext cx="10515600" cy="4996872"/>
+          </a:xfrm>
+        </p:spPr>
+        <p:txBody>
+          <a:bodyPr>
+            <a:normAutofit lnSpcReduction="10000"/>
+          </a:bodyPr>
+          <a:lstStyle/>
+          <a:p>
+            <a:r>
+              <a:rPr lang="hu-HU"/>
+              <a:t>The „-daemon” command line argument enables the Core System to shut down properly when killing the Java process on Linux</a:t>
+            </a:r>
+          </a:p>
+          <a:p>
+            <a:r>
+              <a:rPr lang="hu-HU"/>
+              <a:t>Since the Core Systems use each other’s services, the </a:t>
+            </a:r>
+            <a:r>
+              <a:rPr lang="hu-HU" b="1"/>
+              <a:t>starting order is not arbitrary:</a:t>
+            </a:r>
+          </a:p>
+          <a:p>
+            <a:pPr lvl="1"/>
+            <a:r>
+              <a:rPr lang="hu-HU"/>
+              <a:t>1) Service Registry, 2-3) Authorization and </a:t>
+            </a:r>
+            <a:r>
+              <a:rPr lang="hu-HU" i="1"/>
+              <a:t>Gateway (optional), </a:t>
+            </a:r>
+            <a:r>
+              <a:rPr lang="hu-HU"/>
+              <a:t>4) Gatekeeper, 5) Orchestrator</a:t>
+            </a:r>
+          </a:p>
+          <a:p>
+            <a:r>
+              <a:rPr lang="hu-HU" b="1"/>
+              <a:t>We recommend using the provided shell scripts for easy startup </a:t>
+            </a:r>
+            <a:r>
+              <a:rPr lang="hu-HU"/>
+              <a:t>(start_insecure_coresystems.sh / stop_coresystems.sh)</a:t>
+            </a:r>
+          </a:p>
+          <a:p>
+            <a:r>
+              <a:rPr lang="hu-HU"/>
+              <a:t>After startup you can ping the SR to see, if localhost the Systems are running: curl –X GET </a:t>
+            </a:r>
+            <a:r>
+              <a:rPr lang="hu-HU">
+                <a:hlinkClick r:id="rId2"/>
+              </a:rPr>
+              <a:t>http://localhost:8442/serviceregistry</a:t>
+            </a:r>
+            <a:endParaRPr lang="hu-HU"/>
+          </a:p>
+          <a:p>
+            <a:r>
+              <a:rPr lang="hu-HU"/>
+              <a:t>If the above command is successful, but you can’t reach the server remotely, it is a network related issue, e.g. firewalls.</a:t>
+            </a:r>
+            <a:endParaRPr lang="en-US"/>
+          </a:p>
+        </p:txBody>
+      </p:sp>
+    </p:spTree>
+    <p:extLst>
+      <p:ext uri="{BB962C8B-B14F-4D97-AF65-F5344CB8AC3E}">
+        <p14:creationId xmlns:p14="http://schemas.microsoft.com/office/powerpoint/2010/main" val="1029778415"/>
+      </p:ext>
+    </p:extLst>
+  </p:cSld>
+  <p:clrMapOvr>
+    <a:masterClrMapping/>
+  </p:clrMapOvr>
+</p:sld>
+</file>
+
+<file path=ppt/slides/slide13.xml><?xml version="1.0" encoding="utf-8"?>
 <p:sld xmlns:a="http://schemas.openxmlformats.org/drawingml/2006/main" xmlns:r="http://schemas.openxmlformats.org/officeDocument/2006/relationships" xmlns:p="http://schemas.openxmlformats.org/presentationml/2006/main">
   <p:cSld>
     <p:spTree>
@@ -5355,7 +5442,7 @@
 </p:sld>
 </file>
 
-<file path=ppt/slides/slide13.xml><?xml version="1.0" encoding="utf-8"?>
+<file path=ppt/slides/slide14.xml><?xml version="1.0" encoding="utf-8"?>
 <p:sld xmlns:a="http://schemas.openxmlformats.org/drawingml/2006/main" xmlns:r="http://schemas.openxmlformats.org/officeDocument/2006/relationships" xmlns:p="http://schemas.openxmlformats.org/presentationml/2006/main">
   <p:cSld>
     <p:spTree>
@@ -5514,7 +5601,7 @@
 </p:sld>
 </file>
 
-<file path=ppt/slides/slide14.xml><?xml version="1.0" encoding="utf-8"?>
+<file path=ppt/slides/slide15.xml><?xml version="1.0" encoding="utf-8"?>
 <p:sld xmlns:a="http://schemas.openxmlformats.org/drawingml/2006/main" xmlns:r="http://schemas.openxmlformats.org/officeDocument/2006/relationships" xmlns:p="http://schemas.openxmlformats.org/presentationml/2006/main">
   <p:cSld>
     <p:spTree>
@@ -6030,7 +6117,7 @@
 </p:sld>
 </file>
 
-<file path=ppt/slides/slide15.xml><?xml version="1.0" encoding="utf-8"?>
+<file path=ppt/slides/slide16.xml><?xml version="1.0" encoding="utf-8"?>
 <p:sld xmlns:a="http://schemas.openxmlformats.org/drawingml/2006/main" xmlns:r="http://schemas.openxmlformats.org/officeDocument/2006/relationships" xmlns:p="http://schemas.openxmlformats.org/presentationml/2006/main">
   <p:cSld>
     <p:spTree>
@@ -6738,7 +6825,7 @@
 </p:sld>
 </file>
 
-<file path=ppt/slides/slide16.xml><?xml version="1.0" encoding="utf-8"?>
+<file path=ppt/slides/slide17.xml><?xml version="1.0" encoding="utf-8"?>
 <p:sld xmlns:a="http://schemas.openxmlformats.org/drawingml/2006/main" xmlns:r="http://schemas.openxmlformats.org/officeDocument/2006/relationships" xmlns:p="http://schemas.openxmlformats.org/presentationml/2006/main">
   <p:cSld>
     <p:spTree>
@@ -6826,7 +6913,7 @@
 </p:sld>
 </file>
 
-<file path=ppt/slides/slide17.xml><?xml version="1.0" encoding="utf-8"?>
+<file path=ppt/slides/slide18.xml><?xml version="1.0" encoding="utf-8"?>
 <p:sld xmlns:a="http://schemas.openxmlformats.org/drawingml/2006/main" xmlns:r="http://schemas.openxmlformats.org/officeDocument/2006/relationships" xmlns:p="http://schemas.openxmlformats.org/presentationml/2006/main">
   <p:cSld>
     <p:spTree>
@@ -7312,7 +7399,7 @@
 </p:sld>
 </file>
 
-<file path=ppt/slides/slide18.xml><?xml version="1.0" encoding="utf-8"?>
+<file path=ppt/slides/slide19.xml><?xml version="1.0" encoding="utf-8"?>
 <p:sld xmlns:a="http://schemas.openxmlformats.org/drawingml/2006/main" xmlns:r="http://schemas.openxmlformats.org/officeDocument/2006/relationships" xmlns:p="http://schemas.openxmlformats.org/presentationml/2006/main">
   <p:cSld>
     <p:spTree>
@@ -8583,216 +8670,6 @@
     <p:extLst>
       <p:ext uri="{BB962C8B-B14F-4D97-AF65-F5344CB8AC3E}">
         <p14:creationId xmlns:p14="http://schemas.microsoft.com/office/powerpoint/2010/main" val="1046554730"/>
-      </p:ext>
-    </p:extLst>
-  </p:cSld>
-  <p:clrMapOvr>
-    <a:masterClrMapping/>
-  </p:clrMapOvr>
-</p:sld>
-</file>
-
-<file path=ppt/slides/slide19.xml><?xml version="1.0" encoding="utf-8"?>
-<p:sld xmlns:a="http://schemas.openxmlformats.org/drawingml/2006/main" xmlns:r="http://schemas.openxmlformats.org/officeDocument/2006/relationships" xmlns:p="http://schemas.openxmlformats.org/presentationml/2006/main">
-  <p:cSld>
-    <p:spTree>
-      <p:nvGrpSpPr>
-        <p:cNvPr id="1" name=""/>
-        <p:cNvGrpSpPr/>
-        <p:nvPr/>
-      </p:nvGrpSpPr>
-      <p:grpSpPr>
-        <a:xfrm>
-          <a:off x="0" y="0"/>
-          <a:ext cx="0" cy="0"/>
-          <a:chOff x="0" y="0"/>
-          <a:chExt cx="0" cy="0"/>
-        </a:xfrm>
-      </p:grpSpPr>
-      <p:sp>
-        <p:nvSpPr>
-          <p:cNvPr id="5" name="Cím 4"/>
-          <p:cNvSpPr>
-            <a:spLocks noGrp="1"/>
-          </p:cNvSpPr>
-          <p:nvPr>
-            <p:ph type="title"/>
-          </p:nvPr>
-        </p:nvSpPr>
-        <p:spPr>
-          <a:xfrm>
-            <a:off x="0" y="-437321"/>
-            <a:ext cx="11284226" cy="1325563"/>
-          </a:xfrm>
-        </p:spPr>
-        <p:txBody>
-          <a:bodyPr>
-            <a:normAutofit/>
-          </a:bodyPr>
-          <a:lstStyle/>
-          <a:p>
-            <a:r>
-              <a:rPr lang="hu-HU" sz="3600" err="1"/>
-              <a:t>Checking</a:t>
-            </a:r>
-            <a:r>
-              <a:rPr lang="hu-HU" sz="3600"/>
-              <a:t> </a:t>
-            </a:r>
-            <a:r>
-              <a:rPr lang="hu-HU" sz="3600" err="1"/>
-              <a:t>the</a:t>
-            </a:r>
-            <a:r>
-              <a:rPr lang="hu-HU" sz="3600"/>
-              <a:t> </a:t>
-            </a:r>
-            <a:r>
-              <a:rPr lang="hu-HU" sz="3600" err="1"/>
-              <a:t>dynamical</a:t>
-            </a:r>
-            <a:r>
-              <a:rPr lang="hu-HU" sz="3600"/>
-              <a:t> </a:t>
-            </a:r>
-            <a:r>
-              <a:rPr lang="hu-HU" sz="3600" err="1"/>
-              <a:t>orchestration</a:t>
-            </a:r>
-            <a:r>
-              <a:rPr lang="hu-HU" sz="3600"/>
-              <a:t> </a:t>
-            </a:r>
-            <a:r>
-              <a:rPr lang="hu-HU" sz="3600" err="1"/>
-              <a:t>process</a:t>
-            </a:r>
-            <a:endParaRPr lang="hu-HU" sz="3600"/>
-          </a:p>
-        </p:txBody>
-      </p:sp>
-      <p:sp>
-        <p:nvSpPr>
-          <p:cNvPr id="6" name="Tartalom helye 5"/>
-          <p:cNvSpPr>
-            <a:spLocks noGrp="1"/>
-          </p:cNvSpPr>
-          <p:nvPr>
-            <p:ph idx="1"/>
-          </p:nvPr>
-        </p:nvSpPr>
-        <p:spPr>
-          <a:xfrm>
-            <a:off x="0" y="1020556"/>
-            <a:ext cx="2435087" cy="4351338"/>
-          </a:xfrm>
-        </p:spPr>
-        <p:txBody>
-          <a:bodyPr/>
-          <a:lstStyle/>
-          <a:p>
-            <a:pPr marL="0" indent="0">
-              <a:buNone/>
-            </a:pPr>
-            <a:r>
-              <a:rPr lang="hu-HU"/>
-              <a:t>The </a:t>
-            </a:r>
-            <a:r>
-              <a:rPr lang="hu-HU" err="1"/>
-              <a:t>following</a:t>
-            </a:r>
-            <a:r>
-              <a:rPr lang="hu-HU"/>
-              <a:t> </a:t>
-            </a:r>
-            <a:r>
-              <a:rPr lang="hu-HU" err="1"/>
-              <a:t>examples</a:t>
-            </a:r>
-            <a:r>
-              <a:rPr lang="hu-HU"/>
-              <a:t> test out </a:t>
-            </a:r>
-            <a:r>
-              <a:rPr lang="hu-HU" err="1"/>
-              <a:t>the</a:t>
-            </a:r>
-            <a:r>
-              <a:rPr lang="hu-HU"/>
-              <a:t> </a:t>
-            </a:r>
-            <a:r>
-              <a:rPr lang="hu-HU" err="1"/>
-              <a:t>dynamical</a:t>
-            </a:r>
-            <a:r>
-              <a:rPr lang="hu-HU"/>
-              <a:t> </a:t>
-            </a:r>
-            <a:r>
-              <a:rPr lang="hu-HU" err="1"/>
-              <a:t>orchestration</a:t>
-            </a:r>
-            <a:r>
-              <a:rPr lang="hu-HU"/>
-              <a:t> </a:t>
-            </a:r>
-            <a:r>
-              <a:rPr lang="hu-HU" err="1"/>
-              <a:t>capabilities</a:t>
-            </a:r>
-            <a:r>
-              <a:rPr lang="hu-HU"/>
-              <a:t> of </a:t>
-            </a:r>
-            <a:r>
-              <a:rPr lang="hu-HU" err="1"/>
-              <a:t>the</a:t>
-            </a:r>
-            <a:r>
-              <a:rPr lang="hu-HU"/>
-              <a:t> </a:t>
-            </a:r>
-            <a:r>
-              <a:rPr lang="hu-HU" err="1"/>
-              <a:t>framework</a:t>
-            </a:r>
-            <a:r>
-              <a:rPr lang="hu-HU"/>
-              <a:t>. </a:t>
-            </a:r>
-          </a:p>
-        </p:txBody>
-      </p:sp>
-      <p:pic>
-        <p:nvPicPr>
-          <p:cNvPr id="7" name="Kép 6"/>
-          <p:cNvPicPr>
-            <a:picLocks noChangeAspect="1"/>
-          </p:cNvPicPr>
-          <p:nvPr/>
-        </p:nvPicPr>
-        <p:blipFill>
-          <a:blip r:embed="rId2"/>
-          <a:stretch>
-            <a:fillRect/>
-          </a:stretch>
-        </p:blipFill>
-        <p:spPr>
-          <a:xfrm>
-            <a:off x="2579812" y="478267"/>
-            <a:ext cx="9128484" cy="6379733"/>
-          </a:xfrm>
-          <a:prstGeom prst="rect">
-            <a:avLst/>
-          </a:prstGeom>
-        </p:spPr>
-      </p:pic>
-    </p:spTree>
-    <p:extLst>
-      <p:ext uri="{BB962C8B-B14F-4D97-AF65-F5344CB8AC3E}">
-        <p14:creationId xmlns:p14="http://schemas.microsoft.com/office/powerpoint/2010/main" val="1241950303"/>
       </p:ext>
     </p:extLst>
   </p:cSld>
@@ -9356,7 +9233,7 @@
       </p:grpSpPr>
       <p:sp>
         <p:nvSpPr>
-          <p:cNvPr id="2" name="Cím 1"/>
+          <p:cNvPr id="5" name="Cím 4"/>
           <p:cNvSpPr>
             <a:spLocks noGrp="1"/>
           </p:cNvSpPr>
@@ -9366,8 +9243,8 @@
         </p:nvSpPr>
         <p:spPr>
           <a:xfrm>
-            <a:off x="0" y="1"/>
-            <a:ext cx="10515600" cy="603682"/>
+            <a:off x="0" y="-437321"/>
+            <a:ext cx="11284226" cy="1325563"/>
           </a:xfrm>
         </p:spPr>
         <p:txBody>
@@ -9377,1249 +9254,167 @@
           <a:lstStyle/>
           <a:p>
             <a:r>
-              <a:rPr lang="hu-HU" sz="2400" b="1"/>
-              <a:t>Local </a:t>
-            </a:r>
-            <a:r>
-              <a:rPr lang="hu-HU" sz="2400" b="1" err="1"/>
+              <a:rPr lang="hu-HU" sz="3600" err="1"/>
+              <a:t>Checking</a:t>
+            </a:r>
+            <a:r>
+              <a:rPr lang="hu-HU" sz="3600"/>
+              <a:t> </a:t>
+            </a:r>
+            <a:r>
+              <a:rPr lang="hu-HU" sz="3600" err="1"/>
+              <a:t>the</a:t>
+            </a:r>
+            <a:r>
+              <a:rPr lang="hu-HU" sz="3600"/>
+              <a:t> </a:t>
+            </a:r>
+            <a:r>
+              <a:rPr lang="hu-HU" sz="3600" err="1"/>
               <a:t>dynamical</a:t>
             </a:r>
             <a:r>
-              <a:rPr lang="hu-HU" sz="2400" b="1"/>
-              <a:t> </a:t>
-            </a:r>
-            <a:r>
-              <a:rPr lang="hu-HU" sz="2400" b="1" err="1"/>
+              <a:rPr lang="hu-HU" sz="3600"/>
+              <a:t> </a:t>
+            </a:r>
+            <a:r>
+              <a:rPr lang="hu-HU" sz="3600" err="1"/>
               <a:t>orchestration</a:t>
             </a:r>
             <a:r>
-              <a:rPr lang="hu-HU" sz="2400" b="1"/>
-              <a:t> (no preferences or matchmaking) </a:t>
-            </a:r>
-            <a:endParaRPr lang="en-US" sz="2400" b="1"/>
+              <a:rPr lang="hu-HU" sz="3600"/>
+              <a:t> </a:t>
+            </a:r>
+            <a:r>
+              <a:rPr lang="hu-HU" sz="3600" err="1"/>
+              <a:t>process</a:t>
+            </a:r>
+            <a:endParaRPr lang="hu-HU" sz="3600"/>
           </a:p>
         </p:txBody>
       </p:sp>
       <p:sp>
         <p:nvSpPr>
-          <p:cNvPr id="4" name="Tartalom helye 3"/>
+          <p:cNvPr id="6" name="Tartalom helye 5"/>
           <p:cNvSpPr>
             <a:spLocks noGrp="1"/>
           </p:cNvSpPr>
           <p:nvPr>
-            <p:ph sz="half" idx="1"/>
+            <p:ph idx="1"/>
           </p:nvPr>
         </p:nvSpPr>
         <p:spPr>
           <a:xfrm>
-            <a:off x="0" y="603684"/>
-            <a:ext cx="4692589" cy="4050378"/>
+            <a:off x="0" y="1020556"/>
+            <a:ext cx="2435087" cy="4351338"/>
           </a:xfrm>
-          <a:ln>
-            <a:solidFill>
-              <a:srgbClr val="00B050"/>
-            </a:solidFill>
-          </a:ln>
         </p:spPr>
         <p:txBody>
-          <a:bodyPr>
-            <a:noAutofit/>
-          </a:bodyPr>
+          <a:bodyPr/>
           <a:lstStyle/>
           <a:p>
             <a:pPr marL="0" indent="0">
-              <a:lnSpc>
-                <a:spcPct val="100000"/>
-              </a:lnSpc>
-              <a:spcBef>
-                <a:spcPts val="0"/>
-              </a:spcBef>
               <a:buNone/>
             </a:pPr>
             <a:r>
-              <a:rPr lang="hu-HU" sz="2000" dirty="0"/>
-              <a:t>Service </a:t>
-            </a:r>
-            <a:r>
-              <a:rPr lang="hu-HU" sz="2000" dirty="0" err="1"/>
-              <a:t>Request</a:t>
-            </a:r>
-            <a:r>
-              <a:rPr lang="hu-HU" sz="2000" dirty="0"/>
-              <a:t> </a:t>
-            </a:r>
-            <a:r>
-              <a:rPr lang="hu-HU" sz="2000" dirty="0" err="1"/>
-              <a:t>Form</a:t>
-            </a:r>
-            <a:endParaRPr lang="hu-HU" sz="2000" dirty="0"/>
-          </a:p>
-          <a:p>
-            <a:pPr marL="0" indent="0">
-              <a:lnSpc>
-                <a:spcPct val="100000"/>
-              </a:lnSpc>
-              <a:spcBef>
-                <a:spcPts val="0"/>
-              </a:spcBef>
-              <a:buNone/>
-            </a:pPr>
-            <a:r>
-              <a:rPr lang="en-US" sz="1600" dirty="0"/>
-              <a:t>{</a:t>
-            </a:r>
-          </a:p>
-          <a:p>
-            <a:pPr marL="0" indent="0">
-              <a:lnSpc>
-                <a:spcPct val="100000"/>
-              </a:lnSpc>
-              <a:spcBef>
-                <a:spcPts val="0"/>
-              </a:spcBef>
-              <a:buNone/>
-            </a:pPr>
-            <a:r>
-              <a:rPr lang="en-US" sz="1600" dirty="0"/>
-              <a:t>  "</a:t>
-            </a:r>
-            <a:r>
-              <a:rPr lang="en-US" sz="1600" dirty="0" err="1"/>
-              <a:t>requesterSystem</a:t>
-            </a:r>
-            <a:r>
-              <a:rPr lang="en-US" sz="1600" dirty="0"/>
-              <a:t>":</a:t>
-            </a:r>
-          </a:p>
-          <a:p>
-            <a:pPr marL="0" indent="0">
-              <a:lnSpc>
-                <a:spcPct val="100000"/>
-              </a:lnSpc>
-              <a:spcBef>
-                <a:spcPts val="0"/>
-              </a:spcBef>
-              <a:buNone/>
-            </a:pPr>
-            <a:r>
-              <a:rPr lang="en-US" sz="1600" dirty="0"/>
-              <a:t>  {</a:t>
-            </a:r>
-          </a:p>
-          <a:p>
-            <a:pPr marL="0" indent="0">
-              <a:lnSpc>
-                <a:spcPct val="100000"/>
-              </a:lnSpc>
-              <a:spcBef>
-                <a:spcPts val="0"/>
-              </a:spcBef>
-              <a:buNone/>
-            </a:pPr>
-            <a:r>
-              <a:rPr lang="en-US" sz="1600" dirty="0"/>
-              <a:t>      "</a:t>
-            </a:r>
-            <a:r>
-              <a:rPr lang="en-US" sz="1600" dirty="0" err="1"/>
-              <a:t>systemName</a:t>
-            </a:r>
-            <a:r>
-              <a:rPr lang="en-US" sz="1600" dirty="0"/>
-              <a:t>": "</a:t>
-            </a:r>
-            <a:r>
-              <a:rPr lang="en-US" sz="1600" dirty="0" err="1"/>
-              <a:t>ChargePointSystem</a:t>
-            </a:r>
-            <a:r>
-              <a:rPr lang="en-US" sz="1600" dirty="0"/>
-              <a:t>",</a:t>
-            </a:r>
-          </a:p>
-          <a:p>
-            <a:pPr marL="0" indent="0">
-              <a:lnSpc>
-                <a:spcPct val="100000"/>
-              </a:lnSpc>
-              <a:spcBef>
-                <a:spcPts val="0"/>
-              </a:spcBef>
-              <a:buNone/>
-            </a:pPr>
-            <a:r>
-              <a:rPr lang="en-US" sz="1600" dirty="0"/>
-              <a:t>      "address": "dummy_address_4"</a:t>
-            </a:r>
-          </a:p>
-          <a:p>
-            <a:pPr marL="0" indent="0">
-              <a:lnSpc>
-                <a:spcPct val="100000"/>
-              </a:lnSpc>
-              <a:spcBef>
-                <a:spcPts val="0"/>
-              </a:spcBef>
-              <a:buNone/>
-            </a:pPr>
-            <a:r>
-              <a:rPr lang="en-US" sz="1600" dirty="0"/>
-              <a:t>  },</a:t>
-            </a:r>
-          </a:p>
-          <a:p>
-            <a:pPr marL="0" indent="0">
-              <a:lnSpc>
-                <a:spcPct val="100000"/>
-              </a:lnSpc>
-              <a:spcBef>
-                <a:spcPts val="0"/>
-              </a:spcBef>
-              <a:buNone/>
-            </a:pPr>
-            <a:r>
-              <a:rPr lang="en-US" sz="1600" dirty="0"/>
-              <a:t>  "</a:t>
-            </a:r>
-            <a:r>
-              <a:rPr lang="en-US" sz="1600" dirty="0" err="1"/>
-              <a:t>requestedService</a:t>
-            </a:r>
-            <a:r>
-              <a:rPr lang="en-US" sz="1600" dirty="0"/>
-              <a:t>":</a:t>
-            </a:r>
-          </a:p>
-          <a:p>
-            <a:pPr marL="0" indent="0">
-              <a:lnSpc>
-                <a:spcPct val="100000"/>
-              </a:lnSpc>
-              <a:spcBef>
-                <a:spcPts val="0"/>
-              </a:spcBef>
-              <a:buNone/>
-            </a:pPr>
-            <a:r>
-              <a:rPr lang="en-US" sz="1600" dirty="0"/>
-              <a:t>  {</a:t>
-            </a:r>
-          </a:p>
-          <a:p>
-            <a:pPr marL="0" indent="0">
-              <a:lnSpc>
-                <a:spcPct val="100000"/>
-              </a:lnSpc>
-              <a:spcBef>
-                <a:spcPts val="0"/>
-              </a:spcBef>
-              <a:buNone/>
-            </a:pPr>
-            <a:r>
-              <a:rPr lang="en-US" sz="1600" dirty="0"/>
-              <a:t>      "</a:t>
-            </a:r>
-            <a:r>
-              <a:rPr lang="en-US" sz="1600" dirty="0" err="1"/>
-              <a:t>serviceDefinition</a:t>
-            </a:r>
-            <a:r>
-              <a:rPr lang="en-US" sz="1600" dirty="0"/>
-              <a:t>": "</a:t>
-            </a:r>
-            <a:r>
-              <a:rPr lang="en-US" sz="1600" dirty="0" err="1"/>
-              <a:t>ChargingReservation</a:t>
-            </a:r>
-            <a:r>
-              <a:rPr lang="en-US" sz="1600" dirty="0"/>
-              <a:t>",</a:t>
-            </a:r>
-          </a:p>
-          <a:p>
-            <a:pPr marL="0" indent="0">
-              <a:lnSpc>
-                <a:spcPct val="100000"/>
-              </a:lnSpc>
-              <a:spcBef>
-                <a:spcPts val="0"/>
-              </a:spcBef>
-              <a:buNone/>
-            </a:pPr>
-            <a:r>
-              <a:rPr lang="en-US" sz="1600" dirty="0"/>
-              <a:t>      "interfaces": ["JSON"]</a:t>
-            </a:r>
-          </a:p>
-          <a:p>
-            <a:pPr marL="0" indent="0">
-              <a:lnSpc>
-                <a:spcPct val="100000"/>
-              </a:lnSpc>
-              <a:spcBef>
-                <a:spcPts val="0"/>
-              </a:spcBef>
-              <a:buNone/>
-            </a:pPr>
-            <a:r>
-              <a:rPr lang="en-US" sz="1600" dirty="0"/>
-              <a:t>  },</a:t>
-            </a:r>
-          </a:p>
-          <a:p>
-            <a:pPr marL="0" indent="0">
-              <a:lnSpc>
-                <a:spcPct val="100000"/>
-              </a:lnSpc>
-              <a:spcBef>
-                <a:spcPts val="0"/>
-              </a:spcBef>
-              <a:buNone/>
-            </a:pPr>
-            <a:r>
-              <a:rPr lang="en-US" sz="1600" dirty="0"/>
-              <a:t>  "</a:t>
-            </a:r>
-            <a:r>
-              <a:rPr lang="en-US" sz="1600" dirty="0" err="1"/>
-              <a:t>orchestrationFlags</a:t>
-            </a:r>
-            <a:r>
-              <a:rPr lang="en-US" sz="1600" dirty="0"/>
-              <a:t>": {</a:t>
-            </a:r>
-          </a:p>
-          <a:p>
-            <a:pPr marL="0" indent="0">
-              <a:lnSpc>
-                <a:spcPct val="100000"/>
-              </a:lnSpc>
-              <a:spcBef>
-                <a:spcPts val="0"/>
-              </a:spcBef>
-              <a:buNone/>
-            </a:pPr>
-            <a:r>
-              <a:rPr lang="en-US" sz="1600" dirty="0"/>
-              <a:t>    "</a:t>
-            </a:r>
-            <a:r>
-              <a:rPr lang="en-US" sz="1600" dirty="0" err="1"/>
-              <a:t>overrideStore</a:t>
-            </a:r>
-            <a:r>
-              <a:rPr lang="en-US" sz="1600" dirty="0"/>
-              <a:t>": true</a:t>
-            </a:r>
-          </a:p>
-          <a:p>
-            <a:pPr marL="0" indent="0">
-              <a:lnSpc>
-                <a:spcPct val="100000"/>
-              </a:lnSpc>
-              <a:spcBef>
-                <a:spcPts val="0"/>
-              </a:spcBef>
-              <a:buNone/>
-            </a:pPr>
-            <a:r>
-              <a:rPr lang="en-US" sz="1600" dirty="0"/>
-              <a:t>  }</a:t>
-            </a:r>
-          </a:p>
-          <a:p>
-            <a:pPr marL="0" indent="0">
-              <a:lnSpc>
-                <a:spcPct val="100000"/>
-              </a:lnSpc>
-              <a:spcBef>
-                <a:spcPts val="0"/>
-              </a:spcBef>
-              <a:buNone/>
-            </a:pPr>
-            <a:r>
-              <a:rPr lang="en-US" sz="1600" dirty="0"/>
-              <a:t>}</a:t>
+              <a:rPr lang="hu-HU"/>
+              <a:t>The </a:t>
+            </a:r>
+            <a:r>
+              <a:rPr lang="hu-HU" err="1"/>
+              <a:t>following</a:t>
+            </a:r>
+            <a:r>
+              <a:rPr lang="hu-HU"/>
+              <a:t> </a:t>
+            </a:r>
+            <a:r>
+              <a:rPr lang="hu-HU" err="1"/>
+              <a:t>examples</a:t>
+            </a:r>
+            <a:r>
+              <a:rPr lang="hu-HU"/>
+              <a:t> test out </a:t>
+            </a:r>
+            <a:r>
+              <a:rPr lang="hu-HU" err="1"/>
+              <a:t>the</a:t>
+            </a:r>
+            <a:r>
+              <a:rPr lang="hu-HU"/>
+              <a:t> </a:t>
+            </a:r>
+            <a:r>
+              <a:rPr lang="hu-HU" err="1"/>
+              <a:t>dynamical</a:t>
+            </a:r>
+            <a:r>
+              <a:rPr lang="hu-HU"/>
+              <a:t> </a:t>
+            </a:r>
+            <a:r>
+              <a:rPr lang="hu-HU" err="1"/>
+              <a:t>orchestration</a:t>
+            </a:r>
+            <a:r>
+              <a:rPr lang="hu-HU"/>
+              <a:t> </a:t>
+            </a:r>
+            <a:r>
+              <a:rPr lang="hu-HU" err="1"/>
+              <a:t>capabilities</a:t>
+            </a:r>
+            <a:r>
+              <a:rPr lang="hu-HU"/>
+              <a:t> of </a:t>
+            </a:r>
+            <a:r>
+              <a:rPr lang="hu-HU" err="1"/>
+              <a:t>the</a:t>
+            </a:r>
+            <a:r>
+              <a:rPr lang="hu-HU"/>
+              <a:t> </a:t>
+            </a:r>
+            <a:r>
+              <a:rPr lang="hu-HU" err="1"/>
+              <a:t>framework</a:t>
+            </a:r>
+            <a:r>
+              <a:rPr lang="hu-HU"/>
+              <a:t>. </a:t>
             </a:r>
           </a:p>
         </p:txBody>
       </p:sp>
-      <p:sp>
-        <p:nvSpPr>
-          <p:cNvPr id="5" name="Tartalom helye 4"/>
-          <p:cNvSpPr>
-            <a:spLocks noGrp="1"/>
-          </p:cNvSpPr>
-          <p:nvPr>
-            <p:ph sz="half" idx="2"/>
-          </p:nvPr>
-        </p:nvSpPr>
+      <p:pic>
+        <p:nvPicPr>
+          <p:cNvPr id="7" name="Kép 6"/>
+          <p:cNvPicPr>
+            <a:picLocks noChangeAspect="1"/>
+          </p:cNvPicPr>
+          <p:nvPr/>
+        </p:nvPicPr>
+        <p:blipFill>
+          <a:blip r:embed="rId2"/>
+          <a:stretch>
+            <a:fillRect/>
+          </a:stretch>
+        </p:blipFill>
         <p:spPr>
           <a:xfrm>
-            <a:off x="7244863" y="515814"/>
-            <a:ext cx="4533008" cy="5970711"/>
-          </a:xfrm>
-          <a:ln>
-            <a:solidFill>
-              <a:srgbClr val="00B050"/>
-            </a:solidFill>
-          </a:ln>
-        </p:spPr>
-        <p:txBody>
-          <a:bodyPr>
-            <a:normAutofit fontScale="32500" lnSpcReduction="20000"/>
-          </a:bodyPr>
-          <a:lstStyle/>
-          <a:p>
-            <a:pPr marL="0" indent="0">
-              <a:buNone/>
-            </a:pPr>
-            <a:r>
-              <a:rPr lang="hu-HU" sz="6200" dirty="0" err="1"/>
-              <a:t>Orchestration</a:t>
-            </a:r>
-            <a:r>
-              <a:rPr lang="hu-HU" sz="6200" dirty="0"/>
-              <a:t> </a:t>
-            </a:r>
-            <a:r>
-              <a:rPr lang="hu-HU" sz="6200" dirty="0" err="1"/>
-              <a:t>Response</a:t>
-            </a:r>
-            <a:r>
-              <a:rPr lang="hu-HU" sz="6200" dirty="0"/>
-              <a:t> (</a:t>
-            </a:r>
-            <a:r>
-              <a:rPr lang="hu-HU" sz="6200" dirty="0" err="1"/>
-              <a:t>expected</a:t>
-            </a:r>
-            <a:r>
-              <a:rPr lang="hu-HU" sz="6200" dirty="0"/>
-              <a:t>)</a:t>
-            </a:r>
-          </a:p>
-          <a:p>
-            <a:pPr marL="0" indent="0">
-              <a:lnSpc>
-                <a:spcPct val="120000"/>
-              </a:lnSpc>
-              <a:spcBef>
-                <a:spcPts val="0"/>
-              </a:spcBef>
-              <a:buNone/>
-            </a:pPr>
-            <a:r>
-              <a:rPr lang="hu-HU" sz="4900" dirty="0"/>
-              <a:t>{</a:t>
-            </a:r>
-          </a:p>
-          <a:p>
-            <a:pPr marL="0" indent="0">
-              <a:lnSpc>
-                <a:spcPct val="120000"/>
-              </a:lnSpc>
-              <a:spcBef>
-                <a:spcPts val="0"/>
-              </a:spcBef>
-              <a:buNone/>
-            </a:pPr>
-            <a:r>
-              <a:rPr lang="hu-HU" sz="4900" dirty="0"/>
-              <a:t>  "</a:t>
-            </a:r>
-            <a:r>
-              <a:rPr lang="hu-HU" sz="4900" dirty="0" err="1"/>
-              <a:t>response</a:t>
-            </a:r>
-            <a:r>
-              <a:rPr lang="hu-HU" sz="4900" dirty="0"/>
-              <a:t>": [</a:t>
-            </a:r>
-          </a:p>
-          <a:p>
-            <a:pPr marL="0" indent="0">
-              <a:lnSpc>
-                <a:spcPct val="120000"/>
-              </a:lnSpc>
-              <a:spcBef>
-                <a:spcPts val="0"/>
-              </a:spcBef>
-              <a:buNone/>
-            </a:pPr>
-            <a:r>
-              <a:rPr lang="hu-HU" sz="4900" dirty="0"/>
-              <a:t>    {</a:t>
-            </a:r>
-          </a:p>
-          <a:p>
-            <a:pPr marL="0" indent="0">
-              <a:lnSpc>
-                <a:spcPct val="120000"/>
-              </a:lnSpc>
-              <a:spcBef>
-                <a:spcPts val="0"/>
-              </a:spcBef>
-              <a:buNone/>
-            </a:pPr>
-            <a:r>
-              <a:rPr lang="hu-HU" sz="4900" dirty="0"/>
-              <a:t>      "service": {</a:t>
-            </a:r>
-          </a:p>
-          <a:p>
-            <a:pPr marL="0" indent="0">
-              <a:lnSpc>
-                <a:spcPct val="120000"/>
-              </a:lnSpc>
-              <a:spcBef>
-                <a:spcPts val="0"/>
-              </a:spcBef>
-              <a:buNone/>
-            </a:pPr>
-            <a:r>
-              <a:rPr lang="hu-HU" sz="4900" dirty="0"/>
-              <a:t>        "</a:t>
-            </a:r>
-            <a:r>
-              <a:rPr lang="hu-HU" sz="4900" dirty="0" err="1"/>
-              <a:t>serviceDefinition</a:t>
-            </a:r>
-            <a:r>
-              <a:rPr lang="hu-HU" sz="4900" dirty="0"/>
-              <a:t>": "</a:t>
-            </a:r>
-            <a:r>
-              <a:rPr lang="hu-HU" sz="4900" dirty="0" err="1"/>
-              <a:t>ChargingReservation</a:t>
-            </a:r>
-            <a:r>
-              <a:rPr lang="hu-HU" sz="4900" dirty="0"/>
-              <a:t>",</a:t>
-            </a:r>
-          </a:p>
-          <a:p>
-            <a:pPr marL="0" indent="0">
-              <a:lnSpc>
-                <a:spcPct val="120000"/>
-              </a:lnSpc>
-              <a:spcBef>
-                <a:spcPts val="0"/>
-              </a:spcBef>
-              <a:buNone/>
-            </a:pPr>
-            <a:r>
-              <a:rPr lang="hu-HU" sz="4900" dirty="0"/>
-              <a:t>        "</a:t>
-            </a:r>
-            <a:r>
-              <a:rPr lang="hu-HU" sz="4900" dirty="0" err="1"/>
-              <a:t>interfaces</a:t>
-            </a:r>
-            <a:r>
-              <a:rPr lang="hu-HU" sz="4900" dirty="0"/>
-              <a:t>": [</a:t>
-            </a:r>
-          </a:p>
-          <a:p>
-            <a:pPr marL="0" indent="0">
-              <a:lnSpc>
-                <a:spcPct val="120000"/>
-              </a:lnSpc>
-              <a:spcBef>
-                <a:spcPts val="0"/>
-              </a:spcBef>
-              <a:buNone/>
-            </a:pPr>
-            <a:r>
-              <a:rPr lang="hu-HU" sz="4900" dirty="0"/>
-              <a:t>          "JSON"</a:t>
-            </a:r>
-          </a:p>
-          <a:p>
-            <a:pPr marL="0" indent="0">
-              <a:lnSpc>
-                <a:spcPct val="120000"/>
-              </a:lnSpc>
-              <a:spcBef>
-                <a:spcPts val="0"/>
-              </a:spcBef>
-              <a:buNone/>
-            </a:pPr>
-            <a:r>
-              <a:rPr lang="hu-HU" sz="4900" dirty="0"/>
-              <a:t>        ],</a:t>
-            </a:r>
-          </a:p>
-          <a:p>
-            <a:pPr marL="0" indent="0">
-              <a:lnSpc>
-                <a:spcPct val="120000"/>
-              </a:lnSpc>
-              <a:spcBef>
-                <a:spcPts val="0"/>
-              </a:spcBef>
-              <a:buNone/>
-            </a:pPr>
-            <a:r>
-              <a:rPr lang="hu-HU" sz="4900" dirty="0"/>
-              <a:t>        "</a:t>
-            </a:r>
-            <a:r>
-              <a:rPr lang="hu-HU" sz="4900" dirty="0" err="1"/>
-              <a:t>serviceMetadata</a:t>
-            </a:r>
-            <a:r>
-              <a:rPr lang="hu-HU" sz="4900" dirty="0"/>
-              <a:t>": {</a:t>
-            </a:r>
-          </a:p>
-          <a:p>
-            <a:pPr marL="0" indent="0">
-              <a:lnSpc>
-                <a:spcPct val="120000"/>
-              </a:lnSpc>
-              <a:spcBef>
-                <a:spcPts val="0"/>
-              </a:spcBef>
-              <a:buNone/>
-            </a:pPr>
-            <a:r>
-              <a:rPr lang="hu-HU" sz="4900" dirty="0"/>
-              <a:t>          "</a:t>
-            </a:r>
-            <a:r>
-              <a:rPr lang="hu-HU" sz="4900" dirty="0" err="1"/>
-              <a:t>carID</a:t>
-            </a:r>
-            <a:r>
-              <a:rPr lang="hu-HU" sz="4900" dirty="0"/>
-              <a:t>": "20"</a:t>
-            </a:r>
-          </a:p>
-          <a:p>
-            <a:pPr marL="0" indent="0">
-              <a:lnSpc>
-                <a:spcPct val="120000"/>
-              </a:lnSpc>
-              <a:spcBef>
-                <a:spcPts val="0"/>
-              </a:spcBef>
-              <a:buNone/>
-            </a:pPr>
-            <a:r>
-              <a:rPr lang="hu-HU" sz="4900" dirty="0"/>
-              <a:t>        }</a:t>
-            </a:r>
-          </a:p>
-          <a:p>
-            <a:pPr marL="0" indent="0">
-              <a:lnSpc>
-                <a:spcPct val="120000"/>
-              </a:lnSpc>
-              <a:spcBef>
-                <a:spcPts val="0"/>
-              </a:spcBef>
-              <a:buNone/>
-            </a:pPr>
-            <a:r>
-              <a:rPr lang="hu-HU" sz="4900" dirty="0"/>
-              <a:t>      },</a:t>
-            </a:r>
-          </a:p>
-          <a:p>
-            <a:pPr marL="0" indent="0">
-              <a:lnSpc>
-                <a:spcPct val="120000"/>
-              </a:lnSpc>
-              <a:spcBef>
-                <a:spcPts val="0"/>
-              </a:spcBef>
-              <a:buNone/>
-            </a:pPr>
-            <a:r>
-              <a:rPr lang="hu-HU" sz="4900" dirty="0"/>
-              <a:t>      "</a:t>
-            </a:r>
-            <a:r>
-              <a:rPr lang="hu-HU" sz="4900" dirty="0" err="1"/>
-              <a:t>provider</a:t>
-            </a:r>
-            <a:r>
-              <a:rPr lang="hu-HU" sz="4900" dirty="0"/>
-              <a:t>": {</a:t>
-            </a:r>
-          </a:p>
-          <a:p>
-            <a:pPr marL="0" indent="0">
-              <a:lnSpc>
-                <a:spcPct val="120000"/>
-              </a:lnSpc>
-              <a:spcBef>
-                <a:spcPts val="0"/>
-              </a:spcBef>
-              <a:buNone/>
-            </a:pPr>
-            <a:r>
-              <a:rPr lang="hu-HU" sz="4900" dirty="0"/>
-              <a:t>        "</a:t>
-            </a:r>
-            <a:r>
-              <a:rPr lang="hu-HU" sz="4900" dirty="0" err="1"/>
-              <a:t>systemName</a:t>
-            </a:r>
-            <a:r>
-              <a:rPr lang="hu-HU" sz="4900" dirty="0"/>
-              <a:t>": "SmartGridManagerSystem3",</a:t>
-            </a:r>
-          </a:p>
-          <a:p>
-            <a:pPr marL="0" indent="0">
-              <a:lnSpc>
-                <a:spcPct val="120000"/>
-              </a:lnSpc>
-              <a:spcBef>
-                <a:spcPts val="0"/>
-              </a:spcBef>
-              <a:buNone/>
-            </a:pPr>
-            <a:r>
-              <a:rPr lang="hu-HU" sz="4900" dirty="0"/>
-              <a:t>        "</a:t>
-            </a:r>
-            <a:r>
-              <a:rPr lang="hu-HU" sz="4900" dirty="0" err="1"/>
-              <a:t>address</a:t>
-            </a:r>
-            <a:r>
-              <a:rPr lang="hu-HU" sz="4900" dirty="0"/>
-              <a:t>": "dummy_address_3",</a:t>
-            </a:r>
-          </a:p>
-          <a:p>
-            <a:pPr marL="0" indent="0">
-              <a:lnSpc>
-                <a:spcPct val="120000"/>
-              </a:lnSpc>
-              <a:spcBef>
-                <a:spcPts val="0"/>
-              </a:spcBef>
-              <a:buNone/>
-            </a:pPr>
-            <a:r>
-              <a:rPr lang="hu-HU" sz="4900" dirty="0"/>
-              <a:t>        "port": 8083,</a:t>
-            </a:r>
-          </a:p>
-          <a:p>
-            <a:pPr marL="0" indent="0">
-              <a:lnSpc>
-                <a:spcPct val="120000"/>
-              </a:lnSpc>
-              <a:spcBef>
-                <a:spcPts val="0"/>
-              </a:spcBef>
-              <a:buNone/>
-            </a:pPr>
-            <a:r>
-              <a:rPr lang="hu-HU" sz="4900" dirty="0"/>
-              <a:t>        "</a:t>
-            </a:r>
-            <a:r>
-              <a:rPr lang="hu-HU" sz="4900" dirty="0" err="1"/>
-              <a:t>authenticationInfo</a:t>
-            </a:r>
-            <a:r>
-              <a:rPr lang="hu-HU" sz="4900" dirty="0"/>
-              <a:t>": "Base64 </a:t>
-            </a:r>
-            <a:r>
-              <a:rPr lang="hu-HU" sz="4900" dirty="0" err="1"/>
-              <a:t>coded</a:t>
-            </a:r>
-            <a:r>
-              <a:rPr lang="hu-HU" sz="4900" dirty="0"/>
-              <a:t> Public Key"</a:t>
-            </a:r>
-          </a:p>
-          <a:p>
-            <a:pPr marL="0" indent="0">
-              <a:lnSpc>
-                <a:spcPct val="120000"/>
-              </a:lnSpc>
-              <a:spcBef>
-                <a:spcPts val="0"/>
-              </a:spcBef>
-              <a:buNone/>
-            </a:pPr>
-            <a:r>
-              <a:rPr lang="hu-HU" sz="4900" dirty="0"/>
-              <a:t>      },</a:t>
-            </a:r>
-          </a:p>
-          <a:p>
-            <a:pPr marL="0" indent="0">
-              <a:lnSpc>
-                <a:spcPct val="120000"/>
-              </a:lnSpc>
-              <a:spcBef>
-                <a:spcPts val="0"/>
-              </a:spcBef>
-              <a:buNone/>
-            </a:pPr>
-            <a:r>
-              <a:rPr lang="hu-HU" sz="4900" dirty="0"/>
-              <a:t>      "</a:t>
-            </a:r>
-            <a:r>
-              <a:rPr lang="hu-HU" sz="4900" dirty="0" err="1"/>
-              <a:t>serviceURI</a:t>
-            </a:r>
-            <a:r>
-              <a:rPr lang="hu-HU" sz="4900" dirty="0"/>
-              <a:t>": "</a:t>
-            </a:r>
-            <a:r>
-              <a:rPr lang="hu-HU" sz="4900" dirty="0" err="1"/>
-              <a:t>reserve_charging</a:t>
-            </a:r>
-            <a:r>
-              <a:rPr lang="hu-HU" sz="4900" dirty="0"/>
-              <a:t>"</a:t>
-            </a:r>
-          </a:p>
-          <a:p>
-            <a:pPr marL="0" indent="0">
-              <a:lnSpc>
-                <a:spcPct val="120000"/>
-              </a:lnSpc>
-              <a:spcBef>
-                <a:spcPts val="0"/>
-              </a:spcBef>
-              <a:buNone/>
-            </a:pPr>
-            <a:r>
-              <a:rPr lang="hu-HU" sz="4900" dirty="0"/>
-              <a:t>    }</a:t>
-            </a:r>
-          </a:p>
-          <a:p>
-            <a:pPr marL="0" indent="0">
-              <a:lnSpc>
-                <a:spcPct val="120000"/>
-              </a:lnSpc>
-              <a:spcBef>
-                <a:spcPts val="0"/>
-              </a:spcBef>
-              <a:buNone/>
-            </a:pPr>
-            <a:r>
-              <a:rPr lang="hu-HU" sz="4900" dirty="0"/>
-              <a:t>  ]</a:t>
-            </a:r>
-          </a:p>
-          <a:p>
-            <a:pPr marL="0" indent="0">
-              <a:lnSpc>
-                <a:spcPct val="120000"/>
-              </a:lnSpc>
-              <a:spcBef>
-                <a:spcPts val="0"/>
-              </a:spcBef>
-              <a:buNone/>
-            </a:pPr>
-            <a:r>
-              <a:rPr lang="hu-HU" sz="4900" dirty="0"/>
-              <a:t>}</a:t>
-            </a:r>
-            <a:endParaRPr lang="en-US" sz="4900" dirty="0"/>
-          </a:p>
-        </p:txBody>
-      </p:sp>
-      <p:sp>
-        <p:nvSpPr>
-          <p:cNvPr id="6" name="Jobbra nyíl 5"/>
-          <p:cNvSpPr/>
-          <p:nvPr/>
-        </p:nvSpPr>
-        <p:spPr>
-          <a:xfrm>
-            <a:off x="4785064" y="2128904"/>
-            <a:ext cx="2330844" cy="663992"/>
-          </a:xfrm>
-          <a:prstGeom prst="rightArrow">
-            <a:avLst/>
-          </a:prstGeom>
-        </p:spPr>
-        <p:style>
-          <a:lnRef idx="2">
-            <a:schemeClr val="accent1">
-              <a:shade val="50000"/>
-            </a:schemeClr>
-          </a:lnRef>
-          <a:fillRef idx="1">
-            <a:schemeClr val="accent1"/>
-          </a:fillRef>
-          <a:effectRef idx="0">
-            <a:schemeClr val="accent1"/>
-          </a:effectRef>
-          <a:fontRef idx="minor">
-            <a:schemeClr val="lt1"/>
-          </a:fontRef>
-        </p:style>
-        <p:txBody>
-          <a:bodyPr rtlCol="0" anchor="ctr"/>
-          <a:lstStyle/>
-          <a:p>
-            <a:pPr algn="ctr"/>
-            <a:endParaRPr lang="en-US"/>
-          </a:p>
-        </p:txBody>
-      </p:sp>
-      <p:sp>
-        <p:nvSpPr>
-          <p:cNvPr id="8" name="Szövegdoboz 7"/>
-          <p:cNvSpPr txBox="1"/>
-          <p:nvPr/>
-        </p:nvSpPr>
-        <p:spPr>
-          <a:xfrm>
-            <a:off x="0" y="4794801"/>
-            <a:ext cx="6611815" cy="1477328"/>
+            <a:off x="2579812" y="478267"/>
+            <a:ext cx="9128484" cy="6379733"/>
           </a:xfrm>
           <a:prstGeom prst="rect">
             <a:avLst/>
           </a:prstGeom>
-          <a:noFill/>
-          <a:ln>
-            <a:solidFill>
-              <a:srgbClr val="FF0000"/>
-            </a:solidFill>
-          </a:ln>
         </p:spPr>
-        <p:txBody>
-          <a:bodyPr wrap="square" rtlCol="0">
-            <a:spAutoFit/>
-          </a:bodyPr>
-          <a:lstStyle/>
-          <a:p>
-            <a:pPr algn="just"/>
-            <a:r>
-              <a:rPr lang="hu-HU" dirty="0"/>
-              <a:t>Here </a:t>
-            </a:r>
-            <a:r>
-              <a:rPr lang="hu-HU" dirty="0" err="1"/>
-              <a:t>the</a:t>
-            </a:r>
-            <a:r>
-              <a:rPr lang="hu-HU" dirty="0"/>
-              <a:t> </a:t>
-            </a:r>
-            <a:r>
-              <a:rPr lang="hu-HU" dirty="0" err="1"/>
-              <a:t>contents</a:t>
-            </a:r>
-            <a:r>
-              <a:rPr lang="hu-HU" dirty="0"/>
-              <a:t> of </a:t>
-            </a:r>
-            <a:r>
-              <a:rPr lang="hu-HU" dirty="0" err="1"/>
-              <a:t>the</a:t>
-            </a:r>
-            <a:r>
-              <a:rPr lang="hu-HU" dirty="0"/>
-              <a:t> </a:t>
-            </a:r>
-            <a:r>
-              <a:rPr lang="hu-HU" dirty="0" err="1"/>
-              <a:t>Orchestration</a:t>
-            </a:r>
-            <a:r>
-              <a:rPr lang="hu-HU" dirty="0"/>
-              <a:t> </a:t>
-            </a:r>
-            <a:r>
-              <a:rPr lang="hu-HU" dirty="0" err="1"/>
-              <a:t>Store</a:t>
-            </a:r>
-            <a:r>
-              <a:rPr lang="hu-HU" dirty="0"/>
-              <a:t> is </a:t>
-            </a:r>
-            <a:r>
-              <a:rPr lang="hu-HU" dirty="0" err="1"/>
-              <a:t>ignored</a:t>
-            </a:r>
-            <a:r>
-              <a:rPr lang="hu-HU" dirty="0"/>
-              <a:t>, and </a:t>
-            </a:r>
-            <a:r>
-              <a:rPr lang="hu-HU" dirty="0" err="1"/>
-              <a:t>since</a:t>
-            </a:r>
-            <a:r>
-              <a:rPr lang="hu-HU" dirty="0"/>
-              <a:t> </a:t>
-            </a:r>
-            <a:r>
-              <a:rPr lang="hu-HU" dirty="0" err="1"/>
-              <a:t>the</a:t>
-            </a:r>
-            <a:r>
-              <a:rPr lang="hu-HU" dirty="0"/>
-              <a:t> </a:t>
-            </a:r>
-            <a:r>
-              <a:rPr lang="hu-HU" dirty="0" err="1"/>
-              <a:t>requester</a:t>
-            </a:r>
-            <a:r>
-              <a:rPr lang="hu-HU" dirty="0"/>
-              <a:t> </a:t>
-            </a:r>
-            <a:r>
-              <a:rPr lang="hu-HU" dirty="0" err="1"/>
-              <a:t>system</a:t>
-            </a:r>
-            <a:r>
-              <a:rPr lang="hu-HU" dirty="0"/>
-              <a:t> </a:t>
-            </a:r>
-            <a:r>
-              <a:rPr lang="hu-HU" dirty="0" err="1"/>
-              <a:t>did</a:t>
-            </a:r>
-            <a:r>
-              <a:rPr lang="hu-HU" dirty="0"/>
-              <a:t> </a:t>
-            </a:r>
-            <a:r>
-              <a:rPr lang="hu-HU" dirty="0" err="1"/>
-              <a:t>not</a:t>
-            </a:r>
-            <a:r>
-              <a:rPr lang="hu-HU" dirty="0"/>
-              <a:t> </a:t>
-            </a:r>
-            <a:r>
-              <a:rPr lang="hu-HU" dirty="0" err="1"/>
-              <a:t>have</a:t>
-            </a:r>
-            <a:r>
-              <a:rPr lang="hu-HU" dirty="0"/>
-              <a:t> </a:t>
-            </a:r>
-            <a:r>
-              <a:rPr lang="hu-HU" dirty="0" err="1"/>
-              <a:t>preferred</a:t>
-            </a:r>
-            <a:r>
-              <a:rPr lang="hu-HU" dirty="0"/>
-              <a:t> </a:t>
-            </a:r>
-            <a:r>
-              <a:rPr lang="hu-HU" dirty="0" err="1"/>
-              <a:t>providers</a:t>
-            </a:r>
-            <a:r>
-              <a:rPr lang="hu-HU" dirty="0"/>
-              <a:t> and </a:t>
-            </a:r>
-            <a:r>
-              <a:rPr lang="hu-HU" dirty="0" err="1"/>
-              <a:t>did</a:t>
-            </a:r>
-            <a:r>
-              <a:rPr lang="hu-HU" dirty="0"/>
-              <a:t> </a:t>
-            </a:r>
-            <a:r>
-              <a:rPr lang="hu-HU" dirty="0" err="1"/>
-              <a:t>not</a:t>
-            </a:r>
-            <a:r>
-              <a:rPr lang="hu-HU" dirty="0"/>
-              <a:t> </a:t>
-            </a:r>
-            <a:r>
-              <a:rPr lang="hu-HU" dirty="0" err="1"/>
-              <a:t>ask</a:t>
-            </a:r>
-            <a:r>
-              <a:rPr lang="hu-HU" dirty="0"/>
-              <a:t> </a:t>
-            </a:r>
-            <a:r>
-              <a:rPr lang="hu-HU" dirty="0" err="1"/>
-              <a:t>for</a:t>
-            </a:r>
-            <a:r>
-              <a:rPr lang="hu-HU" dirty="0"/>
-              <a:t> </a:t>
-            </a:r>
-            <a:r>
-              <a:rPr lang="hu-HU" dirty="0" err="1"/>
-              <a:t>matchmaking</a:t>
-            </a:r>
-            <a:r>
-              <a:rPr lang="hu-HU" dirty="0"/>
-              <a:t> (</a:t>
-            </a:r>
-            <a:r>
-              <a:rPr lang="hu-HU" dirty="0" err="1"/>
-              <a:t>via</a:t>
-            </a:r>
-            <a:r>
-              <a:rPr lang="hu-HU" dirty="0"/>
-              <a:t> </a:t>
-            </a:r>
-            <a:r>
-              <a:rPr lang="hu-HU" dirty="0" err="1"/>
-              <a:t>orchestration</a:t>
-            </a:r>
-            <a:r>
-              <a:rPr lang="hu-HU" dirty="0"/>
-              <a:t> </a:t>
-            </a:r>
-            <a:r>
-              <a:rPr lang="hu-HU" dirty="0" err="1"/>
-              <a:t>flag</a:t>
-            </a:r>
-            <a:r>
-              <a:rPr lang="hu-HU" dirty="0"/>
-              <a:t>), </a:t>
-            </a:r>
-            <a:r>
-              <a:rPr lang="hu-HU" dirty="0" err="1"/>
-              <a:t>all</a:t>
-            </a:r>
-            <a:r>
-              <a:rPr lang="hu-HU" dirty="0"/>
-              <a:t> </a:t>
-            </a:r>
-            <a:r>
-              <a:rPr lang="hu-HU" dirty="0" err="1"/>
-              <a:t>the</a:t>
-            </a:r>
-            <a:r>
-              <a:rPr lang="hu-HU" dirty="0"/>
-              <a:t> </a:t>
-            </a:r>
-            <a:r>
-              <a:rPr lang="hu-HU" dirty="0" err="1"/>
-              <a:t>providers</a:t>
-            </a:r>
-            <a:r>
-              <a:rPr lang="hu-HU" dirty="0"/>
-              <a:t> </a:t>
-            </a:r>
-            <a:r>
-              <a:rPr lang="hu-HU" dirty="0" err="1"/>
-              <a:t>will</a:t>
-            </a:r>
-            <a:r>
-              <a:rPr lang="hu-HU" dirty="0"/>
-              <a:t> be </a:t>
-            </a:r>
-            <a:r>
-              <a:rPr lang="hu-HU" dirty="0" err="1"/>
-              <a:t>returned</a:t>
-            </a:r>
-            <a:r>
-              <a:rPr lang="hu-HU" dirty="0"/>
-              <a:t> </a:t>
-            </a:r>
-            <a:r>
-              <a:rPr lang="hu-HU" dirty="0" err="1"/>
-              <a:t>which</a:t>
-            </a:r>
-            <a:r>
-              <a:rPr lang="hu-HU" dirty="0"/>
-              <a:t> </a:t>
-            </a:r>
-            <a:r>
-              <a:rPr lang="hu-HU" dirty="0" err="1"/>
-              <a:t>can</a:t>
-            </a:r>
-            <a:r>
-              <a:rPr lang="hu-HU" dirty="0"/>
-              <a:t> </a:t>
-            </a:r>
-            <a:r>
-              <a:rPr lang="hu-HU" dirty="0" err="1"/>
-              <a:t>serve</a:t>
-            </a:r>
-            <a:r>
-              <a:rPr lang="hu-HU" dirty="0"/>
-              <a:t> </a:t>
-            </a:r>
-            <a:r>
-              <a:rPr lang="hu-HU" dirty="0" err="1"/>
-              <a:t>the</a:t>
-            </a:r>
-            <a:r>
-              <a:rPr lang="hu-HU" dirty="0"/>
-              <a:t> </a:t>
-            </a:r>
-            <a:r>
-              <a:rPr lang="hu-HU" dirty="0" err="1"/>
-              <a:t>requester</a:t>
-            </a:r>
-            <a:r>
-              <a:rPr lang="hu-HU" dirty="0"/>
-              <a:t> </a:t>
-            </a:r>
-            <a:r>
-              <a:rPr lang="hu-HU" dirty="0" err="1"/>
-              <a:t>system</a:t>
-            </a:r>
-            <a:r>
-              <a:rPr lang="hu-HU" dirty="0"/>
-              <a:t> </a:t>
-            </a:r>
-            <a:r>
-              <a:rPr lang="hu-HU" dirty="0" err="1"/>
-              <a:t>at</a:t>
-            </a:r>
-            <a:r>
-              <a:rPr lang="hu-HU" dirty="0"/>
-              <a:t> </a:t>
-            </a:r>
-            <a:r>
-              <a:rPr lang="hu-HU" dirty="0" err="1"/>
-              <a:t>the</a:t>
-            </a:r>
-            <a:r>
-              <a:rPr lang="hu-HU" dirty="0"/>
-              <a:t> </a:t>
-            </a:r>
-            <a:r>
-              <a:rPr lang="hu-HU" dirty="0" err="1"/>
-              <a:t>moment</a:t>
-            </a:r>
-            <a:r>
-              <a:rPr lang="hu-HU" dirty="0"/>
-              <a:t> (online and is </a:t>
-            </a:r>
-            <a:r>
-              <a:rPr lang="hu-HU" dirty="0" err="1"/>
-              <a:t>authorized</a:t>
-            </a:r>
-            <a:r>
-              <a:rPr lang="hu-HU" dirty="0"/>
-              <a:t>).</a:t>
-            </a:r>
-          </a:p>
-        </p:txBody>
-      </p:sp>
+      </p:pic>
     </p:spTree>
     <p:extLst>
       <p:ext uri="{BB962C8B-B14F-4D97-AF65-F5344CB8AC3E}">
-        <p14:creationId xmlns:p14="http://schemas.microsoft.com/office/powerpoint/2010/main" val="90020324"/>
+        <p14:creationId xmlns:p14="http://schemas.microsoft.com/office/powerpoint/2010/main" val="1241950303"/>
       </p:ext>
     </p:extLst>
   </p:cSld>
@@ -10658,8 +9453,8 @@
         </p:nvSpPr>
         <p:spPr>
           <a:xfrm>
-            <a:off x="-1" y="1"/>
-            <a:ext cx="12064753" cy="603682"/>
+            <a:off x="0" y="1"/>
+            <a:ext cx="10515600" cy="603682"/>
           </a:xfrm>
         </p:spPr>
         <p:txBody>
@@ -10669,8 +9464,12 @@
           <a:lstStyle/>
           <a:p>
             <a:r>
+              <a:rPr lang="hu-HU" sz="2400" b="1"/>
+              <a:t>Local </a:t>
+            </a:r>
+            <a:r>
               <a:rPr lang="hu-HU" sz="2400" b="1" err="1"/>
-              <a:t>Dynamical</a:t>
+              <a:t>dynamical</a:t>
             </a:r>
             <a:r>
               <a:rPr lang="hu-HU" sz="2400" b="1"/>
@@ -10678,27 +9477,11 @@
             </a:r>
             <a:r>
               <a:rPr lang="hu-HU" sz="2400" b="1" err="1"/>
-              <a:t>o</a:t>
+              <a:t>orchestration</a:t>
             </a:r>
             <a:r>
               <a:rPr lang="hu-HU" sz="2400" b="1"/>
-              <a:t>rchestration </a:t>
-            </a:r>
-            <a:r>
-              <a:rPr lang="hu-HU" sz="2400" b="1" err="1"/>
-              <a:t>with</a:t>
-            </a:r>
-            <a:r>
-              <a:rPr lang="hu-HU" sz="2400" b="1"/>
-              <a:t> </a:t>
-            </a:r>
-            <a:r>
-              <a:rPr lang="hu-HU" sz="2400" b="1" err="1"/>
-              <a:t>I</a:t>
-            </a:r>
-            <a:r>
-              <a:rPr lang="hu-HU" sz="2400" b="1"/>
-              <a:t>nter-Cloud enabled</a:t>
+              <a:t> (no preferences or matchmaking) </a:t>
             </a:r>
             <a:endParaRPr lang="en-US" sz="2400" b="1"/>
           </a:p>
@@ -10717,7 +9500,7 @@
         <p:spPr>
           <a:xfrm>
             <a:off x="0" y="603684"/>
-            <a:ext cx="4692589" cy="4964778"/>
+            <a:ext cx="4692589" cy="4050378"/>
           </a:xfrm>
           <a:ln>
             <a:solidFill>
@@ -10727,35 +9510,13 @@
         </p:spPr>
         <p:txBody>
           <a:bodyPr>
-            <a:normAutofit fontScale="25000" lnSpcReduction="20000"/>
+            <a:noAutofit/>
           </a:bodyPr>
           <a:lstStyle/>
           <a:p>
             <a:pPr marL="0" indent="0">
-              <a:buNone/>
-            </a:pPr>
-            <a:r>
-              <a:rPr lang="hu-HU" sz="9600" dirty="0"/>
-              <a:t>Service </a:t>
-            </a:r>
-            <a:r>
-              <a:rPr lang="hu-HU" sz="9600" dirty="0" err="1"/>
-              <a:t>Request</a:t>
-            </a:r>
-            <a:r>
-              <a:rPr lang="hu-HU" sz="9600" dirty="0"/>
-              <a:t> </a:t>
-            </a:r>
-            <a:r>
-              <a:rPr lang="hu-HU" sz="9600" dirty="0" err="1"/>
-              <a:t>Form</a:t>
-            </a:r>
-            <a:endParaRPr lang="hu-HU" sz="9600" dirty="0"/>
-          </a:p>
-          <a:p>
-            <a:pPr marL="0" indent="0">
               <a:lnSpc>
-                <a:spcPct val="120000"/>
+                <a:spcPct val="100000"/>
               </a:lnSpc>
               <a:spcBef>
                 <a:spcPts val="0"/>
@@ -10763,14 +9524,27 @@
               <a:buNone/>
             </a:pPr>
             <a:r>
-              <a:rPr lang="hu-HU" sz="7200" dirty="0"/>
-              <a:t>{</a:t>
-            </a:r>
+              <a:rPr lang="hu-HU" sz="2000" dirty="0"/>
+              <a:t>Service </a:t>
+            </a:r>
+            <a:r>
+              <a:rPr lang="hu-HU" sz="2000" dirty="0" err="1"/>
+              <a:t>Request</a:t>
+            </a:r>
+            <a:r>
+              <a:rPr lang="hu-HU" sz="2000" dirty="0"/>
+              <a:t> </a:t>
+            </a:r>
+            <a:r>
+              <a:rPr lang="hu-HU" sz="2000" dirty="0" err="1"/>
+              <a:t>Form</a:t>
+            </a:r>
+            <a:endParaRPr lang="hu-HU" sz="2000" dirty="0"/>
           </a:p>
           <a:p>
             <a:pPr marL="0" indent="0">
               <a:lnSpc>
-                <a:spcPct val="120000"/>
+                <a:spcPct val="100000"/>
               </a:lnSpc>
               <a:spcBef>
                 <a:spcPts val="0"/>
@@ -10778,22 +9552,14 @@
               <a:buNone/>
             </a:pPr>
             <a:r>
-              <a:rPr lang="hu-HU" sz="7200" dirty="0"/>
-              <a:t>  "</a:t>
-            </a:r>
-            <a:r>
-              <a:rPr lang="hu-HU" sz="7200" dirty="0" err="1"/>
-              <a:t>requesterSystem</a:t>
-            </a:r>
-            <a:r>
-              <a:rPr lang="hu-HU" sz="7200" dirty="0"/>
-              <a:t>":</a:t>
+              <a:rPr lang="en-US" sz="1600" dirty="0"/>
+              <a:t>{</a:t>
             </a:r>
           </a:p>
           <a:p>
             <a:pPr marL="0" indent="0">
               <a:lnSpc>
-                <a:spcPct val="120000"/>
+                <a:spcPct val="100000"/>
               </a:lnSpc>
               <a:spcBef>
                 <a:spcPts val="0"/>
@@ -10801,14 +9567,22 @@
               <a:buNone/>
             </a:pPr>
             <a:r>
-              <a:rPr lang="hu-HU" sz="7200" dirty="0"/>
-              <a:t>  {</a:t>
+              <a:rPr lang="en-US" sz="1600" dirty="0"/>
+              <a:t>  "</a:t>
+            </a:r>
+            <a:r>
+              <a:rPr lang="en-US" sz="1600" dirty="0" err="1"/>
+              <a:t>requesterSystem</a:t>
+            </a:r>
+            <a:r>
+              <a:rPr lang="en-US" sz="1600" dirty="0"/>
+              <a:t>":</a:t>
             </a:r>
           </a:p>
           <a:p>
             <a:pPr marL="0" indent="0">
               <a:lnSpc>
-                <a:spcPct val="120000"/>
+                <a:spcPct val="100000"/>
               </a:lnSpc>
               <a:spcBef>
                 <a:spcPts val="0"/>
@@ -10816,30 +9590,14 @@
               <a:buNone/>
             </a:pPr>
             <a:r>
-              <a:rPr lang="hu-HU" sz="7200" dirty="0"/>
-              <a:t>      "</a:t>
-            </a:r>
-            <a:r>
-              <a:rPr lang="hu-HU" sz="7200" dirty="0" err="1"/>
-              <a:t>systemName</a:t>
-            </a:r>
-            <a:r>
-              <a:rPr lang="hu-HU" sz="7200" dirty="0"/>
-              <a:t>": "</a:t>
-            </a:r>
-            <a:r>
-              <a:rPr lang="hu-HU" sz="7200" dirty="0" err="1"/>
-              <a:t>ChargePointSystem</a:t>
-            </a:r>
-            <a:r>
-              <a:rPr lang="hu-HU" sz="7200" dirty="0"/>
-              <a:t>",</a:t>
+              <a:rPr lang="en-US" sz="1600" dirty="0"/>
+              <a:t>  {</a:t>
             </a:r>
           </a:p>
           <a:p>
             <a:pPr marL="0" indent="0">
               <a:lnSpc>
-                <a:spcPct val="120000"/>
+                <a:spcPct val="100000"/>
               </a:lnSpc>
               <a:spcBef>
                 <a:spcPts val="0"/>
@@ -10847,22 +9605,30 @@
               <a:buNone/>
             </a:pPr>
             <a:r>
-              <a:rPr lang="hu-HU" sz="7200" dirty="0"/>
+              <a:rPr lang="en-US" sz="1600" dirty="0"/>
               <a:t>      "</a:t>
             </a:r>
             <a:r>
-              <a:rPr lang="hu-HU" sz="7200" dirty="0" err="1"/>
-              <a:t>address</a:t>
-            </a:r>
-            <a:r>
-              <a:rPr lang="hu-HU" sz="7200" dirty="0"/>
-              <a:t>": "dummy_address_4"</a:t>
+              <a:rPr lang="en-US" sz="1600" dirty="0" err="1"/>
+              <a:t>systemName</a:t>
+            </a:r>
+            <a:r>
+              <a:rPr lang="en-US" sz="1600" dirty="0"/>
+              <a:t>": "</a:t>
+            </a:r>
+            <a:r>
+              <a:rPr lang="en-US" sz="1600" dirty="0" err="1"/>
+              <a:t>ChargePointSystem</a:t>
+            </a:r>
+            <a:r>
+              <a:rPr lang="en-US" sz="1600" dirty="0"/>
+              <a:t>",</a:t>
             </a:r>
           </a:p>
           <a:p>
             <a:pPr marL="0" indent="0">
               <a:lnSpc>
-                <a:spcPct val="120000"/>
+                <a:spcPct val="100000"/>
               </a:lnSpc>
               <a:spcBef>
                 <a:spcPts val="0"/>
@@ -10870,14 +9636,14 @@
               <a:buNone/>
             </a:pPr>
             <a:r>
-              <a:rPr lang="hu-HU" sz="7200" dirty="0"/>
-              <a:t>  },</a:t>
+              <a:rPr lang="en-US" sz="1600" dirty="0"/>
+              <a:t>      "address": "dummy_address_4"</a:t>
             </a:r>
           </a:p>
           <a:p>
             <a:pPr marL="0" indent="0">
               <a:lnSpc>
-                <a:spcPct val="120000"/>
+                <a:spcPct val="100000"/>
               </a:lnSpc>
               <a:spcBef>
                 <a:spcPts val="0"/>
@@ -10885,22 +9651,14 @@
               <a:buNone/>
             </a:pPr>
             <a:r>
-              <a:rPr lang="hu-HU" sz="7200" dirty="0"/>
-              <a:t>  "</a:t>
-            </a:r>
-            <a:r>
-              <a:rPr lang="hu-HU" sz="7200" dirty="0" err="1"/>
-              <a:t>requestedService</a:t>
-            </a:r>
-            <a:r>
-              <a:rPr lang="hu-HU" sz="7200" dirty="0"/>
-              <a:t>":</a:t>
+              <a:rPr lang="en-US" sz="1600" dirty="0"/>
+              <a:t>  },</a:t>
             </a:r>
           </a:p>
           <a:p>
             <a:pPr marL="0" indent="0">
               <a:lnSpc>
-                <a:spcPct val="120000"/>
+                <a:spcPct val="100000"/>
               </a:lnSpc>
               <a:spcBef>
                 <a:spcPts val="0"/>
@@ -10908,14 +9666,22 @@
               <a:buNone/>
             </a:pPr>
             <a:r>
-              <a:rPr lang="hu-HU" sz="7200" dirty="0"/>
-              <a:t>  {</a:t>
+              <a:rPr lang="en-US" sz="1600" dirty="0"/>
+              <a:t>  "</a:t>
+            </a:r>
+            <a:r>
+              <a:rPr lang="en-US" sz="1600" dirty="0" err="1"/>
+              <a:t>requestedService</a:t>
+            </a:r>
+            <a:r>
+              <a:rPr lang="en-US" sz="1600" dirty="0"/>
+              <a:t>":</a:t>
             </a:r>
           </a:p>
           <a:p>
             <a:pPr marL="0" indent="0">
               <a:lnSpc>
-                <a:spcPct val="120000"/>
+                <a:spcPct val="100000"/>
               </a:lnSpc>
               <a:spcBef>
                 <a:spcPts val="0"/>
@@ -10923,30 +9689,14 @@
               <a:buNone/>
             </a:pPr>
             <a:r>
-              <a:rPr lang="hu-HU" sz="7200" dirty="0"/>
-              <a:t>      "</a:t>
-            </a:r>
-            <a:r>
-              <a:rPr lang="hu-HU" sz="7200" dirty="0" err="1"/>
-              <a:t>serviceDefinition</a:t>
-            </a:r>
-            <a:r>
-              <a:rPr lang="hu-HU" sz="7200" dirty="0"/>
-              <a:t>": "</a:t>
-            </a:r>
-            <a:r>
-              <a:rPr lang="hu-HU" sz="7200" dirty="0" err="1"/>
-              <a:t>ChargingProfile</a:t>
-            </a:r>
-            <a:r>
-              <a:rPr lang="hu-HU" sz="7200" dirty="0"/>
-              <a:t>",</a:t>
+              <a:rPr lang="en-US" sz="1600" dirty="0"/>
+              <a:t>  {</a:t>
             </a:r>
           </a:p>
           <a:p>
             <a:pPr marL="0" indent="0">
               <a:lnSpc>
-                <a:spcPct val="120000"/>
+                <a:spcPct val="100000"/>
               </a:lnSpc>
               <a:spcBef>
                 <a:spcPts val="0"/>
@@ -10954,22 +9704,30 @@
               <a:buNone/>
             </a:pPr>
             <a:r>
-              <a:rPr lang="hu-HU" sz="7200" dirty="0"/>
+              <a:rPr lang="en-US" sz="1600" dirty="0"/>
               <a:t>      "</a:t>
             </a:r>
             <a:r>
-              <a:rPr lang="hu-HU" sz="7200" dirty="0" err="1"/>
-              <a:t>interfaces</a:t>
-            </a:r>
-            <a:r>
-              <a:rPr lang="hu-HU" sz="7200" dirty="0"/>
-              <a:t>": ["JSON"]</a:t>
+              <a:rPr lang="en-US" sz="1600" dirty="0" err="1"/>
+              <a:t>serviceDefinition</a:t>
+            </a:r>
+            <a:r>
+              <a:rPr lang="en-US" sz="1600" dirty="0"/>
+              <a:t>": "</a:t>
+            </a:r>
+            <a:r>
+              <a:rPr lang="en-US" sz="1600" dirty="0" err="1"/>
+              <a:t>ChargingReservation</a:t>
+            </a:r>
+            <a:r>
+              <a:rPr lang="en-US" sz="1600" dirty="0"/>
+              <a:t>",</a:t>
             </a:r>
           </a:p>
           <a:p>
             <a:pPr marL="0" indent="0">
               <a:lnSpc>
-                <a:spcPct val="120000"/>
+                <a:spcPct val="100000"/>
               </a:lnSpc>
               <a:spcBef>
                 <a:spcPts val="0"/>
@@ -10977,14 +9735,14 @@
               <a:buNone/>
             </a:pPr>
             <a:r>
-              <a:rPr lang="hu-HU" sz="7200" dirty="0"/>
-              <a:t>  },</a:t>
+              <a:rPr lang="en-US" sz="1600" dirty="0"/>
+              <a:t>      "interfaces": ["JSON"]</a:t>
             </a:r>
           </a:p>
           <a:p>
             <a:pPr marL="0" indent="0">
               <a:lnSpc>
-                <a:spcPct val="120000"/>
+                <a:spcPct val="100000"/>
               </a:lnSpc>
               <a:spcBef>
                 <a:spcPts val="0"/>
@@ -10992,22 +9750,14 @@
               <a:buNone/>
             </a:pPr>
             <a:r>
-              <a:rPr lang="hu-HU" sz="7200" dirty="0"/>
-              <a:t>  "</a:t>
-            </a:r>
-            <a:r>
-              <a:rPr lang="hu-HU" sz="7200" dirty="0" err="1"/>
-              <a:t>orchestrationFlags</a:t>
-            </a:r>
-            <a:r>
-              <a:rPr lang="hu-HU" sz="7200" dirty="0"/>
-              <a:t>": {</a:t>
+              <a:rPr lang="en-US" sz="1600" dirty="0"/>
+              <a:t>  },</a:t>
             </a:r>
           </a:p>
           <a:p>
             <a:pPr marL="0" indent="0">
               <a:lnSpc>
-                <a:spcPct val="120000"/>
+                <a:spcPct val="100000"/>
               </a:lnSpc>
               <a:spcBef>
                 <a:spcPts val="0"/>
@@ -11015,30 +9765,22 @@
               <a:buNone/>
             </a:pPr>
             <a:r>
-              <a:rPr lang="hu-HU" sz="7200" dirty="0"/>
-              <a:t>    "</a:t>
-            </a:r>
-            <a:r>
-              <a:rPr lang="hu-HU" sz="7200" dirty="0" err="1"/>
-              <a:t>overrideStore</a:t>
-            </a:r>
-            <a:r>
-              <a:rPr lang="hu-HU" sz="7200" dirty="0"/>
-              <a:t>": </a:t>
-            </a:r>
-            <a:r>
-              <a:rPr lang="hu-HU" sz="7200" dirty="0" err="1"/>
-              <a:t>true</a:t>
-            </a:r>
-            <a:r>
-              <a:rPr lang="hu-HU" sz="7200" dirty="0"/>
-              <a:t>,</a:t>
+              <a:rPr lang="en-US" sz="1600" dirty="0"/>
+              <a:t>  "</a:t>
+            </a:r>
+            <a:r>
+              <a:rPr lang="en-US" sz="1600" dirty="0" err="1"/>
+              <a:t>orchestrationFlags</a:t>
+            </a:r>
+            <a:r>
+              <a:rPr lang="en-US" sz="1600" dirty="0"/>
+              <a:t>": {</a:t>
             </a:r>
           </a:p>
           <a:p>
             <a:pPr marL="0" indent="0">
               <a:lnSpc>
-                <a:spcPct val="120000"/>
+                <a:spcPct val="100000"/>
               </a:lnSpc>
               <a:spcBef>
                 <a:spcPts val="0"/>
@@ -11046,27 +9788,22 @@
               <a:buNone/>
             </a:pPr>
             <a:r>
-              <a:rPr lang="hu-HU" sz="7200" dirty="0"/>
+              <a:rPr lang="en-US" sz="1600" dirty="0"/>
               <a:t>    "</a:t>
             </a:r>
             <a:r>
-              <a:rPr lang="hu-HU" sz="7200" dirty="0" err="1"/>
-              <a:t>enableInterCloud</a:t>
-            </a:r>
-            <a:r>
-              <a:rPr lang="hu-HU" sz="7200" dirty="0"/>
-              <a:t>": </a:t>
-            </a:r>
-            <a:r>
-              <a:rPr lang="hu-HU" sz="7200" dirty="0" err="1"/>
-              <a:t>true</a:t>
-            </a:r>
-            <a:endParaRPr lang="hu-HU" sz="7200" dirty="0"/>
+              <a:rPr lang="en-US" sz="1600" dirty="0" err="1"/>
+              <a:t>overrideStore</a:t>
+            </a:r>
+            <a:r>
+              <a:rPr lang="en-US" sz="1600" dirty="0"/>
+              <a:t>": true</a:t>
+            </a:r>
           </a:p>
           <a:p>
             <a:pPr marL="0" indent="0">
               <a:lnSpc>
-                <a:spcPct val="120000"/>
+                <a:spcPct val="100000"/>
               </a:lnSpc>
               <a:spcBef>
                 <a:spcPts val="0"/>
@@ -11074,14 +9811,14 @@
               <a:buNone/>
             </a:pPr>
             <a:r>
-              <a:rPr lang="hu-HU" sz="7200" dirty="0"/>
+              <a:rPr lang="en-US" sz="1600" dirty="0"/>
               <a:t>  }</a:t>
             </a:r>
           </a:p>
           <a:p>
             <a:pPr marL="0" indent="0">
               <a:lnSpc>
-                <a:spcPct val="120000"/>
+                <a:spcPct val="100000"/>
               </a:lnSpc>
               <a:spcBef>
                 <a:spcPts val="0"/>
@@ -11089,10 +9826,9 @@
               <a:buNone/>
             </a:pPr>
             <a:r>
-              <a:rPr lang="hu-HU" sz="7200" dirty="0"/>
+              <a:rPr lang="en-US" sz="1600" dirty="0"/>
               <a:t>}</a:t>
             </a:r>
-            <a:endParaRPr lang="en-US" sz="7200" dirty="0"/>
           </a:p>
         </p:txBody>
       </p:sp>
@@ -11108,8 +9844,8 @@
         </p:nvSpPr>
         <p:spPr>
           <a:xfrm>
-            <a:off x="5787870" y="541537"/>
-            <a:ext cx="5181600" cy="5026925"/>
+            <a:off x="7244863" y="515814"/>
+            <a:ext cx="4533008" cy="5970711"/>
           </a:xfrm>
           <a:ln>
             <a:solidFill>
@@ -11119,7 +9855,7 @@
         </p:spPr>
         <p:txBody>
           <a:bodyPr>
-            <a:normAutofit fontScale="25000" lnSpcReduction="20000"/>
+            <a:normAutofit fontScale="32500" lnSpcReduction="20000"/>
           </a:bodyPr>
           <a:lstStyle/>
           <a:p>
@@ -11127,27 +9863,27 @@
               <a:buNone/>
             </a:pPr>
             <a:r>
-              <a:rPr lang="hu-HU" sz="7200" dirty="0" err="1"/>
+              <a:rPr lang="hu-HU" sz="6200" dirty="0" err="1"/>
               <a:t>Orchestration</a:t>
             </a:r>
             <a:r>
-              <a:rPr lang="hu-HU" sz="7200" dirty="0"/>
-              <a:t> </a:t>
-            </a:r>
-            <a:r>
-              <a:rPr lang="hu-HU" sz="7200" dirty="0" err="1"/>
+              <a:rPr lang="hu-HU" sz="6200" dirty="0"/>
+              <a:t> </a:t>
+            </a:r>
+            <a:r>
+              <a:rPr lang="hu-HU" sz="6200" dirty="0" err="1"/>
               <a:t>Response</a:t>
             </a:r>
             <a:r>
-              <a:rPr lang="hu-HU" sz="7200" dirty="0"/>
+              <a:rPr lang="hu-HU" sz="6200" dirty="0"/>
               <a:t> (</a:t>
             </a:r>
             <a:r>
-              <a:rPr lang="hu-HU" sz="7200" dirty="0" err="1"/>
+              <a:rPr lang="hu-HU" sz="6200" dirty="0" err="1"/>
               <a:t>expected</a:t>
             </a:r>
             <a:r>
-              <a:rPr lang="hu-HU" sz="7200" dirty="0"/>
+              <a:rPr lang="hu-HU" sz="6200" dirty="0"/>
               <a:t>)</a:t>
             </a:r>
           </a:p>
@@ -11162,7 +9898,7 @@
               <a:buNone/>
             </a:pPr>
             <a:r>
-              <a:rPr lang="hu-HU" sz="5600" dirty="0"/>
+              <a:rPr lang="hu-HU" sz="4900" dirty="0"/>
               <a:t>{</a:t>
             </a:r>
           </a:p>
@@ -11177,15 +9913,15 @@
               <a:buNone/>
             </a:pPr>
             <a:r>
-              <a:rPr lang="hu-HU" sz="5600" dirty="0"/>
+              <a:rPr lang="hu-HU" sz="4900" dirty="0"/>
               <a:t>  "</a:t>
             </a:r>
             <a:r>
-              <a:rPr lang="hu-HU" sz="5600" dirty="0" err="1"/>
+              <a:rPr lang="hu-HU" sz="4900" dirty="0" err="1"/>
               <a:t>response</a:t>
             </a:r>
             <a:r>
-              <a:rPr lang="hu-HU" sz="5600" dirty="0"/>
+              <a:rPr lang="hu-HU" sz="4900" dirty="0"/>
               <a:t>": [</a:t>
             </a:r>
           </a:p>
@@ -11200,7 +9936,7 @@
               <a:buNone/>
             </a:pPr>
             <a:r>
-              <a:rPr lang="hu-HU" sz="5600" dirty="0"/>
+              <a:rPr lang="hu-HU" sz="4900" dirty="0"/>
               <a:t>    {</a:t>
             </a:r>
           </a:p>
@@ -11215,7 +9951,7 @@
               <a:buNone/>
             </a:pPr>
             <a:r>
-              <a:rPr lang="hu-HU" sz="5600" dirty="0"/>
+              <a:rPr lang="hu-HU" sz="4900" dirty="0"/>
               <a:t>      "service": {</a:t>
             </a:r>
           </a:p>
@@ -11230,23 +9966,23 @@
               <a:buNone/>
             </a:pPr>
             <a:r>
-              <a:rPr lang="hu-HU" sz="5600" dirty="0"/>
+              <a:rPr lang="hu-HU" sz="4900" dirty="0"/>
               <a:t>        "</a:t>
             </a:r>
             <a:r>
-              <a:rPr lang="hu-HU" sz="5600" dirty="0" err="1"/>
+              <a:rPr lang="hu-HU" sz="4900" dirty="0" err="1"/>
               <a:t>serviceDefinition</a:t>
             </a:r>
             <a:r>
-              <a:rPr lang="hu-HU" sz="5600" dirty="0"/>
+              <a:rPr lang="hu-HU" sz="4900" dirty="0"/>
               <a:t>": "</a:t>
             </a:r>
             <a:r>
-              <a:rPr lang="hu-HU" sz="5600" dirty="0" err="1"/>
-              <a:t>ChargingProfile</a:t>
-            </a:r>
-            <a:r>
-              <a:rPr lang="hu-HU" sz="5600" dirty="0"/>
+              <a:rPr lang="hu-HU" sz="4900" dirty="0" err="1"/>
+              <a:t>ChargingReservation</a:t>
+            </a:r>
+            <a:r>
+              <a:rPr lang="hu-HU" sz="4900" dirty="0"/>
               <a:t>",</a:t>
             </a:r>
           </a:p>
@@ -11261,15 +9997,15 @@
               <a:buNone/>
             </a:pPr>
             <a:r>
-              <a:rPr lang="hu-HU" sz="5600" dirty="0"/>
+              <a:rPr lang="hu-HU" sz="4900" dirty="0"/>
               <a:t>        "</a:t>
             </a:r>
             <a:r>
-              <a:rPr lang="hu-HU" sz="5600" dirty="0" err="1"/>
+              <a:rPr lang="hu-HU" sz="4900" dirty="0" err="1"/>
               <a:t>interfaces</a:t>
             </a:r>
             <a:r>
-              <a:rPr lang="hu-HU" sz="5600" dirty="0"/>
+              <a:rPr lang="hu-HU" sz="4900" dirty="0"/>
               <a:t>": [</a:t>
             </a:r>
           </a:p>
@@ -11284,7 +10020,7 @@
               <a:buNone/>
             </a:pPr>
             <a:r>
-              <a:rPr lang="hu-HU" sz="5600" dirty="0"/>
+              <a:rPr lang="hu-HU" sz="4900" dirty="0"/>
               <a:t>          "JSON"</a:t>
             </a:r>
           </a:p>
@@ -11299,7 +10035,7 @@
               <a:buNone/>
             </a:pPr>
             <a:r>
-              <a:rPr lang="hu-HU" sz="5600" dirty="0"/>
+              <a:rPr lang="hu-HU" sz="4900" dirty="0"/>
               <a:t>        ],</a:t>
             </a:r>
           </a:p>
@@ -11314,15 +10050,15 @@
               <a:buNone/>
             </a:pPr>
             <a:r>
-              <a:rPr lang="hu-HU" sz="5600" dirty="0"/>
+              <a:rPr lang="hu-HU" sz="4900" dirty="0"/>
               <a:t>        "</a:t>
             </a:r>
             <a:r>
-              <a:rPr lang="hu-HU" sz="5600" dirty="0" err="1"/>
+              <a:rPr lang="hu-HU" sz="4900" dirty="0" err="1"/>
               <a:t>serviceMetadata</a:t>
             </a:r>
             <a:r>
-              <a:rPr lang="hu-HU" sz="5600" dirty="0"/>
+              <a:rPr lang="hu-HU" sz="4900" dirty="0"/>
               <a:t>": {</a:t>
             </a:r>
           </a:p>
@@ -11337,16 +10073,16 @@
               <a:buNone/>
             </a:pPr>
             <a:r>
-              <a:rPr lang="hu-HU" sz="5600" dirty="0"/>
+              <a:rPr lang="hu-HU" sz="4900" dirty="0"/>
               <a:t>          "</a:t>
             </a:r>
             <a:r>
-              <a:rPr lang="hu-HU" sz="5600" dirty="0" err="1"/>
-              <a:t>maxDuration</a:t>
-            </a:r>
-            <a:r>
-              <a:rPr lang="hu-HU" sz="5600" dirty="0"/>
-              <a:t>": "3600"</a:t>
+              <a:rPr lang="hu-HU" sz="4900" dirty="0" err="1"/>
+              <a:t>carID</a:t>
+            </a:r>
+            <a:r>
+              <a:rPr lang="hu-HU" sz="4900" dirty="0"/>
+              <a:t>": "20"</a:t>
             </a:r>
           </a:p>
           <a:p>
@@ -11360,7 +10096,7 @@
               <a:buNone/>
             </a:pPr>
             <a:r>
-              <a:rPr lang="hu-HU" sz="5600" dirty="0"/>
+              <a:rPr lang="hu-HU" sz="4900" dirty="0"/>
               <a:t>        }</a:t>
             </a:r>
           </a:p>
@@ -11375,7 +10111,7 @@
               <a:buNone/>
             </a:pPr>
             <a:r>
-              <a:rPr lang="hu-HU" sz="5600" dirty="0"/>
+              <a:rPr lang="hu-HU" sz="4900" dirty="0"/>
               <a:t>      },</a:t>
             </a:r>
           </a:p>
@@ -11390,15 +10126,15 @@
               <a:buNone/>
             </a:pPr>
             <a:r>
-              <a:rPr lang="hu-HU" sz="5600" dirty="0"/>
+              <a:rPr lang="hu-HU" sz="4900" dirty="0"/>
               <a:t>      "</a:t>
             </a:r>
             <a:r>
-              <a:rPr lang="hu-HU" sz="5600" dirty="0" err="1"/>
+              <a:rPr lang="hu-HU" sz="4900" dirty="0" err="1"/>
               <a:t>provider</a:t>
             </a:r>
             <a:r>
-              <a:rPr lang="hu-HU" sz="5600" dirty="0"/>
+              <a:rPr lang="hu-HU" sz="4900" dirty="0"/>
               <a:t>": {</a:t>
             </a:r>
           </a:p>
@@ -11413,24 +10149,16 @@
               <a:buNone/>
             </a:pPr>
             <a:r>
-              <a:rPr lang="hu-HU" sz="5600" dirty="0"/>
+              <a:rPr lang="hu-HU" sz="4900" dirty="0"/>
               <a:t>        "</a:t>
             </a:r>
             <a:r>
-              <a:rPr lang="hu-HU" sz="5600" dirty="0" err="1"/>
+              <a:rPr lang="hu-HU" sz="4900" dirty="0" err="1"/>
               <a:t>systemName</a:t>
             </a:r>
             <a:r>
-              <a:rPr lang="hu-HU" sz="5600" dirty="0"/>
-              <a:t>": "</a:t>
-            </a:r>
-            <a:r>
-              <a:rPr lang="hu-HU" sz="5600" dirty="0" err="1"/>
-              <a:t>gateway</a:t>
-            </a:r>
-            <a:r>
-              <a:rPr lang="hu-HU" sz="5600" dirty="0"/>
-              <a:t>",</a:t>
+              <a:rPr lang="hu-HU" sz="4900" dirty="0"/>
+              <a:t>": "SmartGridManagerSystem3",</a:t>
             </a:r>
           </a:p>
           <a:p>
@@ -11444,16 +10172,16 @@
               <a:buNone/>
             </a:pPr>
             <a:r>
-              <a:rPr lang="hu-HU" sz="5600" dirty="0"/>
+              <a:rPr lang="hu-HU" sz="4900" dirty="0"/>
               <a:t>        "</a:t>
             </a:r>
             <a:r>
-              <a:rPr lang="hu-HU" sz="5600" dirty="0" err="1"/>
+              <a:rPr lang="hu-HU" sz="4900" dirty="0" err="1"/>
               <a:t>address</a:t>
             </a:r>
             <a:r>
-              <a:rPr lang="hu-HU" sz="5600" dirty="0"/>
-              <a:t>": "10.0.0.82",</a:t>
+              <a:rPr lang="hu-HU" sz="4900" dirty="0"/>
+              <a:t>": "dummy_address_3",</a:t>
             </a:r>
           </a:p>
           <a:p>
@@ -11467,8 +10195,8 @@
               <a:buNone/>
             </a:pPr>
             <a:r>
-              <a:rPr lang="hu-HU" sz="5600" dirty="0"/>
-              <a:t>        "port": 8001</a:t>
+              <a:rPr lang="hu-HU" sz="4900" dirty="0"/>
+              <a:t>        "port": 8083,</a:t>
             </a:r>
           </a:p>
           <a:p>
@@ -11482,8 +10210,24 @@
               <a:buNone/>
             </a:pPr>
             <a:r>
-              <a:rPr lang="hu-HU" sz="5600" dirty="0"/>
-              <a:t>      },</a:t>
+              <a:rPr lang="hu-HU" sz="4900" dirty="0"/>
+              <a:t>        "</a:t>
+            </a:r>
+            <a:r>
+              <a:rPr lang="hu-HU" sz="4900" dirty="0" err="1"/>
+              <a:t>authenticationInfo</a:t>
+            </a:r>
+            <a:r>
+              <a:rPr lang="hu-HU" sz="4900" dirty="0"/>
+              <a:t>": "Base64 </a:t>
+            </a:r>
+            <a:r>
+              <a:rPr lang="hu-HU" sz="4900" dirty="0" err="1"/>
+              <a:t>coded</a:t>
+            </a:r>
+            <a:r>
+              <a:rPr lang="hu-HU" sz="4900" dirty="0"/>
+              <a:t> Public Key"</a:t>
             </a:r>
           </a:p>
           <a:p>
@@ -11497,24 +10241,8 @@
               <a:buNone/>
             </a:pPr>
             <a:r>
-              <a:rPr lang="hu-HU" sz="5600" dirty="0"/>
-              <a:t>      "</a:t>
-            </a:r>
-            <a:r>
-              <a:rPr lang="hu-HU" sz="5600" dirty="0" err="1"/>
-              <a:t>serviceURI</a:t>
-            </a:r>
-            <a:r>
-              <a:rPr lang="hu-HU" sz="5600" dirty="0"/>
-              <a:t>": "</a:t>
-            </a:r>
-            <a:r>
-              <a:rPr lang="hu-HU" sz="5600" dirty="0" err="1"/>
-              <a:t>charging_profile</a:t>
-            </a:r>
-            <a:r>
-              <a:rPr lang="hu-HU" sz="5600" dirty="0"/>
-              <a:t>",</a:t>
+              <a:rPr lang="hu-HU" sz="4900" dirty="0"/>
+              <a:t>      },</a:t>
             </a:r>
           </a:p>
           <a:p>
@@ -11528,56 +10256,24 @@
               <a:buNone/>
             </a:pPr>
             <a:r>
-              <a:rPr lang="hu-HU" sz="5600" dirty="0"/>
+              <a:rPr lang="hu-HU" sz="4900" dirty="0"/>
               <a:t>      "</a:t>
             </a:r>
             <a:r>
-              <a:rPr lang="hu-HU" sz="5600" dirty="0" err="1"/>
-              <a:t>instruction</a:t>
-            </a:r>
-            <a:r>
-              <a:rPr lang="hu-HU" sz="5600" dirty="0"/>
+              <a:rPr lang="hu-HU" sz="4900" dirty="0" err="1"/>
+              <a:t>serviceURI</a:t>
+            </a:r>
+            <a:r>
+              <a:rPr lang="hu-HU" sz="4900" dirty="0"/>
               <a:t>": "</a:t>
             </a:r>
             <a:r>
-              <a:rPr lang="hu-HU" sz="5600" dirty="0" err="1"/>
-              <a:t>This</a:t>
-            </a:r>
-            <a:r>
-              <a:rPr lang="hu-HU" sz="5600" dirty="0"/>
-              <a:t> </a:t>
-            </a:r>
-            <a:r>
-              <a:rPr lang="hu-HU" sz="5600" dirty="0" err="1"/>
-              <a:t>provider</a:t>
-            </a:r>
-            <a:r>
-              <a:rPr lang="hu-HU" sz="5600" dirty="0"/>
-              <a:t> is </a:t>
-            </a:r>
-            <a:r>
-              <a:rPr lang="hu-HU" sz="5600" dirty="0" err="1"/>
-              <a:t>from</a:t>
-            </a:r>
-            <a:r>
-              <a:rPr lang="hu-HU" sz="5600" dirty="0"/>
-              <a:t> </a:t>
-            </a:r>
-            <a:r>
-              <a:rPr lang="hu-HU" sz="5600" dirty="0" err="1"/>
-              <a:t>another</a:t>
-            </a:r>
-            <a:r>
-              <a:rPr lang="hu-HU" sz="5600" dirty="0"/>
-              <a:t> </a:t>
-            </a:r>
-            <a:r>
-              <a:rPr lang="hu-HU" sz="5600" dirty="0" err="1"/>
-              <a:t>cloud</a:t>
-            </a:r>
-            <a:r>
-              <a:rPr lang="hu-HU" sz="5600" dirty="0"/>
-              <a:t>!"</a:t>
+              <a:rPr lang="hu-HU" sz="4900" dirty="0" err="1"/>
+              <a:t>reserve_charging</a:t>
+            </a:r>
+            <a:r>
+              <a:rPr lang="hu-HU" sz="4900" dirty="0"/>
+              <a:t>"</a:t>
             </a:r>
           </a:p>
           <a:p>
@@ -11591,7 +10287,7 @@
               <a:buNone/>
             </a:pPr>
             <a:r>
-              <a:rPr lang="hu-HU" sz="5600" dirty="0"/>
+              <a:rPr lang="hu-HU" sz="4900" dirty="0"/>
               <a:t>    }</a:t>
             </a:r>
           </a:p>
@@ -11606,7 +10302,7 @@
               <a:buNone/>
             </a:pPr>
             <a:r>
-              <a:rPr lang="hu-HU" sz="5600" dirty="0"/>
+              <a:rPr lang="hu-HU" sz="4900" dirty="0"/>
               <a:t>  ]</a:t>
             </a:r>
           </a:p>
@@ -11621,23 +10317,23 @@
               <a:buNone/>
             </a:pPr>
             <a:r>
-              <a:rPr lang="hu-HU" sz="5600" dirty="0"/>
+              <a:rPr lang="hu-HU" sz="4900" dirty="0"/>
               <a:t>}</a:t>
             </a:r>
-            <a:endParaRPr lang="en-US" sz="5600" dirty="0"/>
+            <a:endParaRPr lang="en-US" sz="4900" dirty="0"/>
           </a:p>
         </p:txBody>
       </p:sp>
       <p:sp>
         <p:nvSpPr>
-          <p:cNvPr id="3" name="Jobbra nyíl 2"/>
+          <p:cNvPr id="6" name="Jobbra nyíl 5"/>
           <p:cNvSpPr/>
           <p:nvPr/>
         </p:nvSpPr>
         <p:spPr>
           <a:xfrm>
-            <a:off x="4809662" y="3029806"/>
-            <a:ext cx="861134" cy="603682"/>
+            <a:off x="4785064" y="2128904"/>
+            <a:ext cx="2330844" cy="663992"/>
           </a:xfrm>
           <a:prstGeom prst="rightArrow">
             <a:avLst/>
@@ -11670,14 +10366,14 @@
       </p:sp>
       <p:sp>
         <p:nvSpPr>
-          <p:cNvPr id="7" name="Szövegdoboz 6"/>
+          <p:cNvPr id="8" name="Szövegdoboz 7"/>
           <p:cNvSpPr txBox="1"/>
           <p:nvPr/>
         </p:nvSpPr>
         <p:spPr>
           <a:xfrm>
-            <a:off x="-1" y="5568462"/>
-            <a:ext cx="11547232" cy="1200329"/>
+            <a:off x="0" y="4794801"/>
+            <a:ext cx="6611815" cy="1477328"/>
           </a:xfrm>
           <a:prstGeom prst="rect">
             <a:avLst/>
@@ -11698,31 +10394,43 @@
             <a:pPr algn="just"/>
             <a:r>
               <a:rPr lang="hu-HU" dirty="0"/>
-              <a:t>In </a:t>
-            </a:r>
-            <a:r>
-              <a:rPr lang="hu-HU" err="1"/>
+              <a:t>Here </a:t>
+            </a:r>
+            <a:r>
+              <a:rPr lang="hu-HU" dirty="0" err="1"/>
               <a:t>the</a:t>
             </a:r>
             <a:r>
-              <a:rPr lang="hu-HU"/>
-              <a:t> 3rd example, </a:t>
-            </a:r>
-            <a:r>
-              <a:rPr lang="hu-HU" dirty="0"/>
-              <a:t>a </a:t>
-            </a:r>
-            <a:r>
-              <a:rPr lang="hu-HU" dirty="0" err="1"/>
-              <a:t>charging</a:t>
-            </a:r>
-            <a:r>
-              <a:rPr lang="hu-HU" dirty="0"/>
-              <a:t> </a:t>
-            </a:r>
-            <a:r>
-              <a:rPr lang="hu-HU" dirty="0" err="1"/>
-              <a:t>station</a:t>
+              <a:rPr lang="hu-HU" dirty="0"/>
+              <a:t> </a:t>
+            </a:r>
+            <a:r>
+              <a:rPr lang="hu-HU" dirty="0" err="1"/>
+              <a:t>contents</a:t>
+            </a:r>
+            <a:r>
+              <a:rPr lang="hu-HU" dirty="0"/>
+              <a:t> of </a:t>
+            </a:r>
+            <a:r>
+              <a:rPr lang="hu-HU" dirty="0" err="1"/>
+              <a:t>the</a:t>
+            </a:r>
+            <a:r>
+              <a:rPr lang="hu-HU" dirty="0"/>
+              <a:t> </a:t>
+            </a:r>
+            <a:r>
+              <a:rPr lang="hu-HU" dirty="0" err="1"/>
+              <a:t>Orchestration</a:t>
+            </a:r>
+            <a:r>
+              <a:rPr lang="hu-HU" dirty="0"/>
+              <a:t> </a:t>
+            </a:r>
+            <a:r>
+              <a:rPr lang="hu-HU" dirty="0" err="1"/>
+              <a:t>Store</a:t>
             </a:r>
             <a:r>
               <a:rPr lang="hu-HU" dirty="0"/>
@@ -11730,7 +10438,103 @@
             </a:r>
             <a:r>
               <a:rPr lang="hu-HU" dirty="0" err="1"/>
-              <a:t>looking</a:t>
+              <a:t>ignored</a:t>
+            </a:r>
+            <a:r>
+              <a:rPr lang="hu-HU" dirty="0"/>
+              <a:t>, and </a:t>
+            </a:r>
+            <a:r>
+              <a:rPr lang="hu-HU" dirty="0" err="1"/>
+              <a:t>since</a:t>
+            </a:r>
+            <a:r>
+              <a:rPr lang="hu-HU" dirty="0"/>
+              <a:t> </a:t>
+            </a:r>
+            <a:r>
+              <a:rPr lang="hu-HU" dirty="0" err="1"/>
+              <a:t>the</a:t>
+            </a:r>
+            <a:r>
+              <a:rPr lang="hu-HU" dirty="0"/>
+              <a:t> </a:t>
+            </a:r>
+            <a:r>
+              <a:rPr lang="hu-HU" dirty="0" err="1"/>
+              <a:t>requester</a:t>
+            </a:r>
+            <a:r>
+              <a:rPr lang="hu-HU" dirty="0"/>
+              <a:t> </a:t>
+            </a:r>
+            <a:r>
+              <a:rPr lang="hu-HU" dirty="0" err="1"/>
+              <a:t>system</a:t>
+            </a:r>
+            <a:r>
+              <a:rPr lang="hu-HU" dirty="0"/>
+              <a:t> </a:t>
+            </a:r>
+            <a:r>
+              <a:rPr lang="hu-HU" dirty="0" err="1"/>
+              <a:t>did</a:t>
+            </a:r>
+            <a:r>
+              <a:rPr lang="hu-HU" dirty="0"/>
+              <a:t> </a:t>
+            </a:r>
+            <a:r>
+              <a:rPr lang="hu-HU" dirty="0" err="1"/>
+              <a:t>not</a:t>
+            </a:r>
+            <a:r>
+              <a:rPr lang="hu-HU" dirty="0"/>
+              <a:t> </a:t>
+            </a:r>
+            <a:r>
+              <a:rPr lang="hu-HU" dirty="0" err="1"/>
+              <a:t>have</a:t>
+            </a:r>
+            <a:r>
+              <a:rPr lang="hu-HU" dirty="0"/>
+              <a:t> </a:t>
+            </a:r>
+            <a:r>
+              <a:rPr lang="hu-HU" dirty="0" err="1"/>
+              <a:t>preferred</a:t>
+            </a:r>
+            <a:r>
+              <a:rPr lang="hu-HU" dirty="0"/>
+              <a:t> </a:t>
+            </a:r>
+            <a:r>
+              <a:rPr lang="hu-HU" dirty="0" err="1"/>
+              <a:t>providers</a:t>
+            </a:r>
+            <a:r>
+              <a:rPr lang="hu-HU" dirty="0"/>
+              <a:t> and </a:t>
+            </a:r>
+            <a:r>
+              <a:rPr lang="hu-HU" dirty="0" err="1"/>
+              <a:t>did</a:t>
+            </a:r>
+            <a:r>
+              <a:rPr lang="hu-HU" dirty="0"/>
+              <a:t> </a:t>
+            </a:r>
+            <a:r>
+              <a:rPr lang="hu-HU" dirty="0" err="1"/>
+              <a:t>not</a:t>
+            </a:r>
+            <a:r>
+              <a:rPr lang="hu-HU" dirty="0"/>
+              <a:t> </a:t>
+            </a:r>
+            <a:r>
+              <a:rPr lang="hu-HU" dirty="0" err="1"/>
+              <a:t>ask</a:t>
             </a:r>
             <a:r>
               <a:rPr lang="hu-HU" dirty="0"/>
@@ -11746,6 +10550,46 @@
             </a:r>
             <a:r>
               <a:rPr lang="hu-HU" dirty="0" err="1"/>
+              <a:t>matchmaking</a:t>
+            </a:r>
+            <a:r>
+              <a:rPr lang="hu-HU" dirty="0"/>
+              <a:t> (</a:t>
+            </a:r>
+            <a:r>
+              <a:rPr lang="hu-HU" dirty="0" err="1"/>
+              <a:t>via</a:t>
+            </a:r>
+            <a:r>
+              <a:rPr lang="hu-HU" dirty="0"/>
+              <a:t> </a:t>
+            </a:r>
+            <a:r>
+              <a:rPr lang="hu-HU" dirty="0" err="1"/>
+              <a:t>orchestration</a:t>
+            </a:r>
+            <a:r>
+              <a:rPr lang="hu-HU" dirty="0"/>
+              <a:t> </a:t>
+            </a:r>
+            <a:r>
+              <a:rPr lang="hu-HU" dirty="0" err="1"/>
+              <a:t>flag</a:t>
+            </a:r>
+            <a:r>
+              <a:rPr lang="hu-HU" dirty="0"/>
+              <a:t>), </a:t>
+            </a:r>
+            <a:r>
+              <a:rPr lang="hu-HU" dirty="0" err="1"/>
+              <a:t>all</a:t>
+            </a:r>
+            <a:r>
+              <a:rPr lang="hu-HU" dirty="0"/>
+              <a:t> </a:t>
+            </a:r>
+            <a:r>
+              <a:rPr lang="hu-HU" dirty="0" err="1"/>
               <a:t>the</a:t>
             </a:r>
             <a:r>
@@ -11754,51 +10598,51 @@
             </a:r>
             <a:r>
               <a:rPr lang="hu-HU" dirty="0" err="1"/>
-              <a:t>optimal</a:t>
-            </a:r>
-            <a:r>
-              <a:rPr lang="hu-HU" dirty="0"/>
-              <a:t> </a:t>
-            </a:r>
-            <a:r>
-              <a:rPr lang="hu-HU" dirty="0" err="1"/>
-              <a:t>charging</a:t>
-            </a:r>
-            <a:r>
-              <a:rPr lang="hu-HU" dirty="0"/>
-              <a:t> </a:t>
-            </a:r>
-            <a:r>
-              <a:rPr lang="hu-HU" dirty="0" err="1"/>
-              <a:t>profile</a:t>
-            </a:r>
-            <a:r>
-              <a:rPr lang="hu-HU" dirty="0"/>
-              <a:t> </a:t>
-            </a:r>
-            <a:r>
-              <a:rPr lang="hu-HU" dirty="0" err="1"/>
-              <a:t>for</a:t>
-            </a:r>
-            <a:r>
-              <a:rPr lang="hu-HU" dirty="0"/>
-              <a:t> a </a:t>
-            </a:r>
-            <a:r>
-              <a:rPr lang="hu-HU" dirty="0" err="1"/>
-              <a:t>car</a:t>
-            </a:r>
-            <a:r>
-              <a:rPr lang="hu-HU" dirty="0"/>
-              <a:t>, </a:t>
-            </a:r>
-            <a:r>
-              <a:rPr lang="hu-HU" dirty="0" err="1"/>
-              <a:t>before</a:t>
-            </a:r>
-            <a:r>
-              <a:rPr lang="hu-HU" dirty="0"/>
-              <a:t> starting </a:t>
+              <a:t>providers</a:t>
+            </a:r>
+            <a:r>
+              <a:rPr lang="hu-HU" dirty="0"/>
+              <a:t> </a:t>
+            </a:r>
+            <a:r>
+              <a:rPr lang="hu-HU" dirty="0" err="1"/>
+              <a:t>will</a:t>
+            </a:r>
+            <a:r>
+              <a:rPr lang="hu-HU" dirty="0"/>
+              <a:t> be </a:t>
+            </a:r>
+            <a:r>
+              <a:rPr lang="hu-HU" dirty="0" err="1"/>
+              <a:t>returned</a:t>
+            </a:r>
+            <a:r>
+              <a:rPr lang="hu-HU" dirty="0"/>
+              <a:t> </a:t>
+            </a:r>
+            <a:r>
+              <a:rPr lang="hu-HU" dirty="0" err="1"/>
+              <a:t>which</a:t>
+            </a:r>
+            <a:r>
+              <a:rPr lang="hu-HU" dirty="0"/>
+              <a:t> </a:t>
+            </a:r>
+            <a:r>
+              <a:rPr lang="hu-HU" dirty="0" err="1"/>
+              <a:t>can</a:t>
+            </a:r>
+            <a:r>
+              <a:rPr lang="hu-HU" dirty="0"/>
+              <a:t> </a:t>
+            </a:r>
+            <a:r>
+              <a:rPr lang="hu-HU" dirty="0" err="1"/>
+              <a:t>serve</a:t>
+            </a:r>
+            <a:r>
+              <a:rPr lang="hu-HU" dirty="0"/>
+              <a:t> </a:t>
             </a:r>
             <a:r>
               <a:rPr lang="hu-HU" dirty="0" err="1"/>
@@ -11810,23 +10654,23 @@
             </a:r>
             <a:r>
               <a:rPr lang="hu-HU" dirty="0" err="1"/>
-              <a:t>charging</a:t>
-            </a:r>
-            <a:r>
-              <a:rPr lang="hu-HU" dirty="0"/>
-              <a:t>. </a:t>
-            </a:r>
-            <a:r>
-              <a:rPr lang="hu-HU" dirty="0" err="1"/>
-              <a:t>It</a:t>
-            </a:r>
-            <a:r>
-              <a:rPr lang="hu-HU" dirty="0"/>
-              <a:t> </a:t>
-            </a:r>
-            <a:r>
-              <a:rPr lang="hu-HU" dirty="0" err="1"/>
-              <a:t>initiates</a:t>
+              <a:t>requester</a:t>
+            </a:r>
+            <a:r>
+              <a:rPr lang="hu-HU" dirty="0"/>
+              <a:t> </a:t>
+            </a:r>
+            <a:r>
+              <a:rPr lang="hu-HU" dirty="0" err="1"/>
+              <a:t>system</a:t>
+            </a:r>
+            <a:r>
+              <a:rPr lang="hu-HU" dirty="0"/>
+              <a:t> </a:t>
+            </a:r>
+            <a:r>
+              <a:rPr lang="hu-HU" dirty="0" err="1"/>
+              <a:t>at</a:t>
             </a:r>
             <a:r>
               <a:rPr lang="hu-HU" dirty="0"/>
@@ -11842,355 +10686,19 @@
             </a:r>
             <a:r>
               <a:rPr lang="hu-HU" dirty="0" err="1"/>
-              <a:t>dynamical</a:t>
-            </a:r>
-            <a:r>
-              <a:rPr lang="hu-HU" dirty="0"/>
-              <a:t> </a:t>
-            </a:r>
-            <a:r>
-              <a:rPr lang="hu-HU" dirty="0" err="1"/>
-              <a:t>orchestraion</a:t>
-            </a:r>
-            <a:r>
-              <a:rPr lang="hu-HU" dirty="0"/>
-              <a:t> </a:t>
-            </a:r>
-            <a:r>
-              <a:rPr lang="hu-HU" dirty="0" err="1"/>
-              <a:t>process</a:t>
-            </a:r>
-            <a:r>
-              <a:rPr lang="hu-HU" dirty="0"/>
-              <a:t>, and </a:t>
-            </a:r>
-            <a:r>
-              <a:rPr lang="hu-HU" dirty="0" err="1"/>
-              <a:t>accepts</a:t>
-            </a:r>
-            <a:r>
-              <a:rPr lang="hu-HU" dirty="0"/>
-              <a:t> </a:t>
-            </a:r>
-            <a:r>
-              <a:rPr lang="hu-HU" dirty="0" err="1"/>
-              <a:t>providers</a:t>
-            </a:r>
-            <a:r>
-              <a:rPr lang="hu-HU" dirty="0"/>
-              <a:t> </a:t>
-            </a:r>
-            <a:r>
-              <a:rPr lang="hu-HU" dirty="0" err="1"/>
-              <a:t>from</a:t>
-            </a:r>
-            <a:r>
-              <a:rPr lang="hu-HU" dirty="0"/>
-              <a:t> </a:t>
-            </a:r>
-            <a:r>
-              <a:rPr lang="hu-HU" dirty="0" err="1"/>
-              <a:t>other</a:t>
-            </a:r>
-            <a:r>
-              <a:rPr lang="hu-HU" dirty="0"/>
-              <a:t> </a:t>
-            </a:r>
-            <a:r>
-              <a:rPr lang="hu-HU" dirty="0" err="1"/>
-              <a:t>clouds</a:t>
-            </a:r>
-            <a:r>
-              <a:rPr lang="hu-HU" dirty="0"/>
-              <a:t> </a:t>
-            </a:r>
-            <a:r>
-              <a:rPr lang="hu-HU" dirty="0" err="1"/>
-              <a:t>too</a:t>
-            </a:r>
-            <a:r>
-              <a:rPr lang="hu-HU" dirty="0"/>
-              <a:t> </a:t>
-            </a:r>
-            <a:r>
-              <a:rPr lang="hu-HU" dirty="0" err="1"/>
-              <a:t>with</a:t>
-            </a:r>
-            <a:r>
-              <a:rPr lang="hu-HU" dirty="0"/>
-              <a:t> </a:t>
-            </a:r>
-            <a:r>
-              <a:rPr lang="hu-HU" dirty="0" err="1"/>
-              <a:t>the</a:t>
-            </a:r>
-            <a:r>
-              <a:rPr lang="hu-HU" dirty="0"/>
-              <a:t> „</a:t>
-            </a:r>
-            <a:r>
-              <a:rPr lang="hu-HU" dirty="0" err="1"/>
-              <a:t>enableInterCloud</a:t>
-            </a:r>
-            <a:r>
-              <a:rPr lang="hu-HU" dirty="0"/>
-              <a:t>” </a:t>
-            </a:r>
-            <a:r>
-              <a:rPr lang="hu-HU" dirty="0" err="1"/>
-              <a:t>flag</a:t>
-            </a:r>
-            <a:r>
-              <a:rPr lang="hu-HU" dirty="0"/>
-              <a:t> </a:t>
-            </a:r>
-            <a:r>
-              <a:rPr lang="hu-HU" dirty="0" err="1"/>
-              <a:t>set</a:t>
-            </a:r>
-            <a:r>
-              <a:rPr lang="hu-HU" dirty="0"/>
-              <a:t>. The local </a:t>
-            </a:r>
-            <a:r>
-              <a:rPr lang="hu-HU" dirty="0" err="1"/>
-              <a:t>search</a:t>
-            </a:r>
-            <a:r>
-              <a:rPr lang="hu-HU" dirty="0"/>
-              <a:t> </a:t>
-            </a:r>
-            <a:r>
-              <a:rPr lang="hu-HU" dirty="0" err="1"/>
-              <a:t>for</a:t>
-            </a:r>
-            <a:r>
-              <a:rPr lang="hu-HU" dirty="0"/>
-              <a:t> a </a:t>
-            </a:r>
-            <a:r>
-              <a:rPr lang="hu-HU" dirty="0" err="1"/>
-              <a:t>provider</a:t>
-            </a:r>
-            <a:r>
-              <a:rPr lang="hu-HU" dirty="0"/>
-              <a:t> </a:t>
-            </a:r>
-            <a:r>
-              <a:rPr lang="hu-HU" dirty="0" err="1"/>
-              <a:t>will</a:t>
-            </a:r>
-            <a:r>
-              <a:rPr lang="hu-HU" dirty="0"/>
-              <a:t> </a:t>
-            </a:r>
-            <a:r>
-              <a:rPr lang="hu-HU" dirty="0" err="1"/>
-              <a:t>yield</a:t>
-            </a:r>
-            <a:r>
-              <a:rPr lang="hu-HU" dirty="0"/>
-              <a:t> no </a:t>
-            </a:r>
-            <a:r>
-              <a:rPr lang="hu-HU" dirty="0" err="1"/>
-              <a:t>result</a:t>
-            </a:r>
-            <a:r>
-              <a:rPr lang="hu-HU" dirty="0"/>
-              <a:t>, </a:t>
-            </a:r>
-            <a:r>
-              <a:rPr lang="hu-HU" dirty="0" err="1"/>
-              <a:t>but</a:t>
-            </a:r>
-            <a:r>
-              <a:rPr lang="hu-HU" dirty="0"/>
-              <a:t> </a:t>
-            </a:r>
-            <a:r>
-              <a:rPr lang="hu-HU" dirty="0" err="1"/>
-              <a:t>the</a:t>
-            </a:r>
-            <a:r>
-              <a:rPr lang="hu-HU" dirty="0"/>
-              <a:t> 2nd </a:t>
-            </a:r>
-            <a:r>
-              <a:rPr lang="hu-HU" dirty="0" err="1"/>
-              <a:t>cloud</a:t>
-            </a:r>
-            <a:r>
-              <a:rPr lang="hu-HU" dirty="0"/>
-              <a:t> has a </a:t>
-            </a:r>
-            <a:r>
-              <a:rPr lang="hu-HU" dirty="0" err="1"/>
-              <a:t>provider</a:t>
-            </a:r>
-            <a:r>
-              <a:rPr lang="hu-HU" dirty="0"/>
-              <a:t>. </a:t>
-            </a:r>
-            <a:r>
-              <a:rPr lang="hu-HU" dirty="0" err="1"/>
-              <a:t>Gateway</a:t>
-            </a:r>
-            <a:r>
-              <a:rPr lang="hu-HU" dirty="0"/>
-              <a:t> </a:t>
-            </a:r>
-            <a:r>
-              <a:rPr lang="hu-HU" dirty="0" err="1"/>
-              <a:t>module</a:t>
-            </a:r>
-            <a:r>
-              <a:rPr lang="hu-HU" dirty="0"/>
-              <a:t> </a:t>
-            </a:r>
-            <a:r>
-              <a:rPr lang="hu-HU" dirty="0" err="1"/>
-              <a:t>was</a:t>
-            </a:r>
-            <a:r>
-              <a:rPr lang="hu-HU" dirty="0"/>
-              <a:t> </a:t>
-            </a:r>
-            <a:r>
-              <a:rPr lang="hu-HU" dirty="0" err="1"/>
-              <a:t>used</a:t>
-            </a:r>
-            <a:r>
-              <a:rPr lang="hu-HU" dirty="0"/>
-              <a:t> in </a:t>
-            </a:r>
-            <a:r>
-              <a:rPr lang="hu-HU" dirty="0" err="1"/>
-              <a:t>this</a:t>
-            </a:r>
-            <a:r>
-              <a:rPr lang="hu-HU" dirty="0"/>
-              <a:t> </a:t>
-            </a:r>
-            <a:r>
-              <a:rPr lang="hu-HU" dirty="0" err="1"/>
-              <a:t>example</a:t>
-            </a:r>
-            <a:r>
-              <a:rPr lang="hu-HU" dirty="0"/>
-              <a:t>, </a:t>
-            </a:r>
-            <a:r>
-              <a:rPr lang="hu-HU" dirty="0" err="1"/>
-              <a:t>which</a:t>
-            </a:r>
-            <a:r>
-              <a:rPr lang="hu-HU" dirty="0"/>
-              <a:t> is </a:t>
-            </a:r>
-            <a:r>
-              <a:rPr lang="hu-HU" dirty="0" err="1"/>
-              <a:t>responsible</a:t>
-            </a:r>
-            <a:r>
-              <a:rPr lang="hu-HU" dirty="0"/>
-              <a:t> </a:t>
-            </a:r>
-            <a:r>
-              <a:rPr lang="hu-HU" dirty="0" err="1"/>
-              <a:t>for</a:t>
-            </a:r>
-            <a:r>
-              <a:rPr lang="hu-HU" dirty="0"/>
-              <a:t> </a:t>
-            </a:r>
-            <a:r>
-              <a:rPr lang="hu-HU" dirty="0" err="1"/>
-              <a:t>modifying</a:t>
-            </a:r>
-            <a:r>
-              <a:rPr lang="hu-HU" dirty="0"/>
-              <a:t> </a:t>
-            </a:r>
-            <a:r>
-              <a:rPr lang="hu-HU" dirty="0" err="1"/>
-              <a:t>the</a:t>
-            </a:r>
-            <a:r>
-              <a:rPr lang="hu-HU" dirty="0"/>
-              <a:t> </a:t>
-            </a:r>
-            <a:r>
-              <a:rPr lang="hu-HU" dirty="0" err="1"/>
-              <a:t>orchestration</a:t>
-            </a:r>
-            <a:r>
-              <a:rPr lang="hu-HU" dirty="0"/>
-              <a:t> </a:t>
-            </a:r>
-            <a:r>
-              <a:rPr lang="hu-HU" dirty="0" err="1"/>
-              <a:t>response</a:t>
-            </a:r>
-            <a:r>
-              <a:rPr lang="hu-HU" dirty="0"/>
-              <a:t> (</a:t>
-            </a:r>
-            <a:r>
-              <a:rPr lang="hu-HU" dirty="0" err="1"/>
-              <a:t>the</a:t>
-            </a:r>
-            <a:r>
-              <a:rPr lang="hu-HU" dirty="0"/>
-              <a:t> </a:t>
-            </a:r>
-            <a:r>
-              <a:rPr lang="hu-HU" dirty="0" err="1"/>
-              <a:t>provider</a:t>
-            </a:r>
-            <a:r>
-              <a:rPr lang="hu-HU" dirty="0"/>
-              <a:t> </a:t>
-            </a:r>
-            <a:r>
-              <a:rPr lang="hu-HU" dirty="0" err="1"/>
-              <a:t>field</a:t>
-            </a:r>
-            <a:r>
-              <a:rPr lang="hu-HU" dirty="0"/>
-              <a:t>) </a:t>
-            </a:r>
-            <a:r>
-              <a:rPr lang="hu-HU" dirty="0" err="1"/>
-              <a:t>from</a:t>
-            </a:r>
-            <a:r>
-              <a:rPr lang="hu-HU" dirty="0"/>
-              <a:t> </a:t>
-            </a:r>
-            <a:r>
-              <a:rPr lang="hu-HU" dirty="0" err="1"/>
-              <a:t>the</a:t>
-            </a:r>
-            <a:r>
-              <a:rPr lang="hu-HU" dirty="0"/>
-              <a:t> </a:t>
-            </a:r>
-            <a:r>
-              <a:rPr lang="hu-HU" dirty="0" err="1"/>
-              <a:t>other</a:t>
-            </a:r>
-            <a:r>
-              <a:rPr lang="hu-HU" dirty="0"/>
-              <a:t> </a:t>
-            </a:r>
-            <a:r>
-              <a:rPr lang="hu-HU" dirty="0" err="1"/>
-              <a:t>cloud</a:t>
-            </a:r>
-            <a:r>
-              <a:rPr lang="hu-HU" dirty="0"/>
-              <a:t>.</a:t>
+              <a:t>moment</a:t>
+            </a:r>
+            <a:r>
+              <a:rPr lang="hu-HU" dirty="0"/>
+              <a:t> (online and is </a:t>
+            </a:r>
+            <a:r>
+              <a:rPr lang="hu-HU" dirty="0" err="1"/>
+              <a:t>authorized</a:t>
+            </a:r>
+            <a:r>
+              <a:rPr lang="hu-HU" dirty="0"/>
+              <a:t>).</a:t>
             </a:r>
           </a:p>
         </p:txBody>
@@ -12198,7 +10706,7 @@
     </p:spTree>
     <p:extLst>
       <p:ext uri="{BB962C8B-B14F-4D97-AF65-F5344CB8AC3E}">
-        <p14:creationId xmlns:p14="http://schemas.microsoft.com/office/powerpoint/2010/main" val="3571237081"/>
+        <p14:creationId xmlns:p14="http://schemas.microsoft.com/office/powerpoint/2010/main" val="90020324"/>
       </p:ext>
     </p:extLst>
   </p:cSld>
@@ -12237,8 +10745,8 @@
         </p:nvSpPr>
         <p:spPr>
           <a:xfrm>
-            <a:off x="0" y="1"/>
-            <a:ext cx="10515600" cy="603682"/>
+            <a:off x="-1" y="1"/>
+            <a:ext cx="12064753" cy="603682"/>
           </a:xfrm>
         </p:spPr>
         <p:txBody>
@@ -12249,7 +10757,7 @@
           <a:p>
             <a:r>
               <a:rPr lang="hu-HU" sz="2400" b="1" err="1"/>
-              <a:t>Inter-Cloud</a:t>
+              <a:t>Dynamical</a:t>
             </a:r>
             <a:r>
               <a:rPr lang="hu-HU" sz="2400" b="1"/>
@@ -12257,19 +10765,11 @@
             </a:r>
             <a:r>
               <a:rPr lang="hu-HU" sz="2400" b="1" err="1"/>
-              <a:t>dynamical</a:t>
+              <a:t>o</a:t>
             </a:r>
             <a:r>
               <a:rPr lang="hu-HU" sz="2400" b="1"/>
-              <a:t> </a:t>
-            </a:r>
-            <a:r>
-              <a:rPr lang="hu-HU" sz="2400" b="1" err="1"/>
-              <a:t>orchestration</a:t>
-            </a:r>
-            <a:r>
-              <a:rPr lang="hu-HU" sz="2400" b="1"/>
-              <a:t> (</a:t>
+              <a:t>rchestration </a:t>
             </a:r>
             <a:r>
               <a:rPr lang="hu-HU" sz="2400" b="1" err="1"/>
@@ -12281,19 +10781,11 @@
             </a:r>
             <a:r>
               <a:rPr lang="hu-HU" sz="2400" b="1" err="1"/>
-              <a:t>triggerInterCloud</a:t>
+              <a:t>I</a:t>
             </a:r>
             <a:r>
               <a:rPr lang="hu-HU" sz="2400" b="1"/>
-              <a:t> </a:t>
-            </a:r>
-            <a:r>
-              <a:rPr lang="hu-HU" sz="2400" b="1" err="1"/>
-              <a:t>flag</a:t>
-            </a:r>
-            <a:r>
-              <a:rPr lang="hu-HU" sz="2400" b="1"/>
-              <a:t>)</a:t>
+              <a:t>nter-Cloud enabled</a:t>
             </a:r>
             <a:endParaRPr lang="en-US" sz="2400" b="1"/>
           </a:p>
@@ -12312,7 +10804,7 @@
         <p:spPr>
           <a:xfrm>
             <a:off x="0" y="603684"/>
-            <a:ext cx="4692589" cy="4930341"/>
+            <a:ext cx="4692589" cy="4964778"/>
           </a:xfrm>
           <a:ln>
             <a:solidFill>
@@ -12424,7 +10916,7 @@
             </a:r>
             <a:r>
               <a:rPr lang="hu-HU" sz="7200" dirty="0" err="1"/>
-              <a:t>ElectricVehicle</a:t>
+              <a:t>ChargePointSystem</a:t>
             </a:r>
             <a:r>
               <a:rPr lang="hu-HU" sz="7200" dirty="0"/>
@@ -12451,7 +10943,7 @@
             </a:r>
             <a:r>
               <a:rPr lang="hu-HU" sz="7200" dirty="0"/>
-              <a:t>": "dummy_address_2"</a:t>
+              <a:t>": "dummy_address_4"</a:t>
             </a:r>
           </a:p>
           <a:p>
@@ -12531,7 +11023,7 @@
             </a:r>
             <a:r>
               <a:rPr lang="hu-HU" sz="7200" dirty="0" err="1"/>
-              <a:t>DCCharging</a:t>
+              <a:t>ChargingProfile</a:t>
             </a:r>
             <a:r>
               <a:rPr lang="hu-HU" sz="7200" dirty="0"/>
@@ -12615,7 +11107,38 @@
             </a:r>
             <a:r>
               <a:rPr lang="hu-HU" sz="7200" dirty="0" err="1"/>
-              <a:t>triggerInterCloud</a:t>
+              <a:t>overrideStore</a:t>
+            </a:r>
+            <a:r>
+              <a:rPr lang="hu-HU" sz="7200" dirty="0"/>
+              <a:t>": </a:t>
+            </a:r>
+            <a:r>
+              <a:rPr lang="hu-HU" sz="7200" dirty="0" err="1"/>
+              <a:t>true</a:t>
+            </a:r>
+            <a:r>
+              <a:rPr lang="hu-HU" sz="7200" dirty="0"/>
+              <a:t>,</a:t>
+            </a:r>
+          </a:p>
+          <a:p>
+            <a:pPr marL="0" indent="0">
+              <a:lnSpc>
+                <a:spcPct val="120000"/>
+              </a:lnSpc>
+              <a:spcBef>
+                <a:spcPts val="0"/>
+              </a:spcBef>
+              <a:buNone/>
+            </a:pPr>
+            <a:r>
+              <a:rPr lang="hu-HU" sz="7200" dirty="0"/>
+              <a:t>    "</a:t>
+            </a:r>
+            <a:r>
+              <a:rPr lang="hu-HU" sz="7200" dirty="0" err="1"/>
+              <a:t>enableInterCloud</a:t>
             </a:r>
             <a:r>
               <a:rPr lang="hu-HU" sz="7200" dirty="0"/>
@@ -12672,8 +11195,8 @@
         </p:nvSpPr>
         <p:spPr>
           <a:xfrm>
-            <a:off x="6565221" y="565581"/>
-            <a:ext cx="4178979" cy="4968444"/>
+            <a:off x="5787870" y="541537"/>
+            <a:ext cx="5181600" cy="5026925"/>
           </a:xfrm>
           <a:ln>
             <a:solidFill>
@@ -12714,7 +11237,6 @@
               <a:rPr lang="hu-HU" sz="7200" dirty="0"/>
               <a:t>)</a:t>
             </a:r>
-            <a:endParaRPr lang="hu-HU" sz="3600" dirty="0"/>
           </a:p>
           <a:p>
             <a:pPr marL="0" indent="0">
@@ -12808,7 +11330,7 @@
             </a:r>
             <a:r>
               <a:rPr lang="hu-HU" sz="5600" dirty="0" err="1"/>
-              <a:t>DCCharging</a:t>
+              <a:t>ChargingProfile</a:t>
             </a:r>
             <a:r>
               <a:rPr lang="hu-HU" sz="5600" dirty="0"/>
@@ -12903,7 +11425,15 @@
             </a:pPr>
             <a:r>
               <a:rPr lang="hu-HU" sz="5600" dirty="0"/>
-              <a:t>          "amper": "15"</a:t>
+              <a:t>          "</a:t>
+            </a:r>
+            <a:r>
+              <a:rPr lang="hu-HU" sz="5600" dirty="0" err="1"/>
+              <a:t>maxDuration</a:t>
+            </a:r>
+            <a:r>
+              <a:rPr lang="hu-HU" sz="5600" dirty="0"/>
+              <a:t>": "3600"</a:t>
             </a:r>
           </a:p>
           <a:p>
@@ -13010,7 +11540,7 @@
             </a:r>
             <a:r>
               <a:rPr lang="hu-HU" sz="5600" dirty="0"/>
-              <a:t>": "10.0.0.80",</a:t>
+              <a:t>": "10.0.0.82",</a:t>
             </a:r>
           </a:p>
           <a:p>
@@ -13025,7 +11555,7 @@
             </a:pPr>
             <a:r>
               <a:rPr lang="hu-HU" sz="5600" dirty="0"/>
-              <a:t>        "port": 8000</a:t>
+              <a:t>        "port": 8001</a:t>
             </a:r>
           </a:p>
           <a:p>
@@ -13067,11 +11597,11 @@
             </a:r>
             <a:r>
               <a:rPr lang="hu-HU" sz="5600" dirty="0" err="1"/>
-              <a:t>charging</a:t>
+              <a:t>charging_profile</a:t>
             </a:r>
             <a:r>
               <a:rPr lang="hu-HU" sz="5600" dirty="0"/>
-              <a:t>/dc",</a:t>
+              <a:t>",</a:t>
             </a:r>
           </a:p>
           <a:p>
@@ -13193,8 +11723,8 @@
         </p:nvSpPr>
         <p:spPr>
           <a:xfrm>
-            <a:off x="4923693" y="2592211"/>
-            <a:ext cx="1383322" cy="603682"/>
+            <a:off x="4809662" y="3029806"/>
+            <a:ext cx="861134" cy="603682"/>
           </a:xfrm>
           <a:prstGeom prst="rightArrow">
             <a:avLst/>
@@ -13233,8 +11763,8 @@
         </p:nvSpPr>
         <p:spPr>
           <a:xfrm>
-            <a:off x="-1" y="5623354"/>
-            <a:ext cx="11314545" cy="1200329"/>
+            <a:off x="-1" y="5568462"/>
+            <a:ext cx="11547232" cy="1200329"/>
           </a:xfrm>
           <a:prstGeom prst="rect">
             <a:avLst/>
@@ -13254,12 +11784,8 @@
           <a:p>
             <a:pPr algn="just"/>
             <a:r>
-              <a:rPr lang="hu-HU" err="1"/>
-              <a:t>This</a:t>
-            </a:r>
-            <a:r>
-              <a:rPr lang="hu-HU"/>
-              <a:t> is </a:t>
+              <a:rPr lang="hu-HU" dirty="0"/>
+              <a:t>In </a:t>
             </a:r>
             <a:r>
               <a:rPr lang="hu-HU" err="1"/>
@@ -13267,377 +11793,491 @@
             </a:r>
             <a:r>
               <a:rPr lang="hu-HU"/>
-              <a:t> </a:t>
-            </a:r>
-            <a:r>
-              <a:rPr lang="hu-HU" err="1"/>
-              <a:t>only</a:t>
-            </a:r>
-            <a:r>
-              <a:rPr lang="hu-HU"/>
-              <a:t> </a:t>
-            </a:r>
-            <a:r>
-              <a:rPr lang="hu-HU" err="1"/>
+              <a:t> 3rd example, </a:t>
+            </a:r>
+            <a:r>
+              <a:rPr lang="hu-HU" dirty="0"/>
+              <a:t>a </a:t>
+            </a:r>
+            <a:r>
+              <a:rPr lang="hu-HU" dirty="0" err="1"/>
+              <a:t>charging</a:t>
+            </a:r>
+            <a:r>
+              <a:rPr lang="hu-HU" dirty="0"/>
+              <a:t> </a:t>
+            </a:r>
+            <a:r>
+              <a:rPr lang="hu-HU" dirty="0" err="1"/>
+              <a:t>station</a:t>
+            </a:r>
+            <a:r>
+              <a:rPr lang="hu-HU" dirty="0"/>
+              <a:t> is </a:t>
+            </a:r>
+            <a:r>
+              <a:rPr lang="hu-HU" dirty="0" err="1"/>
+              <a:t>looking</a:t>
+            </a:r>
+            <a:r>
+              <a:rPr lang="hu-HU" dirty="0"/>
+              <a:t> </a:t>
+            </a:r>
+            <a:r>
+              <a:rPr lang="hu-HU" dirty="0" err="1"/>
+              <a:t>for</a:t>
+            </a:r>
+            <a:r>
+              <a:rPr lang="hu-HU" dirty="0"/>
+              <a:t> </a:t>
+            </a:r>
+            <a:r>
+              <a:rPr lang="hu-HU" dirty="0" err="1"/>
+              <a:t>the</a:t>
+            </a:r>
+            <a:r>
+              <a:rPr lang="hu-HU" dirty="0"/>
+              <a:t> </a:t>
+            </a:r>
+            <a:r>
+              <a:rPr lang="hu-HU" dirty="0" err="1"/>
+              <a:t>optimal</a:t>
+            </a:r>
+            <a:r>
+              <a:rPr lang="hu-HU" dirty="0"/>
+              <a:t> </a:t>
+            </a:r>
+            <a:r>
+              <a:rPr lang="hu-HU" dirty="0" err="1"/>
+              <a:t>charging</a:t>
+            </a:r>
+            <a:r>
+              <a:rPr lang="hu-HU" dirty="0"/>
+              <a:t> </a:t>
+            </a:r>
+            <a:r>
+              <a:rPr lang="hu-HU" dirty="0" err="1"/>
+              <a:t>profile</a:t>
+            </a:r>
+            <a:r>
+              <a:rPr lang="hu-HU" dirty="0"/>
+              <a:t> </a:t>
+            </a:r>
+            <a:r>
+              <a:rPr lang="hu-HU" dirty="0" err="1"/>
+              <a:t>for</a:t>
+            </a:r>
+            <a:r>
+              <a:rPr lang="hu-HU" dirty="0"/>
+              <a:t> a </a:t>
+            </a:r>
+            <a:r>
+              <a:rPr lang="hu-HU" dirty="0" err="1"/>
+              <a:t>car</a:t>
+            </a:r>
+            <a:r>
+              <a:rPr lang="hu-HU" dirty="0"/>
+              <a:t>, </a:t>
+            </a:r>
+            <a:r>
+              <a:rPr lang="hu-HU" dirty="0" err="1"/>
+              <a:t>before</a:t>
+            </a:r>
+            <a:r>
+              <a:rPr lang="hu-HU" dirty="0"/>
+              <a:t> starting </a:t>
+            </a:r>
+            <a:r>
+              <a:rPr lang="hu-HU" dirty="0" err="1"/>
+              <a:t>the</a:t>
+            </a:r>
+            <a:r>
+              <a:rPr lang="hu-HU" dirty="0"/>
+              <a:t> </a:t>
+            </a:r>
+            <a:r>
+              <a:rPr lang="hu-HU" dirty="0" err="1"/>
+              <a:t>charging</a:t>
+            </a:r>
+            <a:r>
+              <a:rPr lang="hu-HU" dirty="0"/>
+              <a:t>. </a:t>
+            </a:r>
+            <a:r>
+              <a:rPr lang="hu-HU" dirty="0" err="1"/>
+              <a:t>It</a:t>
+            </a:r>
+            <a:r>
+              <a:rPr lang="hu-HU" dirty="0"/>
+              <a:t> </a:t>
+            </a:r>
+            <a:r>
+              <a:rPr lang="hu-HU" dirty="0" err="1"/>
+              <a:t>initiates</a:t>
+            </a:r>
+            <a:r>
+              <a:rPr lang="hu-HU" dirty="0"/>
+              <a:t> </a:t>
+            </a:r>
+            <a:r>
+              <a:rPr lang="hu-HU" dirty="0" err="1"/>
+              <a:t>the</a:t>
+            </a:r>
+            <a:r>
+              <a:rPr lang="hu-HU" dirty="0"/>
+              <a:t> </a:t>
+            </a:r>
+            <a:r>
+              <a:rPr lang="hu-HU" dirty="0" err="1"/>
+              <a:t>dynamical</a:t>
+            </a:r>
+            <a:r>
+              <a:rPr lang="hu-HU" dirty="0"/>
+              <a:t> </a:t>
+            </a:r>
+            <a:r>
+              <a:rPr lang="hu-HU" dirty="0" err="1"/>
+              <a:t>orchestraion</a:t>
+            </a:r>
+            <a:r>
+              <a:rPr lang="hu-HU" dirty="0"/>
+              <a:t> </a:t>
+            </a:r>
+            <a:r>
+              <a:rPr lang="hu-HU" dirty="0" err="1"/>
+              <a:t>process</a:t>
+            </a:r>
+            <a:r>
+              <a:rPr lang="hu-HU" dirty="0"/>
+              <a:t>, and </a:t>
+            </a:r>
+            <a:r>
+              <a:rPr lang="hu-HU" dirty="0" err="1"/>
+              <a:t>accepts</a:t>
+            </a:r>
+            <a:r>
+              <a:rPr lang="hu-HU" dirty="0"/>
+              <a:t> </a:t>
+            </a:r>
+            <a:r>
+              <a:rPr lang="hu-HU" dirty="0" err="1"/>
+              <a:t>providers</a:t>
+            </a:r>
+            <a:r>
+              <a:rPr lang="hu-HU" dirty="0"/>
+              <a:t> </a:t>
+            </a:r>
+            <a:r>
+              <a:rPr lang="hu-HU" dirty="0" err="1"/>
+              <a:t>from</a:t>
+            </a:r>
+            <a:r>
+              <a:rPr lang="hu-HU" dirty="0"/>
+              <a:t> </a:t>
+            </a:r>
+            <a:r>
+              <a:rPr lang="hu-HU" dirty="0" err="1"/>
+              <a:t>other</a:t>
+            </a:r>
+            <a:r>
+              <a:rPr lang="hu-HU" dirty="0"/>
+              <a:t> </a:t>
+            </a:r>
+            <a:r>
+              <a:rPr lang="hu-HU" dirty="0" err="1"/>
+              <a:t>clouds</a:t>
+            </a:r>
+            <a:r>
+              <a:rPr lang="hu-HU" dirty="0"/>
+              <a:t> </a:t>
+            </a:r>
+            <a:r>
+              <a:rPr lang="hu-HU" dirty="0" err="1"/>
+              <a:t>too</a:t>
+            </a:r>
+            <a:r>
+              <a:rPr lang="hu-HU" dirty="0"/>
+              <a:t> </a:t>
+            </a:r>
+            <a:r>
+              <a:rPr lang="hu-HU" dirty="0" err="1"/>
+              <a:t>with</a:t>
+            </a:r>
+            <a:r>
+              <a:rPr lang="hu-HU" dirty="0"/>
+              <a:t> </a:t>
+            </a:r>
+            <a:r>
+              <a:rPr lang="hu-HU" dirty="0" err="1"/>
+              <a:t>the</a:t>
+            </a:r>
+            <a:r>
+              <a:rPr lang="hu-HU" dirty="0"/>
+              <a:t> „</a:t>
+            </a:r>
+            <a:r>
+              <a:rPr lang="hu-HU" dirty="0" err="1"/>
+              <a:t>enableInterCloud</a:t>
+            </a:r>
+            <a:r>
+              <a:rPr lang="hu-HU" dirty="0"/>
+              <a:t>” </a:t>
+            </a:r>
+            <a:r>
+              <a:rPr lang="hu-HU" dirty="0" err="1"/>
+              <a:t>flag</a:t>
+            </a:r>
+            <a:r>
+              <a:rPr lang="hu-HU" dirty="0"/>
+              <a:t> </a:t>
+            </a:r>
+            <a:r>
+              <a:rPr lang="hu-HU" dirty="0" err="1"/>
+              <a:t>set</a:t>
+            </a:r>
+            <a:r>
+              <a:rPr lang="hu-HU" dirty="0"/>
+              <a:t>. The local </a:t>
+            </a:r>
+            <a:r>
+              <a:rPr lang="hu-HU" dirty="0" err="1"/>
+              <a:t>search</a:t>
+            </a:r>
+            <a:r>
+              <a:rPr lang="hu-HU" dirty="0"/>
+              <a:t> </a:t>
+            </a:r>
+            <a:r>
+              <a:rPr lang="hu-HU" dirty="0" err="1"/>
+              <a:t>for</a:t>
+            </a:r>
+            <a:r>
+              <a:rPr lang="hu-HU" dirty="0"/>
+              <a:t> a </a:t>
+            </a:r>
+            <a:r>
+              <a:rPr lang="hu-HU" dirty="0" err="1"/>
+              <a:t>provider</a:t>
+            </a:r>
+            <a:r>
+              <a:rPr lang="hu-HU" dirty="0"/>
+              <a:t> </a:t>
+            </a:r>
+            <a:r>
+              <a:rPr lang="hu-HU" dirty="0" err="1"/>
+              <a:t>will</a:t>
+            </a:r>
+            <a:r>
+              <a:rPr lang="hu-HU" dirty="0"/>
+              <a:t> </a:t>
+            </a:r>
+            <a:r>
+              <a:rPr lang="hu-HU" dirty="0" err="1"/>
+              <a:t>yield</a:t>
+            </a:r>
+            <a:r>
+              <a:rPr lang="hu-HU" dirty="0"/>
+              <a:t> no </a:t>
+            </a:r>
+            <a:r>
+              <a:rPr lang="hu-HU" dirty="0" err="1"/>
+              <a:t>result</a:t>
+            </a:r>
+            <a:r>
+              <a:rPr lang="hu-HU" dirty="0"/>
+              <a:t>, </a:t>
+            </a:r>
+            <a:r>
+              <a:rPr lang="hu-HU" dirty="0" err="1"/>
+              <a:t>but</a:t>
+            </a:r>
+            <a:r>
+              <a:rPr lang="hu-HU" dirty="0"/>
+              <a:t> </a:t>
+            </a:r>
+            <a:r>
+              <a:rPr lang="hu-HU" dirty="0" err="1"/>
+              <a:t>the</a:t>
+            </a:r>
+            <a:r>
+              <a:rPr lang="hu-HU" dirty="0"/>
+              <a:t> 2nd </a:t>
+            </a:r>
+            <a:r>
+              <a:rPr lang="hu-HU" dirty="0" err="1"/>
+              <a:t>cloud</a:t>
+            </a:r>
+            <a:r>
+              <a:rPr lang="hu-HU" dirty="0"/>
+              <a:t> has a </a:t>
+            </a:r>
+            <a:r>
+              <a:rPr lang="hu-HU" dirty="0" err="1"/>
+              <a:t>provider</a:t>
+            </a:r>
+            <a:r>
+              <a:rPr lang="hu-HU" dirty="0"/>
+              <a:t>. </a:t>
+            </a:r>
+            <a:r>
+              <a:rPr lang="hu-HU" dirty="0" err="1"/>
+              <a:t>Gateway</a:t>
+            </a:r>
+            <a:r>
+              <a:rPr lang="hu-HU" dirty="0"/>
+              <a:t> </a:t>
+            </a:r>
+            <a:r>
+              <a:rPr lang="hu-HU" dirty="0" err="1"/>
+              <a:t>module</a:t>
+            </a:r>
+            <a:r>
+              <a:rPr lang="hu-HU" dirty="0"/>
+              <a:t> </a:t>
+            </a:r>
+            <a:r>
+              <a:rPr lang="hu-HU" dirty="0" err="1"/>
+              <a:t>was</a:t>
+            </a:r>
+            <a:r>
+              <a:rPr lang="hu-HU" dirty="0"/>
+              <a:t> </a:t>
+            </a:r>
+            <a:r>
+              <a:rPr lang="hu-HU" dirty="0" err="1"/>
+              <a:t>used</a:t>
+            </a:r>
+            <a:r>
+              <a:rPr lang="hu-HU" dirty="0"/>
+              <a:t> in </a:t>
+            </a:r>
+            <a:r>
+              <a:rPr lang="hu-HU" dirty="0" err="1"/>
+              <a:t>this</a:t>
+            </a:r>
+            <a:r>
+              <a:rPr lang="hu-HU" dirty="0"/>
+              <a:t> </a:t>
+            </a:r>
+            <a:r>
+              <a:rPr lang="hu-HU" dirty="0" err="1"/>
               <a:t>example</a:t>
             </a:r>
             <a:r>
-              <a:rPr lang="hu-HU"/>
-              <a:t> out of </a:t>
-            </a:r>
-            <a:r>
-              <a:rPr lang="hu-HU" err="1"/>
+              <a:rPr lang="hu-HU" dirty="0"/>
+              <a:t>, </a:t>
+            </a:r>
+            <a:r>
+              <a:rPr lang="hu-HU" dirty="0" err="1"/>
+              <a:t>which</a:t>
+            </a:r>
+            <a:r>
+              <a:rPr lang="hu-HU" dirty="0"/>
+              <a:t> is </a:t>
+            </a:r>
+            <a:r>
+              <a:rPr lang="hu-HU" dirty="0" err="1"/>
+              <a:t>responsible</a:t>
+            </a:r>
+            <a:r>
+              <a:rPr lang="hu-HU" dirty="0"/>
+              <a:t> </a:t>
+            </a:r>
+            <a:r>
+              <a:rPr lang="hu-HU" dirty="0" err="1"/>
+              <a:t>for</a:t>
+            </a:r>
+            <a:r>
+              <a:rPr lang="hu-HU" dirty="0"/>
+              <a:t> </a:t>
+            </a:r>
+            <a:r>
+              <a:rPr lang="hu-HU" dirty="0" err="1"/>
+              <a:t>modifying</a:t>
+            </a:r>
+            <a:r>
+              <a:rPr lang="hu-HU" dirty="0"/>
+              <a:t> </a:t>
+            </a:r>
+            <a:r>
+              <a:rPr lang="hu-HU" dirty="0" err="1"/>
               <a:t>the</a:t>
             </a:r>
             <a:r>
-              <a:rPr lang="hu-HU"/>
-              <a:t> 4 </a:t>
-            </a:r>
-            <a:r>
-              <a:rPr lang="hu-HU" err="1"/>
-              <a:t>which</a:t>
-            </a:r>
-            <a:r>
-              <a:rPr lang="hu-HU"/>
-              <a:t> </a:t>
-            </a:r>
-            <a:r>
-              <a:rPr lang="hu-HU" b="1"/>
-              <a:t>has </a:t>
-            </a:r>
-            <a:r>
-              <a:rPr lang="hu-HU" b="1" err="1"/>
-              <a:t>to</a:t>
-            </a:r>
-            <a:r>
-              <a:rPr lang="hu-HU" b="1"/>
-              <a:t> be </a:t>
-            </a:r>
-            <a:r>
-              <a:rPr lang="hu-HU" b="1" err="1"/>
-              <a:t>sent</a:t>
-            </a:r>
-            <a:r>
-              <a:rPr lang="hu-HU" b="1"/>
-              <a:t> </a:t>
-            </a:r>
-            <a:r>
-              <a:rPr lang="hu-HU" b="1" err="1"/>
-              <a:t>to</a:t>
-            </a:r>
-            <a:r>
-              <a:rPr lang="hu-HU" b="1"/>
-              <a:t> </a:t>
-            </a:r>
-            <a:r>
-              <a:rPr lang="hu-HU" b="1" err="1"/>
+              <a:rPr lang="hu-HU" dirty="0"/>
+              <a:t> </a:t>
+            </a:r>
+            <a:r>
+              <a:rPr lang="hu-HU" dirty="0" err="1"/>
+              <a:t>orchestration</a:t>
+            </a:r>
+            <a:r>
+              <a:rPr lang="hu-HU" dirty="0"/>
+              <a:t> </a:t>
+            </a:r>
+            <a:r>
+              <a:rPr lang="hu-HU" dirty="0" err="1"/>
+              <a:t>response</a:t>
+            </a:r>
+            <a:r>
+              <a:rPr lang="hu-HU" dirty="0"/>
+              <a:t> (</a:t>
+            </a:r>
+            <a:r>
+              <a:rPr lang="hu-HU" dirty="0" err="1"/>
               <a:t>the</a:t>
             </a:r>
             <a:r>
-              <a:rPr lang="hu-HU" b="1"/>
-              <a:t> </a:t>
-            </a:r>
-            <a:r>
-              <a:rPr lang="hu-HU" b="1" err="1"/>
-              <a:t>Orchestrator</a:t>
-            </a:r>
-            <a:r>
-              <a:rPr lang="hu-HU" b="1"/>
-              <a:t> in </a:t>
-            </a:r>
-            <a:r>
-              <a:rPr lang="hu-HU" b="1" err="1"/>
+              <a:rPr lang="hu-HU" dirty="0"/>
+              <a:t> </a:t>
+            </a:r>
+            <a:r>
+              <a:rPr lang="hu-HU" dirty="0" err="1"/>
+              <a:t>provider</a:t>
+            </a:r>
+            <a:r>
+              <a:rPr lang="hu-HU" dirty="0"/>
+              <a:t> </a:t>
+            </a:r>
+            <a:r>
+              <a:rPr lang="hu-HU" dirty="0" err="1"/>
+              <a:t>field</a:t>
+            </a:r>
+            <a:r>
+              <a:rPr lang="hu-HU" dirty="0"/>
+              <a:t>) </a:t>
+            </a:r>
+            <a:r>
+              <a:rPr lang="hu-HU" dirty="0" err="1"/>
+              <a:t>from</a:t>
+            </a:r>
+            <a:r>
+              <a:rPr lang="hu-HU" dirty="0"/>
+              <a:t> </a:t>
+            </a:r>
+            <a:r>
+              <a:rPr lang="hu-HU" dirty="0" err="1"/>
               <a:t>the</a:t>
             </a:r>
             <a:r>
-              <a:rPr lang="hu-HU" b="1"/>
-              <a:t> 2nd </a:t>
-            </a:r>
-            <a:r>
-              <a:rPr lang="hu-HU" b="1" err="1"/>
+              <a:rPr lang="hu-HU" dirty="0"/>
+              <a:t> </a:t>
+            </a:r>
+            <a:r>
+              <a:rPr lang="hu-HU" dirty="0" err="1"/>
+              <a:t>other</a:t>
+            </a:r>
+            <a:r>
+              <a:rPr lang="hu-HU" dirty="0"/>
+              <a:t> </a:t>
+            </a:r>
+            <a:r>
+              <a:rPr lang="hu-HU" dirty="0" err="1"/>
               <a:t>cloud</a:t>
             </a:r>
             <a:r>
-              <a:rPr lang="hu-HU" b="1"/>
-              <a:t> </a:t>
-            </a:r>
-            <a:r>
-              <a:rPr lang="hu-HU"/>
-              <a:t>(test server URL is </a:t>
-            </a:r>
-            <a:r>
-              <a:rPr lang="en-US">
-                <a:hlinkClick r:id="rId2"/>
-              </a:rPr>
-              <a:t>http://arrowhead2.tmit.bme.hu:8440/orchestrator/orchestration</a:t>
-            </a:r>
-            <a:r>
-              <a:rPr lang="hu-HU"/>
-              <a:t>) </a:t>
-            </a:r>
-            <a:r>
-              <a:rPr lang="hu-HU" err="1"/>
-              <a:t>since</a:t>
-            </a:r>
-            <a:r>
-              <a:rPr lang="hu-HU"/>
-              <a:t> </a:t>
-            </a:r>
-            <a:r>
-              <a:rPr lang="hu-HU" err="1"/>
-              <a:t>the</a:t>
-            </a:r>
-            <a:r>
-              <a:rPr lang="hu-HU"/>
-              <a:t> </a:t>
-            </a:r>
-            <a:r>
-              <a:rPr lang="hu-HU" err="1"/>
-              <a:t>requester</a:t>
-            </a:r>
-            <a:r>
-              <a:rPr lang="hu-HU"/>
-              <a:t> </a:t>
-            </a:r>
-            <a:r>
-              <a:rPr lang="hu-HU" err="1"/>
-              <a:t>system</a:t>
-            </a:r>
-            <a:r>
-              <a:rPr lang="hu-HU"/>
-              <a:t> is in </a:t>
-            </a:r>
-            <a:r>
-              <a:rPr lang="hu-HU" err="1"/>
-              <a:t>this</a:t>
-            </a:r>
-            <a:r>
-              <a:rPr lang="hu-HU"/>
-              <a:t> </a:t>
-            </a:r>
-            <a:r>
-              <a:rPr lang="hu-HU" err="1"/>
-              <a:t>cloud</a:t>
-            </a:r>
-            <a:r>
-              <a:rPr lang="hu-HU"/>
-              <a:t> </a:t>
-            </a:r>
-            <a:r>
-              <a:rPr lang="hu-HU" err="1"/>
-              <a:t>this</a:t>
-            </a:r>
-            <a:r>
-              <a:rPr lang="hu-HU"/>
-              <a:t> </a:t>
-            </a:r>
-            <a:r>
-              <a:rPr lang="hu-HU" err="1"/>
-              <a:t>time</a:t>
-            </a:r>
-            <a:r>
-              <a:rPr lang="hu-HU"/>
-              <a:t>. The </a:t>
-            </a:r>
-            <a:r>
-              <a:rPr lang="hu-HU" err="1"/>
-              <a:t>requester</a:t>
-            </a:r>
-            <a:r>
-              <a:rPr lang="hu-HU"/>
-              <a:t> </a:t>
-            </a:r>
-            <a:r>
-              <a:rPr lang="hu-HU" err="1"/>
-              <a:t>system</a:t>
-            </a:r>
-            <a:r>
-              <a:rPr lang="hu-HU"/>
-              <a:t> </a:t>
-            </a:r>
-            <a:r>
-              <a:rPr lang="hu-HU" err="1"/>
-              <a:t>knows</a:t>
-            </a:r>
-            <a:r>
-              <a:rPr lang="hu-HU"/>
-              <a:t> a </a:t>
-            </a:r>
-            <a:r>
-              <a:rPr lang="hu-HU" err="1"/>
-              <a:t>suitable</a:t>
-            </a:r>
-            <a:r>
-              <a:rPr lang="hu-HU"/>
-              <a:t> </a:t>
-            </a:r>
-            <a:r>
-              <a:rPr lang="hu-HU" err="1"/>
-              <a:t>provider</a:t>
-            </a:r>
-            <a:r>
-              <a:rPr lang="hu-HU"/>
-              <a:t> (a </a:t>
-            </a:r>
-            <a:r>
-              <a:rPr lang="hu-HU" err="1"/>
-              <a:t>charging</a:t>
-            </a:r>
-            <a:r>
-              <a:rPr lang="hu-HU"/>
-              <a:t> </a:t>
-            </a:r>
-            <a:r>
-              <a:rPr lang="hu-HU" err="1"/>
-              <a:t>station</a:t>
-            </a:r>
-            <a:r>
-              <a:rPr lang="hu-HU"/>
-              <a:t>) </a:t>
-            </a:r>
-            <a:r>
-              <a:rPr lang="hu-HU" err="1"/>
-              <a:t>can</a:t>
-            </a:r>
-            <a:r>
-              <a:rPr lang="hu-HU"/>
-              <a:t> </a:t>
-            </a:r>
-            <a:r>
-              <a:rPr lang="hu-HU" err="1"/>
-              <a:t>only</a:t>
-            </a:r>
-            <a:r>
-              <a:rPr lang="hu-HU"/>
-              <a:t> be </a:t>
-            </a:r>
-            <a:r>
-              <a:rPr lang="hu-HU" err="1"/>
-              <a:t>found</a:t>
-            </a:r>
-            <a:r>
-              <a:rPr lang="hu-HU"/>
-              <a:t> in </a:t>
-            </a:r>
-            <a:r>
-              <a:rPr lang="hu-HU" err="1"/>
-              <a:t>the</a:t>
-            </a:r>
-            <a:r>
-              <a:rPr lang="hu-HU"/>
-              <a:t> </a:t>
-            </a:r>
-            <a:r>
-              <a:rPr lang="hu-HU" err="1"/>
-              <a:t>other</a:t>
-            </a:r>
-            <a:r>
-              <a:rPr lang="hu-HU"/>
-              <a:t> </a:t>
-            </a:r>
-            <a:r>
-              <a:rPr lang="hu-HU" err="1"/>
-              <a:t>cloud</a:t>
-            </a:r>
-            <a:r>
-              <a:rPr lang="hu-HU"/>
-              <a:t>, </a:t>
-            </a:r>
-            <a:r>
-              <a:rPr lang="hu-HU" err="1"/>
-              <a:t>so</a:t>
-            </a:r>
-            <a:r>
-              <a:rPr lang="hu-HU"/>
-              <a:t> it </a:t>
-            </a:r>
-            <a:r>
-              <a:rPr lang="hu-HU" err="1"/>
-              <a:t>triggers</a:t>
-            </a:r>
-            <a:r>
-              <a:rPr lang="hu-HU"/>
-              <a:t> </a:t>
-            </a:r>
-            <a:r>
-              <a:rPr lang="hu-HU" err="1"/>
-              <a:t>Inter-Cloud</a:t>
-            </a:r>
-            <a:r>
-              <a:rPr lang="hu-HU"/>
-              <a:t> </a:t>
-            </a:r>
-            <a:r>
-              <a:rPr lang="hu-HU" err="1"/>
-              <a:t>orchestration</a:t>
-            </a:r>
-            <a:r>
-              <a:rPr lang="hu-HU"/>
-              <a:t> </a:t>
-            </a:r>
-            <a:r>
-              <a:rPr lang="hu-HU" err="1"/>
-              <a:t>right</a:t>
-            </a:r>
-            <a:r>
-              <a:rPr lang="hu-HU"/>
-              <a:t> </a:t>
-            </a:r>
-            <a:r>
-              <a:rPr lang="hu-HU" err="1"/>
-              <a:t>away</a:t>
-            </a:r>
-            <a:r>
-              <a:rPr lang="hu-HU"/>
-              <a:t> </a:t>
-            </a:r>
-            <a:r>
-              <a:rPr lang="hu-HU" err="1"/>
-              <a:t>with</a:t>
-            </a:r>
-            <a:r>
-              <a:rPr lang="hu-HU"/>
-              <a:t> a </a:t>
-            </a:r>
-            <a:r>
-              <a:rPr lang="hu-HU" err="1"/>
-              <a:t>flag</a:t>
-            </a:r>
-            <a:r>
-              <a:rPr lang="hu-HU"/>
-              <a:t>, </a:t>
-            </a:r>
-            <a:r>
-              <a:rPr lang="hu-HU" err="1"/>
-              <a:t>skipping</a:t>
-            </a:r>
-            <a:r>
-              <a:rPr lang="hu-HU"/>
-              <a:t> </a:t>
-            </a:r>
-            <a:r>
-              <a:rPr lang="hu-HU" err="1"/>
-              <a:t>the</a:t>
-            </a:r>
-            <a:r>
-              <a:rPr lang="hu-HU"/>
-              <a:t> local </a:t>
-            </a:r>
-            <a:r>
-              <a:rPr lang="hu-HU" err="1"/>
-              <a:t>cloud</a:t>
-            </a:r>
-            <a:r>
-              <a:rPr lang="hu-HU"/>
-              <a:t> </a:t>
-            </a:r>
-            <a:r>
-              <a:rPr lang="hu-HU" err="1"/>
-              <a:t>checks</a:t>
-            </a:r>
-            <a:r>
-              <a:rPr lang="hu-HU"/>
-              <a:t>. Gateway was used here too.</a:t>
+              <a:rPr lang="hu-HU" dirty="0"/>
+              <a:t>.</a:t>
             </a:r>
           </a:p>
         </p:txBody>
@@ -13645,7 +12285,7 @@
     </p:spTree>
     <p:extLst>
       <p:ext uri="{BB962C8B-B14F-4D97-AF65-F5344CB8AC3E}">
-        <p14:creationId xmlns:p14="http://schemas.microsoft.com/office/powerpoint/2010/main" val="2556525131"/>
+        <p14:creationId xmlns:p14="http://schemas.microsoft.com/office/powerpoint/2010/main" val="3571237081"/>
       </p:ext>
     </p:extLst>
   </p:cSld>
@@ -13684,57 +12324,71 @@
         </p:nvSpPr>
         <p:spPr>
           <a:xfrm>
-            <a:off x="503583" y="353402"/>
-            <a:ext cx="10515600" cy="1325563"/>
+            <a:off x="0" y="1"/>
+            <a:ext cx="10515600" cy="603682"/>
           </a:xfrm>
         </p:spPr>
         <p:txBody>
-          <a:bodyPr/>
+          <a:bodyPr>
+            <a:normAutofit/>
+          </a:bodyPr>
           <a:lstStyle/>
           <a:p>
             <a:r>
-              <a:rPr lang="hu-HU" dirty="0" err="1"/>
-              <a:t>Getting</a:t>
-            </a:r>
-            <a:r>
-              <a:rPr lang="hu-HU" dirty="0"/>
-              <a:t> </a:t>
-            </a:r>
-            <a:r>
-              <a:rPr lang="hu-HU" dirty="0" err="1"/>
-              <a:t>started</a:t>
-            </a:r>
-            <a:r>
-              <a:rPr lang="hu-HU" dirty="0"/>
-              <a:t> </a:t>
-            </a:r>
-            <a:r>
-              <a:rPr lang="hu-HU" dirty="0" err="1"/>
+              <a:rPr lang="hu-HU" sz="2400" b="1" err="1"/>
+              <a:t>Inter-Cloud</a:t>
+            </a:r>
+            <a:r>
+              <a:rPr lang="hu-HU" sz="2400" b="1"/>
+              <a:t> </a:t>
+            </a:r>
+            <a:r>
+              <a:rPr lang="hu-HU" sz="2400" b="1" err="1"/>
+              <a:t>dynamical</a:t>
+            </a:r>
+            <a:r>
+              <a:rPr lang="hu-HU" sz="2400" b="1"/>
+              <a:t> </a:t>
+            </a:r>
+            <a:r>
+              <a:rPr lang="hu-HU" sz="2400" b="1" err="1"/>
+              <a:t>orchestration</a:t>
+            </a:r>
+            <a:r>
+              <a:rPr lang="hu-HU" sz="2400" b="1"/>
+              <a:t> (</a:t>
+            </a:r>
+            <a:r>
+              <a:rPr lang="hu-HU" sz="2400" b="1" err="1"/>
               <a:t>with</a:t>
             </a:r>
             <a:r>
-              <a:rPr lang="hu-HU" dirty="0"/>
-              <a:t> </a:t>
-            </a:r>
-            <a:r>
-              <a:rPr lang="hu-HU" dirty="0" err="1"/>
-              <a:t>the</a:t>
-            </a:r>
-            <a:r>
-              <a:rPr lang="hu-HU" dirty="0"/>
-              <a:t> App. System </a:t>
-            </a:r>
-            <a:r>
-              <a:rPr lang="hu-HU" dirty="0" err="1"/>
-              <a:t>skeleton</a:t>
-            </a:r>
-            <a:endParaRPr lang="hu-HU" dirty="0"/>
+              <a:rPr lang="hu-HU" sz="2400" b="1"/>
+              <a:t> </a:t>
+            </a:r>
+            <a:r>
+              <a:rPr lang="hu-HU" sz="2400" b="1" err="1"/>
+              <a:t>triggerInterCloud</a:t>
+            </a:r>
+            <a:r>
+              <a:rPr lang="hu-HU" sz="2400" b="1"/>
+              <a:t> </a:t>
+            </a:r>
+            <a:r>
+              <a:rPr lang="hu-HU" sz="2400" b="1" err="1"/>
+              <a:t>flag</a:t>
+            </a:r>
+            <a:r>
+              <a:rPr lang="hu-HU" sz="2400" b="1"/>
+              <a:t>)</a:t>
+            </a:r>
+            <a:endParaRPr lang="en-US" sz="2400" b="1"/>
           </a:p>
         </p:txBody>
       </p:sp>
       <p:sp>
         <p:nvSpPr>
-          <p:cNvPr id="3" name="Tartalom helye 2"/>
+          <p:cNvPr id="4" name="Tartalom helye 3"/>
           <p:cNvSpPr>
             <a:spLocks noGrp="1"/>
           </p:cNvSpPr>
@@ -13744,947 +12398,1333 @@
         </p:nvSpPr>
         <p:spPr>
           <a:xfrm>
-            <a:off x="503583" y="1790456"/>
-            <a:ext cx="10850217" cy="4486398"/>
+            <a:off x="0" y="603684"/>
+            <a:ext cx="4692589" cy="4930341"/>
           </a:xfrm>
+          <a:ln>
+            <a:solidFill>
+              <a:srgbClr val="00B050"/>
+            </a:solidFill>
+          </a:ln>
         </p:spPr>
         <p:txBody>
           <a:bodyPr>
-            <a:normAutofit fontScale="85000" lnSpcReduction="20000"/>
+            <a:normAutofit fontScale="25000" lnSpcReduction="20000"/>
           </a:bodyPr>
           <a:lstStyle/>
           <a:p>
-            <a:r>
-              <a:rPr lang="hu-HU" dirty="0" err="1"/>
-              <a:t>There</a:t>
-            </a:r>
-            <a:r>
-              <a:rPr lang="hu-HU" dirty="0"/>
-              <a:t> </a:t>
-            </a:r>
-            <a:r>
-              <a:rPr lang="hu-HU" dirty="0" err="1"/>
-              <a:t>are</a:t>
-            </a:r>
-            <a:r>
-              <a:rPr lang="hu-HU" dirty="0"/>
-              <a:t> </a:t>
-            </a:r>
-            <a:r>
-              <a:rPr lang="hu-HU" dirty="0" err="1"/>
-              <a:t>three</a:t>
-            </a:r>
-            <a:r>
-              <a:rPr lang="hu-HU" dirty="0"/>
-              <a:t> </a:t>
-            </a:r>
-            <a:r>
-              <a:rPr lang="hu-HU" dirty="0" err="1"/>
-              <a:t>client</a:t>
-            </a:r>
-            <a:r>
-              <a:rPr lang="hu-HU" dirty="0"/>
-              <a:t> </a:t>
-            </a:r>
-            <a:r>
-              <a:rPr lang="hu-HU" dirty="0" err="1"/>
-              <a:t>skeletons</a:t>
-            </a:r>
-            <a:r>
-              <a:rPr lang="hu-HU" dirty="0"/>
-              <a:t> </a:t>
-            </a:r>
-            <a:r>
-              <a:rPr lang="hu-HU" dirty="0" err="1"/>
-              <a:t>available</a:t>
-            </a:r>
-            <a:r>
-              <a:rPr lang="hu-HU" dirty="0"/>
-              <a:t>:</a:t>
-            </a:r>
-          </a:p>
-          <a:p>
-            <a:pPr lvl="1"/>
-            <a:r>
-              <a:rPr lang="hu-HU" dirty="0"/>
+            <a:pPr marL="0" indent="0">
+              <a:buNone/>
+            </a:pPr>
+            <a:r>
+              <a:rPr lang="hu-HU" sz="9600" dirty="0"/>
               <a:t>Service </a:t>
             </a:r>
             <a:r>
-              <a:rPr lang="hu-HU" dirty="0" err="1"/>
-              <a:t>Provider</a:t>
-            </a:r>
-            <a:r>
-              <a:rPr lang="hu-HU" dirty="0"/>
-              <a:t> </a:t>
-            </a:r>
-            <a:r>
-              <a:rPr lang="hu-HU" dirty="0" err="1"/>
-              <a:t>module</a:t>
-            </a:r>
-            <a:r>
-              <a:rPr lang="hu-HU" dirty="0"/>
+              <a:rPr lang="hu-HU" sz="9600" dirty="0" err="1"/>
+              <a:t>Request</a:t>
+            </a:r>
+            <a:r>
+              <a:rPr lang="hu-HU" sz="9600" dirty="0"/>
+              <a:t> </a:t>
+            </a:r>
+            <a:r>
+              <a:rPr lang="hu-HU" sz="9600" dirty="0" err="1"/>
+              <a:t>Form</a:t>
+            </a:r>
+            <a:endParaRPr lang="hu-HU" sz="9600" dirty="0"/>
+          </a:p>
+          <a:p>
+            <a:pPr marL="0" indent="0">
+              <a:lnSpc>
+                <a:spcPct val="120000"/>
+              </a:lnSpc>
+              <a:spcBef>
+                <a:spcPts val="0"/>
+              </a:spcBef>
+              <a:buNone/>
+            </a:pPr>
+            <a:r>
+              <a:rPr lang="hu-HU" sz="7200" dirty="0"/>
+              <a:t>{</a:t>
+            </a:r>
+          </a:p>
+          <a:p>
+            <a:pPr marL="0" indent="0">
+              <a:lnSpc>
+                <a:spcPct val="120000"/>
+              </a:lnSpc>
+              <a:spcBef>
+                <a:spcPts val="0"/>
+              </a:spcBef>
+              <a:buNone/>
+            </a:pPr>
+            <a:r>
+              <a:rPr lang="hu-HU" sz="7200" dirty="0"/>
+              <a:t>  "</a:t>
+            </a:r>
+            <a:r>
+              <a:rPr lang="hu-HU" sz="7200" dirty="0" err="1"/>
+              <a:t>requesterSystem</a:t>
+            </a:r>
+            <a:r>
+              <a:rPr lang="hu-HU" sz="7200" dirty="0"/>
+              <a:t>":</a:t>
+            </a:r>
+          </a:p>
+          <a:p>
+            <a:pPr marL="0" indent="0">
+              <a:lnSpc>
+                <a:spcPct val="120000"/>
+              </a:lnSpc>
+              <a:spcBef>
+                <a:spcPts val="0"/>
+              </a:spcBef>
+              <a:buNone/>
+            </a:pPr>
+            <a:r>
+              <a:rPr lang="hu-HU" sz="7200" dirty="0"/>
+              <a:t>  {</a:t>
+            </a:r>
+          </a:p>
+          <a:p>
+            <a:pPr marL="0" indent="0">
+              <a:lnSpc>
+                <a:spcPct val="120000"/>
+              </a:lnSpc>
+              <a:spcBef>
+                <a:spcPts val="0"/>
+              </a:spcBef>
+              <a:buNone/>
+            </a:pPr>
+            <a:r>
+              <a:rPr lang="hu-HU" sz="7200" dirty="0"/>
+              <a:t>      "</a:t>
+            </a:r>
+            <a:r>
+              <a:rPr lang="hu-HU" sz="7200" dirty="0" err="1"/>
+              <a:t>systemName</a:t>
+            </a:r>
+            <a:r>
+              <a:rPr lang="hu-HU" sz="7200" dirty="0"/>
+              <a:t>": "</a:t>
+            </a:r>
+            <a:r>
+              <a:rPr lang="hu-HU" sz="7200" dirty="0" err="1"/>
+              <a:t>ElectricVehicle</a:t>
+            </a:r>
+            <a:r>
+              <a:rPr lang="hu-HU" sz="7200" dirty="0"/>
+              <a:t>",</a:t>
+            </a:r>
+          </a:p>
+          <a:p>
+            <a:pPr marL="0" indent="0">
+              <a:lnSpc>
+                <a:spcPct val="120000"/>
+              </a:lnSpc>
+              <a:spcBef>
+                <a:spcPts val="0"/>
+              </a:spcBef>
+              <a:buNone/>
+            </a:pPr>
+            <a:r>
+              <a:rPr lang="hu-HU" sz="7200" dirty="0"/>
+              <a:t>      "</a:t>
+            </a:r>
+            <a:r>
+              <a:rPr lang="hu-HU" sz="7200" dirty="0" err="1"/>
+              <a:t>address</a:t>
+            </a:r>
+            <a:r>
+              <a:rPr lang="hu-HU" sz="7200" dirty="0"/>
+              <a:t>": "dummy_address_2"</a:t>
+            </a:r>
+          </a:p>
+          <a:p>
+            <a:pPr marL="0" indent="0">
+              <a:lnSpc>
+                <a:spcPct val="120000"/>
+              </a:lnSpc>
+              <a:spcBef>
+                <a:spcPts val="0"/>
+              </a:spcBef>
+              <a:buNone/>
+            </a:pPr>
+            <a:r>
+              <a:rPr lang="hu-HU" sz="7200" dirty="0"/>
+              <a:t>  },</a:t>
+            </a:r>
+          </a:p>
+          <a:p>
+            <a:pPr marL="0" indent="0">
+              <a:lnSpc>
+                <a:spcPct val="120000"/>
+              </a:lnSpc>
+              <a:spcBef>
+                <a:spcPts val="0"/>
+              </a:spcBef>
+              <a:buNone/>
+            </a:pPr>
+            <a:r>
+              <a:rPr lang="hu-HU" sz="7200" dirty="0"/>
+              <a:t>  "</a:t>
+            </a:r>
+            <a:r>
+              <a:rPr lang="hu-HU" sz="7200" dirty="0" err="1"/>
+              <a:t>requestedService</a:t>
+            </a:r>
+            <a:r>
+              <a:rPr lang="hu-HU" sz="7200" dirty="0"/>
+              <a:t>":</a:t>
+            </a:r>
+          </a:p>
+          <a:p>
+            <a:pPr marL="0" indent="0">
+              <a:lnSpc>
+                <a:spcPct val="120000"/>
+              </a:lnSpc>
+              <a:spcBef>
+                <a:spcPts val="0"/>
+              </a:spcBef>
+              <a:buNone/>
+            </a:pPr>
+            <a:r>
+              <a:rPr lang="hu-HU" sz="7200" dirty="0"/>
+              <a:t>  {</a:t>
+            </a:r>
+          </a:p>
+          <a:p>
+            <a:pPr marL="0" indent="0">
+              <a:lnSpc>
+                <a:spcPct val="120000"/>
+              </a:lnSpc>
+              <a:spcBef>
+                <a:spcPts val="0"/>
+              </a:spcBef>
+              <a:buNone/>
+            </a:pPr>
+            <a:r>
+              <a:rPr lang="hu-HU" sz="7200" dirty="0"/>
+              <a:t>      "</a:t>
+            </a:r>
+            <a:r>
+              <a:rPr lang="hu-HU" sz="7200" dirty="0" err="1"/>
+              <a:t>serviceDefinition</a:t>
+            </a:r>
+            <a:r>
+              <a:rPr lang="hu-HU" sz="7200" dirty="0"/>
+              <a:t>": "</a:t>
+            </a:r>
+            <a:r>
+              <a:rPr lang="hu-HU" sz="7200" dirty="0" err="1"/>
+              <a:t>DCCharging</a:t>
+            </a:r>
+            <a:r>
+              <a:rPr lang="hu-HU" sz="7200" dirty="0"/>
+              <a:t>",</a:t>
+            </a:r>
+          </a:p>
+          <a:p>
+            <a:pPr marL="0" indent="0">
+              <a:lnSpc>
+                <a:spcPct val="120000"/>
+              </a:lnSpc>
+              <a:spcBef>
+                <a:spcPts val="0"/>
+              </a:spcBef>
+              <a:buNone/>
+            </a:pPr>
+            <a:r>
+              <a:rPr lang="hu-HU" sz="7200" dirty="0"/>
+              <a:t>      "</a:t>
+            </a:r>
+            <a:r>
+              <a:rPr lang="hu-HU" sz="7200" dirty="0" err="1"/>
+              <a:t>interfaces</a:t>
+            </a:r>
+            <a:r>
+              <a:rPr lang="hu-HU" sz="7200" dirty="0"/>
+              <a:t>": ["JSON"]</a:t>
+            </a:r>
+          </a:p>
+          <a:p>
+            <a:pPr marL="0" indent="0">
+              <a:lnSpc>
+                <a:spcPct val="120000"/>
+              </a:lnSpc>
+              <a:spcBef>
+                <a:spcPts val="0"/>
+              </a:spcBef>
+              <a:buNone/>
+            </a:pPr>
+            <a:r>
+              <a:rPr lang="hu-HU" sz="7200" dirty="0"/>
+              <a:t>  },</a:t>
+            </a:r>
+          </a:p>
+          <a:p>
+            <a:pPr marL="0" indent="0">
+              <a:lnSpc>
+                <a:spcPct val="120000"/>
+              </a:lnSpc>
+              <a:spcBef>
+                <a:spcPts val="0"/>
+              </a:spcBef>
+              <a:buNone/>
+            </a:pPr>
+            <a:r>
+              <a:rPr lang="hu-HU" sz="7200" dirty="0"/>
+              <a:t>  "</a:t>
+            </a:r>
+            <a:r>
+              <a:rPr lang="hu-HU" sz="7200" dirty="0" err="1"/>
+              <a:t>orchestrationFlags</a:t>
+            </a:r>
+            <a:r>
+              <a:rPr lang="hu-HU" sz="7200" dirty="0"/>
+              <a:t>": {</a:t>
+            </a:r>
+          </a:p>
+          <a:p>
+            <a:pPr marL="0" indent="0">
+              <a:lnSpc>
+                <a:spcPct val="120000"/>
+              </a:lnSpc>
+              <a:spcBef>
+                <a:spcPts val="0"/>
+              </a:spcBef>
+              <a:buNone/>
+            </a:pPr>
+            <a:r>
+              <a:rPr lang="hu-HU" sz="7200" dirty="0"/>
+              <a:t>    "</a:t>
+            </a:r>
+            <a:r>
+              <a:rPr lang="hu-HU" sz="7200" dirty="0" err="1"/>
+              <a:t>triggerInterCloud</a:t>
+            </a:r>
+            <a:r>
+              <a:rPr lang="hu-HU" sz="7200" dirty="0"/>
+              <a:t>": </a:t>
+            </a:r>
+            <a:r>
+              <a:rPr lang="hu-HU" sz="7200" dirty="0" err="1"/>
+              <a:t>true</a:t>
+            </a:r>
+            <a:endParaRPr lang="hu-HU" sz="7200" dirty="0"/>
+          </a:p>
+          <a:p>
+            <a:pPr marL="0" indent="0">
+              <a:lnSpc>
+                <a:spcPct val="120000"/>
+              </a:lnSpc>
+              <a:spcBef>
+                <a:spcPts val="0"/>
+              </a:spcBef>
+              <a:buNone/>
+            </a:pPr>
+            <a:r>
+              <a:rPr lang="hu-HU" sz="7200" dirty="0"/>
+              <a:t>  }</a:t>
+            </a:r>
+          </a:p>
+          <a:p>
+            <a:pPr marL="0" indent="0">
+              <a:lnSpc>
+                <a:spcPct val="120000"/>
+              </a:lnSpc>
+              <a:spcBef>
+                <a:spcPts val="0"/>
+              </a:spcBef>
+              <a:buNone/>
+            </a:pPr>
+            <a:r>
+              <a:rPr lang="hu-HU" sz="7200" dirty="0"/>
+              <a:t>}</a:t>
+            </a:r>
+            <a:endParaRPr lang="en-US" sz="7200" dirty="0"/>
+          </a:p>
+        </p:txBody>
+      </p:sp>
+      <p:sp>
+        <p:nvSpPr>
+          <p:cNvPr id="5" name="Tartalom helye 4"/>
+          <p:cNvSpPr>
+            <a:spLocks noGrp="1"/>
+          </p:cNvSpPr>
+          <p:nvPr>
+            <p:ph sz="half" idx="2"/>
+          </p:nvPr>
+        </p:nvSpPr>
+        <p:spPr>
+          <a:xfrm>
+            <a:off x="6565221" y="565581"/>
+            <a:ext cx="4178979" cy="4968444"/>
+          </a:xfrm>
+          <a:ln>
+            <a:solidFill>
+              <a:srgbClr val="00B050"/>
+            </a:solidFill>
+          </a:ln>
+        </p:spPr>
+        <p:txBody>
+          <a:bodyPr>
+            <a:normAutofit fontScale="25000" lnSpcReduction="20000"/>
+          </a:bodyPr>
+          <a:lstStyle/>
+          <a:p>
+            <a:pPr marL="0" indent="0">
+              <a:buNone/>
+            </a:pPr>
+            <a:r>
+              <a:rPr lang="hu-HU" sz="7200" dirty="0" err="1"/>
+              <a:t>Orchestration</a:t>
+            </a:r>
+            <a:r>
+              <a:rPr lang="hu-HU" sz="7200" dirty="0"/>
+              <a:t> </a:t>
+            </a:r>
+            <a:r>
+              <a:rPr lang="hu-HU" sz="7200" dirty="0" err="1"/>
+              <a:t>Response</a:t>
+            </a:r>
+            <a:r>
+              <a:rPr lang="hu-HU" sz="7200" dirty="0"/>
               <a:t> (</a:t>
             </a:r>
             <a:r>
-              <a:rPr lang="hu-HU" dirty="0" err="1"/>
-              <a:t>with</a:t>
-            </a:r>
-            <a:r>
-              <a:rPr lang="hu-HU" dirty="0"/>
-              <a:t> SSL </a:t>
-            </a:r>
-            <a:r>
-              <a:rPr lang="hu-HU" dirty="0" err="1"/>
-              <a:t>support</a:t>
-            </a:r>
-            <a:r>
-              <a:rPr lang="hu-HU" dirty="0"/>
-              <a:t>): </a:t>
-            </a:r>
-            <a:r>
-              <a:rPr lang="hu-HU" dirty="0" err="1"/>
-              <a:t>registers</a:t>
-            </a:r>
-            <a:r>
-              <a:rPr lang="hu-HU" dirty="0"/>
-              <a:t> in SR, </a:t>
-            </a:r>
-            <a:r>
-              <a:rPr lang="hu-HU" dirty="0" err="1"/>
-              <a:t>offers</a:t>
-            </a:r>
-            <a:r>
-              <a:rPr lang="hu-HU" dirty="0"/>
-              <a:t> REST </a:t>
-            </a:r>
-            <a:r>
-              <a:rPr lang="hu-HU" dirty="0" err="1"/>
-              <a:t>resource</a:t>
-            </a:r>
-            <a:r>
-              <a:rPr lang="hu-HU" dirty="0"/>
-              <a:t>, </a:t>
-            </a:r>
-            <a:r>
-              <a:rPr lang="hu-HU" dirty="0" err="1"/>
-              <a:t>unregisters</a:t>
-            </a:r>
-            <a:r>
-              <a:rPr lang="hu-HU" dirty="0"/>
-              <a:t> </a:t>
-            </a:r>
-            <a:r>
-              <a:rPr lang="hu-HU" dirty="0" err="1"/>
+              <a:rPr lang="hu-HU" sz="7200" dirty="0" err="1"/>
+              <a:t>expected</a:t>
+            </a:r>
+            <a:r>
+              <a:rPr lang="hu-HU" sz="7200" dirty="0"/>
+              <a:t>)</a:t>
+            </a:r>
+            <a:endParaRPr lang="hu-HU" sz="3600" dirty="0"/>
+          </a:p>
+          <a:p>
+            <a:pPr marL="0" indent="0">
+              <a:lnSpc>
+                <a:spcPct val="120000"/>
+              </a:lnSpc>
+              <a:spcBef>
+                <a:spcPts val="0"/>
+              </a:spcBef>
+              <a:buNone/>
+            </a:pPr>
+            <a:r>
+              <a:rPr lang="hu-HU" sz="5600" dirty="0"/>
+              <a:t>{</a:t>
+            </a:r>
+          </a:p>
+          <a:p>
+            <a:pPr marL="0" indent="0">
+              <a:lnSpc>
+                <a:spcPct val="120000"/>
+              </a:lnSpc>
+              <a:spcBef>
+                <a:spcPts val="0"/>
+              </a:spcBef>
+              <a:buNone/>
+            </a:pPr>
+            <a:r>
+              <a:rPr lang="hu-HU" sz="5600" dirty="0"/>
+              <a:t>  "</a:t>
+            </a:r>
+            <a:r>
+              <a:rPr lang="hu-HU" sz="5600" dirty="0" err="1"/>
+              <a:t>response</a:t>
+            </a:r>
+            <a:r>
+              <a:rPr lang="hu-HU" sz="5600" dirty="0"/>
+              <a:t>": [</a:t>
+            </a:r>
+          </a:p>
+          <a:p>
+            <a:pPr marL="0" indent="0">
+              <a:lnSpc>
+                <a:spcPct val="120000"/>
+              </a:lnSpc>
+              <a:spcBef>
+                <a:spcPts val="0"/>
+              </a:spcBef>
+              <a:buNone/>
+            </a:pPr>
+            <a:r>
+              <a:rPr lang="hu-HU" sz="5600" dirty="0"/>
+              <a:t>    {</a:t>
+            </a:r>
+          </a:p>
+          <a:p>
+            <a:pPr marL="0" indent="0">
+              <a:lnSpc>
+                <a:spcPct val="120000"/>
+              </a:lnSpc>
+              <a:spcBef>
+                <a:spcPts val="0"/>
+              </a:spcBef>
+              <a:buNone/>
+            </a:pPr>
+            <a:r>
+              <a:rPr lang="hu-HU" sz="5600" dirty="0"/>
+              <a:t>      "service": {</a:t>
+            </a:r>
+          </a:p>
+          <a:p>
+            <a:pPr marL="0" indent="0">
+              <a:lnSpc>
+                <a:spcPct val="120000"/>
+              </a:lnSpc>
+              <a:spcBef>
+                <a:spcPts val="0"/>
+              </a:spcBef>
+              <a:buNone/>
+            </a:pPr>
+            <a:r>
+              <a:rPr lang="hu-HU" sz="5600" dirty="0"/>
+              <a:t>        "</a:t>
+            </a:r>
+            <a:r>
+              <a:rPr lang="hu-HU" sz="5600" dirty="0" err="1"/>
+              <a:t>serviceDefinition</a:t>
+            </a:r>
+            <a:r>
+              <a:rPr lang="hu-HU" sz="5600" dirty="0"/>
+              <a:t>": "</a:t>
+            </a:r>
+            <a:r>
+              <a:rPr lang="hu-HU" sz="5600" dirty="0" err="1"/>
+              <a:t>DCCharging</a:t>
+            </a:r>
+            <a:r>
+              <a:rPr lang="hu-HU" sz="5600" dirty="0"/>
+              <a:t>",</a:t>
+            </a:r>
+          </a:p>
+          <a:p>
+            <a:pPr marL="0" indent="0">
+              <a:lnSpc>
+                <a:spcPct val="120000"/>
+              </a:lnSpc>
+              <a:spcBef>
+                <a:spcPts val="0"/>
+              </a:spcBef>
+              <a:buNone/>
+            </a:pPr>
+            <a:r>
+              <a:rPr lang="hu-HU" sz="5600" dirty="0"/>
+              <a:t>        "</a:t>
+            </a:r>
+            <a:r>
+              <a:rPr lang="hu-HU" sz="5600" dirty="0" err="1"/>
+              <a:t>interfaces</a:t>
+            </a:r>
+            <a:r>
+              <a:rPr lang="hu-HU" sz="5600" dirty="0"/>
+              <a:t>": [</a:t>
+            </a:r>
+          </a:p>
+          <a:p>
+            <a:pPr marL="0" indent="0">
+              <a:lnSpc>
+                <a:spcPct val="120000"/>
+              </a:lnSpc>
+              <a:spcBef>
+                <a:spcPts val="0"/>
+              </a:spcBef>
+              <a:buNone/>
+            </a:pPr>
+            <a:r>
+              <a:rPr lang="hu-HU" sz="5600" dirty="0"/>
+              <a:t>          "JSON"</a:t>
+            </a:r>
+          </a:p>
+          <a:p>
+            <a:pPr marL="0" indent="0">
+              <a:lnSpc>
+                <a:spcPct val="120000"/>
+              </a:lnSpc>
+              <a:spcBef>
+                <a:spcPts val="0"/>
+              </a:spcBef>
+              <a:buNone/>
+            </a:pPr>
+            <a:r>
+              <a:rPr lang="hu-HU" sz="5600" dirty="0"/>
+              <a:t>        ],</a:t>
+            </a:r>
+          </a:p>
+          <a:p>
+            <a:pPr marL="0" indent="0">
+              <a:lnSpc>
+                <a:spcPct val="120000"/>
+              </a:lnSpc>
+              <a:spcBef>
+                <a:spcPts val="0"/>
+              </a:spcBef>
+              <a:buNone/>
+            </a:pPr>
+            <a:r>
+              <a:rPr lang="hu-HU" sz="5600" dirty="0"/>
+              <a:t>        "</a:t>
+            </a:r>
+            <a:r>
+              <a:rPr lang="hu-HU" sz="5600" dirty="0" err="1"/>
+              <a:t>serviceMetadata</a:t>
+            </a:r>
+            <a:r>
+              <a:rPr lang="hu-HU" sz="5600" dirty="0"/>
+              <a:t>": {</a:t>
+            </a:r>
+          </a:p>
+          <a:p>
+            <a:pPr marL="0" indent="0">
+              <a:lnSpc>
+                <a:spcPct val="120000"/>
+              </a:lnSpc>
+              <a:spcBef>
+                <a:spcPts val="0"/>
+              </a:spcBef>
+              <a:buNone/>
+            </a:pPr>
+            <a:r>
+              <a:rPr lang="hu-HU" sz="5600" dirty="0"/>
+              <a:t>          "amper": "15"</a:t>
+            </a:r>
+          </a:p>
+          <a:p>
+            <a:pPr marL="0" indent="0">
+              <a:lnSpc>
+                <a:spcPct val="120000"/>
+              </a:lnSpc>
+              <a:spcBef>
+                <a:spcPts val="0"/>
+              </a:spcBef>
+              <a:buNone/>
+            </a:pPr>
+            <a:r>
+              <a:rPr lang="hu-HU" sz="5600" dirty="0"/>
+              <a:t>        }</a:t>
+            </a:r>
+          </a:p>
+          <a:p>
+            <a:pPr marL="0" indent="0">
+              <a:lnSpc>
+                <a:spcPct val="120000"/>
+              </a:lnSpc>
+              <a:spcBef>
+                <a:spcPts val="0"/>
+              </a:spcBef>
+              <a:buNone/>
+            </a:pPr>
+            <a:r>
+              <a:rPr lang="hu-HU" sz="5600" dirty="0"/>
+              <a:t>      },</a:t>
+            </a:r>
+          </a:p>
+          <a:p>
+            <a:pPr marL="0" indent="0">
+              <a:lnSpc>
+                <a:spcPct val="120000"/>
+              </a:lnSpc>
+              <a:spcBef>
+                <a:spcPts val="0"/>
+              </a:spcBef>
+              <a:buNone/>
+            </a:pPr>
+            <a:r>
+              <a:rPr lang="hu-HU" sz="5600" dirty="0"/>
+              <a:t>      "</a:t>
+            </a:r>
+            <a:r>
+              <a:rPr lang="hu-HU" sz="5600" dirty="0" err="1"/>
+              <a:t>provider</a:t>
+            </a:r>
+            <a:r>
+              <a:rPr lang="hu-HU" sz="5600" dirty="0"/>
+              <a:t>": {</a:t>
+            </a:r>
+          </a:p>
+          <a:p>
+            <a:pPr marL="0" indent="0">
+              <a:lnSpc>
+                <a:spcPct val="120000"/>
+              </a:lnSpc>
+              <a:spcBef>
+                <a:spcPts val="0"/>
+              </a:spcBef>
+              <a:buNone/>
+            </a:pPr>
+            <a:r>
+              <a:rPr lang="hu-HU" sz="5600" dirty="0"/>
+              <a:t>        "</a:t>
+            </a:r>
+            <a:r>
+              <a:rPr lang="hu-HU" sz="5600" dirty="0" err="1"/>
+              <a:t>systemName</a:t>
+            </a:r>
+            <a:r>
+              <a:rPr lang="hu-HU" sz="5600" dirty="0"/>
+              <a:t>": "</a:t>
+            </a:r>
+            <a:r>
+              <a:rPr lang="hu-HU" sz="5600" dirty="0" err="1"/>
+              <a:t>gateway</a:t>
+            </a:r>
+            <a:r>
+              <a:rPr lang="hu-HU" sz="5600" dirty="0"/>
+              <a:t>",</a:t>
+            </a:r>
+          </a:p>
+          <a:p>
+            <a:pPr marL="0" indent="0">
+              <a:lnSpc>
+                <a:spcPct val="120000"/>
+              </a:lnSpc>
+              <a:spcBef>
+                <a:spcPts val="0"/>
+              </a:spcBef>
+              <a:buNone/>
+            </a:pPr>
+            <a:r>
+              <a:rPr lang="hu-HU" sz="5600" dirty="0"/>
+              <a:t>        "</a:t>
+            </a:r>
+            <a:r>
+              <a:rPr lang="hu-HU" sz="5600" dirty="0" err="1"/>
+              <a:t>address</a:t>
+            </a:r>
+            <a:r>
+              <a:rPr lang="hu-HU" sz="5600" dirty="0"/>
+              <a:t>": "10.0.0.80",</a:t>
+            </a:r>
+          </a:p>
+          <a:p>
+            <a:pPr marL="0" indent="0">
+              <a:lnSpc>
+                <a:spcPct val="120000"/>
+              </a:lnSpc>
+              <a:spcBef>
+                <a:spcPts val="0"/>
+              </a:spcBef>
+              <a:buNone/>
+            </a:pPr>
+            <a:r>
+              <a:rPr lang="hu-HU" sz="5600" dirty="0"/>
+              <a:t>        "port": 8000</a:t>
+            </a:r>
+          </a:p>
+          <a:p>
+            <a:pPr marL="0" indent="0">
+              <a:lnSpc>
+                <a:spcPct val="120000"/>
+              </a:lnSpc>
+              <a:spcBef>
+                <a:spcPts val="0"/>
+              </a:spcBef>
+              <a:buNone/>
+            </a:pPr>
+            <a:r>
+              <a:rPr lang="hu-HU" sz="5600" dirty="0"/>
+              <a:t>      },</a:t>
+            </a:r>
+          </a:p>
+          <a:p>
+            <a:pPr marL="0" indent="0">
+              <a:lnSpc>
+                <a:spcPct val="120000"/>
+              </a:lnSpc>
+              <a:spcBef>
+                <a:spcPts val="0"/>
+              </a:spcBef>
+              <a:buNone/>
+            </a:pPr>
+            <a:r>
+              <a:rPr lang="hu-HU" sz="5600" dirty="0"/>
+              <a:t>      "</a:t>
+            </a:r>
+            <a:r>
+              <a:rPr lang="hu-HU" sz="5600" dirty="0" err="1"/>
+              <a:t>serviceURI</a:t>
+            </a:r>
+            <a:r>
+              <a:rPr lang="hu-HU" sz="5600" dirty="0"/>
+              <a:t>": "</a:t>
+            </a:r>
+            <a:r>
+              <a:rPr lang="hu-HU" sz="5600" dirty="0" err="1"/>
+              <a:t>charging</a:t>
+            </a:r>
+            <a:r>
+              <a:rPr lang="hu-HU" sz="5600" dirty="0"/>
+              <a:t>/dc",</a:t>
+            </a:r>
+          </a:p>
+          <a:p>
+            <a:pPr marL="0" indent="0">
+              <a:lnSpc>
+                <a:spcPct val="120000"/>
+              </a:lnSpc>
+              <a:spcBef>
+                <a:spcPts val="0"/>
+              </a:spcBef>
+              <a:buNone/>
+            </a:pPr>
+            <a:r>
+              <a:rPr lang="hu-HU" sz="5600" dirty="0"/>
+              <a:t>      "</a:t>
+            </a:r>
+            <a:r>
+              <a:rPr lang="hu-HU" sz="5600" dirty="0" err="1"/>
+              <a:t>instruction</a:t>
+            </a:r>
+            <a:r>
+              <a:rPr lang="hu-HU" sz="5600" dirty="0"/>
+              <a:t>": "</a:t>
+            </a:r>
+            <a:r>
+              <a:rPr lang="hu-HU" sz="5600" dirty="0" err="1"/>
+              <a:t>This</a:t>
+            </a:r>
+            <a:r>
+              <a:rPr lang="hu-HU" sz="5600" dirty="0"/>
+              <a:t> </a:t>
+            </a:r>
+            <a:r>
+              <a:rPr lang="hu-HU" sz="5600" dirty="0" err="1"/>
+              <a:t>provider</a:t>
+            </a:r>
+            <a:r>
+              <a:rPr lang="hu-HU" sz="5600" dirty="0"/>
+              <a:t> is </a:t>
+            </a:r>
+            <a:r>
+              <a:rPr lang="hu-HU" sz="5600" dirty="0" err="1"/>
               <a:t>from</a:t>
             </a:r>
             <a:r>
-              <a:rPr lang="hu-HU" dirty="0"/>
-              <a:t> SR </a:t>
-            </a:r>
-            <a:r>
-              <a:rPr lang="hu-HU" dirty="0" err="1"/>
-              <a:t>upon</a:t>
-            </a:r>
-            <a:r>
-              <a:rPr lang="hu-HU" dirty="0"/>
-              <a:t> </a:t>
-            </a:r>
-            <a:r>
-              <a:rPr lang="hu-HU" dirty="0" err="1"/>
-              <a:t>shutdown</a:t>
-            </a:r>
-            <a:endParaRPr lang="hu-HU" dirty="0"/>
-          </a:p>
-          <a:p>
-            <a:pPr lvl="1"/>
-            <a:r>
-              <a:rPr lang="hu-HU" dirty="0"/>
-              <a:t>Service Consumer </a:t>
-            </a:r>
-            <a:r>
-              <a:rPr lang="hu-HU" dirty="0" err="1"/>
-              <a:t>module</a:t>
-            </a:r>
-            <a:r>
-              <a:rPr lang="hu-HU" dirty="0"/>
-              <a:t> (</a:t>
-            </a:r>
-            <a:r>
-              <a:rPr lang="hu-HU" dirty="0" err="1"/>
-              <a:t>with</a:t>
-            </a:r>
-            <a:r>
-              <a:rPr lang="hu-HU" dirty="0"/>
-              <a:t> SSL </a:t>
-            </a:r>
-            <a:r>
-              <a:rPr lang="hu-HU" dirty="0" err="1"/>
-              <a:t>support</a:t>
-            </a:r>
-            <a:r>
-              <a:rPr lang="hu-HU" dirty="0"/>
-              <a:t>) </a:t>
-            </a:r>
-            <a:r>
-              <a:rPr lang="hu-HU" dirty="0" err="1"/>
-              <a:t>based</a:t>
-            </a:r>
-            <a:r>
-              <a:rPr lang="hu-HU" dirty="0"/>
-              <a:t> </a:t>
-            </a:r>
-            <a:r>
-              <a:rPr lang="hu-HU" dirty="0" err="1"/>
-              <a:t>on</a:t>
-            </a:r>
-            <a:r>
-              <a:rPr lang="hu-HU" dirty="0"/>
-              <a:t> </a:t>
-            </a:r>
-            <a:r>
-              <a:rPr lang="hu-HU" dirty="0" err="1"/>
+              <a:rPr lang="hu-HU" sz="5600" dirty="0"/>
+              <a:t> </a:t>
+            </a:r>
+            <a:r>
+              <a:rPr lang="hu-HU" sz="5600" dirty="0" err="1"/>
+              <a:t>another</a:t>
+            </a:r>
+            <a:r>
+              <a:rPr lang="hu-HU" sz="5600" dirty="0"/>
+              <a:t> </a:t>
+            </a:r>
+            <a:r>
+              <a:rPr lang="hu-HU" sz="5600" dirty="0" err="1"/>
+              <a:t>cloud</a:t>
+            </a:r>
+            <a:r>
+              <a:rPr lang="hu-HU" sz="5600" dirty="0"/>
+              <a:t>!"</a:t>
+            </a:r>
+          </a:p>
+          <a:p>
+            <a:pPr marL="0" indent="0">
+              <a:lnSpc>
+                <a:spcPct val="120000"/>
+              </a:lnSpc>
+              <a:spcBef>
+                <a:spcPts val="0"/>
+              </a:spcBef>
+              <a:buNone/>
+            </a:pPr>
+            <a:r>
+              <a:rPr lang="hu-HU" sz="5600" dirty="0"/>
+              <a:t>    }</a:t>
+            </a:r>
+          </a:p>
+          <a:p>
+            <a:pPr marL="0" indent="0">
+              <a:lnSpc>
+                <a:spcPct val="120000"/>
+              </a:lnSpc>
+              <a:spcBef>
+                <a:spcPts val="0"/>
+              </a:spcBef>
+              <a:buNone/>
+            </a:pPr>
+            <a:r>
+              <a:rPr lang="hu-HU" sz="5600" dirty="0"/>
+              <a:t>  ]</a:t>
+            </a:r>
+          </a:p>
+          <a:p>
+            <a:pPr marL="0" indent="0">
+              <a:lnSpc>
+                <a:spcPct val="120000"/>
+              </a:lnSpc>
+              <a:spcBef>
+                <a:spcPts val="0"/>
+              </a:spcBef>
+              <a:buNone/>
+            </a:pPr>
+            <a:r>
+              <a:rPr lang="hu-HU" sz="5600" dirty="0"/>
+              <a:t>}</a:t>
+            </a:r>
+            <a:endParaRPr lang="en-US" sz="5600" dirty="0"/>
+          </a:p>
+        </p:txBody>
+      </p:sp>
+      <p:sp>
+        <p:nvSpPr>
+          <p:cNvPr id="3" name="Jobbra nyíl 2"/>
+          <p:cNvSpPr/>
+          <p:nvPr/>
+        </p:nvSpPr>
+        <p:spPr>
+          <a:xfrm>
+            <a:off x="4923693" y="2592211"/>
+            <a:ext cx="1383322" cy="603682"/>
+          </a:xfrm>
+          <a:prstGeom prst="rightArrow">
+            <a:avLst/>
+          </a:prstGeom>
+        </p:spPr>
+        <p:style>
+          <a:lnRef idx="2">
+            <a:schemeClr val="accent1">
+              <a:shade val="50000"/>
+            </a:schemeClr>
+          </a:lnRef>
+          <a:fillRef idx="1">
+            <a:schemeClr val="accent1"/>
+          </a:fillRef>
+          <a:effectRef idx="0">
+            <a:schemeClr val="accent1"/>
+          </a:effectRef>
+          <a:fontRef idx="minor">
+            <a:schemeClr val="lt1"/>
+          </a:fontRef>
+        </p:style>
+        <p:txBody>
+          <a:bodyPr rtlCol="0" anchor="ctr"/>
+          <a:lstStyle/>
+          <a:p>
+            <a:pPr algn="ctr"/>
+            <a:endParaRPr lang="en-US"/>
+          </a:p>
+        </p:txBody>
+      </p:sp>
+      <p:sp>
+        <p:nvSpPr>
+          <p:cNvPr id="7" name="Szövegdoboz 6"/>
+          <p:cNvSpPr txBox="1"/>
+          <p:nvPr/>
+        </p:nvSpPr>
+        <p:spPr>
+          <a:xfrm>
+            <a:off x="-1" y="5623354"/>
+            <a:ext cx="11314545" cy="1200329"/>
+          </a:xfrm>
+          <a:prstGeom prst="rect">
+            <a:avLst/>
+          </a:prstGeom>
+          <a:noFill/>
+          <a:ln>
+            <a:solidFill>
+              <a:srgbClr val="FF0000"/>
+            </a:solidFill>
+          </a:ln>
+        </p:spPr>
+        <p:txBody>
+          <a:bodyPr wrap="square" rtlCol="0">
+            <a:spAutoFit/>
+          </a:bodyPr>
+          <a:lstStyle/>
+          <a:p>
+            <a:pPr algn="just"/>
+            <a:r>
+              <a:rPr lang="hu-HU" err="1"/>
+              <a:t>This</a:t>
+            </a:r>
+            <a:r>
+              <a:rPr lang="hu-HU"/>
+              <a:t> is </a:t>
+            </a:r>
+            <a:r>
+              <a:rPr lang="hu-HU" err="1"/>
               <a:t>the</a:t>
             </a:r>
             <a:r>
-              <a:rPr lang="hu-HU" dirty="0"/>
-              <a:t> Jersey-</a:t>
-            </a:r>
-            <a:r>
-              <a:rPr lang="hu-HU" dirty="0" err="1"/>
-              <a:t>client</a:t>
-            </a:r>
-            <a:r>
-              <a:rPr lang="hu-HU" dirty="0"/>
-              <a:t> </a:t>
-            </a:r>
-            <a:r>
-              <a:rPr lang="hu-HU" dirty="0" err="1"/>
-              <a:t>library</a:t>
-            </a:r>
-            <a:r>
-              <a:rPr lang="hu-HU" dirty="0"/>
-              <a:t>: </a:t>
-            </a:r>
-            <a:r>
-              <a:rPr lang="hu-HU" dirty="0" err="1"/>
-              <a:t>capable</a:t>
-            </a:r>
-            <a:r>
-              <a:rPr lang="hu-HU" dirty="0"/>
-              <a:t> of </a:t>
-            </a:r>
-            <a:r>
-              <a:rPr lang="hu-HU" dirty="0" err="1"/>
-              <a:t>requesting</a:t>
-            </a:r>
-            <a:r>
-              <a:rPr lang="hu-HU" dirty="0"/>
-              <a:t> </a:t>
-            </a:r>
-            <a:r>
-              <a:rPr lang="hu-HU" dirty="0" err="1"/>
-              <a:t>orchestration</a:t>
-            </a:r>
-            <a:r>
-              <a:rPr lang="hu-HU" dirty="0"/>
-              <a:t> and </a:t>
-            </a:r>
-            <a:r>
-              <a:rPr lang="hu-HU" dirty="0" err="1"/>
-              <a:t>based</a:t>
-            </a:r>
-            <a:r>
-              <a:rPr lang="hu-HU" dirty="0"/>
-              <a:t> </a:t>
-            </a:r>
-            <a:r>
-              <a:rPr lang="hu-HU" dirty="0" err="1"/>
-              <a:t>on</a:t>
-            </a:r>
-            <a:r>
-              <a:rPr lang="hu-HU" dirty="0"/>
-              <a:t> </a:t>
-            </a:r>
-            <a:r>
-              <a:rPr lang="hu-HU" dirty="0" err="1"/>
-              <a:t>that</a:t>
-            </a:r>
-            <a:r>
-              <a:rPr lang="hu-HU" dirty="0"/>
-              <a:t> </a:t>
-            </a:r>
-            <a:r>
-              <a:rPr lang="hu-HU" dirty="0" err="1"/>
-              <a:t>connecting</a:t>
-            </a:r>
-            <a:r>
-              <a:rPr lang="hu-HU" dirty="0"/>
-              <a:t> </a:t>
-            </a:r>
-            <a:r>
-              <a:rPr lang="hu-HU" dirty="0" err="1"/>
+              <a:rPr lang="hu-HU"/>
+              <a:t> </a:t>
+            </a:r>
+            <a:r>
+              <a:rPr lang="hu-HU" err="1"/>
+              <a:t>only</a:t>
+            </a:r>
+            <a:r>
+              <a:rPr lang="hu-HU"/>
+              <a:t> </a:t>
+            </a:r>
+            <a:r>
+              <a:rPr lang="hu-HU" err="1"/>
+              <a:t>example</a:t>
+            </a:r>
+            <a:r>
+              <a:rPr lang="hu-HU"/>
+              <a:t> out of </a:t>
+            </a:r>
+            <a:r>
+              <a:rPr lang="hu-HU" err="1"/>
+              <a:t>the</a:t>
+            </a:r>
+            <a:r>
+              <a:rPr lang="hu-HU"/>
+              <a:t> 4 </a:t>
+            </a:r>
+            <a:r>
+              <a:rPr lang="hu-HU" err="1"/>
+              <a:t>which</a:t>
+            </a:r>
+            <a:r>
+              <a:rPr lang="hu-HU"/>
+              <a:t> </a:t>
+            </a:r>
+            <a:r>
+              <a:rPr lang="hu-HU" b="1"/>
+              <a:t>has </a:t>
+            </a:r>
+            <a:r>
+              <a:rPr lang="hu-HU" b="1" err="1"/>
               <a:t>to</a:t>
             </a:r>
             <a:r>
-              <a:rPr lang="hu-HU" dirty="0"/>
-              <a:t> a </a:t>
-            </a:r>
-            <a:r>
-              <a:rPr lang="hu-HU" dirty="0" err="1"/>
-              <a:t>running</a:t>
-            </a:r>
-            <a:r>
-              <a:rPr lang="hu-HU" dirty="0"/>
-              <a:t> Service </a:t>
-            </a:r>
-            <a:r>
-              <a:rPr lang="hu-HU" dirty="0" err="1"/>
-              <a:t>Provider</a:t>
-            </a:r>
-            <a:r>
-              <a:rPr lang="hu-HU" dirty="0"/>
-              <a:t> </a:t>
-            </a:r>
-            <a:r>
-              <a:rPr lang="hu-HU" dirty="0" err="1"/>
-              <a:t>skeleton</a:t>
-            </a:r>
-            <a:r>
-              <a:rPr lang="hu-HU" dirty="0"/>
-              <a:t> </a:t>
-            </a:r>
-            <a:r>
-              <a:rPr lang="hu-HU" dirty="0" err="1"/>
+              <a:rPr lang="hu-HU" b="1"/>
+              <a:t> be </a:t>
+            </a:r>
+            <a:r>
+              <a:rPr lang="hu-HU" b="1" err="1"/>
+              <a:t>sent</a:t>
+            </a:r>
+            <a:r>
+              <a:rPr lang="hu-HU" b="1"/>
+              <a:t> </a:t>
+            </a:r>
+            <a:r>
+              <a:rPr lang="hu-HU" b="1" err="1"/>
               <a:t>to</a:t>
             </a:r>
             <a:r>
-              <a:rPr lang="hu-HU" dirty="0"/>
-              <a:t> </a:t>
-            </a:r>
-            <a:r>
-              <a:rPr lang="hu-HU" dirty="0" err="1"/>
-              <a:t>retrieve</a:t>
-            </a:r>
-            <a:r>
-              <a:rPr lang="hu-HU" dirty="0"/>
-              <a:t> </a:t>
-            </a:r>
-            <a:r>
-              <a:rPr lang="hu-HU" dirty="0" err="1"/>
-              <a:t>dummy</a:t>
-            </a:r>
-            <a:r>
-              <a:rPr lang="hu-HU" dirty="0"/>
-              <a:t> </a:t>
-            </a:r>
-            <a:r>
-              <a:rPr lang="hu-HU" dirty="0" err="1"/>
-              <a:t>temperature</a:t>
-            </a:r>
-            <a:r>
-              <a:rPr lang="hu-HU" dirty="0"/>
-              <a:t> service </a:t>
-            </a:r>
-            <a:r>
-              <a:rPr lang="hu-HU" dirty="0" err="1"/>
-              <a:t>information</a:t>
-            </a:r>
-            <a:r>
-              <a:rPr lang="hu-HU" dirty="0"/>
-              <a:t> </a:t>
-            </a:r>
-          </a:p>
-          <a:p>
-            <a:pPr lvl="1"/>
-            <a:r>
-              <a:rPr lang="hu-HU" dirty="0" err="1"/>
-              <a:t>Lightweight</a:t>
-            </a:r>
-            <a:r>
-              <a:rPr lang="hu-HU" dirty="0"/>
-              <a:t> Service Consumer (</a:t>
-            </a:r>
-            <a:r>
-              <a:rPr lang="hu-HU" dirty="0" err="1"/>
-              <a:t>basic</a:t>
-            </a:r>
-            <a:r>
-              <a:rPr lang="hu-HU" dirty="0"/>
-              <a:t>) </a:t>
-            </a:r>
-            <a:r>
-              <a:rPr lang="hu-HU" dirty="0" err="1"/>
-              <a:t>module</a:t>
-            </a:r>
-            <a:r>
-              <a:rPr lang="hu-HU" dirty="0"/>
-              <a:t> (</a:t>
-            </a:r>
-            <a:r>
-              <a:rPr lang="hu-HU" dirty="0" err="1"/>
-              <a:t>without</a:t>
-            </a:r>
-            <a:r>
-              <a:rPr lang="hu-HU" dirty="0"/>
-              <a:t> Jersey-</a:t>
-            </a:r>
-            <a:r>
-              <a:rPr lang="hu-HU" dirty="0" err="1"/>
-              <a:t>client</a:t>
-            </a:r>
-            <a:r>
-              <a:rPr lang="hu-HU" dirty="0"/>
-              <a:t> </a:t>
-            </a:r>
-            <a:r>
-              <a:rPr lang="hu-HU" dirty="0" err="1"/>
-              <a:t>library</a:t>
-            </a:r>
-            <a:r>
-              <a:rPr lang="hu-HU" dirty="0"/>
-              <a:t> </a:t>
-            </a:r>
-            <a:r>
-              <a:rPr lang="hu-HU" dirty="0" err="1"/>
-              <a:t>or</a:t>
-            </a:r>
-            <a:r>
-              <a:rPr lang="hu-HU" dirty="0"/>
-              <a:t> SSL </a:t>
-            </a:r>
-            <a:r>
-              <a:rPr lang="hu-HU" dirty="0" err="1"/>
-              <a:t>support</a:t>
-            </a:r>
-            <a:r>
-              <a:rPr lang="hu-HU" dirty="0"/>
-              <a:t>): has </a:t>
-            </a:r>
-            <a:r>
-              <a:rPr lang="hu-HU" dirty="0" err="1"/>
+              <a:rPr lang="hu-HU" b="1"/>
+              <a:t> </a:t>
+            </a:r>
+            <a:r>
+              <a:rPr lang="hu-HU" b="1" err="1"/>
               <a:t>the</a:t>
             </a:r>
             <a:r>
-              <a:rPr lang="hu-HU" dirty="0"/>
-              <a:t> </a:t>
-            </a:r>
-            <a:r>
-              <a:rPr lang="hu-HU" dirty="0" err="1"/>
-              <a:t>same</a:t>
-            </a:r>
-            <a:r>
-              <a:rPr lang="hu-HU" dirty="0"/>
-              <a:t> </a:t>
-            </a:r>
-            <a:r>
-              <a:rPr lang="hu-HU" dirty="0" err="1"/>
-              <a:t>capability</a:t>
-            </a:r>
-            <a:r>
-              <a:rPr lang="hu-HU" dirty="0"/>
-              <a:t> </a:t>
-            </a:r>
-            <a:r>
-              <a:rPr lang="hu-HU" dirty="0" err="1"/>
-              <a:t>as</a:t>
-            </a:r>
-            <a:r>
-              <a:rPr lang="hu-HU" dirty="0"/>
-              <a:t> </a:t>
-            </a:r>
-            <a:r>
-              <a:rPr lang="hu-HU" dirty="0" err="1"/>
+              <a:rPr lang="hu-HU" b="1"/>
+              <a:t> </a:t>
+            </a:r>
+            <a:r>
+              <a:rPr lang="hu-HU" b="1" err="1"/>
+              <a:t>Orchestrator</a:t>
+            </a:r>
+            <a:r>
+              <a:rPr lang="hu-HU" b="1"/>
+              <a:t> in </a:t>
+            </a:r>
+            <a:r>
+              <a:rPr lang="hu-HU" b="1" err="1"/>
               <a:t>the</a:t>
             </a:r>
             <a:r>
-              <a:rPr lang="hu-HU" dirty="0"/>
-              <a:t> </a:t>
-            </a:r>
-            <a:r>
-              <a:rPr lang="hu-HU" dirty="0" err="1"/>
-              <a:t>other</a:t>
-            </a:r>
-            <a:r>
-              <a:rPr lang="hu-HU" dirty="0"/>
-              <a:t> Consumer, </a:t>
-            </a:r>
-            <a:r>
-              <a:rPr lang="hu-HU" dirty="0" err="1"/>
-              <a:t>but</a:t>
-            </a:r>
-            <a:r>
-              <a:rPr lang="hu-HU" dirty="0"/>
-              <a:t> </a:t>
-            </a:r>
-            <a:r>
-              <a:rPr lang="hu-HU" dirty="0" err="1"/>
-              <a:t>only</a:t>
-            </a:r>
-            <a:r>
-              <a:rPr lang="hu-HU" dirty="0"/>
-              <a:t> </a:t>
-            </a:r>
-            <a:r>
-              <a:rPr lang="hu-HU" dirty="0" err="1"/>
-              <a:t>uses</a:t>
-            </a:r>
-            <a:r>
-              <a:rPr lang="hu-HU" dirty="0"/>
-              <a:t> JDK </a:t>
-            </a:r>
-            <a:r>
-              <a:rPr lang="hu-HU" dirty="0" err="1"/>
-              <a:t>libraries</a:t>
-            </a:r>
-            <a:r>
-              <a:rPr lang="hu-HU" dirty="0"/>
-              <a:t> and 2 </a:t>
-            </a:r>
-            <a:r>
-              <a:rPr lang="hu-HU" dirty="0" err="1"/>
-              <a:t>small</a:t>
-            </a:r>
-            <a:r>
-              <a:rPr lang="hu-HU" dirty="0"/>
-              <a:t> </a:t>
-            </a:r>
-            <a:r>
-              <a:rPr lang="hu-HU" dirty="0" err="1"/>
-              <a:t>JARs</a:t>
-            </a:r>
-            <a:r>
-              <a:rPr lang="hu-HU" dirty="0"/>
-              <a:t> </a:t>
-            </a:r>
-            <a:r>
-              <a:rPr lang="hu-HU" dirty="0" err="1"/>
-              <a:t>for</a:t>
-            </a:r>
-            <a:r>
-              <a:rPr lang="hu-HU" dirty="0"/>
-              <a:t> JSON parsing</a:t>
-            </a:r>
-          </a:p>
-          <a:p>
-            <a:pPr lvl="1"/>
-            <a:r>
-              <a:rPr lang="hu-HU" dirty="0" err="1"/>
-              <a:t>All</a:t>
-            </a:r>
-            <a:r>
-              <a:rPr lang="hu-HU" dirty="0"/>
-              <a:t> 3 </a:t>
-            </a:r>
-            <a:r>
-              <a:rPr lang="hu-HU" dirty="0" err="1"/>
-              <a:t>can</a:t>
-            </a:r>
-            <a:r>
-              <a:rPr lang="hu-HU" dirty="0"/>
-              <a:t> be </a:t>
-            </a:r>
-            <a:r>
-              <a:rPr lang="hu-HU" dirty="0" err="1"/>
-              <a:t>also</a:t>
-            </a:r>
-            <a:r>
-              <a:rPr lang="hu-HU" dirty="0"/>
-              <a:t> </a:t>
-            </a:r>
-            <a:r>
-              <a:rPr lang="hu-HU" dirty="0" err="1"/>
-              <a:t>found</a:t>
-            </a:r>
-            <a:r>
-              <a:rPr lang="hu-HU" dirty="0"/>
-              <a:t> </a:t>
-            </a:r>
-            <a:r>
-              <a:rPr lang="hu-HU" dirty="0" err="1"/>
-              <a:t>at</a:t>
-            </a:r>
-            <a:r>
-              <a:rPr lang="hu-HU" dirty="0"/>
-              <a:t>: </a:t>
-            </a:r>
-            <a:r>
-              <a:rPr lang="hu-HU" dirty="0">
+              <a:rPr lang="hu-HU" b="1"/>
+              <a:t> 2nd </a:t>
+            </a:r>
+            <a:r>
+              <a:rPr lang="hu-HU" b="1" err="1"/>
+              <a:t>cloud</a:t>
+            </a:r>
+            <a:r>
+              <a:rPr lang="hu-HU" b="1"/>
+              <a:t> </a:t>
+            </a:r>
+            <a:r>
+              <a:rPr lang="hu-HU"/>
+              <a:t>(test server URL is </a:t>
+            </a:r>
+            <a:r>
+              <a:rPr lang="en-US">
                 <a:hlinkClick r:id="rId2"/>
               </a:rPr>
-              <a:t>https://github.com/hegeduscs/arrowheadclient</a:t>
-            </a:r>
-            <a:endParaRPr lang="hu-HU" dirty="0"/>
-          </a:p>
-          <a:p>
-            <a:r>
-              <a:rPr lang="hu-HU" dirty="0"/>
-              <a:t>The </a:t>
-            </a:r>
-            <a:r>
-              <a:rPr lang="hu-HU" dirty="0" err="1"/>
-              <a:t>first</a:t>
-            </a:r>
-            <a:r>
-              <a:rPr lang="hu-HU" dirty="0"/>
-              <a:t> 2 </a:t>
-            </a:r>
-            <a:r>
-              <a:rPr lang="hu-HU" dirty="0" err="1"/>
-              <a:t>are</a:t>
-            </a:r>
-            <a:r>
-              <a:rPr lang="hu-HU" dirty="0"/>
-              <a:t> </a:t>
-            </a:r>
-            <a:r>
-              <a:rPr lang="hu-HU" dirty="0" err="1"/>
-              <a:t>maven</a:t>
-            </a:r>
-            <a:r>
-              <a:rPr lang="hu-HU" dirty="0"/>
-              <a:t> </a:t>
-            </a:r>
-            <a:r>
-              <a:rPr lang="hu-HU" dirty="0" err="1"/>
-              <a:t>projects</a:t>
-            </a:r>
-            <a:r>
-              <a:rPr lang="hu-HU" dirty="0"/>
+              <a:t>http://arrowhead2.tmit.bme.hu:8440/orchestrator/orchestration</a:t>
+            </a:r>
+            <a:r>
+              <a:rPr lang="hu-HU"/>
+              <a:t>) </a:t>
+            </a:r>
+            <a:r>
+              <a:rPr lang="hu-HU" err="1"/>
+              <a:t>since</a:t>
+            </a:r>
+            <a:r>
+              <a:rPr lang="hu-HU"/>
+              <a:t> </a:t>
+            </a:r>
+            <a:r>
+              <a:rPr lang="hu-HU" err="1"/>
+              <a:t>the</a:t>
+            </a:r>
+            <a:r>
+              <a:rPr lang="hu-HU"/>
+              <a:t> </a:t>
+            </a:r>
+            <a:r>
+              <a:rPr lang="hu-HU" err="1"/>
+              <a:t>requester</a:t>
+            </a:r>
+            <a:r>
+              <a:rPr lang="hu-HU"/>
+              <a:t> </a:t>
+            </a:r>
+            <a:r>
+              <a:rPr lang="hu-HU" err="1"/>
+              <a:t>system</a:t>
+            </a:r>
+            <a:r>
+              <a:rPr lang="hu-HU"/>
+              <a:t> is in </a:t>
+            </a:r>
+            <a:r>
+              <a:rPr lang="hu-HU" err="1"/>
+              <a:t>this</a:t>
+            </a:r>
+            <a:r>
+              <a:rPr lang="hu-HU"/>
+              <a:t> </a:t>
+            </a:r>
+            <a:r>
+              <a:rPr lang="hu-HU" err="1"/>
+              <a:t>cloud</a:t>
+            </a:r>
+            <a:r>
+              <a:rPr lang="hu-HU"/>
+              <a:t> </a:t>
+            </a:r>
+            <a:r>
+              <a:rPr lang="hu-HU" err="1"/>
+              <a:t>this</a:t>
+            </a:r>
+            <a:r>
+              <a:rPr lang="hu-HU"/>
+              <a:t> </a:t>
+            </a:r>
+            <a:r>
+              <a:rPr lang="hu-HU" err="1"/>
+              <a:t>time</a:t>
+            </a:r>
+            <a:r>
+              <a:rPr lang="hu-HU"/>
+              <a:t>. The </a:t>
+            </a:r>
+            <a:r>
+              <a:rPr lang="hu-HU" err="1"/>
+              <a:t>requester</a:t>
+            </a:r>
+            <a:r>
+              <a:rPr lang="hu-HU"/>
+              <a:t> </a:t>
+            </a:r>
+            <a:r>
+              <a:rPr lang="hu-HU" err="1"/>
+              <a:t>system</a:t>
+            </a:r>
+            <a:r>
+              <a:rPr lang="hu-HU"/>
+              <a:t> </a:t>
+            </a:r>
+            <a:r>
+              <a:rPr lang="hu-HU" err="1"/>
+              <a:t>knows</a:t>
+            </a:r>
+            <a:r>
+              <a:rPr lang="hu-HU"/>
+              <a:t> a </a:t>
+            </a:r>
+            <a:r>
+              <a:rPr lang="hu-HU" err="1"/>
+              <a:t>suitable</a:t>
+            </a:r>
+            <a:r>
+              <a:rPr lang="hu-HU"/>
+              <a:t> </a:t>
+            </a:r>
+            <a:r>
+              <a:rPr lang="hu-HU" err="1"/>
+              <a:t>provider</a:t>
+            </a:r>
+            <a:r>
+              <a:rPr lang="hu-HU"/>
+              <a:t> (a </a:t>
+            </a:r>
+            <a:r>
+              <a:rPr lang="hu-HU" err="1"/>
+              <a:t>charging</a:t>
+            </a:r>
+            <a:r>
+              <a:rPr lang="hu-HU"/>
+              <a:t> </a:t>
+            </a:r>
+            <a:r>
+              <a:rPr lang="hu-HU" err="1"/>
+              <a:t>station</a:t>
+            </a:r>
+            <a:r>
+              <a:rPr lang="hu-HU"/>
+              <a:t>) </a:t>
+            </a:r>
+            <a:r>
+              <a:rPr lang="hu-HU" err="1"/>
+              <a:t>can</a:t>
+            </a:r>
+            <a:r>
+              <a:rPr lang="hu-HU"/>
+              <a:t> </a:t>
+            </a:r>
+            <a:r>
+              <a:rPr lang="hu-HU" err="1"/>
+              <a:t>only</a:t>
+            </a:r>
+            <a:r>
+              <a:rPr lang="hu-HU"/>
+              <a:t> be </a:t>
+            </a:r>
+            <a:r>
+              <a:rPr lang="hu-HU" err="1"/>
+              <a:t>found</a:t>
+            </a:r>
+            <a:r>
+              <a:rPr lang="hu-HU"/>
+              <a:t> in </a:t>
+            </a:r>
+            <a:r>
+              <a:rPr lang="hu-HU" err="1"/>
+              <a:t>the</a:t>
+            </a:r>
+            <a:r>
+              <a:rPr lang="hu-HU"/>
+              <a:t> </a:t>
+            </a:r>
+            <a:r>
+              <a:rPr lang="hu-HU" err="1"/>
+              <a:t>other</a:t>
+            </a:r>
+            <a:r>
+              <a:rPr lang="hu-HU"/>
+              <a:t> </a:t>
+            </a:r>
+            <a:r>
+              <a:rPr lang="hu-HU" err="1"/>
+              <a:t>cloud</a:t>
+            </a:r>
+            <a:r>
+              <a:rPr lang="hu-HU"/>
               <a:t>, </a:t>
             </a:r>
             <a:r>
-              <a:rPr lang="hu-HU" dirty="0" err="1"/>
+              <a:rPr lang="hu-HU" err="1"/>
+              <a:t>so</a:t>
+            </a:r>
+            <a:r>
+              <a:rPr lang="hu-HU"/>
+              <a:t> it </a:t>
+            </a:r>
+            <a:r>
+              <a:rPr lang="hu-HU" err="1"/>
+              <a:t>triggers</a:t>
+            </a:r>
+            <a:r>
+              <a:rPr lang="hu-HU"/>
+              <a:t> </a:t>
+            </a:r>
+            <a:r>
+              <a:rPr lang="hu-HU" err="1"/>
+              <a:t>Inter-Cloud</a:t>
+            </a:r>
+            <a:r>
+              <a:rPr lang="hu-HU"/>
+              <a:t> </a:t>
+            </a:r>
+            <a:r>
+              <a:rPr lang="hu-HU" err="1"/>
+              <a:t>orchestration</a:t>
+            </a:r>
+            <a:r>
+              <a:rPr lang="hu-HU"/>
+              <a:t> </a:t>
+            </a:r>
+            <a:r>
+              <a:rPr lang="hu-HU" err="1"/>
+              <a:t>right</a:t>
+            </a:r>
+            <a:r>
+              <a:rPr lang="hu-HU"/>
+              <a:t> </a:t>
+            </a:r>
+            <a:r>
+              <a:rPr lang="hu-HU" err="1"/>
+              <a:t>away</a:t>
+            </a:r>
+            <a:r>
+              <a:rPr lang="hu-HU"/>
+              <a:t> </a:t>
+            </a:r>
+            <a:r>
+              <a:rPr lang="hu-HU" err="1"/>
+              <a:t>with</a:t>
+            </a:r>
+            <a:r>
+              <a:rPr lang="hu-HU"/>
+              <a:t> a </a:t>
+            </a:r>
+            <a:r>
+              <a:rPr lang="hu-HU" err="1"/>
+              <a:t>flag</a:t>
+            </a:r>
+            <a:r>
+              <a:rPr lang="hu-HU"/>
+              <a:t>, </a:t>
+            </a:r>
+            <a:r>
+              <a:rPr lang="hu-HU" err="1"/>
+              <a:t>skipping</a:t>
+            </a:r>
+            <a:r>
+              <a:rPr lang="hu-HU"/>
+              <a:t> </a:t>
+            </a:r>
+            <a:r>
+              <a:rPr lang="hu-HU" err="1"/>
               <a:t>the</a:t>
             </a:r>
             <a:r>
-              <a:rPr lang="hu-HU" dirty="0"/>
-              <a:t> </a:t>
-            </a:r>
-            <a:r>
-              <a:rPr lang="hu-HU" dirty="0" err="1"/>
-              <a:t>basic</a:t>
-            </a:r>
-            <a:r>
-              <a:rPr lang="hu-HU" dirty="0"/>
-              <a:t> Consumer is a </a:t>
-            </a:r>
-            <a:r>
-              <a:rPr lang="hu-HU" dirty="0" err="1"/>
-              <a:t>plain</a:t>
-            </a:r>
-            <a:r>
-              <a:rPr lang="hu-HU" dirty="0"/>
-              <a:t> Java project</a:t>
-            </a:r>
-          </a:p>
-          <a:p>
-            <a:pPr lvl="1"/>
-            <a:r>
-              <a:rPr lang="hu-HU" dirty="0" err="1"/>
-              <a:t>These</a:t>
-            </a:r>
-            <a:r>
-              <a:rPr lang="hu-HU" dirty="0"/>
-              <a:t> </a:t>
-            </a:r>
-            <a:r>
-              <a:rPr lang="hu-HU" dirty="0" err="1"/>
-              <a:t>projects</a:t>
-            </a:r>
-            <a:r>
-              <a:rPr lang="hu-HU" dirty="0"/>
-              <a:t> </a:t>
-            </a:r>
-            <a:r>
-              <a:rPr lang="hu-HU" dirty="0" err="1"/>
-              <a:t>also</a:t>
-            </a:r>
-            <a:r>
-              <a:rPr lang="hu-HU" dirty="0"/>
-              <a:t> </a:t>
-            </a:r>
-            <a:r>
-              <a:rPr lang="hu-HU" dirty="0" err="1"/>
-              <a:t>have</a:t>
-            </a:r>
-            <a:r>
-              <a:rPr lang="hu-HU" dirty="0"/>
-              <a:t> </a:t>
-            </a:r>
-            <a:r>
-              <a:rPr lang="hu-HU" dirty="0" err="1"/>
-              <a:t>their</a:t>
-            </a:r>
-            <a:r>
-              <a:rPr lang="hu-HU" dirty="0"/>
-              <a:t> </a:t>
-            </a:r>
-            <a:r>
-              <a:rPr lang="hu-HU" dirty="0" err="1"/>
-              <a:t>own</a:t>
-            </a:r>
-            <a:r>
-              <a:rPr lang="hu-HU" dirty="0"/>
-              <a:t> </a:t>
-            </a:r>
-            <a:r>
-              <a:rPr lang="hu-HU" dirty="0" err="1"/>
-              <a:t>app.properties</a:t>
-            </a:r>
-            <a:r>
-              <a:rPr lang="hu-HU" dirty="0"/>
-              <a:t> </a:t>
-            </a:r>
-            <a:r>
-              <a:rPr lang="hu-HU" dirty="0" err="1"/>
-              <a:t>files</a:t>
-            </a:r>
-            <a:r>
-              <a:rPr lang="hu-HU" dirty="0"/>
-              <a:t> </a:t>
-            </a:r>
-            <a:r>
-              <a:rPr lang="hu-HU" dirty="0" err="1"/>
-              <a:t>to</a:t>
-            </a:r>
-            <a:r>
-              <a:rPr lang="hu-HU" dirty="0"/>
-              <a:t> </a:t>
-            </a:r>
-            <a:r>
-              <a:rPr lang="hu-HU" dirty="0" err="1"/>
-              <a:t>avoid</a:t>
-            </a:r>
-            <a:r>
-              <a:rPr lang="hu-HU" dirty="0"/>
-              <a:t> </a:t>
-            </a:r>
-            <a:r>
-              <a:rPr lang="hu-HU" dirty="0" err="1"/>
-              <a:t>hardcoded</a:t>
-            </a:r>
-            <a:r>
-              <a:rPr lang="hu-HU" dirty="0"/>
-              <a:t> </a:t>
-            </a:r>
-            <a:r>
-              <a:rPr lang="hu-HU" dirty="0" err="1"/>
-              <a:t>string</a:t>
-            </a:r>
-            <a:r>
-              <a:rPr lang="hu-HU" dirty="0"/>
-              <a:t> </a:t>
-            </a:r>
-            <a:r>
-              <a:rPr lang="hu-HU" dirty="0" err="1"/>
-              <a:t>variables</a:t>
-            </a:r>
-            <a:endParaRPr lang="hu-HU" dirty="0"/>
-          </a:p>
-          <a:p>
-            <a:pPr lvl="1"/>
-            <a:r>
-              <a:rPr lang="hu-HU" dirty="0" err="1"/>
-              <a:t>Simple</a:t>
-            </a:r>
-            <a:r>
-              <a:rPr lang="hu-HU" dirty="0"/>
-              <a:t> </a:t>
-            </a:r>
-            <a:r>
-              <a:rPr lang="hu-HU" dirty="0" err="1"/>
-              <a:t>runnable</a:t>
-            </a:r>
-            <a:r>
-              <a:rPr lang="hu-HU" dirty="0"/>
-              <a:t> </a:t>
-            </a:r>
-            <a:r>
-              <a:rPr lang="hu-HU" dirty="0" err="1"/>
-              <a:t>projects</a:t>
-            </a:r>
-            <a:r>
-              <a:rPr lang="hu-HU" dirty="0"/>
-              <a:t>, </a:t>
-            </a:r>
-            <a:r>
-              <a:rPr lang="hu-HU" dirty="0" err="1"/>
-              <a:t>but</a:t>
-            </a:r>
-            <a:r>
-              <a:rPr lang="hu-HU" dirty="0"/>
-              <a:t> </a:t>
-            </a:r>
-            <a:r>
-              <a:rPr lang="hu-HU" dirty="0" err="1"/>
-              <a:t>JARs</a:t>
-            </a:r>
-            <a:r>
-              <a:rPr lang="hu-HU" dirty="0"/>
-              <a:t> </a:t>
-            </a:r>
-            <a:r>
-              <a:rPr lang="hu-HU" dirty="0" err="1"/>
-              <a:t>are</a:t>
-            </a:r>
-            <a:r>
-              <a:rPr lang="hu-HU" dirty="0"/>
-              <a:t> </a:t>
-            </a:r>
-            <a:r>
-              <a:rPr lang="hu-HU" dirty="0" err="1"/>
-              <a:t>also</a:t>
-            </a:r>
-            <a:r>
-              <a:rPr lang="hu-HU" dirty="0"/>
-              <a:t> </a:t>
-            </a:r>
-            <a:r>
-              <a:rPr lang="hu-HU" dirty="0" err="1"/>
-              <a:t>provided</a:t>
-            </a:r>
-            <a:endParaRPr lang="hu-HU" dirty="0"/>
-          </a:p>
-          <a:p>
-            <a:r>
-              <a:rPr lang="hu-HU" dirty="0" err="1"/>
-              <a:t>Their</a:t>
-            </a:r>
-            <a:r>
-              <a:rPr lang="hu-HU" dirty="0"/>
-              <a:t> </a:t>
-            </a:r>
-            <a:r>
-              <a:rPr lang="hu-HU" dirty="0" err="1"/>
-              <a:t>demo</a:t>
-            </a:r>
-            <a:r>
-              <a:rPr lang="hu-HU" dirty="0"/>
-              <a:t> service </a:t>
-            </a:r>
-            <a:r>
-              <a:rPr lang="hu-HU" dirty="0" err="1"/>
-              <a:t>interactions</a:t>
-            </a:r>
-            <a:r>
-              <a:rPr lang="hu-HU" dirty="0"/>
-              <a:t> </a:t>
-            </a:r>
-            <a:r>
-              <a:rPr lang="hu-HU" dirty="0" err="1"/>
-              <a:t>are</a:t>
-            </a:r>
-            <a:r>
-              <a:rPr lang="hu-HU" dirty="0"/>
-              <a:t> </a:t>
-            </a:r>
-            <a:r>
-              <a:rPr lang="hu-HU" dirty="0" err="1"/>
-              <a:t>also</a:t>
-            </a:r>
-            <a:r>
-              <a:rPr lang="hu-HU" dirty="0"/>
-              <a:t> </a:t>
-            </a:r>
-            <a:r>
-              <a:rPr lang="hu-HU" dirty="0" err="1"/>
-              <a:t>configured</a:t>
-            </a:r>
-            <a:r>
-              <a:rPr lang="hu-HU" dirty="0"/>
-              <a:t> (</a:t>
-            </a:r>
-            <a:r>
-              <a:rPr lang="hu-HU" dirty="0" err="1"/>
-              <a:t>authorized</a:t>
-            </a:r>
-            <a:r>
-              <a:rPr lang="hu-HU" dirty="0"/>
-              <a:t>) in </a:t>
-            </a:r>
-            <a:r>
-              <a:rPr lang="hu-HU" dirty="0" err="1"/>
-              <a:t>the</a:t>
-            </a:r>
-            <a:r>
-              <a:rPr lang="hu-HU" dirty="0"/>
-              <a:t> </a:t>
-            </a:r>
-            <a:r>
-              <a:rPr lang="hu-HU" dirty="0" err="1"/>
-              <a:t>first</a:t>
-            </a:r>
-            <a:r>
-              <a:rPr lang="hu-HU" dirty="0"/>
-              <a:t> </a:t>
-            </a:r>
-            <a:r>
-              <a:rPr lang="hu-HU" dirty="0" err="1"/>
-              <a:t>database</a:t>
-            </a:r>
-            <a:r>
-              <a:rPr lang="hu-HU" dirty="0"/>
-              <a:t> script (</a:t>
-            </a:r>
-            <a:r>
-              <a:rPr lang="en-US" dirty="0" err="1"/>
-              <a:t>create_arrowhead_database</a:t>
-            </a:r>
-            <a:r>
-              <a:rPr lang="hu-HU" dirty="0"/>
-              <a:t>_1</a:t>
-            </a:r>
-            <a:r>
-              <a:rPr lang="en-US" dirty="0"/>
-              <a:t>.</a:t>
-            </a:r>
-            <a:r>
-              <a:rPr lang="en-US" dirty="0" err="1"/>
-              <a:t>sql</a:t>
-            </a:r>
-            <a:r>
-              <a:rPr lang="hu-HU" dirty="0"/>
-              <a:t>). </a:t>
-            </a:r>
-            <a:r>
-              <a:rPr lang="hu-HU" dirty="0" err="1"/>
-              <a:t>Therefore</a:t>
-            </a:r>
-            <a:r>
-              <a:rPr lang="hu-HU" dirty="0"/>
-              <a:t>, </a:t>
-            </a:r>
-            <a:r>
-              <a:rPr lang="hu-HU" dirty="0" err="1"/>
-              <a:t>testable</a:t>
-            </a:r>
-            <a:r>
-              <a:rPr lang="hu-HU" dirty="0"/>
-              <a:t> </a:t>
-            </a:r>
-            <a:r>
-              <a:rPr lang="hu-HU" dirty="0" err="1"/>
-              <a:t>without</a:t>
-            </a:r>
-            <a:r>
-              <a:rPr lang="hu-HU" dirty="0"/>
-              <a:t> </a:t>
-            </a:r>
-            <a:r>
-              <a:rPr lang="hu-HU" dirty="0" err="1"/>
-              <a:t>further</a:t>
-            </a:r>
-            <a:r>
-              <a:rPr lang="hu-HU" dirty="0"/>
-              <a:t> </a:t>
-            </a:r>
-            <a:r>
-              <a:rPr lang="hu-HU" dirty="0" err="1"/>
-              <a:t>configuration</a:t>
-            </a:r>
-            <a:r>
-              <a:rPr lang="hu-HU" dirty="0"/>
-              <a:t>.</a:t>
+              <a:rPr lang="hu-HU"/>
+              <a:t> local </a:t>
+            </a:r>
+            <a:r>
+              <a:rPr lang="hu-HU" err="1"/>
+              <a:t>cloud</a:t>
+            </a:r>
+            <a:r>
+              <a:rPr lang="hu-HU"/>
+              <a:t> </a:t>
+            </a:r>
+            <a:r>
+              <a:rPr lang="hu-HU" err="1"/>
+              <a:t>checks</a:t>
+            </a:r>
+            <a:r>
+              <a:rPr lang="hu-HU"/>
+              <a:t>. Gateway was used here too.</a:t>
             </a:r>
           </a:p>
         </p:txBody>
@@ -14692,7 +13732,7 @@
     </p:spTree>
     <p:extLst>
       <p:ext uri="{BB962C8B-B14F-4D97-AF65-F5344CB8AC3E}">
-        <p14:creationId xmlns:p14="http://schemas.microsoft.com/office/powerpoint/2010/main" val="1565208301"/>
+        <p14:creationId xmlns:p14="http://schemas.microsoft.com/office/powerpoint/2010/main" val="2556525131"/>
       </p:ext>
     </p:extLst>
   </p:cSld>
@@ -14729,6 +13769,1053 @@
             <p:ph type="title"/>
           </p:nvPr>
         </p:nvSpPr>
+        <p:spPr>
+          <a:xfrm>
+            <a:off x="503583" y="353402"/>
+            <a:ext cx="10515600" cy="1325563"/>
+          </a:xfrm>
+        </p:spPr>
+        <p:txBody>
+          <a:bodyPr/>
+          <a:lstStyle/>
+          <a:p>
+            <a:r>
+              <a:rPr lang="hu-HU" dirty="0" err="1"/>
+              <a:t>Getting</a:t>
+            </a:r>
+            <a:r>
+              <a:rPr lang="hu-HU" dirty="0"/>
+              <a:t> </a:t>
+            </a:r>
+            <a:r>
+              <a:rPr lang="hu-HU" dirty="0" err="1"/>
+              <a:t>started</a:t>
+            </a:r>
+            <a:r>
+              <a:rPr lang="hu-HU" dirty="0"/>
+              <a:t> </a:t>
+            </a:r>
+            <a:r>
+              <a:rPr lang="hu-HU" dirty="0" err="1"/>
+              <a:t>with</a:t>
+            </a:r>
+            <a:r>
+              <a:rPr lang="hu-HU" dirty="0"/>
+              <a:t> </a:t>
+            </a:r>
+            <a:r>
+              <a:rPr lang="hu-HU" dirty="0" err="1"/>
+              <a:t>the</a:t>
+            </a:r>
+            <a:r>
+              <a:rPr lang="hu-HU" dirty="0"/>
+              <a:t> App. System </a:t>
+            </a:r>
+            <a:r>
+              <a:rPr lang="hu-HU" dirty="0" err="1"/>
+              <a:t>skeleton</a:t>
+            </a:r>
+            <a:endParaRPr lang="hu-HU" dirty="0"/>
+          </a:p>
+        </p:txBody>
+      </p:sp>
+      <p:sp>
+        <p:nvSpPr>
+          <p:cNvPr id="3" name="Tartalom helye 2"/>
+          <p:cNvSpPr>
+            <a:spLocks noGrp="1"/>
+          </p:cNvSpPr>
+          <p:nvPr>
+            <p:ph sz="half" idx="1"/>
+          </p:nvPr>
+        </p:nvSpPr>
+        <p:spPr>
+          <a:xfrm>
+            <a:off x="503583" y="1790456"/>
+            <a:ext cx="10850217" cy="4486398"/>
+          </a:xfrm>
+        </p:spPr>
+        <p:txBody>
+          <a:bodyPr>
+            <a:normAutofit fontScale="85000" lnSpcReduction="20000"/>
+          </a:bodyPr>
+          <a:lstStyle/>
+          <a:p>
+            <a:r>
+              <a:rPr lang="hu-HU" dirty="0" err="1"/>
+              <a:t>There</a:t>
+            </a:r>
+            <a:r>
+              <a:rPr lang="hu-HU" dirty="0"/>
+              <a:t> </a:t>
+            </a:r>
+            <a:r>
+              <a:rPr lang="hu-HU" dirty="0" err="1"/>
+              <a:t>are</a:t>
+            </a:r>
+            <a:r>
+              <a:rPr lang="hu-HU" dirty="0"/>
+              <a:t> </a:t>
+            </a:r>
+            <a:r>
+              <a:rPr lang="hu-HU" dirty="0" err="1"/>
+              <a:t>three</a:t>
+            </a:r>
+            <a:r>
+              <a:rPr lang="hu-HU" dirty="0"/>
+              <a:t> </a:t>
+            </a:r>
+            <a:r>
+              <a:rPr lang="hu-HU" dirty="0" err="1"/>
+              <a:t>client</a:t>
+            </a:r>
+            <a:r>
+              <a:rPr lang="hu-HU" dirty="0"/>
+              <a:t> </a:t>
+            </a:r>
+            <a:r>
+              <a:rPr lang="hu-HU" dirty="0" err="1"/>
+              <a:t>skeletons</a:t>
+            </a:r>
+            <a:r>
+              <a:rPr lang="hu-HU" dirty="0"/>
+              <a:t> </a:t>
+            </a:r>
+            <a:r>
+              <a:rPr lang="hu-HU" dirty="0" err="1"/>
+              <a:t>available</a:t>
+            </a:r>
+            <a:r>
+              <a:rPr lang="hu-HU" dirty="0"/>
+              <a:t>:</a:t>
+            </a:r>
+          </a:p>
+          <a:p>
+            <a:pPr lvl="1"/>
+            <a:r>
+              <a:rPr lang="hu-HU" dirty="0"/>
+              <a:t>Service </a:t>
+            </a:r>
+            <a:r>
+              <a:rPr lang="hu-HU" dirty="0" err="1"/>
+              <a:t>Provider</a:t>
+            </a:r>
+            <a:r>
+              <a:rPr lang="hu-HU" dirty="0"/>
+              <a:t> </a:t>
+            </a:r>
+            <a:r>
+              <a:rPr lang="hu-HU" dirty="0" err="1"/>
+              <a:t>module</a:t>
+            </a:r>
+            <a:r>
+              <a:rPr lang="hu-HU" dirty="0"/>
+              <a:t> (</a:t>
+            </a:r>
+            <a:r>
+              <a:rPr lang="hu-HU" dirty="0" err="1"/>
+              <a:t>with</a:t>
+            </a:r>
+            <a:r>
+              <a:rPr lang="hu-HU" dirty="0"/>
+              <a:t> SSL </a:t>
+            </a:r>
+            <a:r>
+              <a:rPr lang="hu-HU" dirty="0" err="1"/>
+              <a:t>support</a:t>
+            </a:r>
+            <a:r>
+              <a:rPr lang="hu-HU" dirty="0"/>
+              <a:t>): </a:t>
+            </a:r>
+            <a:r>
+              <a:rPr lang="hu-HU" dirty="0" err="1"/>
+              <a:t>registers</a:t>
+            </a:r>
+            <a:r>
+              <a:rPr lang="hu-HU" dirty="0"/>
+              <a:t> in SR, </a:t>
+            </a:r>
+            <a:r>
+              <a:rPr lang="hu-HU" dirty="0" err="1"/>
+              <a:t>offers</a:t>
+            </a:r>
+            <a:r>
+              <a:rPr lang="hu-HU" dirty="0"/>
+              <a:t> REST </a:t>
+            </a:r>
+            <a:r>
+              <a:rPr lang="hu-HU" dirty="0" err="1"/>
+              <a:t>resource</a:t>
+            </a:r>
+            <a:r>
+              <a:rPr lang="hu-HU" dirty="0"/>
+              <a:t>, </a:t>
+            </a:r>
+            <a:r>
+              <a:rPr lang="hu-HU" dirty="0" err="1"/>
+              <a:t>unregisters</a:t>
+            </a:r>
+            <a:r>
+              <a:rPr lang="hu-HU" dirty="0"/>
+              <a:t> </a:t>
+            </a:r>
+            <a:r>
+              <a:rPr lang="hu-HU" dirty="0" err="1"/>
+              <a:t>from</a:t>
+            </a:r>
+            <a:r>
+              <a:rPr lang="hu-HU" dirty="0"/>
+              <a:t> SR </a:t>
+            </a:r>
+            <a:r>
+              <a:rPr lang="hu-HU" dirty="0" err="1"/>
+              <a:t>upon</a:t>
+            </a:r>
+            <a:r>
+              <a:rPr lang="hu-HU" dirty="0"/>
+              <a:t> </a:t>
+            </a:r>
+            <a:r>
+              <a:rPr lang="hu-HU" dirty="0" err="1"/>
+              <a:t>shutdown</a:t>
+            </a:r>
+            <a:endParaRPr lang="hu-HU" dirty="0"/>
+          </a:p>
+          <a:p>
+            <a:pPr lvl="1"/>
+            <a:r>
+              <a:rPr lang="hu-HU" dirty="0"/>
+              <a:t>Service Consumer </a:t>
+            </a:r>
+            <a:r>
+              <a:rPr lang="hu-HU" dirty="0" err="1"/>
+              <a:t>module</a:t>
+            </a:r>
+            <a:r>
+              <a:rPr lang="hu-HU" dirty="0"/>
+              <a:t> (</a:t>
+            </a:r>
+            <a:r>
+              <a:rPr lang="hu-HU" dirty="0" err="1"/>
+              <a:t>with</a:t>
+            </a:r>
+            <a:r>
+              <a:rPr lang="hu-HU" dirty="0"/>
+              <a:t> SSL </a:t>
+            </a:r>
+            <a:r>
+              <a:rPr lang="hu-HU" dirty="0" err="1"/>
+              <a:t>support</a:t>
+            </a:r>
+            <a:r>
+              <a:rPr lang="hu-HU" dirty="0"/>
+              <a:t>) </a:t>
+            </a:r>
+            <a:r>
+              <a:rPr lang="hu-HU" dirty="0" err="1"/>
+              <a:t>based</a:t>
+            </a:r>
+            <a:r>
+              <a:rPr lang="hu-HU" dirty="0"/>
+              <a:t> </a:t>
+            </a:r>
+            <a:r>
+              <a:rPr lang="hu-HU" dirty="0" err="1"/>
+              <a:t>on</a:t>
+            </a:r>
+            <a:r>
+              <a:rPr lang="hu-HU" dirty="0"/>
+              <a:t> </a:t>
+            </a:r>
+            <a:r>
+              <a:rPr lang="hu-HU" dirty="0" err="1"/>
+              <a:t>the</a:t>
+            </a:r>
+            <a:r>
+              <a:rPr lang="hu-HU" dirty="0"/>
+              <a:t> Jersey-</a:t>
+            </a:r>
+            <a:r>
+              <a:rPr lang="hu-HU" dirty="0" err="1"/>
+              <a:t>client</a:t>
+            </a:r>
+            <a:r>
+              <a:rPr lang="hu-HU" dirty="0"/>
+              <a:t> </a:t>
+            </a:r>
+            <a:r>
+              <a:rPr lang="hu-HU" dirty="0" err="1"/>
+              <a:t>library</a:t>
+            </a:r>
+            <a:r>
+              <a:rPr lang="hu-HU" dirty="0"/>
+              <a:t>: </a:t>
+            </a:r>
+            <a:r>
+              <a:rPr lang="hu-HU" dirty="0" err="1"/>
+              <a:t>capable</a:t>
+            </a:r>
+            <a:r>
+              <a:rPr lang="hu-HU" dirty="0"/>
+              <a:t> of </a:t>
+            </a:r>
+            <a:r>
+              <a:rPr lang="hu-HU" dirty="0" err="1"/>
+              <a:t>requesting</a:t>
+            </a:r>
+            <a:r>
+              <a:rPr lang="hu-HU" dirty="0"/>
+              <a:t> </a:t>
+            </a:r>
+            <a:r>
+              <a:rPr lang="hu-HU" dirty="0" err="1"/>
+              <a:t>orchestration</a:t>
+            </a:r>
+            <a:r>
+              <a:rPr lang="hu-HU" dirty="0"/>
+              <a:t> and </a:t>
+            </a:r>
+            <a:r>
+              <a:rPr lang="hu-HU" dirty="0" err="1"/>
+              <a:t>based</a:t>
+            </a:r>
+            <a:r>
+              <a:rPr lang="hu-HU" dirty="0"/>
+              <a:t> </a:t>
+            </a:r>
+            <a:r>
+              <a:rPr lang="hu-HU" dirty="0" err="1"/>
+              <a:t>on</a:t>
+            </a:r>
+            <a:r>
+              <a:rPr lang="hu-HU" dirty="0"/>
+              <a:t> </a:t>
+            </a:r>
+            <a:r>
+              <a:rPr lang="hu-HU" dirty="0" err="1"/>
+              <a:t>that</a:t>
+            </a:r>
+            <a:r>
+              <a:rPr lang="hu-HU" dirty="0"/>
+              <a:t> </a:t>
+            </a:r>
+            <a:r>
+              <a:rPr lang="hu-HU" dirty="0" err="1"/>
+              <a:t>connecting</a:t>
+            </a:r>
+            <a:r>
+              <a:rPr lang="hu-HU" dirty="0"/>
+              <a:t> </a:t>
+            </a:r>
+            <a:r>
+              <a:rPr lang="hu-HU" dirty="0" err="1"/>
+              <a:t>to</a:t>
+            </a:r>
+            <a:r>
+              <a:rPr lang="hu-HU" dirty="0"/>
+              <a:t> a </a:t>
+            </a:r>
+            <a:r>
+              <a:rPr lang="hu-HU" dirty="0" err="1"/>
+              <a:t>running</a:t>
+            </a:r>
+            <a:r>
+              <a:rPr lang="hu-HU" dirty="0"/>
+              <a:t> Service </a:t>
+            </a:r>
+            <a:r>
+              <a:rPr lang="hu-HU" dirty="0" err="1"/>
+              <a:t>Provider</a:t>
+            </a:r>
+            <a:r>
+              <a:rPr lang="hu-HU" dirty="0"/>
+              <a:t> </a:t>
+            </a:r>
+            <a:r>
+              <a:rPr lang="hu-HU" dirty="0" err="1"/>
+              <a:t>skeleton</a:t>
+            </a:r>
+            <a:r>
+              <a:rPr lang="hu-HU" dirty="0"/>
+              <a:t> </a:t>
+            </a:r>
+            <a:r>
+              <a:rPr lang="hu-HU" dirty="0" err="1"/>
+              <a:t>to</a:t>
+            </a:r>
+            <a:r>
+              <a:rPr lang="hu-HU" dirty="0"/>
+              <a:t> </a:t>
+            </a:r>
+            <a:r>
+              <a:rPr lang="hu-HU" dirty="0" err="1"/>
+              <a:t>retrieve</a:t>
+            </a:r>
+            <a:r>
+              <a:rPr lang="hu-HU" dirty="0"/>
+              <a:t> </a:t>
+            </a:r>
+            <a:r>
+              <a:rPr lang="hu-HU" dirty="0" err="1"/>
+              <a:t>dummy</a:t>
+            </a:r>
+            <a:r>
+              <a:rPr lang="hu-HU" dirty="0"/>
+              <a:t> </a:t>
+            </a:r>
+            <a:r>
+              <a:rPr lang="hu-HU" dirty="0" err="1"/>
+              <a:t>temperature</a:t>
+            </a:r>
+            <a:r>
+              <a:rPr lang="hu-HU" dirty="0"/>
+              <a:t> service </a:t>
+            </a:r>
+            <a:r>
+              <a:rPr lang="hu-HU" dirty="0" err="1"/>
+              <a:t>information</a:t>
+            </a:r>
+            <a:r>
+              <a:rPr lang="hu-HU" dirty="0"/>
+              <a:t> </a:t>
+            </a:r>
+          </a:p>
+          <a:p>
+            <a:pPr lvl="1"/>
+            <a:r>
+              <a:rPr lang="hu-HU" dirty="0" err="1"/>
+              <a:t>Lightweight</a:t>
+            </a:r>
+            <a:r>
+              <a:rPr lang="hu-HU" dirty="0"/>
+              <a:t> Service Consumer (</a:t>
+            </a:r>
+            <a:r>
+              <a:rPr lang="hu-HU" dirty="0" err="1"/>
+              <a:t>basic</a:t>
+            </a:r>
+            <a:r>
+              <a:rPr lang="hu-HU" dirty="0"/>
+              <a:t>) </a:t>
+            </a:r>
+            <a:r>
+              <a:rPr lang="hu-HU" dirty="0" err="1"/>
+              <a:t>module</a:t>
+            </a:r>
+            <a:r>
+              <a:rPr lang="hu-HU" dirty="0"/>
+              <a:t> (</a:t>
+            </a:r>
+            <a:r>
+              <a:rPr lang="hu-HU" dirty="0" err="1"/>
+              <a:t>without</a:t>
+            </a:r>
+            <a:r>
+              <a:rPr lang="hu-HU" dirty="0"/>
+              <a:t> Jersey-</a:t>
+            </a:r>
+            <a:r>
+              <a:rPr lang="hu-HU" dirty="0" err="1"/>
+              <a:t>client</a:t>
+            </a:r>
+            <a:r>
+              <a:rPr lang="hu-HU" dirty="0"/>
+              <a:t> </a:t>
+            </a:r>
+            <a:r>
+              <a:rPr lang="hu-HU" dirty="0" err="1"/>
+              <a:t>library</a:t>
+            </a:r>
+            <a:r>
+              <a:rPr lang="hu-HU" dirty="0"/>
+              <a:t> </a:t>
+            </a:r>
+            <a:r>
+              <a:rPr lang="hu-HU" dirty="0" err="1"/>
+              <a:t>or</a:t>
+            </a:r>
+            <a:r>
+              <a:rPr lang="hu-HU" dirty="0"/>
+              <a:t> SSL </a:t>
+            </a:r>
+            <a:r>
+              <a:rPr lang="hu-HU" dirty="0" err="1"/>
+              <a:t>support</a:t>
+            </a:r>
+            <a:r>
+              <a:rPr lang="hu-HU" dirty="0"/>
+              <a:t>): has </a:t>
+            </a:r>
+            <a:r>
+              <a:rPr lang="hu-HU" dirty="0" err="1"/>
+              <a:t>the</a:t>
+            </a:r>
+            <a:r>
+              <a:rPr lang="hu-HU" dirty="0"/>
+              <a:t> </a:t>
+            </a:r>
+            <a:r>
+              <a:rPr lang="hu-HU" dirty="0" err="1"/>
+              <a:t>same</a:t>
+            </a:r>
+            <a:r>
+              <a:rPr lang="hu-HU" dirty="0"/>
+              <a:t> </a:t>
+            </a:r>
+            <a:r>
+              <a:rPr lang="hu-HU" dirty="0" err="1"/>
+              <a:t>capability</a:t>
+            </a:r>
+            <a:r>
+              <a:rPr lang="hu-HU" dirty="0"/>
+              <a:t> </a:t>
+            </a:r>
+            <a:r>
+              <a:rPr lang="hu-HU" dirty="0" err="1"/>
+              <a:t>as</a:t>
+            </a:r>
+            <a:r>
+              <a:rPr lang="hu-HU" dirty="0"/>
+              <a:t> </a:t>
+            </a:r>
+            <a:r>
+              <a:rPr lang="hu-HU" dirty="0" err="1"/>
+              <a:t>the</a:t>
+            </a:r>
+            <a:r>
+              <a:rPr lang="hu-HU" dirty="0"/>
+              <a:t> </a:t>
+            </a:r>
+            <a:r>
+              <a:rPr lang="hu-HU" dirty="0" err="1"/>
+              <a:t>other</a:t>
+            </a:r>
+            <a:r>
+              <a:rPr lang="hu-HU" dirty="0"/>
+              <a:t> Consumer, </a:t>
+            </a:r>
+            <a:r>
+              <a:rPr lang="hu-HU" dirty="0" err="1"/>
+              <a:t>but</a:t>
+            </a:r>
+            <a:r>
+              <a:rPr lang="hu-HU" dirty="0"/>
+              <a:t> </a:t>
+            </a:r>
+            <a:r>
+              <a:rPr lang="hu-HU" dirty="0" err="1"/>
+              <a:t>only</a:t>
+            </a:r>
+            <a:r>
+              <a:rPr lang="hu-HU" dirty="0"/>
+              <a:t> </a:t>
+            </a:r>
+            <a:r>
+              <a:rPr lang="hu-HU" dirty="0" err="1"/>
+              <a:t>uses</a:t>
+            </a:r>
+            <a:r>
+              <a:rPr lang="hu-HU" dirty="0"/>
+              <a:t> JDK </a:t>
+            </a:r>
+            <a:r>
+              <a:rPr lang="hu-HU" dirty="0" err="1"/>
+              <a:t>libraries</a:t>
+            </a:r>
+            <a:r>
+              <a:rPr lang="hu-HU" dirty="0"/>
+              <a:t> and 2 </a:t>
+            </a:r>
+            <a:r>
+              <a:rPr lang="hu-HU" dirty="0" err="1"/>
+              <a:t>small</a:t>
+            </a:r>
+            <a:r>
+              <a:rPr lang="hu-HU" dirty="0"/>
+              <a:t> </a:t>
+            </a:r>
+            <a:r>
+              <a:rPr lang="hu-HU" dirty="0" err="1"/>
+              <a:t>JARs</a:t>
+            </a:r>
+            <a:r>
+              <a:rPr lang="hu-HU" dirty="0"/>
+              <a:t> </a:t>
+            </a:r>
+            <a:r>
+              <a:rPr lang="hu-HU" dirty="0" err="1"/>
+              <a:t>for</a:t>
+            </a:r>
+            <a:r>
+              <a:rPr lang="hu-HU" dirty="0"/>
+              <a:t> JSON parsing</a:t>
+            </a:r>
+          </a:p>
+          <a:p>
+            <a:pPr lvl="1"/>
+            <a:r>
+              <a:rPr lang="hu-HU" dirty="0" err="1"/>
+              <a:t>All</a:t>
+            </a:r>
+            <a:r>
+              <a:rPr lang="hu-HU" dirty="0"/>
+              <a:t> 3 </a:t>
+            </a:r>
+            <a:r>
+              <a:rPr lang="hu-HU" dirty="0" err="1"/>
+              <a:t>can</a:t>
+            </a:r>
+            <a:r>
+              <a:rPr lang="hu-HU" dirty="0"/>
+              <a:t> be </a:t>
+            </a:r>
+            <a:r>
+              <a:rPr lang="hu-HU" dirty="0" err="1"/>
+              <a:t>also</a:t>
+            </a:r>
+            <a:r>
+              <a:rPr lang="hu-HU" dirty="0"/>
+              <a:t> </a:t>
+            </a:r>
+            <a:r>
+              <a:rPr lang="hu-HU" dirty="0" err="1"/>
+              <a:t>found</a:t>
+            </a:r>
+            <a:r>
+              <a:rPr lang="hu-HU" dirty="0"/>
+              <a:t> </a:t>
+            </a:r>
+            <a:r>
+              <a:rPr lang="hu-HU" dirty="0" err="1"/>
+              <a:t>at</a:t>
+            </a:r>
+            <a:r>
+              <a:rPr lang="hu-HU" dirty="0"/>
+              <a:t>: </a:t>
+            </a:r>
+            <a:r>
+              <a:rPr lang="hu-HU" dirty="0">
+                <a:hlinkClick r:id="rId2"/>
+              </a:rPr>
+              <a:t>https://github.com/hegeduscs/arrowheadclient</a:t>
+            </a:r>
+            <a:endParaRPr lang="hu-HU" dirty="0"/>
+          </a:p>
+          <a:p>
+            <a:r>
+              <a:rPr lang="hu-HU" dirty="0"/>
+              <a:t>The </a:t>
+            </a:r>
+            <a:r>
+              <a:rPr lang="hu-HU" dirty="0" err="1"/>
+              <a:t>first</a:t>
+            </a:r>
+            <a:r>
+              <a:rPr lang="hu-HU" dirty="0"/>
+              <a:t> 2 </a:t>
+            </a:r>
+            <a:r>
+              <a:rPr lang="hu-HU" dirty="0" err="1"/>
+              <a:t>are</a:t>
+            </a:r>
+            <a:r>
+              <a:rPr lang="hu-HU" dirty="0"/>
+              <a:t> </a:t>
+            </a:r>
+            <a:r>
+              <a:rPr lang="hu-HU" dirty="0" err="1"/>
+              <a:t>maven</a:t>
+            </a:r>
+            <a:r>
+              <a:rPr lang="hu-HU" dirty="0"/>
+              <a:t> </a:t>
+            </a:r>
+            <a:r>
+              <a:rPr lang="hu-HU" dirty="0" err="1"/>
+              <a:t>projects</a:t>
+            </a:r>
+            <a:r>
+              <a:rPr lang="hu-HU" dirty="0"/>
+              <a:t>, </a:t>
+            </a:r>
+            <a:r>
+              <a:rPr lang="hu-HU" dirty="0" err="1"/>
+              <a:t>the</a:t>
+            </a:r>
+            <a:r>
+              <a:rPr lang="hu-HU" dirty="0"/>
+              <a:t> </a:t>
+            </a:r>
+            <a:r>
+              <a:rPr lang="hu-HU" dirty="0" err="1"/>
+              <a:t>basic</a:t>
+            </a:r>
+            <a:r>
+              <a:rPr lang="hu-HU" dirty="0"/>
+              <a:t> Consumer is a </a:t>
+            </a:r>
+            <a:r>
+              <a:rPr lang="hu-HU" dirty="0" err="1"/>
+              <a:t>plain</a:t>
+            </a:r>
+            <a:r>
+              <a:rPr lang="hu-HU" dirty="0"/>
+              <a:t> Java project</a:t>
+            </a:r>
+          </a:p>
+          <a:p>
+            <a:pPr lvl="1"/>
+            <a:r>
+              <a:rPr lang="hu-HU" dirty="0" err="1"/>
+              <a:t>These</a:t>
+            </a:r>
+            <a:r>
+              <a:rPr lang="hu-HU" dirty="0"/>
+              <a:t> </a:t>
+            </a:r>
+            <a:r>
+              <a:rPr lang="hu-HU" dirty="0" err="1"/>
+              <a:t>projects</a:t>
+            </a:r>
+            <a:r>
+              <a:rPr lang="hu-HU" dirty="0"/>
+              <a:t> </a:t>
+            </a:r>
+            <a:r>
+              <a:rPr lang="hu-HU" dirty="0" err="1"/>
+              <a:t>also</a:t>
+            </a:r>
+            <a:r>
+              <a:rPr lang="hu-HU" dirty="0"/>
+              <a:t> </a:t>
+            </a:r>
+            <a:r>
+              <a:rPr lang="hu-HU" dirty="0" err="1"/>
+              <a:t>have</a:t>
+            </a:r>
+            <a:r>
+              <a:rPr lang="hu-HU" dirty="0"/>
+              <a:t> </a:t>
+            </a:r>
+            <a:r>
+              <a:rPr lang="hu-HU" dirty="0" err="1"/>
+              <a:t>their</a:t>
+            </a:r>
+            <a:r>
+              <a:rPr lang="hu-HU" dirty="0"/>
+              <a:t> </a:t>
+            </a:r>
+            <a:r>
+              <a:rPr lang="hu-HU" dirty="0" err="1"/>
+              <a:t>own</a:t>
+            </a:r>
+            <a:r>
+              <a:rPr lang="hu-HU" dirty="0"/>
+              <a:t> </a:t>
+            </a:r>
+            <a:r>
+              <a:rPr lang="hu-HU" dirty="0" err="1"/>
+              <a:t>app.properties</a:t>
+            </a:r>
+            <a:r>
+              <a:rPr lang="hu-HU" dirty="0"/>
+              <a:t> </a:t>
+            </a:r>
+            <a:r>
+              <a:rPr lang="hu-HU" dirty="0" err="1"/>
+              <a:t>files</a:t>
+            </a:r>
+            <a:r>
+              <a:rPr lang="hu-HU" dirty="0"/>
+              <a:t> </a:t>
+            </a:r>
+            <a:r>
+              <a:rPr lang="hu-HU" dirty="0" err="1"/>
+              <a:t>to</a:t>
+            </a:r>
+            <a:r>
+              <a:rPr lang="hu-HU" dirty="0"/>
+              <a:t> </a:t>
+            </a:r>
+            <a:r>
+              <a:rPr lang="hu-HU" dirty="0" err="1"/>
+              <a:t>avoid</a:t>
+            </a:r>
+            <a:r>
+              <a:rPr lang="hu-HU" dirty="0"/>
+              <a:t> </a:t>
+            </a:r>
+            <a:r>
+              <a:rPr lang="hu-HU" dirty="0" err="1"/>
+              <a:t>hardcoded</a:t>
+            </a:r>
+            <a:r>
+              <a:rPr lang="hu-HU" dirty="0"/>
+              <a:t> </a:t>
+            </a:r>
+            <a:r>
+              <a:rPr lang="hu-HU" dirty="0" err="1"/>
+              <a:t>string</a:t>
+            </a:r>
+            <a:r>
+              <a:rPr lang="hu-HU" dirty="0"/>
+              <a:t> </a:t>
+            </a:r>
+            <a:r>
+              <a:rPr lang="hu-HU" dirty="0" err="1"/>
+              <a:t>variables</a:t>
+            </a:r>
+            <a:endParaRPr lang="hu-HU" dirty="0"/>
+          </a:p>
+          <a:p>
+            <a:pPr lvl="1"/>
+            <a:r>
+              <a:rPr lang="hu-HU" dirty="0" err="1"/>
+              <a:t>Simple</a:t>
+            </a:r>
+            <a:r>
+              <a:rPr lang="hu-HU" dirty="0"/>
+              <a:t> </a:t>
+            </a:r>
+            <a:r>
+              <a:rPr lang="hu-HU" dirty="0" err="1"/>
+              <a:t>runnable</a:t>
+            </a:r>
+            <a:r>
+              <a:rPr lang="hu-HU" dirty="0"/>
+              <a:t> </a:t>
+            </a:r>
+            <a:r>
+              <a:rPr lang="hu-HU" dirty="0" err="1"/>
+              <a:t>projects</a:t>
+            </a:r>
+            <a:r>
+              <a:rPr lang="hu-HU" dirty="0"/>
+              <a:t>, </a:t>
+            </a:r>
+            <a:r>
+              <a:rPr lang="hu-HU" dirty="0" err="1"/>
+              <a:t>but</a:t>
+            </a:r>
+            <a:r>
+              <a:rPr lang="hu-HU" dirty="0"/>
+              <a:t> </a:t>
+            </a:r>
+            <a:r>
+              <a:rPr lang="hu-HU" dirty="0" err="1"/>
+              <a:t>JARs</a:t>
+            </a:r>
+            <a:r>
+              <a:rPr lang="hu-HU" dirty="0"/>
+              <a:t> </a:t>
+            </a:r>
+            <a:r>
+              <a:rPr lang="hu-HU" dirty="0" err="1"/>
+              <a:t>are</a:t>
+            </a:r>
+            <a:r>
+              <a:rPr lang="hu-HU" dirty="0"/>
+              <a:t> </a:t>
+            </a:r>
+            <a:r>
+              <a:rPr lang="hu-HU" dirty="0" err="1"/>
+              <a:t>also</a:t>
+            </a:r>
+            <a:r>
+              <a:rPr lang="hu-HU" dirty="0"/>
+              <a:t> </a:t>
+            </a:r>
+            <a:r>
+              <a:rPr lang="hu-HU" dirty="0" err="1"/>
+              <a:t>provided</a:t>
+            </a:r>
+            <a:endParaRPr lang="hu-HU" dirty="0"/>
+          </a:p>
+          <a:p>
+            <a:r>
+              <a:rPr lang="hu-HU" dirty="0" err="1"/>
+              <a:t>Their</a:t>
+            </a:r>
+            <a:r>
+              <a:rPr lang="hu-HU" dirty="0"/>
+              <a:t> </a:t>
+            </a:r>
+            <a:r>
+              <a:rPr lang="hu-HU" dirty="0" err="1"/>
+              <a:t>demo</a:t>
+            </a:r>
+            <a:r>
+              <a:rPr lang="hu-HU" dirty="0"/>
+              <a:t> service </a:t>
+            </a:r>
+            <a:r>
+              <a:rPr lang="hu-HU" dirty="0" err="1"/>
+              <a:t>interactions</a:t>
+            </a:r>
+            <a:r>
+              <a:rPr lang="hu-HU" dirty="0"/>
+              <a:t> </a:t>
+            </a:r>
+            <a:r>
+              <a:rPr lang="hu-HU" dirty="0" err="1"/>
+              <a:t>are</a:t>
+            </a:r>
+            <a:r>
+              <a:rPr lang="hu-HU" dirty="0"/>
+              <a:t> </a:t>
+            </a:r>
+            <a:r>
+              <a:rPr lang="hu-HU" dirty="0" err="1"/>
+              <a:t>also</a:t>
+            </a:r>
+            <a:r>
+              <a:rPr lang="hu-HU" dirty="0"/>
+              <a:t> </a:t>
+            </a:r>
+            <a:r>
+              <a:rPr lang="hu-HU" dirty="0" err="1"/>
+              <a:t>configured</a:t>
+            </a:r>
+            <a:r>
+              <a:rPr lang="hu-HU" dirty="0"/>
+              <a:t> (</a:t>
+            </a:r>
+            <a:r>
+              <a:rPr lang="hu-HU" dirty="0" err="1"/>
+              <a:t>authorized</a:t>
+            </a:r>
+            <a:r>
+              <a:rPr lang="hu-HU" dirty="0"/>
+              <a:t>) in </a:t>
+            </a:r>
+            <a:r>
+              <a:rPr lang="hu-HU" dirty="0" err="1"/>
+              <a:t>the</a:t>
+            </a:r>
+            <a:r>
+              <a:rPr lang="hu-HU" dirty="0"/>
+              <a:t> </a:t>
+            </a:r>
+            <a:r>
+              <a:rPr lang="hu-HU" dirty="0" err="1"/>
+              <a:t>first</a:t>
+            </a:r>
+            <a:r>
+              <a:rPr lang="hu-HU" dirty="0"/>
+              <a:t> </a:t>
+            </a:r>
+            <a:r>
+              <a:rPr lang="hu-HU" dirty="0" err="1"/>
+              <a:t>database</a:t>
+            </a:r>
+            <a:r>
+              <a:rPr lang="hu-HU" dirty="0"/>
+              <a:t> script (</a:t>
+            </a:r>
+            <a:r>
+              <a:rPr lang="en-US" dirty="0" err="1"/>
+              <a:t>create_arrowhead_database</a:t>
+            </a:r>
+            <a:r>
+              <a:rPr lang="hu-HU" dirty="0"/>
+              <a:t>_1</a:t>
+            </a:r>
+            <a:r>
+              <a:rPr lang="en-US" dirty="0"/>
+              <a:t>.</a:t>
+            </a:r>
+            <a:r>
+              <a:rPr lang="en-US" dirty="0" err="1"/>
+              <a:t>sql</a:t>
+            </a:r>
+            <a:r>
+              <a:rPr lang="hu-HU" dirty="0"/>
+              <a:t>). </a:t>
+            </a:r>
+            <a:r>
+              <a:rPr lang="hu-HU" dirty="0" err="1"/>
+              <a:t>Therefore</a:t>
+            </a:r>
+            <a:r>
+              <a:rPr lang="hu-HU" dirty="0"/>
+              <a:t>, </a:t>
+            </a:r>
+            <a:r>
+              <a:rPr lang="hu-HU" dirty="0" err="1"/>
+              <a:t>testable</a:t>
+            </a:r>
+            <a:r>
+              <a:rPr lang="hu-HU" dirty="0"/>
+              <a:t> </a:t>
+            </a:r>
+            <a:r>
+              <a:rPr lang="hu-HU" dirty="0" err="1"/>
+              <a:t>without</a:t>
+            </a:r>
+            <a:r>
+              <a:rPr lang="hu-HU" dirty="0"/>
+              <a:t> </a:t>
+            </a:r>
+            <a:r>
+              <a:rPr lang="hu-HU" dirty="0" err="1"/>
+              <a:t>further</a:t>
+            </a:r>
+            <a:r>
+              <a:rPr lang="hu-HU" dirty="0"/>
+              <a:t> </a:t>
+            </a:r>
+            <a:r>
+              <a:rPr lang="hu-HU" dirty="0" err="1"/>
+              <a:t>configuration</a:t>
+            </a:r>
+            <a:r>
+              <a:rPr lang="hu-HU" dirty="0"/>
+              <a:t>.</a:t>
+            </a:r>
+          </a:p>
+        </p:txBody>
+      </p:sp>
+    </p:spTree>
+    <p:extLst>
+      <p:ext uri="{BB962C8B-B14F-4D97-AF65-F5344CB8AC3E}">
+        <p14:creationId xmlns:p14="http://schemas.microsoft.com/office/powerpoint/2010/main" val="1565208301"/>
+      </p:ext>
+    </p:extLst>
+  </p:cSld>
+  <p:clrMapOvr>
+    <a:masterClrMapping/>
+  </p:clrMapOvr>
+</p:sld>
+</file>
+
+<file path=ppt/slides/slide25.xml><?xml version="1.0" encoding="utf-8"?>
+<p:sld xmlns:a="http://schemas.openxmlformats.org/drawingml/2006/main" xmlns:r="http://schemas.openxmlformats.org/officeDocument/2006/relationships" xmlns:p="http://schemas.openxmlformats.org/presentationml/2006/main">
+  <p:cSld>
+    <p:spTree>
+      <p:nvGrpSpPr>
+        <p:cNvPr id="1" name=""/>
+        <p:cNvGrpSpPr/>
+        <p:nvPr/>
+      </p:nvGrpSpPr>
+      <p:grpSpPr>
+        <a:xfrm>
+          <a:off x="0" y="0"/>
+          <a:ext cx="0" cy="0"/>
+          <a:chOff x="0" y="0"/>
+          <a:chExt cx="0" cy="0"/>
+        </a:xfrm>
+      </p:grpSpPr>
+      <p:sp>
+        <p:nvSpPr>
+          <p:cNvPr id="2" name="Cím 1"/>
+          <p:cNvSpPr>
+            <a:spLocks noGrp="1"/>
+          </p:cNvSpPr>
+          <p:nvPr>
+            <p:ph type="title"/>
+          </p:nvPr>
+        </p:nvSpPr>
         <p:spPr/>
         <p:txBody>
           <a:bodyPr/>
@@ -14797,7 +14884,7 @@
 </p:sld>
 </file>
 
-<file path=ppt/slides/slide25.xml><?xml version="1.0" encoding="utf-8"?>
+<file path=ppt/slides/slide26.xml><?xml version="1.0" encoding="utf-8"?>
 <p:sld xmlns:a="http://schemas.openxmlformats.org/drawingml/2006/main" xmlns:r="http://schemas.openxmlformats.org/officeDocument/2006/relationships" xmlns:p="http://schemas.openxmlformats.org/presentationml/2006/main">
   <p:cSld>
     <p:spTree>
